--- a/Predicting product demand.pptx
+++ b/Predicting product demand.pptx
@@ -5,18 +5,19 @@
     <p:sldMasterId id="2147483648" r:id="rId1"/>
   </p:sldMasterIdLst>
   <p:notesMasterIdLst>
-    <p:notesMasterId r:id="rId11"/>
+    <p:notesMasterId r:id="rId12"/>
   </p:notesMasterIdLst>
   <p:sldIdLst>
     <p:sldId id="256" r:id="rId2"/>
-    <p:sldId id="257" r:id="rId3"/>
-    <p:sldId id="258" r:id="rId4"/>
-    <p:sldId id="259" r:id="rId5"/>
-    <p:sldId id="261" r:id="rId6"/>
-    <p:sldId id="260" r:id="rId7"/>
-    <p:sldId id="262" r:id="rId8"/>
-    <p:sldId id="263" r:id="rId9"/>
-    <p:sldId id="266" r:id="rId10"/>
+    <p:sldId id="267" r:id="rId3"/>
+    <p:sldId id="257" r:id="rId4"/>
+    <p:sldId id="258" r:id="rId5"/>
+    <p:sldId id="259" r:id="rId6"/>
+    <p:sldId id="261" r:id="rId7"/>
+    <p:sldId id="260" r:id="rId8"/>
+    <p:sldId id="262" r:id="rId9"/>
+    <p:sldId id="263" r:id="rId10"/>
+    <p:sldId id="266" r:id="rId11"/>
   </p:sldIdLst>
   <p:sldSz cx="12192000" cy="6858000"/>
   <p:notesSz cx="6858000" cy="9144000"/>
@@ -115,6 +116,11 @@
       </a:defRPr>
     </a:lvl9pPr>
   </p:defaultTextStyle>
+  <p:extLst>
+    <p:ext uri="{EFAFB233-063F-42B5-8137-9DF3F51BA10A}">
+      <p15:sldGuideLst xmlns:p15="http://schemas.microsoft.com/office/powerpoint/2012/main"/>
+    </p:ext>
+  </p:extLst>
 </p:presentation>
 </file>
 
@@ -200,7 +206,7 @@
           <a:p>
             <a:fld id="{E2D10B3A-C4F9-4EC3-B5E4-A15C328AB72E}" type="datetimeFigureOut">
               <a:rPr lang="en-US" smtClean="0"/>
-              <a:t>4/20/2025</a:t>
+              <a:t>4/21/2025</a:t>
             </a:fld>
             <a:endParaRPr lang="en-US"/>
           </a:p>
@@ -511,9 +517,12 @@
           <a:bodyPr/>
           <a:lstStyle/>
           <a:p>
+            <a:pPr marL="0" indent="0">
+              <a:buNone/>
+            </a:pPr>
             <a:r>
               <a:rPr lang="en-US" dirty="0"/>
-              <a:t>Grupo Bimbo is large a Mexican company that sells baked goods all over the world.  In this project, we predict the demand of perishable baked goods in central Mexico.  Each week, clients receive products arriving along various routes originating from numerous sales depots.  Any unsold goods at the end of the week are bought back at half price by Grupo Bimbo (i.e. returns).  For each product purchased by each client, the target variable is adjusted demand, which is equal to the number of sales minus the number of returns.  Our training data contains past sales data on weeks 3 through 9.  The goal is to predict the adjusted demand for many clients in weeks 10 and 11.</a:t>
+              <a:t>Inventory management is a universal challenge for businesses. With rising competition and expanding urban areas, inventory facilities have become increasingly expensive. Making smart inventory decisions is crucial—not just to remain competitive in the market but also to adapt to rapidly changing demands. This is especially important for companies dealing with perishable goods. These businesses must strike a careful balance between meeting demand and avoiding oversupply.</a:t>
             </a:r>
           </a:p>
         </p:txBody>
@@ -544,7 +553,7 @@
     </p:spTree>
     <p:extLst>
       <p:ext uri="{BB962C8B-B14F-4D97-AF65-F5344CB8AC3E}">
-        <p14:creationId xmlns:p14="http://schemas.microsoft.com/office/powerpoint/2010/main" val="3665535001"/>
+        <p14:creationId xmlns:p14="http://schemas.microsoft.com/office/powerpoint/2010/main" val="718461940"/>
       </p:ext>
     </p:extLst>
   </p:cSld>
@@ -600,7 +609,7 @@
           <a:p>
             <a:r>
               <a:rPr lang="en-US" dirty="0"/>
-              <a:t>The training data set has roughly 75 million rows! In addition to week number and adjusted demand, each row contains 13 entries, such as week number, client ID, product ID, route ID, etc.  Additional information provided is the client names, product names, and town/state locations.  This dataset was collected from central Mexico.</a:t>
+              <a:t>Grupo Bimbo is large a Mexican company that sells baked goods all over the world.  In this project, we predict the demand of perishable baked goods in central Mexico.  Each week, clients receive products arriving along various routes originating from numerous sales depots.  Any unsold goods at the end of the week are bought back at half price by Grupo Bimbo (i.e. returns).  For each product purchased by each client, the target variable is adjusted demand, which is equal to the number of sales minus the number of returns.  Our training data contains past sales data on weeks 3 through 9.  The goal is to predict the adjusted demand for many clients in weeks 10 and 11.</a:t>
             </a:r>
           </a:p>
         </p:txBody>
@@ -631,7 +640,7 @@
     </p:spTree>
     <p:extLst>
       <p:ext uri="{BB962C8B-B14F-4D97-AF65-F5344CB8AC3E}">
-        <p14:creationId xmlns:p14="http://schemas.microsoft.com/office/powerpoint/2010/main" val="1260558994"/>
+        <p14:creationId xmlns:p14="http://schemas.microsoft.com/office/powerpoint/2010/main" val="3665535001"/>
       </p:ext>
     </p:extLst>
   </p:cSld>
@@ -687,34 +696,7 @@
           <a:p>
             <a:r>
               <a:rPr lang="en-US" dirty="0"/>
-              <a:t>As mentioned before, the training data set has roughly 75 million rows!  There are around 880k unique clients and 2.5k unique products.</a:t>
-            </a:r>
-          </a:p>
-          <a:p>
-            <a:endParaRPr lang="en-US" dirty="0"/>
-          </a:p>
-          <a:p>
-            <a:r>
-              <a:rPr lang="en-US" dirty="0"/>
-              <a:t>Many client/product pairs have missing values.  A common occurrence is ‘client X buys some amount of product Y in weeks 3, 7, and 8’.  There is no data for client X and product Y in weeks 4, 5, 6, 9.  Did client X not purchase any of product Y during those weeks? Or is this data missing? The answer is not provided.</a:t>
-            </a:r>
-          </a:p>
-          <a:p>
-            <a:endParaRPr lang="en-US" dirty="0"/>
-          </a:p>
-          <a:p>
-            <a:r>
-              <a:rPr lang="en-US" dirty="0"/>
-              <a:t>The clients for which we predict demand in weeks 10 and/or 11 may not be present in weeks 3 through 9.  The same issue appears for training models.  If we use weeks 3 – 8 to train a model, there are new clients in week 9.</a:t>
-            </a:r>
-          </a:p>
-          <a:p>
-            <a:endParaRPr lang="en-US" dirty="0"/>
-          </a:p>
-          <a:p>
-            <a:r>
-              <a:rPr lang="en-US" dirty="0"/>
-              <a:t>This is a time series data set with only 7 time entries!</a:t>
+              <a:t>The training data set has roughly 75 million rows! In addition to week number and adjusted demand, each row contains 13 entries, such as week number, client ID, product ID, route ID, etc.  Additional information provided is the client names, product names, and town/state locations.  This dataset was collected from central Mexico.</a:t>
             </a:r>
           </a:p>
         </p:txBody>
@@ -736,7 +718,7 @@
           <a:p>
             <a:fld id="{9881FB53-477E-47AB-9C04-CE32FC40BF5A}" type="slidenum">
               <a:rPr lang="en-US" smtClean="0"/>
-              <a:t>5</a:t>
+              <a:t>4</a:t>
             </a:fld>
             <a:endParaRPr lang="en-US"/>
           </a:p>
@@ -745,7 +727,7 @@
     </p:spTree>
     <p:extLst>
       <p:ext uri="{BB962C8B-B14F-4D97-AF65-F5344CB8AC3E}">
-        <p14:creationId xmlns:p14="http://schemas.microsoft.com/office/powerpoint/2010/main" val="752841090"/>
+        <p14:creationId xmlns:p14="http://schemas.microsoft.com/office/powerpoint/2010/main" val="1260558994"/>
       </p:ext>
     </p:extLst>
   </p:cSld>
@@ -801,6 +783,120 @@
           <a:p>
             <a:r>
               <a:rPr lang="en-US" dirty="0"/>
+              <a:t>As mentioned before, the training data set has roughly 75 million rows!  There are around 880k unique clients and 2.5k unique products.</a:t>
+            </a:r>
+          </a:p>
+          <a:p>
+            <a:endParaRPr lang="en-US" dirty="0"/>
+          </a:p>
+          <a:p>
+            <a:r>
+              <a:rPr lang="en-US" dirty="0"/>
+              <a:t>Many client/product pairs have missing values.  A common occurrence is ‘client X buys some amount of product Y in weeks 3, 7, and 8’.  There is no data for client X and product Y in weeks 4, 5, 6, 9.  Did client X not purchase any of product Y during those weeks? Or is this data missing? The answer is not provided.</a:t>
+            </a:r>
+          </a:p>
+          <a:p>
+            <a:endParaRPr lang="en-US" dirty="0"/>
+          </a:p>
+          <a:p>
+            <a:r>
+              <a:rPr lang="en-US" dirty="0"/>
+              <a:t>The clients for which we predict demand in weeks 10 and/or 11 may not be present in weeks 3 through 9.  The same issue appears for training models.  If we use weeks 3 – 8 to train a model, there are new clients in week 9.</a:t>
+            </a:r>
+          </a:p>
+          <a:p>
+            <a:endParaRPr lang="en-US" dirty="0"/>
+          </a:p>
+          <a:p>
+            <a:r>
+              <a:rPr lang="en-US" dirty="0"/>
+              <a:t>This is a time series data set with only 7 time entries!</a:t>
+            </a:r>
+          </a:p>
+        </p:txBody>
+      </p:sp>
+      <p:sp>
+        <p:nvSpPr>
+          <p:cNvPr id="4" name="Slide Number Placeholder 3"/>
+          <p:cNvSpPr>
+            <a:spLocks noGrp="1"/>
+          </p:cNvSpPr>
+          <p:nvPr>
+            <p:ph type="sldNum" sz="quarter" idx="5"/>
+          </p:nvPr>
+        </p:nvSpPr>
+        <p:spPr/>
+        <p:txBody>
+          <a:bodyPr/>
+          <a:lstStyle/>
+          <a:p>
+            <a:fld id="{9881FB53-477E-47AB-9C04-CE32FC40BF5A}" type="slidenum">
+              <a:rPr lang="en-US" smtClean="0"/>
+              <a:t>6</a:t>
+            </a:fld>
+            <a:endParaRPr lang="en-US"/>
+          </a:p>
+        </p:txBody>
+      </p:sp>
+    </p:spTree>
+    <p:extLst>
+      <p:ext uri="{BB962C8B-B14F-4D97-AF65-F5344CB8AC3E}">
+        <p14:creationId xmlns:p14="http://schemas.microsoft.com/office/powerpoint/2010/main" val="752841090"/>
+      </p:ext>
+    </p:extLst>
+  </p:cSld>
+  <p:clrMapOvr>
+    <a:masterClrMapping/>
+  </p:clrMapOvr>
+</p:notes>
+</file>
+
+<file path=ppt/notesSlides/notesSlide5.xml><?xml version="1.0" encoding="utf-8"?>
+<p:notes xmlns:a="http://schemas.openxmlformats.org/drawingml/2006/main" xmlns:r="http://schemas.openxmlformats.org/officeDocument/2006/relationships" xmlns:p="http://schemas.openxmlformats.org/presentationml/2006/main">
+  <p:cSld>
+    <p:spTree>
+      <p:nvGrpSpPr>
+        <p:cNvPr id="1" name=""/>
+        <p:cNvGrpSpPr/>
+        <p:nvPr/>
+      </p:nvGrpSpPr>
+      <p:grpSpPr>
+        <a:xfrm>
+          <a:off x="0" y="0"/>
+          <a:ext cx="0" cy="0"/>
+          <a:chOff x="0" y="0"/>
+          <a:chExt cx="0" cy="0"/>
+        </a:xfrm>
+      </p:grpSpPr>
+      <p:sp>
+        <p:nvSpPr>
+          <p:cNvPr id="2" name="Slide Image Placeholder 1"/>
+          <p:cNvSpPr>
+            <a:spLocks noGrp="1" noRot="1" noChangeAspect="1"/>
+          </p:cNvSpPr>
+          <p:nvPr>
+            <p:ph type="sldImg"/>
+          </p:nvPr>
+        </p:nvSpPr>
+        <p:spPr/>
+      </p:sp>
+      <p:sp>
+        <p:nvSpPr>
+          <p:cNvPr id="3" name="Notes Placeholder 2"/>
+          <p:cNvSpPr>
+            <a:spLocks noGrp="1"/>
+          </p:cNvSpPr>
+          <p:nvPr>
+            <p:ph type="body" idx="1"/>
+          </p:nvPr>
+        </p:nvSpPr>
+        <p:spPr/>
+        <p:txBody>
+          <a:bodyPr/>
+          <a:lstStyle/>
+          <a:p>
+            <a:r>
+              <a:rPr lang="en-US" dirty="0"/>
               <a:t>Our best performing model is a </a:t>
             </a:r>
             <a:r>
@@ -839,7 +935,7 @@
           <a:p>
             <a:fld id="{9881FB53-477E-47AB-9C04-CE32FC40BF5A}" type="slidenum">
               <a:rPr lang="en-US" smtClean="0"/>
-              <a:t>8</a:t>
+              <a:t>9</a:t>
             </a:fld>
             <a:endParaRPr lang="en-US"/>
           </a:p>
@@ -1005,7 +1101,7 @@
           <a:p>
             <a:fld id="{289D7825-F35C-46E4-99C6-F996D73DB785}" type="datetimeFigureOut">
               <a:rPr lang="en-US" smtClean="0"/>
-              <a:t>4/20/2025</a:t>
+              <a:t>4/21/2025</a:t>
             </a:fld>
             <a:endParaRPr lang="en-US"/>
           </a:p>
@@ -1203,7 +1299,7 @@
           <a:p>
             <a:fld id="{289D7825-F35C-46E4-99C6-F996D73DB785}" type="datetimeFigureOut">
               <a:rPr lang="en-US" smtClean="0"/>
-              <a:t>4/20/2025</a:t>
+              <a:t>4/21/2025</a:t>
             </a:fld>
             <a:endParaRPr lang="en-US"/>
           </a:p>
@@ -1411,7 +1507,7 @@
           <a:p>
             <a:fld id="{289D7825-F35C-46E4-99C6-F996D73DB785}" type="datetimeFigureOut">
               <a:rPr lang="en-US" smtClean="0"/>
-              <a:t>4/20/2025</a:t>
+              <a:t>4/21/2025</a:t>
             </a:fld>
             <a:endParaRPr lang="en-US"/>
           </a:p>
@@ -1609,7 +1705,7 @@
           <a:p>
             <a:fld id="{289D7825-F35C-46E4-99C6-F996D73DB785}" type="datetimeFigureOut">
               <a:rPr lang="en-US" smtClean="0"/>
-              <a:t>4/20/2025</a:t>
+              <a:t>4/21/2025</a:t>
             </a:fld>
             <a:endParaRPr lang="en-US"/>
           </a:p>
@@ -1884,7 +1980,7 @@
           <a:p>
             <a:fld id="{289D7825-F35C-46E4-99C6-F996D73DB785}" type="datetimeFigureOut">
               <a:rPr lang="en-US" smtClean="0"/>
-              <a:t>4/20/2025</a:t>
+              <a:t>4/21/2025</a:t>
             </a:fld>
             <a:endParaRPr lang="en-US"/>
           </a:p>
@@ -2149,7 +2245,7 @@
           <a:p>
             <a:fld id="{289D7825-F35C-46E4-99C6-F996D73DB785}" type="datetimeFigureOut">
               <a:rPr lang="en-US" smtClean="0"/>
-              <a:t>4/20/2025</a:t>
+              <a:t>4/21/2025</a:t>
             </a:fld>
             <a:endParaRPr lang="en-US"/>
           </a:p>
@@ -2561,7 +2657,7 @@
           <a:p>
             <a:fld id="{289D7825-F35C-46E4-99C6-F996D73DB785}" type="datetimeFigureOut">
               <a:rPr lang="en-US" smtClean="0"/>
-              <a:t>4/20/2025</a:t>
+              <a:t>4/21/2025</a:t>
             </a:fld>
             <a:endParaRPr lang="en-US"/>
           </a:p>
@@ -2702,7 +2798,7 @@
           <a:p>
             <a:fld id="{289D7825-F35C-46E4-99C6-F996D73DB785}" type="datetimeFigureOut">
               <a:rPr lang="en-US" smtClean="0"/>
-              <a:t>4/20/2025</a:t>
+              <a:t>4/21/2025</a:t>
             </a:fld>
             <a:endParaRPr lang="en-US"/>
           </a:p>
@@ -2815,7 +2911,7 @@
           <a:p>
             <a:fld id="{289D7825-F35C-46E4-99C6-F996D73DB785}" type="datetimeFigureOut">
               <a:rPr lang="en-US" smtClean="0"/>
-              <a:t>4/20/2025</a:t>
+              <a:t>4/21/2025</a:t>
             </a:fld>
             <a:endParaRPr lang="en-US"/>
           </a:p>
@@ -3126,7 +3222,7 @@
           <a:p>
             <a:fld id="{289D7825-F35C-46E4-99C6-F996D73DB785}" type="datetimeFigureOut">
               <a:rPr lang="en-US" smtClean="0"/>
-              <a:t>4/20/2025</a:t>
+              <a:t>4/21/2025</a:t>
             </a:fld>
             <a:endParaRPr lang="en-US"/>
           </a:p>
@@ -3414,7 +3510,7 @@
           <a:p>
             <a:fld id="{289D7825-F35C-46E4-99C6-F996D73DB785}" type="datetimeFigureOut">
               <a:rPr lang="en-US" smtClean="0"/>
-              <a:t>4/20/2025</a:t>
+              <a:t>4/21/2025</a:t>
             </a:fld>
             <a:endParaRPr lang="en-US"/>
           </a:p>
@@ -3655,7 +3751,7 @@
           <a:p>
             <a:fld id="{289D7825-F35C-46E4-99C6-F996D73DB785}" type="datetimeFigureOut">
               <a:rPr lang="en-US" smtClean="0"/>
-              <a:t>4/20/2025</a:t>
+              <a:t>4/21/2025</a:t>
             </a:fld>
             <a:endParaRPr lang="en-US"/>
           </a:p>
@@ -4321,7 +4417,281 @@
 </p:sld>
 </file>
 
+<file path=ppt/slides/slide10.xml><?xml version="1.0" encoding="utf-8"?>
+<p:sld xmlns:a="http://schemas.openxmlformats.org/drawingml/2006/main" xmlns:r="http://schemas.openxmlformats.org/officeDocument/2006/relationships" xmlns:p="http://schemas.openxmlformats.org/presentationml/2006/main">
+  <p:cSld>
+    <p:spTree>
+      <p:nvGrpSpPr>
+        <p:cNvPr id="1" name=""/>
+        <p:cNvGrpSpPr/>
+        <p:nvPr/>
+      </p:nvGrpSpPr>
+      <p:grpSpPr>
+        <a:xfrm>
+          <a:off x="0" y="0"/>
+          <a:ext cx="0" cy="0"/>
+          <a:chOff x="0" y="0"/>
+          <a:chExt cx="0" cy="0"/>
+        </a:xfrm>
+      </p:grpSpPr>
+      <p:sp>
+        <p:nvSpPr>
+          <p:cNvPr id="2" name="Title 1">
+            <a:extLst>
+              <a:ext uri="{FF2B5EF4-FFF2-40B4-BE49-F238E27FC236}">
+                <a16:creationId xmlns:a16="http://schemas.microsoft.com/office/drawing/2014/main" id="{A70C10F9-D432-8FE9-2264-B24324819E68}"/>
+              </a:ext>
+            </a:extLst>
+          </p:cNvPr>
+          <p:cNvSpPr>
+            <a:spLocks noGrp="1"/>
+          </p:cNvSpPr>
+          <p:nvPr>
+            <p:ph type="title"/>
+          </p:nvPr>
+        </p:nvSpPr>
+        <p:spPr/>
+        <p:txBody>
+          <a:bodyPr/>
+          <a:lstStyle/>
+          <a:p>
+            <a:r>
+              <a:rPr lang="en-US" dirty="0"/>
+              <a:t>Future directions</a:t>
+            </a:r>
+          </a:p>
+        </p:txBody>
+      </p:sp>
+      <p:sp>
+        <p:nvSpPr>
+          <p:cNvPr id="3" name="Content Placeholder 2">
+            <a:extLst>
+              <a:ext uri="{FF2B5EF4-FFF2-40B4-BE49-F238E27FC236}">
+                <a16:creationId xmlns:a16="http://schemas.microsoft.com/office/drawing/2014/main" id="{614DC9D4-3388-C075-8EEB-994004A69EEA}"/>
+              </a:ext>
+            </a:extLst>
+          </p:cNvPr>
+          <p:cNvSpPr>
+            <a:spLocks noGrp="1"/>
+          </p:cNvSpPr>
+          <p:nvPr>
+            <p:ph idx="1"/>
+          </p:nvPr>
+        </p:nvSpPr>
+        <p:spPr/>
+        <p:txBody>
+          <a:bodyPr/>
+          <a:lstStyle/>
+          <a:p>
+            <a:r>
+              <a:rPr lang="en-US" dirty="0"/>
+              <a:t>More power!</a:t>
+            </a:r>
+          </a:p>
+          <a:p>
+            <a:r>
+              <a:rPr lang="en-US" dirty="0"/>
+              <a:t>Imputing missing values</a:t>
+            </a:r>
+          </a:p>
+          <a:p>
+            <a:r>
+              <a:rPr lang="en-US" dirty="0"/>
+              <a:t>Splitting data into small/big sellers</a:t>
+            </a:r>
+          </a:p>
+          <a:p>
+            <a:r>
+              <a:rPr lang="en-US" dirty="0"/>
+              <a:t>Models other than </a:t>
+            </a:r>
+            <a:r>
+              <a:rPr lang="en-US" dirty="0" err="1"/>
+              <a:t>xgboost</a:t>
+            </a:r>
+            <a:endParaRPr lang="en-US" dirty="0"/>
+          </a:p>
+        </p:txBody>
+      </p:sp>
+    </p:spTree>
+    <p:extLst>
+      <p:ext uri="{BB962C8B-B14F-4D97-AF65-F5344CB8AC3E}">
+        <p14:creationId xmlns:p14="http://schemas.microsoft.com/office/powerpoint/2010/main" val="1701067441"/>
+      </p:ext>
+    </p:extLst>
+  </p:cSld>
+  <p:clrMapOvr>
+    <a:masterClrMapping/>
+  </p:clrMapOvr>
+</p:sld>
+</file>
+
 <file path=ppt/slides/slide2.xml><?xml version="1.0" encoding="utf-8"?>
+<p:sld xmlns:a="http://schemas.openxmlformats.org/drawingml/2006/main" xmlns:r="http://schemas.openxmlformats.org/officeDocument/2006/relationships" xmlns:p="http://schemas.openxmlformats.org/presentationml/2006/main">
+  <p:cSld>
+    <p:spTree>
+      <p:nvGrpSpPr>
+        <p:cNvPr id="1" name=""/>
+        <p:cNvGrpSpPr/>
+        <p:nvPr/>
+      </p:nvGrpSpPr>
+      <p:grpSpPr>
+        <a:xfrm>
+          <a:off x="0" y="0"/>
+          <a:ext cx="0" cy="0"/>
+          <a:chOff x="0" y="0"/>
+          <a:chExt cx="0" cy="0"/>
+        </a:xfrm>
+      </p:grpSpPr>
+      <p:sp>
+        <p:nvSpPr>
+          <p:cNvPr id="3" name="Content Placeholder 2">
+            <a:extLst>
+              <a:ext uri="{FF2B5EF4-FFF2-40B4-BE49-F238E27FC236}">
+                <a16:creationId xmlns:a16="http://schemas.microsoft.com/office/drawing/2014/main" id="{0C5F0ECF-6C3C-E2B0-0B22-AC8901889BAA}"/>
+              </a:ext>
+            </a:extLst>
+          </p:cNvPr>
+          <p:cNvSpPr>
+            <a:spLocks noGrp="1"/>
+          </p:cNvSpPr>
+          <p:nvPr>
+            <p:ph idx="1"/>
+          </p:nvPr>
+        </p:nvSpPr>
+        <p:spPr>
+          <a:xfrm>
+            <a:off x="3287110" y="457201"/>
+            <a:ext cx="8068278" cy="5403850"/>
+          </a:xfrm>
+        </p:spPr>
+        <p:txBody>
+          <a:bodyPr>
+            <a:normAutofit/>
+          </a:bodyPr>
+          <a:lstStyle/>
+          <a:p>
+            <a:pPr marL="0" indent="0">
+              <a:buNone/>
+            </a:pPr>
+            <a:r>
+              <a:rPr lang="en-US" b="1" dirty="0"/>
+              <a:t>Motivation</a:t>
+            </a:r>
+          </a:p>
+          <a:p>
+            <a:pPr>
+              <a:buFont typeface="Arial" panose="020B0604020202020204" pitchFamily="34" charset="0"/>
+              <a:buChar char="•"/>
+            </a:pPr>
+            <a:r>
+              <a:rPr lang="en-US" sz="2400" dirty="0"/>
+              <a:t>Keeping track of inventory helps businesses stay ahead of the game.</a:t>
+            </a:r>
+          </a:p>
+          <a:p>
+            <a:pPr>
+              <a:buFont typeface="Arial" panose="020B0604020202020204" pitchFamily="34" charset="0"/>
+              <a:buChar char="•"/>
+            </a:pPr>
+            <a:r>
+              <a:rPr lang="en-US" sz="2400" dirty="0"/>
+              <a:t>High storage costs mean smart planning is a must.</a:t>
+            </a:r>
+          </a:p>
+          <a:p>
+            <a:pPr>
+              <a:buFont typeface="Arial" panose="020B0604020202020204" pitchFamily="34" charset="0"/>
+              <a:buChar char="•"/>
+            </a:pPr>
+            <a:r>
+              <a:rPr lang="en-US" sz="2400" dirty="0"/>
+              <a:t>For perishable goods, managing inventory can stop waste and shortages.</a:t>
+            </a:r>
+          </a:p>
+          <a:p>
+            <a:pPr>
+              <a:buFont typeface="Arial" panose="020B0604020202020204" pitchFamily="34" charset="0"/>
+              <a:buChar char="•"/>
+            </a:pPr>
+            <a:r>
+              <a:rPr lang="en-US" sz="2400" dirty="0"/>
+              <a:t>Matching supply with demand is crucial when things change fast.</a:t>
+            </a:r>
+          </a:p>
+          <a:p>
+            <a:pPr marL="0" indent="0">
+              <a:buNone/>
+            </a:pPr>
+            <a:r>
+              <a:rPr lang="en-US" b="1" dirty="0"/>
+              <a:t>Goal</a:t>
+            </a:r>
+          </a:p>
+          <a:p>
+            <a:r>
+              <a:rPr lang="en-US" dirty="0"/>
+              <a:t>Develop a predictive model to optimize firms’ inventory decision</a:t>
+            </a:r>
+          </a:p>
+          <a:p>
+            <a:pPr marL="0" indent="0">
+              <a:buNone/>
+            </a:pPr>
+            <a:endParaRPr lang="en-US" sz="2400" dirty="0"/>
+          </a:p>
+        </p:txBody>
+      </p:sp>
+      <p:pic>
+        <p:nvPicPr>
+          <p:cNvPr id="8" name="Picture 7" descr="A display of vegetables and fruits">
+            <a:extLst>
+              <a:ext uri="{FF2B5EF4-FFF2-40B4-BE49-F238E27FC236}">
+                <a16:creationId xmlns:a16="http://schemas.microsoft.com/office/drawing/2014/main" id="{65C9F6B8-A406-2CBC-0B57-FF2C614B3F8A}"/>
+              </a:ext>
+            </a:extLst>
+          </p:cNvPr>
+          <p:cNvPicPr>
+            <a:picLocks noChangeAspect="1"/>
+          </p:cNvPicPr>
+          <p:nvPr/>
+        </p:nvPicPr>
+        <p:blipFill>
+          <a:blip r:embed="rId3">
+            <a:extLst>
+              <a:ext uri="{28A0092B-C50C-407E-A947-70E740481C1C}">
+                <a14:useLocalDpi xmlns:a14="http://schemas.microsoft.com/office/drawing/2010/main" val="0"/>
+              </a:ext>
+            </a:extLst>
+          </a:blip>
+          <a:stretch>
+            <a:fillRect/>
+          </a:stretch>
+        </p:blipFill>
+        <p:spPr>
+          <a:xfrm>
+            <a:off x="-3085981" y="0"/>
+            <a:ext cx="6373091" cy="6858000"/>
+          </a:xfrm>
+          <a:prstGeom prst="rect">
+            <a:avLst/>
+          </a:prstGeom>
+        </p:spPr>
+      </p:pic>
+    </p:spTree>
+    <p:extLst>
+      <p:ext uri="{BB962C8B-B14F-4D97-AF65-F5344CB8AC3E}">
+        <p14:creationId xmlns:p14="http://schemas.microsoft.com/office/powerpoint/2010/main" val="3222464318"/>
+      </p:ext>
+    </p:extLst>
+  </p:cSld>
+  <p:clrMapOvr>
+    <a:masterClrMapping/>
+  </p:clrMapOvr>
+</p:sld>
+</file>
+
+<file path=ppt/slides/slide3.xml><?xml version="1.0" encoding="utf-8"?>
 <p:sld xmlns:a="http://schemas.openxmlformats.org/drawingml/2006/main" xmlns:r="http://schemas.openxmlformats.org/officeDocument/2006/relationships" xmlns:p="http://schemas.openxmlformats.org/presentationml/2006/main">
   <p:cSld>
     <p:bg>
@@ -4822,7 +5192,7 @@
 </p:sld>
 </file>
 
-<file path=ppt/slides/slide3.xml><?xml version="1.0" encoding="utf-8"?>
+<file path=ppt/slides/slide4.xml><?xml version="1.0" encoding="utf-8"?>
 <p:sld xmlns:a="http://schemas.openxmlformats.org/drawingml/2006/main" xmlns:r="http://schemas.openxmlformats.org/officeDocument/2006/relationships" xmlns:p="http://schemas.openxmlformats.org/presentationml/2006/main">
   <p:cSld>
     <p:bg>
@@ -5042,89 +5412,6 @@
 </p:sld>
 </file>
 
-<file path=ppt/slides/slide4.xml><?xml version="1.0" encoding="utf-8"?>
-<p:sld xmlns:a="http://schemas.openxmlformats.org/drawingml/2006/main" xmlns:r="http://schemas.openxmlformats.org/officeDocument/2006/relationships" xmlns:p="http://schemas.openxmlformats.org/presentationml/2006/main">
-  <p:cSld>
-    <p:spTree>
-      <p:nvGrpSpPr>
-        <p:cNvPr id="1" name=""/>
-        <p:cNvGrpSpPr/>
-        <p:nvPr/>
-      </p:nvGrpSpPr>
-      <p:grpSpPr>
-        <a:xfrm>
-          <a:off x="0" y="0"/>
-          <a:ext cx="0" cy="0"/>
-          <a:chOff x="0" y="0"/>
-          <a:chExt cx="0" cy="0"/>
-        </a:xfrm>
-      </p:grpSpPr>
-      <p:sp>
-        <p:nvSpPr>
-          <p:cNvPr id="2" name="Title 1">
-            <a:extLst>
-              <a:ext uri="{FF2B5EF4-FFF2-40B4-BE49-F238E27FC236}">
-                <a16:creationId xmlns:a16="http://schemas.microsoft.com/office/drawing/2014/main" id="{023D55A0-500B-7E01-765A-8ED4B982BB1B}"/>
-              </a:ext>
-            </a:extLst>
-          </p:cNvPr>
-          <p:cNvSpPr>
-            <a:spLocks noGrp="1"/>
-          </p:cNvSpPr>
-          <p:nvPr>
-            <p:ph type="title"/>
-          </p:nvPr>
-        </p:nvSpPr>
-        <p:spPr/>
-        <p:txBody>
-          <a:bodyPr/>
-          <a:lstStyle/>
-          <a:p>
-            <a:r>
-              <a:rPr lang="en-US" dirty="0"/>
-              <a:t>Heat map of demand</a:t>
-            </a:r>
-          </a:p>
-        </p:txBody>
-      </p:sp>
-      <p:sp>
-        <p:nvSpPr>
-          <p:cNvPr id="3" name="Content Placeholder 2">
-            <a:extLst>
-              <a:ext uri="{FF2B5EF4-FFF2-40B4-BE49-F238E27FC236}">
-                <a16:creationId xmlns:a16="http://schemas.microsoft.com/office/drawing/2014/main" id="{FE99D859-29A6-F8E2-4425-656AA97764B4}"/>
-              </a:ext>
-            </a:extLst>
-          </p:cNvPr>
-          <p:cNvSpPr>
-            <a:spLocks noGrp="1"/>
-          </p:cNvSpPr>
-          <p:nvPr>
-            <p:ph idx="1"/>
-          </p:nvPr>
-        </p:nvSpPr>
-        <p:spPr/>
-        <p:txBody>
-          <a:bodyPr/>
-          <a:lstStyle/>
-          <a:p>
-            <a:endParaRPr lang="en-US"/>
-          </a:p>
-        </p:txBody>
-      </p:sp>
-    </p:spTree>
-    <p:extLst>
-      <p:ext uri="{BB962C8B-B14F-4D97-AF65-F5344CB8AC3E}">
-        <p14:creationId xmlns:p14="http://schemas.microsoft.com/office/powerpoint/2010/main" val="4019964248"/>
-      </p:ext>
-    </p:extLst>
-  </p:cSld>
-  <p:clrMapOvr>
-    <a:masterClrMapping/>
-  </p:clrMapOvr>
-</p:sld>
-</file>
-
 <file path=ppt/slides/slide5.xml><?xml version="1.0" encoding="utf-8"?>
 <p:sld xmlns:a="http://schemas.openxmlformats.org/drawingml/2006/main" xmlns:r="http://schemas.openxmlformats.org/officeDocument/2006/relationships" xmlns:p="http://schemas.openxmlformats.org/presentationml/2006/main">
   <p:cSld>
@@ -5147,7 +5434,7 @@
           <p:cNvPr id="2" name="Title 1">
             <a:extLst>
               <a:ext uri="{FF2B5EF4-FFF2-40B4-BE49-F238E27FC236}">
-                <a16:creationId xmlns:a16="http://schemas.microsoft.com/office/drawing/2014/main" id="{936D34E2-7E34-8A76-DCA1-30825A148698}"/>
+                <a16:creationId xmlns:a16="http://schemas.microsoft.com/office/drawing/2014/main" id="{023D55A0-500B-7E01-765A-8ED4B982BB1B}"/>
               </a:ext>
             </a:extLst>
           </p:cNvPr>
@@ -5165,7 +5452,7 @@
           <a:p>
             <a:r>
               <a:rPr lang="en-US" dirty="0"/>
-              <a:t>Challenges</a:t>
+              <a:t>Heat map of demand</a:t>
             </a:r>
           </a:p>
         </p:txBody>
@@ -5175,7 +5462,7 @@
           <p:cNvPr id="3" name="Content Placeholder 2">
             <a:extLst>
               <a:ext uri="{FF2B5EF4-FFF2-40B4-BE49-F238E27FC236}">
-                <a16:creationId xmlns:a16="http://schemas.microsoft.com/office/drawing/2014/main" id="{78FF01B8-B5D3-77E5-8A0B-E912A465FF78}"/>
+                <a16:creationId xmlns:a16="http://schemas.microsoft.com/office/drawing/2014/main" id="{FE99D859-29A6-F8E2-4425-656AA97764B4}"/>
               </a:ext>
             </a:extLst>
           </p:cNvPr>
@@ -5191,35 +5478,14 @@
           <a:bodyPr/>
           <a:lstStyle/>
           <a:p>
-            <a:r>
-              <a:rPr lang="en-US" dirty="0"/>
-              <a:t>Size of data set</a:t>
-            </a:r>
-          </a:p>
-          <a:p>
-            <a:r>
-              <a:rPr lang="en-US" dirty="0"/>
-              <a:t>Missing values or no sales?</a:t>
-            </a:r>
-          </a:p>
-          <a:p>
-            <a:r>
-              <a:rPr lang="en-US" dirty="0"/>
-              <a:t>New clients and new products</a:t>
-            </a:r>
-          </a:p>
-          <a:p>
-            <a:r>
-              <a:rPr lang="en-US" dirty="0"/>
-              <a:t>Time series data with only 7 events</a:t>
-            </a:r>
+            <a:endParaRPr lang="en-US"/>
           </a:p>
         </p:txBody>
       </p:sp>
     </p:spTree>
     <p:extLst>
       <p:ext uri="{BB962C8B-B14F-4D97-AF65-F5344CB8AC3E}">
-        <p14:creationId xmlns:p14="http://schemas.microsoft.com/office/powerpoint/2010/main" val="3945496046"/>
+        <p14:creationId xmlns:p14="http://schemas.microsoft.com/office/powerpoint/2010/main" val="4019964248"/>
       </p:ext>
     </p:extLst>
   </p:cSld>
@@ -5251,6 +5517,110 @@
           <p:cNvPr id="2" name="Title 1">
             <a:extLst>
               <a:ext uri="{FF2B5EF4-FFF2-40B4-BE49-F238E27FC236}">
+                <a16:creationId xmlns:a16="http://schemas.microsoft.com/office/drawing/2014/main" id="{936D34E2-7E34-8A76-DCA1-30825A148698}"/>
+              </a:ext>
+            </a:extLst>
+          </p:cNvPr>
+          <p:cNvSpPr>
+            <a:spLocks noGrp="1"/>
+          </p:cNvSpPr>
+          <p:nvPr>
+            <p:ph type="title"/>
+          </p:nvPr>
+        </p:nvSpPr>
+        <p:spPr/>
+        <p:txBody>
+          <a:bodyPr/>
+          <a:lstStyle/>
+          <a:p>
+            <a:r>
+              <a:rPr lang="en-US" dirty="0"/>
+              <a:t>Challenges</a:t>
+            </a:r>
+          </a:p>
+        </p:txBody>
+      </p:sp>
+      <p:sp>
+        <p:nvSpPr>
+          <p:cNvPr id="3" name="Content Placeholder 2">
+            <a:extLst>
+              <a:ext uri="{FF2B5EF4-FFF2-40B4-BE49-F238E27FC236}">
+                <a16:creationId xmlns:a16="http://schemas.microsoft.com/office/drawing/2014/main" id="{78FF01B8-B5D3-77E5-8A0B-E912A465FF78}"/>
+              </a:ext>
+            </a:extLst>
+          </p:cNvPr>
+          <p:cNvSpPr>
+            <a:spLocks noGrp="1"/>
+          </p:cNvSpPr>
+          <p:nvPr>
+            <p:ph idx="1"/>
+          </p:nvPr>
+        </p:nvSpPr>
+        <p:spPr/>
+        <p:txBody>
+          <a:bodyPr/>
+          <a:lstStyle/>
+          <a:p>
+            <a:r>
+              <a:rPr lang="en-US" dirty="0"/>
+              <a:t>Size of data set</a:t>
+            </a:r>
+          </a:p>
+          <a:p>
+            <a:r>
+              <a:rPr lang="en-US" dirty="0"/>
+              <a:t>Missing values or no sales?</a:t>
+            </a:r>
+          </a:p>
+          <a:p>
+            <a:r>
+              <a:rPr lang="en-US" dirty="0"/>
+              <a:t>New clients and new products</a:t>
+            </a:r>
+          </a:p>
+          <a:p>
+            <a:r>
+              <a:rPr lang="en-US" dirty="0"/>
+              <a:t>Time series data with only 7 events</a:t>
+            </a:r>
+          </a:p>
+        </p:txBody>
+      </p:sp>
+    </p:spTree>
+    <p:extLst>
+      <p:ext uri="{BB962C8B-B14F-4D97-AF65-F5344CB8AC3E}">
+        <p14:creationId xmlns:p14="http://schemas.microsoft.com/office/powerpoint/2010/main" val="3945496046"/>
+      </p:ext>
+    </p:extLst>
+  </p:cSld>
+  <p:clrMapOvr>
+    <a:masterClrMapping/>
+  </p:clrMapOvr>
+</p:sld>
+</file>
+
+<file path=ppt/slides/slide7.xml><?xml version="1.0" encoding="utf-8"?>
+<p:sld xmlns:a="http://schemas.openxmlformats.org/drawingml/2006/main" xmlns:r="http://schemas.openxmlformats.org/officeDocument/2006/relationships" xmlns:p="http://schemas.openxmlformats.org/presentationml/2006/main">
+  <p:cSld>
+    <p:spTree>
+      <p:nvGrpSpPr>
+        <p:cNvPr id="1" name=""/>
+        <p:cNvGrpSpPr/>
+        <p:nvPr/>
+      </p:nvGrpSpPr>
+      <p:grpSpPr>
+        <a:xfrm>
+          <a:off x="0" y="0"/>
+          <a:ext cx="0" cy="0"/>
+          <a:chOff x="0" y="0"/>
+          <a:chExt cx="0" cy="0"/>
+        </a:xfrm>
+      </p:grpSpPr>
+      <p:sp>
+        <p:nvSpPr>
+          <p:cNvPr id="2" name="Title 1">
+            <a:extLst>
+              <a:ext uri="{FF2B5EF4-FFF2-40B4-BE49-F238E27FC236}">
                 <a16:creationId xmlns:a16="http://schemas.microsoft.com/office/drawing/2014/main" id="{BBB25F00-DAC4-8488-AE30-8F006B4486AE}"/>
               </a:ext>
             </a:extLst>
@@ -5333,7 +5703,7 @@
 </p:sld>
 </file>
 
-<file path=ppt/slides/slide7.xml><?xml version="1.0" encoding="utf-8"?>
+<file path=ppt/slides/slide8.xml><?xml version="1.0" encoding="utf-8"?>
 <p:sld xmlns:a="http://schemas.openxmlformats.org/drawingml/2006/main" xmlns:r="http://schemas.openxmlformats.org/officeDocument/2006/relationships" xmlns:p="http://schemas.openxmlformats.org/presentationml/2006/main">
   <p:cSld>
     <p:spTree>
@@ -5743,118 +6113,6 @@
 </p:sld>
 </file>
 
-<file path=ppt/slides/slide8.xml><?xml version="1.0" encoding="utf-8"?>
-<p:sld xmlns:a="http://schemas.openxmlformats.org/drawingml/2006/main" xmlns:r="http://schemas.openxmlformats.org/officeDocument/2006/relationships" xmlns:p="http://schemas.openxmlformats.org/presentationml/2006/main">
-  <p:cSld>
-    <p:spTree>
-      <p:nvGrpSpPr>
-        <p:cNvPr id="1" name=""/>
-        <p:cNvGrpSpPr/>
-        <p:nvPr/>
-      </p:nvGrpSpPr>
-      <p:grpSpPr>
-        <a:xfrm>
-          <a:off x="0" y="0"/>
-          <a:ext cx="0" cy="0"/>
-          <a:chOff x="0" y="0"/>
-          <a:chExt cx="0" cy="0"/>
-        </a:xfrm>
-      </p:grpSpPr>
-      <p:sp>
-        <p:nvSpPr>
-          <p:cNvPr id="2" name="Title 1">
-            <a:extLst>
-              <a:ext uri="{FF2B5EF4-FFF2-40B4-BE49-F238E27FC236}">
-                <a16:creationId xmlns:a16="http://schemas.microsoft.com/office/drawing/2014/main" id="{FE9E90A2-174E-5B20-640F-5D4DD79EC5C9}"/>
-              </a:ext>
-            </a:extLst>
-          </p:cNvPr>
-          <p:cNvSpPr>
-            <a:spLocks noGrp="1"/>
-          </p:cNvSpPr>
-          <p:nvPr>
-            <p:ph type="title"/>
-          </p:nvPr>
-        </p:nvSpPr>
-        <p:spPr/>
-        <p:txBody>
-          <a:bodyPr/>
-          <a:lstStyle/>
-          <a:p>
-            <a:r>
-              <a:rPr lang="en-US" dirty="0" err="1"/>
-              <a:t>xgboost</a:t>
-            </a:r>
-            <a:r>
-              <a:rPr lang="en-US" dirty="0"/>
-              <a:t> model</a:t>
-            </a:r>
-          </a:p>
-        </p:txBody>
-      </p:sp>
-      <p:sp>
-        <p:nvSpPr>
-          <p:cNvPr id="3" name="Content Placeholder 2">
-            <a:extLst>
-              <a:ext uri="{FF2B5EF4-FFF2-40B4-BE49-F238E27FC236}">
-                <a16:creationId xmlns:a16="http://schemas.microsoft.com/office/drawing/2014/main" id="{D8515897-033D-B200-2EC8-376CF4FBA309}"/>
-              </a:ext>
-            </a:extLst>
-          </p:cNvPr>
-          <p:cNvSpPr>
-            <a:spLocks noGrp="1"/>
-          </p:cNvSpPr>
-          <p:nvPr>
-            <p:ph idx="1"/>
-          </p:nvPr>
-        </p:nvSpPr>
-        <p:spPr/>
-        <p:txBody>
-          <a:bodyPr/>
-          <a:lstStyle/>
-          <a:p>
-            <a:r>
-              <a:rPr lang="en-US" dirty="0" err="1"/>
-              <a:t>Gridseach</a:t>
-            </a:r>
-            <a:r>
-              <a:rPr lang="en-US" dirty="0"/>
-              <a:t> cross validation</a:t>
-            </a:r>
-          </a:p>
-          <a:p>
-            <a:r>
-              <a:rPr lang="en-US" dirty="0"/>
-              <a:t>Features: adjusted demand of the previous 3 weeks, client ID, client mean/median/min/max, product ID, product mean/median</a:t>
-            </a:r>
-          </a:p>
-          <a:p>
-            <a:r>
-              <a:rPr lang="en-US" dirty="0"/>
-              <a:t>Root mean squared log error of 0.493</a:t>
-            </a:r>
-          </a:p>
-          <a:p>
-            <a:r>
-              <a:rPr lang="en-US" dirty="0"/>
-              <a:t>Top Kaggle score is 0.442</a:t>
-            </a:r>
-          </a:p>
-        </p:txBody>
-      </p:sp>
-    </p:spTree>
-    <p:extLst>
-      <p:ext uri="{BB962C8B-B14F-4D97-AF65-F5344CB8AC3E}">
-        <p14:creationId xmlns:p14="http://schemas.microsoft.com/office/powerpoint/2010/main" val="1019809051"/>
-      </p:ext>
-    </p:extLst>
-  </p:cSld>
-  <p:clrMapOvr>
-    <a:masterClrMapping/>
-  </p:clrMapOvr>
-</p:sld>
-</file>
-
 <file path=ppt/slides/slide9.xml><?xml version="1.0" encoding="utf-8"?>
 <p:sld xmlns:a="http://schemas.openxmlformats.org/drawingml/2006/main" xmlns:r="http://schemas.openxmlformats.org/officeDocument/2006/relationships" xmlns:p="http://schemas.openxmlformats.org/presentationml/2006/main">
   <p:cSld>
@@ -5877,7 +6135,7 @@
           <p:cNvPr id="2" name="Title 1">
             <a:extLst>
               <a:ext uri="{FF2B5EF4-FFF2-40B4-BE49-F238E27FC236}">
-                <a16:creationId xmlns:a16="http://schemas.microsoft.com/office/drawing/2014/main" id="{A70C10F9-D432-8FE9-2264-B24324819E68}"/>
+                <a16:creationId xmlns:a16="http://schemas.microsoft.com/office/drawing/2014/main" id="{FE9E90A2-174E-5B20-640F-5D4DD79EC5C9}"/>
               </a:ext>
             </a:extLst>
           </p:cNvPr>
@@ -5893,68 +6151,71 @@
           <a:bodyPr/>
           <a:lstStyle/>
           <a:p>
-            <a:r>
-              <a:rPr lang="en-US" dirty="0"/>
-              <a:t>Future directions</a:t>
-            </a:r>
-          </a:p>
-        </p:txBody>
-      </p:sp>
-      <p:sp>
-        <p:nvSpPr>
-          <p:cNvPr id="3" name="Content Placeholder 2">
-            <a:extLst>
-              <a:ext uri="{FF2B5EF4-FFF2-40B4-BE49-F238E27FC236}">
-                <a16:creationId xmlns:a16="http://schemas.microsoft.com/office/drawing/2014/main" id="{614DC9D4-3388-C075-8EEB-994004A69EEA}"/>
-              </a:ext>
-            </a:extLst>
-          </p:cNvPr>
-          <p:cNvSpPr>
-            <a:spLocks noGrp="1"/>
-          </p:cNvSpPr>
-          <p:nvPr>
-            <p:ph idx="1"/>
-          </p:nvPr>
-        </p:nvSpPr>
-        <p:spPr/>
-        <p:txBody>
-          <a:bodyPr/>
-          <a:lstStyle/>
-          <a:p>
-            <a:r>
-              <a:rPr lang="en-US" dirty="0"/>
-              <a:t>More power!</a:t>
-            </a:r>
-          </a:p>
-          <a:p>
-            <a:r>
-              <a:rPr lang="en-US" dirty="0"/>
-              <a:t>Imputing missing values</a:t>
-            </a:r>
-          </a:p>
-          <a:p>
-            <a:r>
-              <a:rPr lang="en-US" dirty="0"/>
-              <a:t>Splitting data into small/big sellers</a:t>
-            </a:r>
-          </a:p>
-          <a:p>
-            <a:r>
-              <a:rPr lang="en-US" dirty="0"/>
-              <a:t>Models other than </a:t>
-            </a:r>
             <a:r>
               <a:rPr lang="en-US" dirty="0" err="1"/>
               <a:t>xgboost</a:t>
             </a:r>
-            <a:endParaRPr lang="en-US" dirty="0"/>
+            <a:r>
+              <a:rPr lang="en-US" dirty="0"/>
+              <a:t> model</a:t>
+            </a:r>
+          </a:p>
+        </p:txBody>
+      </p:sp>
+      <p:sp>
+        <p:nvSpPr>
+          <p:cNvPr id="3" name="Content Placeholder 2">
+            <a:extLst>
+              <a:ext uri="{FF2B5EF4-FFF2-40B4-BE49-F238E27FC236}">
+                <a16:creationId xmlns:a16="http://schemas.microsoft.com/office/drawing/2014/main" id="{D8515897-033D-B200-2EC8-376CF4FBA309}"/>
+              </a:ext>
+            </a:extLst>
+          </p:cNvPr>
+          <p:cNvSpPr>
+            <a:spLocks noGrp="1"/>
+          </p:cNvSpPr>
+          <p:nvPr>
+            <p:ph idx="1"/>
+          </p:nvPr>
+        </p:nvSpPr>
+        <p:spPr/>
+        <p:txBody>
+          <a:bodyPr/>
+          <a:lstStyle/>
+          <a:p>
+            <a:r>
+              <a:rPr lang="en-US" dirty="0" err="1"/>
+              <a:t>Gridseach</a:t>
+            </a:r>
+            <a:r>
+              <a:rPr lang="en-US" dirty="0"/>
+              <a:t> cross validation</a:t>
+            </a:r>
+          </a:p>
+          <a:p>
+            <a:r>
+              <a:rPr lang="en-US" dirty="0"/>
+              <a:t>Features: adjusted demand of the previous 3 weeks, client ID, client mean/median/min/max, product ID, product mean/median</a:t>
+            </a:r>
+          </a:p>
+          <a:p>
+            <a:r>
+              <a:rPr lang="en-US" dirty="0"/>
+              <a:t>Root mean squared log error of 0.493</a:t>
+            </a:r>
+          </a:p>
+          <a:p>
+            <a:r>
+              <a:rPr lang="en-US" dirty="0"/>
+              <a:t>Top Kaggle score is 0.442</a:t>
+            </a:r>
           </a:p>
         </p:txBody>
       </p:sp>
     </p:spTree>
     <p:extLst>
       <p:ext uri="{BB962C8B-B14F-4D97-AF65-F5344CB8AC3E}">
-        <p14:creationId xmlns:p14="http://schemas.microsoft.com/office/powerpoint/2010/main" val="1701067441"/>
+        <p14:creationId xmlns:p14="http://schemas.microsoft.com/office/powerpoint/2010/main" val="1019809051"/>
       </p:ext>
     </p:extLst>
   </p:cSld>

--- a/Predicting product demand.pptx
+++ b/Predicting product demand.pptx
@@ -523,6 +523,21 @@
             <a:r>
               <a:rPr lang="en-US" dirty="0"/>
               <a:t>Inventory management is a universal challenge for businesses. With rising competition and expanding urban areas, inventory facilities have become increasingly expensive. Making smart inventory decisions is crucial—not just to remain competitive in the market but also to adapt to rapidly changing demands. This is especially important for companies dealing with perishable goods. These businesses must strike a careful balance between meeting demand and avoiding oversupply.</a:t>
+            </a:r>
+          </a:p>
+          <a:p>
+            <a:pPr marL="0" indent="0">
+              <a:buNone/>
+            </a:pPr>
+            <a:endParaRPr lang="en-US" dirty="0"/>
+          </a:p>
+          <a:p>
+            <a:pPr marL="0" indent="0">
+              <a:buNone/>
+            </a:pPr>
+            <a:r>
+              <a:rPr lang="en-US" dirty="0"/>
+              <a:t>Our goal in this project is to develop a predictive model to optimize a firm’s inventory decision.</a:t>
             </a:r>
           </a:p>
         </p:txBody>
@@ -4561,8 +4576,8 @@
         </p:nvSpPr>
         <p:spPr>
           <a:xfrm>
-            <a:off x="3287110" y="457201"/>
-            <a:ext cx="8068278" cy="5403850"/>
+            <a:off x="3539358" y="457201"/>
+            <a:ext cx="7816029" cy="5403850"/>
           </a:xfrm>
         </p:spPr>
         <p:txBody>
@@ -4630,24 +4645,18 @@
           </a:p>
           <a:p>
             <a:r>
-              <a:rPr lang="en-US" dirty="0"/>
+              <a:rPr lang="en-US" sz="2400" dirty="0"/>
               <a:t>Develop a predictive model to optimize firms’ inventory decision</a:t>
             </a:r>
-          </a:p>
-          <a:p>
-            <a:pPr marL="0" indent="0">
-              <a:buNone/>
-            </a:pPr>
-            <a:endParaRPr lang="en-US" sz="2400" dirty="0"/>
           </a:p>
         </p:txBody>
       </p:sp>
       <p:pic>
         <p:nvPicPr>
-          <p:cNvPr id="8" name="Picture 7" descr="A display of vegetables and fruits">
-            <a:extLst>
-              <a:ext uri="{FF2B5EF4-FFF2-40B4-BE49-F238E27FC236}">
-                <a16:creationId xmlns:a16="http://schemas.microsoft.com/office/drawing/2014/main" id="{65C9F6B8-A406-2CBC-0B57-FF2C614B3F8A}"/>
+          <p:cNvPr id="4" name="Picture 3" descr="A shelf with different types of bread&#10;&#10;AI-generated content may be incorrect.">
+            <a:extLst>
+              <a:ext uri="{FF2B5EF4-FFF2-40B4-BE49-F238E27FC236}">
+                <a16:creationId xmlns:a16="http://schemas.microsoft.com/office/drawing/2014/main" id="{22329D54-A6D9-D5BF-8118-8669F2D52277}"/>
               </a:ext>
             </a:extLst>
           </p:cNvPr>
@@ -4670,8 +4679,8 @@
         </p:blipFill>
         <p:spPr>
           <a:xfrm>
-            <a:off x="-3085981" y="0"/>
-            <a:ext cx="6373091" cy="6858000"/>
+            <a:off x="-796972" y="0"/>
+            <a:ext cx="4336330" cy="6858000"/>
           </a:xfrm>
           <a:prstGeom prst="rect">
             <a:avLst/>

--- a/Predicting product demand.pptx
+++ b/Predicting product demand.pptx
@@ -122,6 +122,2641 @@
     </p:ext>
   </p:extLst>
 </p:presentation>
+</file>
+
+<file path=ppt/diagrams/colors1.xml><?xml version="1.0" encoding="utf-8"?>
+<dgm:colorsDef xmlns:dgm="http://schemas.openxmlformats.org/drawingml/2006/diagram" xmlns:a="http://schemas.openxmlformats.org/drawingml/2006/main" uniqueId="urn:microsoft.com/office/officeart/2005/8/colors/accent1_2">
+  <dgm:title val=""/>
+  <dgm:desc val=""/>
+  <dgm:catLst>
+    <dgm:cat type="accent1" pri="11200"/>
+  </dgm:catLst>
+  <dgm:styleLbl name="node0">
+    <dgm:fillClrLst meth="repeat">
+      <a:schemeClr val="accent1"/>
+    </dgm:fillClrLst>
+    <dgm:linClrLst meth="repeat">
+      <a:schemeClr val="lt1"/>
+    </dgm:linClrLst>
+    <dgm:effectClrLst/>
+    <dgm:txLinClrLst/>
+    <dgm:txFillClrLst/>
+    <dgm:txEffectClrLst/>
+  </dgm:styleLbl>
+  <dgm:styleLbl name="alignNode1">
+    <dgm:fillClrLst meth="repeat">
+      <a:schemeClr val="accent1"/>
+    </dgm:fillClrLst>
+    <dgm:linClrLst meth="repeat">
+      <a:schemeClr val="accent1"/>
+    </dgm:linClrLst>
+    <dgm:effectClrLst/>
+    <dgm:txLinClrLst/>
+    <dgm:txFillClrLst/>
+    <dgm:txEffectClrLst/>
+  </dgm:styleLbl>
+  <dgm:styleLbl name="node1">
+    <dgm:fillClrLst meth="repeat">
+      <a:schemeClr val="accent1"/>
+    </dgm:fillClrLst>
+    <dgm:linClrLst meth="repeat">
+      <a:schemeClr val="lt1"/>
+    </dgm:linClrLst>
+    <dgm:effectClrLst/>
+    <dgm:txLinClrLst/>
+    <dgm:txFillClrLst/>
+    <dgm:txEffectClrLst/>
+  </dgm:styleLbl>
+  <dgm:styleLbl name="lnNode1">
+    <dgm:fillClrLst meth="repeat">
+      <a:schemeClr val="accent1"/>
+    </dgm:fillClrLst>
+    <dgm:linClrLst meth="repeat">
+      <a:schemeClr val="lt1"/>
+    </dgm:linClrLst>
+    <dgm:effectClrLst/>
+    <dgm:txLinClrLst/>
+    <dgm:txFillClrLst/>
+    <dgm:txEffectClrLst/>
+  </dgm:styleLbl>
+  <dgm:styleLbl name="vennNode1">
+    <dgm:fillClrLst meth="repeat">
+      <a:schemeClr val="accent1">
+        <a:alpha val="50000"/>
+      </a:schemeClr>
+    </dgm:fillClrLst>
+    <dgm:linClrLst meth="repeat">
+      <a:schemeClr val="lt1"/>
+    </dgm:linClrLst>
+    <dgm:effectClrLst/>
+    <dgm:txLinClrLst/>
+    <dgm:txFillClrLst/>
+    <dgm:txEffectClrLst/>
+  </dgm:styleLbl>
+  <dgm:styleLbl name="node2">
+    <dgm:fillClrLst meth="repeat">
+      <a:schemeClr val="accent1"/>
+    </dgm:fillClrLst>
+    <dgm:linClrLst meth="repeat">
+      <a:schemeClr val="lt1"/>
+    </dgm:linClrLst>
+    <dgm:effectClrLst/>
+    <dgm:txLinClrLst/>
+    <dgm:txFillClrLst/>
+    <dgm:txEffectClrLst/>
+  </dgm:styleLbl>
+  <dgm:styleLbl name="node3">
+    <dgm:fillClrLst meth="repeat">
+      <a:schemeClr val="accent1"/>
+    </dgm:fillClrLst>
+    <dgm:linClrLst meth="repeat">
+      <a:schemeClr val="lt1"/>
+    </dgm:linClrLst>
+    <dgm:effectClrLst/>
+    <dgm:txLinClrLst/>
+    <dgm:txFillClrLst/>
+    <dgm:txEffectClrLst/>
+  </dgm:styleLbl>
+  <dgm:styleLbl name="node4">
+    <dgm:fillClrLst meth="repeat">
+      <a:schemeClr val="accent1"/>
+    </dgm:fillClrLst>
+    <dgm:linClrLst meth="repeat">
+      <a:schemeClr val="lt1"/>
+    </dgm:linClrLst>
+    <dgm:effectClrLst/>
+    <dgm:txLinClrLst/>
+    <dgm:txFillClrLst/>
+    <dgm:txEffectClrLst/>
+  </dgm:styleLbl>
+  <dgm:styleLbl name="fgImgPlace1">
+    <dgm:fillClrLst meth="repeat">
+      <a:schemeClr val="accent1">
+        <a:tint val="50000"/>
+      </a:schemeClr>
+    </dgm:fillClrLst>
+    <dgm:linClrLst meth="repeat">
+      <a:schemeClr val="lt1"/>
+    </dgm:linClrLst>
+    <dgm:effectClrLst/>
+    <dgm:txLinClrLst/>
+    <dgm:txFillClrLst meth="repeat">
+      <a:schemeClr val="lt1"/>
+    </dgm:txFillClrLst>
+    <dgm:txEffectClrLst/>
+  </dgm:styleLbl>
+  <dgm:styleLbl name="alignImgPlace1">
+    <dgm:fillClrLst meth="repeat">
+      <a:schemeClr val="accent1">
+        <a:tint val="50000"/>
+      </a:schemeClr>
+    </dgm:fillClrLst>
+    <dgm:linClrLst meth="repeat">
+      <a:schemeClr val="lt1"/>
+    </dgm:linClrLst>
+    <dgm:effectClrLst/>
+    <dgm:txLinClrLst/>
+    <dgm:txFillClrLst meth="repeat">
+      <a:schemeClr val="lt1"/>
+    </dgm:txFillClrLst>
+    <dgm:txEffectClrLst/>
+  </dgm:styleLbl>
+  <dgm:styleLbl name="bgImgPlace1">
+    <dgm:fillClrLst meth="repeat">
+      <a:schemeClr val="accent1">
+        <a:tint val="50000"/>
+      </a:schemeClr>
+    </dgm:fillClrLst>
+    <dgm:linClrLst meth="repeat">
+      <a:schemeClr val="lt1"/>
+    </dgm:linClrLst>
+    <dgm:effectClrLst/>
+    <dgm:txLinClrLst/>
+    <dgm:txFillClrLst meth="repeat">
+      <a:schemeClr val="lt1"/>
+    </dgm:txFillClrLst>
+    <dgm:txEffectClrLst/>
+  </dgm:styleLbl>
+  <dgm:styleLbl name="sibTrans2D1">
+    <dgm:fillClrLst meth="repeat">
+      <a:schemeClr val="accent1">
+        <a:tint val="60000"/>
+      </a:schemeClr>
+    </dgm:fillClrLst>
+    <dgm:linClrLst meth="repeat">
+      <a:schemeClr val="accent1">
+        <a:tint val="60000"/>
+      </a:schemeClr>
+    </dgm:linClrLst>
+    <dgm:effectClrLst/>
+    <dgm:txLinClrLst/>
+    <dgm:txFillClrLst/>
+    <dgm:txEffectClrLst/>
+  </dgm:styleLbl>
+  <dgm:styleLbl name="fgSibTrans2D1">
+    <dgm:fillClrLst meth="repeat">
+      <a:schemeClr val="accent1">
+        <a:tint val="60000"/>
+      </a:schemeClr>
+    </dgm:fillClrLst>
+    <dgm:linClrLst meth="repeat">
+      <a:schemeClr val="accent1">
+        <a:tint val="60000"/>
+      </a:schemeClr>
+    </dgm:linClrLst>
+    <dgm:effectClrLst/>
+    <dgm:txLinClrLst/>
+    <dgm:txFillClrLst/>
+    <dgm:txEffectClrLst/>
+  </dgm:styleLbl>
+  <dgm:styleLbl name="bgSibTrans2D1">
+    <dgm:fillClrLst meth="repeat">
+      <a:schemeClr val="accent1">
+        <a:tint val="60000"/>
+      </a:schemeClr>
+    </dgm:fillClrLst>
+    <dgm:linClrLst meth="repeat">
+      <a:schemeClr val="accent1">
+        <a:tint val="60000"/>
+      </a:schemeClr>
+    </dgm:linClrLst>
+    <dgm:effectClrLst/>
+    <dgm:txLinClrLst/>
+    <dgm:txFillClrLst/>
+    <dgm:txEffectClrLst/>
+  </dgm:styleLbl>
+  <dgm:styleLbl name="sibTrans1D1">
+    <dgm:fillClrLst meth="repeat">
+      <a:schemeClr val="accent1"/>
+    </dgm:fillClrLst>
+    <dgm:linClrLst meth="repeat">
+      <a:schemeClr val="accent1"/>
+    </dgm:linClrLst>
+    <dgm:effectClrLst/>
+    <dgm:txLinClrLst/>
+    <dgm:txFillClrLst meth="repeat">
+      <a:schemeClr val="tx1"/>
+    </dgm:txFillClrLst>
+    <dgm:txEffectClrLst/>
+  </dgm:styleLbl>
+  <dgm:styleLbl name="callout">
+    <dgm:fillClrLst meth="repeat">
+      <a:schemeClr val="accent1"/>
+    </dgm:fillClrLst>
+    <dgm:linClrLst meth="repeat">
+      <a:schemeClr val="accent1">
+        <a:tint val="50000"/>
+      </a:schemeClr>
+    </dgm:linClrLst>
+    <dgm:effectClrLst/>
+    <dgm:txLinClrLst/>
+    <dgm:txFillClrLst meth="repeat">
+      <a:schemeClr val="tx1"/>
+    </dgm:txFillClrLst>
+    <dgm:txEffectClrLst/>
+  </dgm:styleLbl>
+  <dgm:styleLbl name="asst0">
+    <dgm:fillClrLst meth="repeat">
+      <a:schemeClr val="accent1"/>
+    </dgm:fillClrLst>
+    <dgm:linClrLst meth="repeat">
+      <a:schemeClr val="lt1"/>
+    </dgm:linClrLst>
+    <dgm:effectClrLst/>
+    <dgm:txLinClrLst/>
+    <dgm:txFillClrLst/>
+    <dgm:txEffectClrLst/>
+  </dgm:styleLbl>
+  <dgm:styleLbl name="asst1">
+    <dgm:fillClrLst meth="repeat">
+      <a:schemeClr val="accent1"/>
+    </dgm:fillClrLst>
+    <dgm:linClrLst meth="repeat">
+      <a:schemeClr val="lt1"/>
+    </dgm:linClrLst>
+    <dgm:effectClrLst/>
+    <dgm:txLinClrLst/>
+    <dgm:txFillClrLst/>
+    <dgm:txEffectClrLst/>
+  </dgm:styleLbl>
+  <dgm:styleLbl name="asst2">
+    <dgm:fillClrLst meth="repeat">
+      <a:schemeClr val="accent1"/>
+    </dgm:fillClrLst>
+    <dgm:linClrLst meth="repeat">
+      <a:schemeClr val="lt1"/>
+    </dgm:linClrLst>
+    <dgm:effectClrLst/>
+    <dgm:txLinClrLst/>
+    <dgm:txFillClrLst/>
+    <dgm:txEffectClrLst/>
+  </dgm:styleLbl>
+  <dgm:styleLbl name="asst3">
+    <dgm:fillClrLst meth="repeat">
+      <a:schemeClr val="accent1"/>
+    </dgm:fillClrLst>
+    <dgm:linClrLst meth="repeat">
+      <a:schemeClr val="lt1"/>
+    </dgm:linClrLst>
+    <dgm:effectClrLst/>
+    <dgm:txLinClrLst/>
+    <dgm:txFillClrLst/>
+    <dgm:txEffectClrLst/>
+  </dgm:styleLbl>
+  <dgm:styleLbl name="asst4">
+    <dgm:fillClrLst meth="repeat">
+      <a:schemeClr val="accent1"/>
+    </dgm:fillClrLst>
+    <dgm:linClrLst meth="repeat">
+      <a:schemeClr val="lt1"/>
+    </dgm:linClrLst>
+    <dgm:effectClrLst/>
+    <dgm:txLinClrLst/>
+    <dgm:txFillClrLst/>
+    <dgm:txEffectClrLst/>
+  </dgm:styleLbl>
+  <dgm:styleLbl name="parChTrans2D1">
+    <dgm:fillClrLst meth="repeat">
+      <a:schemeClr val="accent1">
+        <a:tint val="60000"/>
+      </a:schemeClr>
+    </dgm:fillClrLst>
+    <dgm:linClrLst meth="repeat">
+      <a:schemeClr val="accent1">
+        <a:tint val="60000"/>
+      </a:schemeClr>
+    </dgm:linClrLst>
+    <dgm:effectClrLst/>
+    <dgm:txLinClrLst/>
+    <dgm:txFillClrLst meth="repeat">
+      <a:schemeClr val="lt1"/>
+    </dgm:txFillClrLst>
+    <dgm:txEffectClrLst/>
+  </dgm:styleLbl>
+  <dgm:styleLbl name="parChTrans2D2">
+    <dgm:fillClrLst meth="repeat">
+      <a:schemeClr val="accent1"/>
+    </dgm:fillClrLst>
+    <dgm:linClrLst meth="repeat">
+      <a:schemeClr val="accent1"/>
+    </dgm:linClrLst>
+    <dgm:effectClrLst/>
+    <dgm:txLinClrLst/>
+    <dgm:txFillClrLst meth="repeat">
+      <a:schemeClr val="lt1"/>
+    </dgm:txFillClrLst>
+    <dgm:txEffectClrLst/>
+  </dgm:styleLbl>
+  <dgm:styleLbl name="parChTrans2D3">
+    <dgm:fillClrLst meth="repeat">
+      <a:schemeClr val="accent1"/>
+    </dgm:fillClrLst>
+    <dgm:linClrLst meth="repeat">
+      <a:schemeClr val="accent1"/>
+    </dgm:linClrLst>
+    <dgm:effectClrLst/>
+    <dgm:txLinClrLst/>
+    <dgm:txFillClrLst meth="repeat">
+      <a:schemeClr val="lt1"/>
+    </dgm:txFillClrLst>
+    <dgm:txEffectClrLst/>
+  </dgm:styleLbl>
+  <dgm:styleLbl name="parChTrans2D4">
+    <dgm:fillClrLst meth="repeat">
+      <a:schemeClr val="accent1"/>
+    </dgm:fillClrLst>
+    <dgm:linClrLst meth="repeat">
+      <a:schemeClr val="accent1"/>
+    </dgm:linClrLst>
+    <dgm:effectClrLst/>
+    <dgm:txLinClrLst/>
+    <dgm:txFillClrLst meth="repeat">
+      <a:schemeClr val="lt1"/>
+    </dgm:txFillClrLst>
+    <dgm:txEffectClrLst/>
+  </dgm:styleLbl>
+  <dgm:styleLbl name="parChTrans1D1">
+    <dgm:fillClrLst meth="repeat">
+      <a:schemeClr val="accent1"/>
+    </dgm:fillClrLst>
+    <dgm:linClrLst meth="repeat">
+      <a:schemeClr val="accent1">
+        <a:shade val="60000"/>
+      </a:schemeClr>
+    </dgm:linClrLst>
+    <dgm:effectClrLst/>
+    <dgm:txLinClrLst/>
+    <dgm:txFillClrLst meth="repeat">
+      <a:schemeClr val="tx1"/>
+    </dgm:txFillClrLst>
+    <dgm:txEffectClrLst/>
+  </dgm:styleLbl>
+  <dgm:styleLbl name="parChTrans1D2">
+    <dgm:fillClrLst meth="repeat">
+      <a:schemeClr val="accent1"/>
+    </dgm:fillClrLst>
+    <dgm:linClrLst meth="repeat">
+      <a:schemeClr val="accent1">
+        <a:shade val="60000"/>
+      </a:schemeClr>
+    </dgm:linClrLst>
+    <dgm:effectClrLst/>
+    <dgm:txLinClrLst/>
+    <dgm:txFillClrLst meth="repeat">
+      <a:schemeClr val="tx1"/>
+    </dgm:txFillClrLst>
+    <dgm:txEffectClrLst/>
+  </dgm:styleLbl>
+  <dgm:styleLbl name="parChTrans1D3">
+    <dgm:fillClrLst meth="repeat">
+      <a:schemeClr val="accent1"/>
+    </dgm:fillClrLst>
+    <dgm:linClrLst meth="repeat">
+      <a:schemeClr val="accent1">
+        <a:shade val="80000"/>
+      </a:schemeClr>
+    </dgm:linClrLst>
+    <dgm:effectClrLst/>
+    <dgm:txLinClrLst/>
+    <dgm:txFillClrLst meth="repeat">
+      <a:schemeClr val="tx1"/>
+    </dgm:txFillClrLst>
+    <dgm:txEffectClrLst/>
+  </dgm:styleLbl>
+  <dgm:styleLbl name="parChTrans1D4">
+    <dgm:fillClrLst meth="repeat">
+      <a:schemeClr val="accent1"/>
+    </dgm:fillClrLst>
+    <dgm:linClrLst meth="repeat">
+      <a:schemeClr val="accent1">
+        <a:shade val="80000"/>
+      </a:schemeClr>
+    </dgm:linClrLst>
+    <dgm:effectClrLst/>
+    <dgm:txLinClrLst/>
+    <dgm:txFillClrLst meth="repeat">
+      <a:schemeClr val="tx1"/>
+    </dgm:txFillClrLst>
+    <dgm:txEffectClrLst/>
+  </dgm:styleLbl>
+  <dgm:styleLbl name="fgAcc1">
+    <dgm:fillClrLst meth="repeat">
+      <a:schemeClr val="lt1">
+        <a:alpha val="90000"/>
+      </a:schemeClr>
+    </dgm:fillClrLst>
+    <dgm:linClrLst meth="repeat">
+      <a:schemeClr val="accent1"/>
+    </dgm:linClrLst>
+    <dgm:effectClrLst/>
+    <dgm:txLinClrLst/>
+    <dgm:txFillClrLst meth="repeat">
+      <a:schemeClr val="dk1"/>
+    </dgm:txFillClrLst>
+    <dgm:txEffectClrLst/>
+  </dgm:styleLbl>
+  <dgm:styleLbl name="conFgAcc1">
+    <dgm:fillClrLst meth="repeat">
+      <a:schemeClr val="lt1">
+        <a:alpha val="90000"/>
+      </a:schemeClr>
+    </dgm:fillClrLst>
+    <dgm:linClrLst meth="repeat">
+      <a:schemeClr val="accent1"/>
+    </dgm:linClrLst>
+    <dgm:effectClrLst/>
+    <dgm:txLinClrLst/>
+    <dgm:txFillClrLst meth="repeat">
+      <a:schemeClr val="dk1"/>
+    </dgm:txFillClrLst>
+    <dgm:txEffectClrLst/>
+  </dgm:styleLbl>
+  <dgm:styleLbl name="alignAcc1">
+    <dgm:fillClrLst meth="repeat">
+      <a:schemeClr val="lt1">
+        <a:alpha val="90000"/>
+      </a:schemeClr>
+    </dgm:fillClrLst>
+    <dgm:linClrLst meth="repeat">
+      <a:schemeClr val="accent1"/>
+    </dgm:linClrLst>
+    <dgm:effectClrLst/>
+    <dgm:txLinClrLst/>
+    <dgm:txFillClrLst meth="repeat">
+      <a:schemeClr val="dk1"/>
+    </dgm:txFillClrLst>
+    <dgm:txEffectClrLst/>
+  </dgm:styleLbl>
+  <dgm:styleLbl name="trAlignAcc1">
+    <dgm:fillClrLst meth="repeat">
+      <a:schemeClr val="lt1">
+        <a:alpha val="40000"/>
+      </a:schemeClr>
+    </dgm:fillClrLst>
+    <dgm:linClrLst meth="repeat">
+      <a:schemeClr val="accent1"/>
+    </dgm:linClrLst>
+    <dgm:effectClrLst/>
+    <dgm:txLinClrLst/>
+    <dgm:txFillClrLst meth="repeat">
+      <a:schemeClr val="dk1"/>
+    </dgm:txFillClrLst>
+    <dgm:txEffectClrLst/>
+  </dgm:styleLbl>
+  <dgm:styleLbl name="bgAcc1">
+    <dgm:fillClrLst meth="repeat">
+      <a:schemeClr val="lt1">
+        <a:alpha val="90000"/>
+      </a:schemeClr>
+    </dgm:fillClrLst>
+    <dgm:linClrLst meth="repeat">
+      <a:schemeClr val="accent1"/>
+    </dgm:linClrLst>
+    <dgm:effectClrLst/>
+    <dgm:txLinClrLst/>
+    <dgm:txFillClrLst meth="repeat">
+      <a:schemeClr val="dk1"/>
+    </dgm:txFillClrLst>
+    <dgm:txEffectClrLst/>
+  </dgm:styleLbl>
+  <dgm:styleLbl name="solidFgAcc1">
+    <dgm:fillClrLst meth="repeat">
+      <a:schemeClr val="lt1"/>
+    </dgm:fillClrLst>
+    <dgm:linClrLst meth="repeat">
+      <a:schemeClr val="accent1"/>
+    </dgm:linClrLst>
+    <dgm:effectClrLst/>
+    <dgm:txLinClrLst/>
+    <dgm:txFillClrLst meth="repeat">
+      <a:schemeClr val="dk1"/>
+    </dgm:txFillClrLst>
+    <dgm:txEffectClrLst/>
+  </dgm:styleLbl>
+  <dgm:styleLbl name="solidAlignAcc1">
+    <dgm:fillClrLst meth="repeat">
+      <a:schemeClr val="lt1"/>
+    </dgm:fillClrLst>
+    <dgm:linClrLst meth="repeat">
+      <a:schemeClr val="accent1"/>
+    </dgm:linClrLst>
+    <dgm:effectClrLst/>
+    <dgm:txLinClrLst/>
+    <dgm:txFillClrLst meth="repeat">
+      <a:schemeClr val="dk1"/>
+    </dgm:txFillClrLst>
+    <dgm:txEffectClrLst/>
+  </dgm:styleLbl>
+  <dgm:styleLbl name="solidBgAcc1">
+    <dgm:fillClrLst meth="repeat">
+      <a:schemeClr val="lt1"/>
+    </dgm:fillClrLst>
+    <dgm:linClrLst meth="repeat">
+      <a:schemeClr val="accent1"/>
+    </dgm:linClrLst>
+    <dgm:effectClrLst/>
+    <dgm:txLinClrLst/>
+    <dgm:txFillClrLst meth="repeat">
+      <a:schemeClr val="dk1"/>
+    </dgm:txFillClrLst>
+    <dgm:txEffectClrLst/>
+  </dgm:styleLbl>
+  <dgm:styleLbl name="fgAccFollowNode1">
+    <dgm:fillClrLst meth="repeat">
+      <a:schemeClr val="accent1">
+        <a:alpha val="90000"/>
+        <a:tint val="40000"/>
+      </a:schemeClr>
+    </dgm:fillClrLst>
+    <dgm:linClrLst meth="repeat">
+      <a:schemeClr val="accent1">
+        <a:alpha val="90000"/>
+        <a:tint val="40000"/>
+      </a:schemeClr>
+    </dgm:linClrLst>
+    <dgm:effectClrLst/>
+    <dgm:txLinClrLst/>
+    <dgm:txFillClrLst meth="repeat">
+      <a:schemeClr val="dk1"/>
+    </dgm:txFillClrLst>
+    <dgm:txEffectClrLst/>
+  </dgm:styleLbl>
+  <dgm:styleLbl name="alignAccFollowNode1">
+    <dgm:fillClrLst meth="repeat">
+      <a:schemeClr val="accent1">
+        <a:alpha val="90000"/>
+        <a:tint val="40000"/>
+      </a:schemeClr>
+    </dgm:fillClrLst>
+    <dgm:linClrLst meth="repeat">
+      <a:schemeClr val="accent1">
+        <a:alpha val="90000"/>
+        <a:tint val="40000"/>
+      </a:schemeClr>
+    </dgm:linClrLst>
+    <dgm:effectClrLst/>
+    <dgm:txLinClrLst/>
+    <dgm:txFillClrLst meth="repeat">
+      <a:schemeClr val="dk1"/>
+    </dgm:txFillClrLst>
+    <dgm:txEffectClrLst/>
+  </dgm:styleLbl>
+  <dgm:styleLbl name="bgAccFollowNode1">
+    <dgm:fillClrLst meth="repeat">
+      <a:schemeClr val="accent1">
+        <a:alpha val="90000"/>
+        <a:tint val="40000"/>
+      </a:schemeClr>
+    </dgm:fillClrLst>
+    <dgm:linClrLst meth="repeat">
+      <a:schemeClr val="accent1">
+        <a:alpha val="90000"/>
+        <a:tint val="40000"/>
+      </a:schemeClr>
+    </dgm:linClrLst>
+    <dgm:effectClrLst/>
+    <dgm:txLinClrLst/>
+    <dgm:txFillClrLst meth="repeat">
+      <a:schemeClr val="dk1"/>
+    </dgm:txFillClrLst>
+    <dgm:txEffectClrLst/>
+  </dgm:styleLbl>
+  <dgm:styleLbl name="fgAcc0">
+    <dgm:fillClrLst meth="repeat">
+      <a:schemeClr val="lt1">
+        <a:alpha val="90000"/>
+      </a:schemeClr>
+    </dgm:fillClrLst>
+    <dgm:linClrLst meth="repeat">
+      <a:schemeClr val="accent1"/>
+    </dgm:linClrLst>
+    <dgm:effectClrLst/>
+    <dgm:txLinClrLst/>
+    <dgm:txFillClrLst meth="repeat">
+      <a:schemeClr val="dk1"/>
+    </dgm:txFillClrLst>
+    <dgm:txEffectClrLst/>
+  </dgm:styleLbl>
+  <dgm:styleLbl name="fgAcc2">
+    <dgm:fillClrLst meth="repeat">
+      <a:schemeClr val="lt1">
+        <a:alpha val="90000"/>
+      </a:schemeClr>
+    </dgm:fillClrLst>
+    <dgm:linClrLst meth="repeat">
+      <a:schemeClr val="accent1"/>
+    </dgm:linClrLst>
+    <dgm:effectClrLst/>
+    <dgm:txLinClrLst/>
+    <dgm:txFillClrLst meth="repeat">
+      <a:schemeClr val="dk1"/>
+    </dgm:txFillClrLst>
+    <dgm:txEffectClrLst/>
+  </dgm:styleLbl>
+  <dgm:styleLbl name="fgAcc3">
+    <dgm:fillClrLst meth="repeat">
+      <a:schemeClr val="lt1">
+        <a:alpha val="90000"/>
+      </a:schemeClr>
+    </dgm:fillClrLst>
+    <dgm:linClrLst meth="repeat">
+      <a:schemeClr val="accent1"/>
+    </dgm:linClrLst>
+    <dgm:effectClrLst/>
+    <dgm:txLinClrLst/>
+    <dgm:txFillClrLst meth="repeat">
+      <a:schemeClr val="dk1"/>
+    </dgm:txFillClrLst>
+    <dgm:txEffectClrLst/>
+  </dgm:styleLbl>
+  <dgm:styleLbl name="fgAcc4">
+    <dgm:fillClrLst meth="repeat">
+      <a:schemeClr val="lt1">
+        <a:alpha val="90000"/>
+      </a:schemeClr>
+    </dgm:fillClrLst>
+    <dgm:linClrLst meth="repeat">
+      <a:schemeClr val="accent1"/>
+    </dgm:linClrLst>
+    <dgm:effectClrLst/>
+    <dgm:txLinClrLst/>
+    <dgm:txFillClrLst meth="repeat">
+      <a:schemeClr val="dk1"/>
+    </dgm:txFillClrLst>
+    <dgm:txEffectClrLst/>
+  </dgm:styleLbl>
+  <dgm:styleLbl name="bgShp">
+    <dgm:fillClrLst meth="repeat">
+      <a:schemeClr val="accent1">
+        <a:tint val="40000"/>
+      </a:schemeClr>
+    </dgm:fillClrLst>
+    <dgm:linClrLst meth="repeat">
+      <a:schemeClr val="accent1"/>
+    </dgm:linClrLst>
+    <dgm:effectClrLst/>
+    <dgm:txLinClrLst/>
+    <dgm:txFillClrLst meth="repeat">
+      <a:schemeClr val="dk1"/>
+    </dgm:txFillClrLst>
+    <dgm:txEffectClrLst/>
+  </dgm:styleLbl>
+  <dgm:styleLbl name="dkBgShp">
+    <dgm:fillClrLst meth="repeat">
+      <a:schemeClr val="accent1">
+        <a:shade val="80000"/>
+      </a:schemeClr>
+    </dgm:fillClrLst>
+    <dgm:linClrLst meth="repeat">
+      <a:schemeClr val="accent1"/>
+    </dgm:linClrLst>
+    <dgm:effectClrLst/>
+    <dgm:txLinClrLst/>
+    <dgm:txFillClrLst meth="repeat">
+      <a:schemeClr val="lt1"/>
+    </dgm:txFillClrLst>
+    <dgm:txEffectClrLst/>
+  </dgm:styleLbl>
+  <dgm:styleLbl name="trBgShp">
+    <dgm:fillClrLst meth="repeat">
+      <a:schemeClr val="accent1">
+        <a:tint val="50000"/>
+        <a:alpha val="40000"/>
+      </a:schemeClr>
+    </dgm:fillClrLst>
+    <dgm:linClrLst meth="repeat">
+      <a:schemeClr val="accent1"/>
+    </dgm:linClrLst>
+    <dgm:effectClrLst/>
+    <dgm:txLinClrLst/>
+    <dgm:txFillClrLst meth="repeat">
+      <a:schemeClr val="lt1"/>
+    </dgm:txFillClrLst>
+    <dgm:txEffectClrLst/>
+  </dgm:styleLbl>
+  <dgm:styleLbl name="fgShp">
+    <dgm:fillClrLst meth="repeat">
+      <a:schemeClr val="accent1">
+        <a:tint val="60000"/>
+      </a:schemeClr>
+    </dgm:fillClrLst>
+    <dgm:linClrLst meth="repeat">
+      <a:schemeClr val="lt1"/>
+    </dgm:linClrLst>
+    <dgm:effectClrLst/>
+    <dgm:txLinClrLst/>
+    <dgm:txFillClrLst meth="repeat">
+      <a:schemeClr val="dk1"/>
+    </dgm:txFillClrLst>
+    <dgm:txEffectClrLst/>
+  </dgm:styleLbl>
+  <dgm:styleLbl name="revTx">
+    <dgm:fillClrLst meth="repeat">
+      <a:schemeClr val="lt1">
+        <a:alpha val="0"/>
+      </a:schemeClr>
+    </dgm:fillClrLst>
+    <dgm:linClrLst meth="repeat">
+      <a:schemeClr val="dk1">
+        <a:alpha val="0"/>
+      </a:schemeClr>
+    </dgm:linClrLst>
+    <dgm:effectClrLst/>
+    <dgm:txLinClrLst/>
+    <dgm:txFillClrLst meth="repeat">
+      <a:schemeClr val="tx1"/>
+    </dgm:txFillClrLst>
+    <dgm:txEffectClrLst/>
+  </dgm:styleLbl>
+</dgm:colorsDef>
+</file>
+
+<file path=ppt/diagrams/data1.xml><?xml version="1.0" encoding="utf-8"?>
+<dgm:dataModel xmlns:dgm="http://schemas.openxmlformats.org/drawingml/2006/diagram" xmlns:a="http://schemas.openxmlformats.org/drawingml/2006/main">
+  <dgm:ptLst>
+    <dgm:pt modelId="{9D048ACA-4FD7-4243-A59C-FFCCC8444C1A}" type="doc">
+      <dgm:prSet loTypeId="urn:microsoft.com/office/officeart/2005/8/layout/vList2" loCatId="list" qsTypeId="urn:microsoft.com/office/officeart/2005/8/quickstyle/simple1" qsCatId="simple" csTypeId="urn:microsoft.com/office/officeart/2005/8/colors/accent1_2" csCatId="accent1"/>
+      <dgm:spPr/>
+      <dgm:t>
+        <a:bodyPr/>
+        <a:lstStyle/>
+        <a:p>
+          <a:endParaRPr lang="en-US"/>
+        </a:p>
+      </dgm:t>
+    </dgm:pt>
+    <dgm:pt modelId="{77A0C27A-5CFF-4A17-81A9-F7C7431566C0}">
+      <dgm:prSet/>
+      <dgm:spPr/>
+      <dgm:t>
+        <a:bodyPr/>
+        <a:lstStyle/>
+        <a:p>
+          <a:r>
+            <a:rPr lang="en-US" b="1"/>
+            <a:t>Motivation</a:t>
+          </a:r>
+          <a:endParaRPr lang="en-US"/>
+        </a:p>
+      </dgm:t>
+    </dgm:pt>
+    <dgm:pt modelId="{C369B04C-52D4-4582-8C35-79245C9C536F}" type="parTrans" cxnId="{69F46B14-B455-46B4-B5FD-2302731057E6}">
+      <dgm:prSet/>
+      <dgm:spPr/>
+      <dgm:t>
+        <a:bodyPr/>
+        <a:lstStyle/>
+        <a:p>
+          <a:endParaRPr lang="en-US"/>
+        </a:p>
+      </dgm:t>
+    </dgm:pt>
+    <dgm:pt modelId="{EB5BE7FF-B9FA-4225-B3F4-13167DB1FB08}" type="sibTrans" cxnId="{69F46B14-B455-46B4-B5FD-2302731057E6}">
+      <dgm:prSet/>
+      <dgm:spPr/>
+      <dgm:t>
+        <a:bodyPr/>
+        <a:lstStyle/>
+        <a:p>
+          <a:endParaRPr lang="en-US"/>
+        </a:p>
+      </dgm:t>
+    </dgm:pt>
+    <dgm:pt modelId="{D486D8C0-FD11-44D6-BDEF-744AB3831C12}">
+      <dgm:prSet/>
+      <dgm:spPr/>
+      <dgm:t>
+        <a:bodyPr/>
+        <a:lstStyle/>
+        <a:p>
+          <a:r>
+            <a:rPr lang="en-US"/>
+            <a:t>Keeping track of inventory helps businesses stay ahead of the game.</a:t>
+          </a:r>
+        </a:p>
+      </dgm:t>
+    </dgm:pt>
+    <dgm:pt modelId="{DF63866E-0AA2-4C8D-B016-7E3B6A6B79BA}" type="parTrans" cxnId="{956165A8-4EEA-4BEB-8CCB-133C67296FB2}">
+      <dgm:prSet/>
+      <dgm:spPr/>
+      <dgm:t>
+        <a:bodyPr/>
+        <a:lstStyle/>
+        <a:p>
+          <a:endParaRPr lang="en-US"/>
+        </a:p>
+      </dgm:t>
+    </dgm:pt>
+    <dgm:pt modelId="{2CD99BCC-50A8-4929-9788-301B297665E5}" type="sibTrans" cxnId="{956165A8-4EEA-4BEB-8CCB-133C67296FB2}">
+      <dgm:prSet/>
+      <dgm:spPr/>
+      <dgm:t>
+        <a:bodyPr/>
+        <a:lstStyle/>
+        <a:p>
+          <a:endParaRPr lang="en-US"/>
+        </a:p>
+      </dgm:t>
+    </dgm:pt>
+    <dgm:pt modelId="{A250E156-F8F3-447B-9591-DE761D0F28B0}">
+      <dgm:prSet/>
+      <dgm:spPr/>
+      <dgm:t>
+        <a:bodyPr/>
+        <a:lstStyle/>
+        <a:p>
+          <a:r>
+            <a:rPr lang="en-US"/>
+            <a:t>High storage costs mean smart planning is a must.</a:t>
+          </a:r>
+        </a:p>
+      </dgm:t>
+    </dgm:pt>
+    <dgm:pt modelId="{4D65A58C-64A0-4FEC-BF64-7845876565D3}" type="parTrans" cxnId="{7F7D6294-A2AA-46FA-A9E8-DDD747E32389}">
+      <dgm:prSet/>
+      <dgm:spPr/>
+      <dgm:t>
+        <a:bodyPr/>
+        <a:lstStyle/>
+        <a:p>
+          <a:endParaRPr lang="en-US"/>
+        </a:p>
+      </dgm:t>
+    </dgm:pt>
+    <dgm:pt modelId="{2000042E-CF4B-43CC-9F0B-6020ED965CDD}" type="sibTrans" cxnId="{7F7D6294-A2AA-46FA-A9E8-DDD747E32389}">
+      <dgm:prSet/>
+      <dgm:spPr/>
+      <dgm:t>
+        <a:bodyPr/>
+        <a:lstStyle/>
+        <a:p>
+          <a:endParaRPr lang="en-US"/>
+        </a:p>
+      </dgm:t>
+    </dgm:pt>
+    <dgm:pt modelId="{B29AF18B-9AF6-43F5-BF98-CD3FA346F5AB}">
+      <dgm:prSet/>
+      <dgm:spPr/>
+      <dgm:t>
+        <a:bodyPr/>
+        <a:lstStyle/>
+        <a:p>
+          <a:r>
+            <a:rPr lang="en-US"/>
+            <a:t>For perishable goods, managing inventory can stop waste and shortages.</a:t>
+          </a:r>
+        </a:p>
+      </dgm:t>
+    </dgm:pt>
+    <dgm:pt modelId="{0C16B500-2059-489F-BCEC-573D2AAC3995}" type="parTrans" cxnId="{37CF909B-768E-4024-AC65-C65F80FBDCEF}">
+      <dgm:prSet/>
+      <dgm:spPr/>
+      <dgm:t>
+        <a:bodyPr/>
+        <a:lstStyle/>
+        <a:p>
+          <a:endParaRPr lang="en-US"/>
+        </a:p>
+      </dgm:t>
+    </dgm:pt>
+    <dgm:pt modelId="{4B43497A-D8E1-429C-8023-70443E2004B6}" type="sibTrans" cxnId="{37CF909B-768E-4024-AC65-C65F80FBDCEF}">
+      <dgm:prSet/>
+      <dgm:spPr/>
+      <dgm:t>
+        <a:bodyPr/>
+        <a:lstStyle/>
+        <a:p>
+          <a:endParaRPr lang="en-US"/>
+        </a:p>
+      </dgm:t>
+    </dgm:pt>
+    <dgm:pt modelId="{39EEB5E5-F66E-4E2A-8D9A-8DB00CDBB55C}">
+      <dgm:prSet/>
+      <dgm:spPr/>
+      <dgm:t>
+        <a:bodyPr/>
+        <a:lstStyle/>
+        <a:p>
+          <a:r>
+            <a:rPr lang="en-US"/>
+            <a:t>Matching supply with demand is crucial when things change fast.</a:t>
+          </a:r>
+        </a:p>
+      </dgm:t>
+    </dgm:pt>
+    <dgm:pt modelId="{983E24FE-57D5-478B-A3F0-FD8748784A1E}" type="parTrans" cxnId="{CCBBDAAA-289A-480D-99BE-A94DF3DC2A41}">
+      <dgm:prSet/>
+      <dgm:spPr/>
+      <dgm:t>
+        <a:bodyPr/>
+        <a:lstStyle/>
+        <a:p>
+          <a:endParaRPr lang="en-US"/>
+        </a:p>
+      </dgm:t>
+    </dgm:pt>
+    <dgm:pt modelId="{578207DA-0AF7-45DF-9D5C-13F481740C0B}" type="sibTrans" cxnId="{CCBBDAAA-289A-480D-99BE-A94DF3DC2A41}">
+      <dgm:prSet/>
+      <dgm:spPr/>
+      <dgm:t>
+        <a:bodyPr/>
+        <a:lstStyle/>
+        <a:p>
+          <a:endParaRPr lang="en-US"/>
+        </a:p>
+      </dgm:t>
+    </dgm:pt>
+    <dgm:pt modelId="{6BF00CA2-8C7A-49BB-ADE5-EB3F903BEB99}">
+      <dgm:prSet/>
+      <dgm:spPr/>
+      <dgm:t>
+        <a:bodyPr/>
+        <a:lstStyle/>
+        <a:p>
+          <a:r>
+            <a:rPr lang="en-US" b="1"/>
+            <a:t>Goal</a:t>
+          </a:r>
+          <a:endParaRPr lang="en-US"/>
+        </a:p>
+      </dgm:t>
+    </dgm:pt>
+    <dgm:pt modelId="{D06BA9EE-00DC-415B-85E0-7E3936FFA3A4}" type="parTrans" cxnId="{B342DDD4-E918-42B7-AB63-EF131816C910}">
+      <dgm:prSet/>
+      <dgm:spPr/>
+      <dgm:t>
+        <a:bodyPr/>
+        <a:lstStyle/>
+        <a:p>
+          <a:endParaRPr lang="en-US"/>
+        </a:p>
+      </dgm:t>
+    </dgm:pt>
+    <dgm:pt modelId="{9CCB9928-04D5-4C95-B3B3-E5329251BF5D}" type="sibTrans" cxnId="{B342DDD4-E918-42B7-AB63-EF131816C910}">
+      <dgm:prSet/>
+      <dgm:spPr/>
+      <dgm:t>
+        <a:bodyPr/>
+        <a:lstStyle/>
+        <a:p>
+          <a:endParaRPr lang="en-US"/>
+        </a:p>
+      </dgm:t>
+    </dgm:pt>
+    <dgm:pt modelId="{AB2945B5-39BC-4BA0-BFC6-77594E5FFE96}">
+      <dgm:prSet/>
+      <dgm:spPr/>
+      <dgm:t>
+        <a:bodyPr/>
+        <a:lstStyle/>
+        <a:p>
+          <a:r>
+            <a:rPr lang="en-US"/>
+            <a:t>Develop a predictive model to optimize firms’ inventory decision</a:t>
+          </a:r>
+        </a:p>
+      </dgm:t>
+    </dgm:pt>
+    <dgm:pt modelId="{44D7893A-1E7B-43F9-837E-CB09BE01830D}" type="parTrans" cxnId="{EA34F750-8C95-4BC8-A3BB-E9C178FEB46A}">
+      <dgm:prSet/>
+      <dgm:spPr/>
+      <dgm:t>
+        <a:bodyPr/>
+        <a:lstStyle/>
+        <a:p>
+          <a:endParaRPr lang="en-US"/>
+        </a:p>
+      </dgm:t>
+    </dgm:pt>
+    <dgm:pt modelId="{F68E514E-A6BA-426E-879C-1A8B730B91E3}" type="sibTrans" cxnId="{EA34F750-8C95-4BC8-A3BB-E9C178FEB46A}">
+      <dgm:prSet/>
+      <dgm:spPr/>
+      <dgm:t>
+        <a:bodyPr/>
+        <a:lstStyle/>
+        <a:p>
+          <a:endParaRPr lang="en-US"/>
+        </a:p>
+      </dgm:t>
+    </dgm:pt>
+    <dgm:pt modelId="{A354CEC4-0046-45A3-93A2-608F3AA2B145}" type="pres">
+      <dgm:prSet presAssocID="{9D048ACA-4FD7-4243-A59C-FFCCC8444C1A}" presName="linear" presStyleCnt="0">
+        <dgm:presLayoutVars>
+          <dgm:animLvl val="lvl"/>
+          <dgm:resizeHandles val="exact"/>
+        </dgm:presLayoutVars>
+      </dgm:prSet>
+      <dgm:spPr/>
+    </dgm:pt>
+    <dgm:pt modelId="{C1000578-6A21-4D45-84F0-BCE6121CAA05}" type="pres">
+      <dgm:prSet presAssocID="{77A0C27A-5CFF-4A17-81A9-F7C7431566C0}" presName="parentText" presStyleLbl="node1" presStyleIdx="0" presStyleCnt="2">
+        <dgm:presLayoutVars>
+          <dgm:chMax val="0"/>
+          <dgm:bulletEnabled val="1"/>
+        </dgm:presLayoutVars>
+      </dgm:prSet>
+      <dgm:spPr/>
+    </dgm:pt>
+    <dgm:pt modelId="{3F122A65-93D0-4130-9ABE-F2BDABEC0562}" type="pres">
+      <dgm:prSet presAssocID="{77A0C27A-5CFF-4A17-81A9-F7C7431566C0}" presName="childText" presStyleLbl="revTx" presStyleIdx="0" presStyleCnt="2">
+        <dgm:presLayoutVars>
+          <dgm:bulletEnabled val="1"/>
+        </dgm:presLayoutVars>
+      </dgm:prSet>
+      <dgm:spPr/>
+    </dgm:pt>
+    <dgm:pt modelId="{0A2C852F-E255-4E9C-BD72-63D121C07D2E}" type="pres">
+      <dgm:prSet presAssocID="{6BF00CA2-8C7A-49BB-ADE5-EB3F903BEB99}" presName="parentText" presStyleLbl="node1" presStyleIdx="1" presStyleCnt="2">
+        <dgm:presLayoutVars>
+          <dgm:chMax val="0"/>
+          <dgm:bulletEnabled val="1"/>
+        </dgm:presLayoutVars>
+      </dgm:prSet>
+      <dgm:spPr/>
+    </dgm:pt>
+    <dgm:pt modelId="{9286BC41-6316-4645-BB04-D4BC0923E363}" type="pres">
+      <dgm:prSet presAssocID="{6BF00CA2-8C7A-49BB-ADE5-EB3F903BEB99}" presName="childText" presStyleLbl="revTx" presStyleIdx="1" presStyleCnt="2">
+        <dgm:presLayoutVars>
+          <dgm:bulletEnabled val="1"/>
+        </dgm:presLayoutVars>
+      </dgm:prSet>
+      <dgm:spPr/>
+    </dgm:pt>
+  </dgm:ptLst>
+  <dgm:cxnLst>
+    <dgm:cxn modelId="{AC0BC905-19BD-4F12-8B96-19BD61BFF77C}" type="presOf" srcId="{77A0C27A-5CFF-4A17-81A9-F7C7431566C0}" destId="{C1000578-6A21-4D45-84F0-BCE6121CAA05}" srcOrd="0" destOrd="0" presId="urn:microsoft.com/office/officeart/2005/8/layout/vList2"/>
+    <dgm:cxn modelId="{CB131406-F684-4AB9-8428-2D75FBEE1F02}" type="presOf" srcId="{6BF00CA2-8C7A-49BB-ADE5-EB3F903BEB99}" destId="{0A2C852F-E255-4E9C-BD72-63D121C07D2E}" srcOrd="0" destOrd="0" presId="urn:microsoft.com/office/officeart/2005/8/layout/vList2"/>
+    <dgm:cxn modelId="{69F46B14-B455-46B4-B5FD-2302731057E6}" srcId="{9D048ACA-4FD7-4243-A59C-FFCCC8444C1A}" destId="{77A0C27A-5CFF-4A17-81A9-F7C7431566C0}" srcOrd="0" destOrd="0" parTransId="{C369B04C-52D4-4582-8C35-79245C9C536F}" sibTransId="{EB5BE7FF-B9FA-4225-B3F4-13167DB1FB08}"/>
+    <dgm:cxn modelId="{6BF28017-892D-476A-AAF3-E2083110B152}" type="presOf" srcId="{39EEB5E5-F66E-4E2A-8D9A-8DB00CDBB55C}" destId="{3F122A65-93D0-4130-9ABE-F2BDABEC0562}" srcOrd="0" destOrd="3" presId="urn:microsoft.com/office/officeart/2005/8/layout/vList2"/>
+    <dgm:cxn modelId="{AB403247-1405-4212-98BE-6824B713CE0A}" type="presOf" srcId="{AB2945B5-39BC-4BA0-BFC6-77594E5FFE96}" destId="{9286BC41-6316-4645-BB04-D4BC0923E363}" srcOrd="0" destOrd="0" presId="urn:microsoft.com/office/officeart/2005/8/layout/vList2"/>
+    <dgm:cxn modelId="{EA34F750-8C95-4BC8-A3BB-E9C178FEB46A}" srcId="{6BF00CA2-8C7A-49BB-ADE5-EB3F903BEB99}" destId="{AB2945B5-39BC-4BA0-BFC6-77594E5FFE96}" srcOrd="0" destOrd="0" parTransId="{44D7893A-1E7B-43F9-837E-CB09BE01830D}" sibTransId="{F68E514E-A6BA-426E-879C-1A8B730B91E3}"/>
+    <dgm:cxn modelId="{43B55674-31E1-45C8-89F5-08D292021BA8}" type="presOf" srcId="{B29AF18B-9AF6-43F5-BF98-CD3FA346F5AB}" destId="{3F122A65-93D0-4130-9ABE-F2BDABEC0562}" srcOrd="0" destOrd="2" presId="urn:microsoft.com/office/officeart/2005/8/layout/vList2"/>
+    <dgm:cxn modelId="{95E3DC57-14C3-4271-B516-CEA60063C4CE}" type="presOf" srcId="{9D048ACA-4FD7-4243-A59C-FFCCC8444C1A}" destId="{A354CEC4-0046-45A3-93A2-608F3AA2B145}" srcOrd="0" destOrd="0" presId="urn:microsoft.com/office/officeart/2005/8/layout/vList2"/>
+    <dgm:cxn modelId="{7F7D6294-A2AA-46FA-A9E8-DDD747E32389}" srcId="{77A0C27A-5CFF-4A17-81A9-F7C7431566C0}" destId="{A250E156-F8F3-447B-9591-DE761D0F28B0}" srcOrd="1" destOrd="0" parTransId="{4D65A58C-64A0-4FEC-BF64-7845876565D3}" sibTransId="{2000042E-CF4B-43CC-9F0B-6020ED965CDD}"/>
+    <dgm:cxn modelId="{37CF909B-768E-4024-AC65-C65F80FBDCEF}" srcId="{77A0C27A-5CFF-4A17-81A9-F7C7431566C0}" destId="{B29AF18B-9AF6-43F5-BF98-CD3FA346F5AB}" srcOrd="2" destOrd="0" parTransId="{0C16B500-2059-489F-BCEC-573D2AAC3995}" sibTransId="{4B43497A-D8E1-429C-8023-70443E2004B6}"/>
+    <dgm:cxn modelId="{956165A8-4EEA-4BEB-8CCB-133C67296FB2}" srcId="{77A0C27A-5CFF-4A17-81A9-F7C7431566C0}" destId="{D486D8C0-FD11-44D6-BDEF-744AB3831C12}" srcOrd="0" destOrd="0" parTransId="{DF63866E-0AA2-4C8D-B016-7E3B6A6B79BA}" sibTransId="{2CD99BCC-50A8-4929-9788-301B297665E5}"/>
+    <dgm:cxn modelId="{CCBBDAAA-289A-480D-99BE-A94DF3DC2A41}" srcId="{77A0C27A-5CFF-4A17-81A9-F7C7431566C0}" destId="{39EEB5E5-F66E-4E2A-8D9A-8DB00CDBB55C}" srcOrd="3" destOrd="0" parTransId="{983E24FE-57D5-478B-A3F0-FD8748784A1E}" sibTransId="{578207DA-0AF7-45DF-9D5C-13F481740C0B}"/>
+    <dgm:cxn modelId="{B4E7FDB9-BB8B-404C-8859-C7244C05006C}" type="presOf" srcId="{A250E156-F8F3-447B-9591-DE761D0F28B0}" destId="{3F122A65-93D0-4130-9ABE-F2BDABEC0562}" srcOrd="0" destOrd="1" presId="urn:microsoft.com/office/officeart/2005/8/layout/vList2"/>
+    <dgm:cxn modelId="{B342DDD4-E918-42B7-AB63-EF131816C910}" srcId="{9D048ACA-4FD7-4243-A59C-FFCCC8444C1A}" destId="{6BF00CA2-8C7A-49BB-ADE5-EB3F903BEB99}" srcOrd="1" destOrd="0" parTransId="{D06BA9EE-00DC-415B-85E0-7E3936FFA3A4}" sibTransId="{9CCB9928-04D5-4C95-B3B3-E5329251BF5D}"/>
+    <dgm:cxn modelId="{22F519E6-6F78-4D61-B6F1-126B2BE11206}" type="presOf" srcId="{D486D8C0-FD11-44D6-BDEF-744AB3831C12}" destId="{3F122A65-93D0-4130-9ABE-F2BDABEC0562}" srcOrd="0" destOrd="0" presId="urn:microsoft.com/office/officeart/2005/8/layout/vList2"/>
+    <dgm:cxn modelId="{CD5D14A8-64E5-4FC2-9D2F-446C9AB32170}" type="presParOf" srcId="{A354CEC4-0046-45A3-93A2-608F3AA2B145}" destId="{C1000578-6A21-4D45-84F0-BCE6121CAA05}" srcOrd="0" destOrd="0" presId="urn:microsoft.com/office/officeart/2005/8/layout/vList2"/>
+    <dgm:cxn modelId="{66C2259F-F01D-4C35-87C1-5C9E940F170F}" type="presParOf" srcId="{A354CEC4-0046-45A3-93A2-608F3AA2B145}" destId="{3F122A65-93D0-4130-9ABE-F2BDABEC0562}" srcOrd="1" destOrd="0" presId="urn:microsoft.com/office/officeart/2005/8/layout/vList2"/>
+    <dgm:cxn modelId="{D483883F-50A2-4204-8AD4-A6E03200A7F7}" type="presParOf" srcId="{A354CEC4-0046-45A3-93A2-608F3AA2B145}" destId="{0A2C852F-E255-4E9C-BD72-63D121C07D2E}" srcOrd="2" destOrd="0" presId="urn:microsoft.com/office/officeart/2005/8/layout/vList2"/>
+    <dgm:cxn modelId="{35D15E95-F7B1-47EB-B8D8-0C5FAA9E7243}" type="presParOf" srcId="{A354CEC4-0046-45A3-93A2-608F3AA2B145}" destId="{9286BC41-6316-4645-BB04-D4BC0923E363}" srcOrd="3" destOrd="0" presId="urn:microsoft.com/office/officeart/2005/8/layout/vList2"/>
+  </dgm:cxnLst>
+  <dgm:bg/>
+  <dgm:whole/>
+  <dgm:extLst>
+    <a:ext uri="http://schemas.microsoft.com/office/drawing/2008/diagram">
+      <dsp:dataModelExt xmlns:dsp="http://schemas.microsoft.com/office/drawing/2008/diagram" relId="rId7" minVer="http://schemas.openxmlformats.org/drawingml/2006/diagram"/>
+    </a:ext>
+  </dgm:extLst>
+</dgm:dataModel>
+</file>
+
+<file path=ppt/diagrams/drawing1.xml><?xml version="1.0" encoding="utf-8"?>
+<dsp:drawing xmlns:dgm="http://schemas.openxmlformats.org/drawingml/2006/diagram" xmlns:dsp="http://schemas.microsoft.com/office/drawing/2008/diagram" xmlns:a="http://schemas.openxmlformats.org/drawingml/2006/main">
+  <dsp:spTree>
+    <dsp:nvGrpSpPr>
+      <dsp:cNvPr id="0" name=""/>
+      <dsp:cNvGrpSpPr/>
+    </dsp:nvGrpSpPr>
+    <dsp:grpSpPr/>
+    <dsp:sp modelId="{C1000578-6A21-4D45-84F0-BCE6121CAA05}">
+      <dsp:nvSpPr>
+        <dsp:cNvPr id="0" name=""/>
+        <dsp:cNvSpPr/>
+      </dsp:nvSpPr>
+      <dsp:spPr>
+        <a:xfrm>
+          <a:off x="0" y="127204"/>
+          <a:ext cx="7816029" cy="786240"/>
+        </a:xfrm>
+        <a:prstGeom prst="roundRect">
+          <a:avLst/>
+        </a:prstGeom>
+        <a:solidFill>
+          <a:schemeClr val="accent1">
+            <a:hueOff val="0"/>
+            <a:satOff val="0"/>
+            <a:lumOff val="0"/>
+            <a:alphaOff val="0"/>
+          </a:schemeClr>
+        </a:solidFill>
+        <a:ln w="19050" cap="flat" cmpd="sng" algn="ctr">
+          <a:solidFill>
+            <a:schemeClr val="lt1">
+              <a:hueOff val="0"/>
+              <a:satOff val="0"/>
+              <a:lumOff val="0"/>
+              <a:alphaOff val="0"/>
+            </a:schemeClr>
+          </a:solidFill>
+          <a:prstDash val="solid"/>
+          <a:miter lim="800000"/>
+        </a:ln>
+        <a:effectLst/>
+      </dsp:spPr>
+      <dsp:style>
+        <a:lnRef idx="2">
+          <a:scrgbClr r="0" g="0" b="0"/>
+        </a:lnRef>
+        <a:fillRef idx="1">
+          <a:scrgbClr r="0" g="0" b="0"/>
+        </a:fillRef>
+        <a:effectRef idx="0">
+          <a:scrgbClr r="0" g="0" b="0"/>
+        </a:effectRef>
+        <a:fontRef idx="minor">
+          <a:schemeClr val="lt1"/>
+        </a:fontRef>
+      </dsp:style>
+      <dsp:txBody>
+        <a:bodyPr spcFirstLastPara="0" vert="horz" wrap="square" lIns="121920" tIns="121920" rIns="121920" bIns="121920" numCol="1" spcCol="1270" anchor="ctr" anchorCtr="0">
+          <a:noAutofit/>
+        </a:bodyPr>
+        <a:lstStyle/>
+        <a:p>
+          <a:pPr marL="0" lvl="0" indent="0" algn="l" defTabSz="1422400">
+            <a:lnSpc>
+              <a:spcPct val="90000"/>
+            </a:lnSpc>
+            <a:spcBef>
+              <a:spcPct val="0"/>
+            </a:spcBef>
+            <a:spcAft>
+              <a:spcPct val="35000"/>
+            </a:spcAft>
+            <a:buNone/>
+          </a:pPr>
+          <a:r>
+            <a:rPr lang="en-US" sz="3200" b="1" kern="1200"/>
+            <a:t>Motivation</a:t>
+          </a:r>
+          <a:endParaRPr lang="en-US" sz="3200" kern="1200"/>
+        </a:p>
+      </dsp:txBody>
+      <dsp:txXfrm>
+        <a:off x="38381" y="165585"/>
+        <a:ext cx="7739267" cy="709478"/>
+      </dsp:txXfrm>
+    </dsp:sp>
+    <dsp:sp modelId="{3F122A65-93D0-4130-9ABE-F2BDABEC0562}">
+      <dsp:nvSpPr>
+        <dsp:cNvPr id="0" name=""/>
+        <dsp:cNvSpPr/>
+      </dsp:nvSpPr>
+      <dsp:spPr>
+        <a:xfrm>
+          <a:off x="0" y="913444"/>
+          <a:ext cx="7816029" cy="2782080"/>
+        </a:xfrm>
+        <a:prstGeom prst="rect">
+          <a:avLst/>
+        </a:prstGeom>
+        <a:noFill/>
+        <a:ln>
+          <a:noFill/>
+        </a:ln>
+        <a:effectLst/>
+      </dsp:spPr>
+      <dsp:style>
+        <a:lnRef idx="0">
+          <a:scrgbClr r="0" g="0" b="0"/>
+        </a:lnRef>
+        <a:fillRef idx="0">
+          <a:scrgbClr r="0" g="0" b="0"/>
+        </a:fillRef>
+        <a:effectRef idx="0">
+          <a:scrgbClr r="0" g="0" b="0"/>
+        </a:effectRef>
+        <a:fontRef idx="minor"/>
+      </dsp:style>
+      <dsp:txBody>
+        <a:bodyPr spcFirstLastPara="0" vert="horz" wrap="square" lIns="248159" tIns="40640" rIns="227584" bIns="40640" numCol="1" spcCol="1270" anchor="t" anchorCtr="0">
+          <a:noAutofit/>
+        </a:bodyPr>
+        <a:lstStyle/>
+        <a:p>
+          <a:pPr marL="228600" lvl="1" indent="-228600" algn="l" defTabSz="1111250">
+            <a:lnSpc>
+              <a:spcPct val="90000"/>
+            </a:lnSpc>
+            <a:spcBef>
+              <a:spcPct val="0"/>
+            </a:spcBef>
+            <a:spcAft>
+              <a:spcPct val="20000"/>
+            </a:spcAft>
+            <a:buChar char="•"/>
+          </a:pPr>
+          <a:r>
+            <a:rPr lang="en-US" sz="2500" kern="1200"/>
+            <a:t>Keeping track of inventory helps businesses stay ahead of the game.</a:t>
+          </a:r>
+        </a:p>
+        <a:p>
+          <a:pPr marL="228600" lvl="1" indent="-228600" algn="l" defTabSz="1111250">
+            <a:lnSpc>
+              <a:spcPct val="90000"/>
+            </a:lnSpc>
+            <a:spcBef>
+              <a:spcPct val="0"/>
+            </a:spcBef>
+            <a:spcAft>
+              <a:spcPct val="20000"/>
+            </a:spcAft>
+            <a:buChar char="•"/>
+          </a:pPr>
+          <a:r>
+            <a:rPr lang="en-US" sz="2500" kern="1200"/>
+            <a:t>High storage costs mean smart planning is a must.</a:t>
+          </a:r>
+        </a:p>
+        <a:p>
+          <a:pPr marL="228600" lvl="1" indent="-228600" algn="l" defTabSz="1111250">
+            <a:lnSpc>
+              <a:spcPct val="90000"/>
+            </a:lnSpc>
+            <a:spcBef>
+              <a:spcPct val="0"/>
+            </a:spcBef>
+            <a:spcAft>
+              <a:spcPct val="20000"/>
+            </a:spcAft>
+            <a:buChar char="•"/>
+          </a:pPr>
+          <a:r>
+            <a:rPr lang="en-US" sz="2500" kern="1200"/>
+            <a:t>For perishable goods, managing inventory can stop waste and shortages.</a:t>
+          </a:r>
+        </a:p>
+        <a:p>
+          <a:pPr marL="228600" lvl="1" indent="-228600" algn="l" defTabSz="1111250">
+            <a:lnSpc>
+              <a:spcPct val="90000"/>
+            </a:lnSpc>
+            <a:spcBef>
+              <a:spcPct val="0"/>
+            </a:spcBef>
+            <a:spcAft>
+              <a:spcPct val="20000"/>
+            </a:spcAft>
+            <a:buChar char="•"/>
+          </a:pPr>
+          <a:r>
+            <a:rPr lang="en-US" sz="2500" kern="1200"/>
+            <a:t>Matching supply with demand is crucial when things change fast.</a:t>
+          </a:r>
+        </a:p>
+      </dsp:txBody>
+      <dsp:txXfrm>
+        <a:off x="0" y="913444"/>
+        <a:ext cx="7816029" cy="2782080"/>
+      </dsp:txXfrm>
+    </dsp:sp>
+    <dsp:sp modelId="{0A2C852F-E255-4E9C-BD72-63D121C07D2E}">
+      <dsp:nvSpPr>
+        <dsp:cNvPr id="0" name=""/>
+        <dsp:cNvSpPr/>
+      </dsp:nvSpPr>
+      <dsp:spPr>
+        <a:xfrm>
+          <a:off x="0" y="3695525"/>
+          <a:ext cx="7816029" cy="786240"/>
+        </a:xfrm>
+        <a:prstGeom prst="roundRect">
+          <a:avLst/>
+        </a:prstGeom>
+        <a:solidFill>
+          <a:schemeClr val="accent1">
+            <a:hueOff val="0"/>
+            <a:satOff val="0"/>
+            <a:lumOff val="0"/>
+            <a:alphaOff val="0"/>
+          </a:schemeClr>
+        </a:solidFill>
+        <a:ln w="19050" cap="flat" cmpd="sng" algn="ctr">
+          <a:solidFill>
+            <a:schemeClr val="lt1">
+              <a:hueOff val="0"/>
+              <a:satOff val="0"/>
+              <a:lumOff val="0"/>
+              <a:alphaOff val="0"/>
+            </a:schemeClr>
+          </a:solidFill>
+          <a:prstDash val="solid"/>
+          <a:miter lim="800000"/>
+        </a:ln>
+        <a:effectLst/>
+      </dsp:spPr>
+      <dsp:style>
+        <a:lnRef idx="2">
+          <a:scrgbClr r="0" g="0" b="0"/>
+        </a:lnRef>
+        <a:fillRef idx="1">
+          <a:scrgbClr r="0" g="0" b="0"/>
+        </a:fillRef>
+        <a:effectRef idx="0">
+          <a:scrgbClr r="0" g="0" b="0"/>
+        </a:effectRef>
+        <a:fontRef idx="minor">
+          <a:schemeClr val="lt1"/>
+        </a:fontRef>
+      </dsp:style>
+      <dsp:txBody>
+        <a:bodyPr spcFirstLastPara="0" vert="horz" wrap="square" lIns="121920" tIns="121920" rIns="121920" bIns="121920" numCol="1" spcCol="1270" anchor="ctr" anchorCtr="0">
+          <a:noAutofit/>
+        </a:bodyPr>
+        <a:lstStyle/>
+        <a:p>
+          <a:pPr marL="0" lvl="0" indent="0" algn="l" defTabSz="1422400">
+            <a:lnSpc>
+              <a:spcPct val="90000"/>
+            </a:lnSpc>
+            <a:spcBef>
+              <a:spcPct val="0"/>
+            </a:spcBef>
+            <a:spcAft>
+              <a:spcPct val="35000"/>
+            </a:spcAft>
+            <a:buNone/>
+          </a:pPr>
+          <a:r>
+            <a:rPr lang="en-US" sz="3200" b="1" kern="1200"/>
+            <a:t>Goal</a:t>
+          </a:r>
+          <a:endParaRPr lang="en-US" sz="3200" kern="1200"/>
+        </a:p>
+      </dsp:txBody>
+      <dsp:txXfrm>
+        <a:off x="38381" y="3733906"/>
+        <a:ext cx="7739267" cy="709478"/>
+      </dsp:txXfrm>
+    </dsp:sp>
+    <dsp:sp modelId="{9286BC41-6316-4645-BB04-D4BC0923E363}">
+      <dsp:nvSpPr>
+        <dsp:cNvPr id="0" name=""/>
+        <dsp:cNvSpPr/>
+      </dsp:nvSpPr>
+      <dsp:spPr>
+        <a:xfrm>
+          <a:off x="0" y="4481765"/>
+          <a:ext cx="7816029" cy="794880"/>
+        </a:xfrm>
+        <a:prstGeom prst="rect">
+          <a:avLst/>
+        </a:prstGeom>
+        <a:noFill/>
+        <a:ln>
+          <a:noFill/>
+        </a:ln>
+        <a:effectLst/>
+      </dsp:spPr>
+      <dsp:style>
+        <a:lnRef idx="0">
+          <a:scrgbClr r="0" g="0" b="0"/>
+        </a:lnRef>
+        <a:fillRef idx="0">
+          <a:scrgbClr r="0" g="0" b="0"/>
+        </a:fillRef>
+        <a:effectRef idx="0">
+          <a:scrgbClr r="0" g="0" b="0"/>
+        </a:effectRef>
+        <a:fontRef idx="minor"/>
+      </dsp:style>
+      <dsp:txBody>
+        <a:bodyPr spcFirstLastPara="0" vert="horz" wrap="square" lIns="248159" tIns="40640" rIns="227584" bIns="40640" numCol="1" spcCol="1270" anchor="t" anchorCtr="0">
+          <a:noAutofit/>
+        </a:bodyPr>
+        <a:lstStyle/>
+        <a:p>
+          <a:pPr marL="228600" lvl="1" indent="-228600" algn="l" defTabSz="1111250">
+            <a:lnSpc>
+              <a:spcPct val="90000"/>
+            </a:lnSpc>
+            <a:spcBef>
+              <a:spcPct val="0"/>
+            </a:spcBef>
+            <a:spcAft>
+              <a:spcPct val="20000"/>
+            </a:spcAft>
+            <a:buChar char="•"/>
+          </a:pPr>
+          <a:r>
+            <a:rPr lang="en-US" sz="2500" kern="1200"/>
+            <a:t>Develop a predictive model to optimize firms’ inventory decision</a:t>
+          </a:r>
+        </a:p>
+      </dsp:txBody>
+      <dsp:txXfrm>
+        <a:off x="0" y="4481765"/>
+        <a:ext cx="7816029" cy="794880"/>
+      </dsp:txXfrm>
+    </dsp:sp>
+  </dsp:spTree>
+</dsp:drawing>
+</file>
+
+<file path=ppt/diagrams/layout1.xml><?xml version="1.0" encoding="utf-8"?>
+<dgm:layoutDef xmlns:dgm="http://schemas.openxmlformats.org/drawingml/2006/diagram" xmlns:a="http://schemas.openxmlformats.org/drawingml/2006/main" uniqueId="urn:microsoft.com/office/officeart/2005/8/layout/vList2">
+  <dgm:title val=""/>
+  <dgm:desc val=""/>
+  <dgm:catLst>
+    <dgm:cat type="list" pri="3000"/>
+    <dgm:cat type="convert" pri="1000"/>
+  </dgm:catLst>
+  <dgm:sampData>
+    <dgm:dataModel>
+      <dgm:ptLst>
+        <dgm:pt modelId="0" type="doc"/>
+        <dgm:pt modelId="1">
+          <dgm:prSet phldr="1"/>
+        </dgm:pt>
+        <dgm:pt modelId="11">
+          <dgm:prSet phldr="1"/>
+        </dgm:pt>
+        <dgm:pt modelId="2">
+          <dgm:prSet phldr="1"/>
+        </dgm:pt>
+        <dgm:pt modelId="21">
+          <dgm:prSet phldr="1"/>
+        </dgm:pt>
+      </dgm:ptLst>
+      <dgm:cxnLst>
+        <dgm:cxn modelId="4" srcId="0" destId="1" srcOrd="0" destOrd="0"/>
+        <dgm:cxn modelId="5" srcId="0" destId="2" srcOrd="1" destOrd="0"/>
+        <dgm:cxn modelId="12" srcId="1" destId="11" srcOrd="0" destOrd="0"/>
+        <dgm:cxn modelId="23" srcId="2" destId="21" srcOrd="0" destOrd="0"/>
+      </dgm:cxnLst>
+      <dgm:bg/>
+      <dgm:whole/>
+    </dgm:dataModel>
+  </dgm:sampData>
+  <dgm:styleData>
+    <dgm:dataModel>
+      <dgm:ptLst>
+        <dgm:pt modelId="0" type="doc"/>
+        <dgm:pt modelId="1"/>
+        <dgm:pt modelId="2"/>
+      </dgm:ptLst>
+      <dgm:cxnLst>
+        <dgm:cxn modelId="3" srcId="0" destId="1" srcOrd="0" destOrd="0"/>
+        <dgm:cxn modelId="4" srcId="0" destId="2" srcOrd="1" destOrd="0"/>
+      </dgm:cxnLst>
+      <dgm:bg/>
+      <dgm:whole/>
+    </dgm:dataModel>
+  </dgm:styleData>
+  <dgm:clrData>
+    <dgm:dataModel>
+      <dgm:ptLst>
+        <dgm:pt modelId="0" type="doc"/>
+        <dgm:pt modelId="1"/>
+        <dgm:pt modelId="2"/>
+        <dgm:pt modelId="3"/>
+        <dgm:pt modelId="4"/>
+      </dgm:ptLst>
+      <dgm:cxnLst>
+        <dgm:cxn modelId="5" srcId="0" destId="1" srcOrd="0" destOrd="0"/>
+        <dgm:cxn modelId="6" srcId="0" destId="2" srcOrd="1" destOrd="0"/>
+        <dgm:cxn modelId="7" srcId="0" destId="3" srcOrd="2" destOrd="0"/>
+        <dgm:cxn modelId="8" srcId="0" destId="4" srcOrd="3" destOrd="0"/>
+      </dgm:cxnLst>
+      <dgm:bg/>
+      <dgm:whole/>
+    </dgm:dataModel>
+  </dgm:clrData>
+  <dgm:layoutNode name="linear">
+    <dgm:varLst>
+      <dgm:animLvl val="lvl"/>
+      <dgm:resizeHandles val="exact"/>
+    </dgm:varLst>
+    <dgm:alg type="lin">
+      <dgm:param type="linDir" val="fromT"/>
+      <dgm:param type="vertAlign" val="mid"/>
+    </dgm:alg>
+    <dgm:shape xmlns:r="http://schemas.openxmlformats.org/officeDocument/2006/relationships" r:blip="">
+      <dgm:adjLst/>
+    </dgm:shape>
+    <dgm:presOf/>
+    <dgm:constrLst>
+      <dgm:constr type="w" for="ch" forName="parentText" refType="w"/>
+      <dgm:constr type="h" for="ch" forName="parentText" refType="primFontSz" refFor="ch" refForName="parentText" fact="0.52"/>
+      <dgm:constr type="w" for="ch" forName="childText" refType="w"/>
+      <dgm:constr type="h" for="ch" forName="childText" refType="primFontSz" refFor="ch" refForName="parentText" fact="0.46"/>
+      <dgm:constr type="h" for="ch" forName="parentText" op="equ"/>
+      <dgm:constr type="primFontSz" for="ch" forName="parentText" op="equ" val="65"/>
+      <dgm:constr type="primFontSz" for="ch" forName="childText" refType="primFontSz" refFor="ch" refForName="parentText" op="equ"/>
+      <dgm:constr type="h" for="ch" forName="spacer" refType="primFontSz" refFor="ch" refForName="parentText" fact="0.08"/>
+    </dgm:constrLst>
+    <dgm:ruleLst>
+      <dgm:rule type="primFontSz" for="ch" forName="parentText" val="5" fact="NaN" max="NaN"/>
+    </dgm:ruleLst>
+    <dgm:forEach name="Name0" axis="ch" ptType="node">
+      <dgm:layoutNode name="parentText" styleLbl="node1">
+        <dgm:varLst>
+          <dgm:chMax val="0"/>
+          <dgm:bulletEnabled val="1"/>
+        </dgm:varLst>
+        <dgm:alg type="tx">
+          <dgm:param type="parTxLTRAlign" val="l"/>
+          <dgm:param type="parTxRTLAlign" val="r"/>
+        </dgm:alg>
+        <dgm:shape xmlns:r="http://schemas.openxmlformats.org/officeDocument/2006/relationships" type="roundRect" r:blip="">
+          <dgm:adjLst/>
+        </dgm:shape>
+        <dgm:presOf axis="self"/>
+        <dgm:constrLst>
+          <dgm:constr type="tMarg" refType="primFontSz" fact="0.3"/>
+          <dgm:constr type="bMarg" refType="primFontSz" fact="0.3"/>
+          <dgm:constr type="lMarg" refType="primFontSz" fact="0.3"/>
+          <dgm:constr type="rMarg" refType="primFontSz" fact="0.3"/>
+        </dgm:constrLst>
+        <dgm:ruleLst>
+          <dgm:rule type="h" val="INF" fact="NaN" max="NaN"/>
+        </dgm:ruleLst>
+      </dgm:layoutNode>
+      <dgm:choose name="Name1">
+        <dgm:if name="Name2" axis="ch" ptType="node" func="cnt" op="gte" val="1">
+          <dgm:layoutNode name="childText" styleLbl="revTx">
+            <dgm:varLst>
+              <dgm:bulletEnabled val="1"/>
+            </dgm:varLst>
+            <dgm:alg type="tx">
+              <dgm:param type="stBulletLvl" val="1"/>
+              <dgm:param type="lnSpAfChP" val="20"/>
+            </dgm:alg>
+            <dgm:shape xmlns:r="http://schemas.openxmlformats.org/officeDocument/2006/relationships" type="rect" r:blip="">
+              <dgm:adjLst/>
+            </dgm:shape>
+            <dgm:presOf axis="des" ptType="node"/>
+            <dgm:constrLst>
+              <dgm:constr type="tMarg" refType="primFontSz" fact="0.1"/>
+              <dgm:constr type="bMarg" refType="primFontSz" fact="0.1"/>
+              <dgm:constr type="lMarg" refType="w" fact="0.09"/>
+            </dgm:constrLst>
+            <dgm:ruleLst>
+              <dgm:rule type="h" val="INF" fact="NaN" max="NaN"/>
+            </dgm:ruleLst>
+          </dgm:layoutNode>
+        </dgm:if>
+        <dgm:else name="Name3">
+          <dgm:choose name="Name4">
+            <dgm:if name="Name5" axis="par ch" ptType="doc node" func="cnt" op="gte" val="2">
+              <dgm:forEach name="Name6" axis="followSib" ptType="sibTrans" cnt="1">
+                <dgm:layoutNode name="spacer">
+                  <dgm:alg type="sp"/>
+                  <dgm:shape xmlns:r="http://schemas.openxmlformats.org/officeDocument/2006/relationships" r:blip="">
+                    <dgm:adjLst/>
+                  </dgm:shape>
+                  <dgm:presOf/>
+                  <dgm:constrLst/>
+                  <dgm:ruleLst/>
+                </dgm:layoutNode>
+              </dgm:forEach>
+            </dgm:if>
+            <dgm:else name="Name7"/>
+          </dgm:choose>
+        </dgm:else>
+      </dgm:choose>
+    </dgm:forEach>
+  </dgm:layoutNode>
+</dgm:layoutDef>
+</file>
+
+<file path=ppt/diagrams/quickStyle1.xml><?xml version="1.0" encoding="utf-8"?>
+<dgm:styleDef xmlns:dgm="http://schemas.openxmlformats.org/drawingml/2006/diagram" xmlns:a="http://schemas.openxmlformats.org/drawingml/2006/main" uniqueId="urn:microsoft.com/office/officeart/2005/8/quickstyle/simple1">
+  <dgm:title val=""/>
+  <dgm:desc val=""/>
+  <dgm:catLst>
+    <dgm:cat type="simple" pri="10100"/>
+  </dgm:catLst>
+  <dgm:scene3d>
+    <a:camera prst="orthographicFront"/>
+    <a:lightRig rig="threePt" dir="t"/>
+  </dgm:scene3d>
+  <dgm:styleLbl name="node0">
+    <dgm:scene3d>
+      <a:camera prst="orthographicFront"/>
+      <a:lightRig rig="threePt" dir="t"/>
+    </dgm:scene3d>
+    <dgm:sp3d/>
+    <dgm:txPr/>
+    <dgm:style>
+      <a:lnRef idx="2">
+        <a:scrgbClr r="0" g="0" b="0"/>
+      </a:lnRef>
+      <a:fillRef idx="1">
+        <a:scrgbClr r="0" g="0" b="0"/>
+      </a:fillRef>
+      <a:effectRef idx="0">
+        <a:scrgbClr r="0" g="0" b="0"/>
+      </a:effectRef>
+      <a:fontRef idx="minor">
+        <a:schemeClr val="lt1"/>
+      </a:fontRef>
+    </dgm:style>
+  </dgm:styleLbl>
+  <dgm:styleLbl name="lnNode1">
+    <dgm:scene3d>
+      <a:camera prst="orthographicFront"/>
+      <a:lightRig rig="threePt" dir="t"/>
+    </dgm:scene3d>
+    <dgm:sp3d/>
+    <dgm:txPr/>
+    <dgm:style>
+      <a:lnRef idx="2">
+        <a:scrgbClr r="0" g="0" b="0"/>
+      </a:lnRef>
+      <a:fillRef idx="1">
+        <a:scrgbClr r="0" g="0" b="0"/>
+      </a:fillRef>
+      <a:effectRef idx="0">
+        <a:scrgbClr r="0" g="0" b="0"/>
+      </a:effectRef>
+      <a:fontRef idx="minor">
+        <a:schemeClr val="lt1"/>
+      </a:fontRef>
+    </dgm:style>
+  </dgm:styleLbl>
+  <dgm:styleLbl name="vennNode1">
+    <dgm:scene3d>
+      <a:camera prst="orthographicFront"/>
+      <a:lightRig rig="threePt" dir="t"/>
+    </dgm:scene3d>
+    <dgm:sp3d/>
+    <dgm:txPr/>
+    <dgm:style>
+      <a:lnRef idx="2">
+        <a:scrgbClr r="0" g="0" b="0"/>
+      </a:lnRef>
+      <a:fillRef idx="1">
+        <a:scrgbClr r="0" g="0" b="0"/>
+      </a:fillRef>
+      <a:effectRef idx="0">
+        <a:scrgbClr r="0" g="0" b="0"/>
+      </a:effectRef>
+      <a:fontRef idx="minor">
+        <a:schemeClr val="tx1"/>
+      </a:fontRef>
+    </dgm:style>
+  </dgm:styleLbl>
+  <dgm:styleLbl name="alignNode1">
+    <dgm:scene3d>
+      <a:camera prst="orthographicFront"/>
+      <a:lightRig rig="threePt" dir="t"/>
+    </dgm:scene3d>
+    <dgm:sp3d/>
+    <dgm:txPr/>
+    <dgm:style>
+      <a:lnRef idx="2">
+        <a:scrgbClr r="0" g="0" b="0"/>
+      </a:lnRef>
+      <a:fillRef idx="1">
+        <a:scrgbClr r="0" g="0" b="0"/>
+      </a:fillRef>
+      <a:effectRef idx="0">
+        <a:scrgbClr r="0" g="0" b="0"/>
+      </a:effectRef>
+      <a:fontRef idx="minor">
+        <a:schemeClr val="lt1"/>
+      </a:fontRef>
+    </dgm:style>
+  </dgm:styleLbl>
+  <dgm:styleLbl name="node1">
+    <dgm:scene3d>
+      <a:camera prst="orthographicFront"/>
+      <a:lightRig rig="threePt" dir="t"/>
+    </dgm:scene3d>
+    <dgm:sp3d/>
+    <dgm:txPr/>
+    <dgm:style>
+      <a:lnRef idx="2">
+        <a:scrgbClr r="0" g="0" b="0"/>
+      </a:lnRef>
+      <a:fillRef idx="1">
+        <a:scrgbClr r="0" g="0" b="0"/>
+      </a:fillRef>
+      <a:effectRef idx="0">
+        <a:scrgbClr r="0" g="0" b="0"/>
+      </a:effectRef>
+      <a:fontRef idx="minor">
+        <a:schemeClr val="lt1"/>
+      </a:fontRef>
+    </dgm:style>
+  </dgm:styleLbl>
+  <dgm:styleLbl name="node2">
+    <dgm:scene3d>
+      <a:camera prst="orthographicFront"/>
+      <a:lightRig rig="threePt" dir="t"/>
+    </dgm:scene3d>
+    <dgm:sp3d/>
+    <dgm:txPr/>
+    <dgm:style>
+      <a:lnRef idx="2">
+        <a:scrgbClr r="0" g="0" b="0"/>
+      </a:lnRef>
+      <a:fillRef idx="1">
+        <a:scrgbClr r="0" g="0" b="0"/>
+      </a:fillRef>
+      <a:effectRef idx="0">
+        <a:scrgbClr r="0" g="0" b="0"/>
+      </a:effectRef>
+      <a:fontRef idx="minor">
+        <a:schemeClr val="lt1"/>
+      </a:fontRef>
+    </dgm:style>
+  </dgm:styleLbl>
+  <dgm:styleLbl name="node3">
+    <dgm:scene3d>
+      <a:camera prst="orthographicFront"/>
+      <a:lightRig rig="threePt" dir="t"/>
+    </dgm:scene3d>
+    <dgm:sp3d/>
+    <dgm:txPr/>
+    <dgm:style>
+      <a:lnRef idx="2">
+        <a:scrgbClr r="0" g="0" b="0"/>
+      </a:lnRef>
+      <a:fillRef idx="1">
+        <a:scrgbClr r="0" g="0" b="0"/>
+      </a:fillRef>
+      <a:effectRef idx="0">
+        <a:scrgbClr r="0" g="0" b="0"/>
+      </a:effectRef>
+      <a:fontRef idx="minor">
+        <a:schemeClr val="lt1"/>
+      </a:fontRef>
+    </dgm:style>
+  </dgm:styleLbl>
+  <dgm:styleLbl name="node4">
+    <dgm:scene3d>
+      <a:camera prst="orthographicFront"/>
+      <a:lightRig rig="threePt" dir="t"/>
+    </dgm:scene3d>
+    <dgm:sp3d/>
+    <dgm:txPr/>
+    <dgm:style>
+      <a:lnRef idx="2">
+        <a:scrgbClr r="0" g="0" b="0"/>
+      </a:lnRef>
+      <a:fillRef idx="1">
+        <a:scrgbClr r="0" g="0" b="0"/>
+      </a:fillRef>
+      <a:effectRef idx="0">
+        <a:scrgbClr r="0" g="0" b="0"/>
+      </a:effectRef>
+      <a:fontRef idx="minor">
+        <a:schemeClr val="lt1"/>
+      </a:fontRef>
+    </dgm:style>
+  </dgm:styleLbl>
+  <dgm:styleLbl name="fgImgPlace1">
+    <dgm:scene3d>
+      <a:camera prst="orthographicFront"/>
+      <a:lightRig rig="threePt" dir="t"/>
+    </dgm:scene3d>
+    <dgm:sp3d/>
+    <dgm:txPr/>
+    <dgm:style>
+      <a:lnRef idx="2">
+        <a:scrgbClr r="0" g="0" b="0"/>
+      </a:lnRef>
+      <a:fillRef idx="1">
+        <a:scrgbClr r="0" g="0" b="0"/>
+      </a:fillRef>
+      <a:effectRef idx="0">
+        <a:scrgbClr r="0" g="0" b="0"/>
+      </a:effectRef>
+      <a:fontRef idx="minor"/>
+    </dgm:style>
+  </dgm:styleLbl>
+  <dgm:styleLbl name="alignImgPlace1">
+    <dgm:scene3d>
+      <a:camera prst="orthographicFront"/>
+      <a:lightRig rig="threePt" dir="t"/>
+    </dgm:scene3d>
+    <dgm:sp3d/>
+    <dgm:txPr/>
+    <dgm:style>
+      <a:lnRef idx="2">
+        <a:scrgbClr r="0" g="0" b="0"/>
+      </a:lnRef>
+      <a:fillRef idx="1">
+        <a:scrgbClr r="0" g="0" b="0"/>
+      </a:fillRef>
+      <a:effectRef idx="0">
+        <a:scrgbClr r="0" g="0" b="0"/>
+      </a:effectRef>
+      <a:fontRef idx="minor"/>
+    </dgm:style>
+  </dgm:styleLbl>
+  <dgm:styleLbl name="bgImgPlace1">
+    <dgm:scene3d>
+      <a:camera prst="orthographicFront"/>
+      <a:lightRig rig="threePt" dir="t"/>
+    </dgm:scene3d>
+    <dgm:sp3d/>
+    <dgm:txPr/>
+    <dgm:style>
+      <a:lnRef idx="2">
+        <a:scrgbClr r="0" g="0" b="0"/>
+      </a:lnRef>
+      <a:fillRef idx="1">
+        <a:scrgbClr r="0" g="0" b="0"/>
+      </a:fillRef>
+      <a:effectRef idx="0">
+        <a:scrgbClr r="0" g="0" b="0"/>
+      </a:effectRef>
+      <a:fontRef idx="minor"/>
+    </dgm:style>
+  </dgm:styleLbl>
+  <dgm:styleLbl name="sibTrans2D1">
+    <dgm:scene3d>
+      <a:camera prst="orthographicFront"/>
+      <a:lightRig rig="threePt" dir="t"/>
+    </dgm:scene3d>
+    <dgm:sp3d/>
+    <dgm:txPr/>
+    <dgm:style>
+      <a:lnRef idx="0">
+        <a:scrgbClr r="0" g="0" b="0"/>
+      </a:lnRef>
+      <a:fillRef idx="1">
+        <a:scrgbClr r="0" g="0" b="0"/>
+      </a:fillRef>
+      <a:effectRef idx="0">
+        <a:scrgbClr r="0" g="0" b="0"/>
+      </a:effectRef>
+      <a:fontRef idx="minor">
+        <a:schemeClr val="lt1"/>
+      </a:fontRef>
+    </dgm:style>
+  </dgm:styleLbl>
+  <dgm:styleLbl name="fgSibTrans2D1">
+    <dgm:scene3d>
+      <a:camera prst="orthographicFront"/>
+      <a:lightRig rig="threePt" dir="t"/>
+    </dgm:scene3d>
+    <dgm:sp3d/>
+    <dgm:txPr/>
+    <dgm:style>
+      <a:lnRef idx="0">
+        <a:scrgbClr r="0" g="0" b="0"/>
+      </a:lnRef>
+      <a:fillRef idx="1">
+        <a:scrgbClr r="0" g="0" b="0"/>
+      </a:fillRef>
+      <a:effectRef idx="0">
+        <a:scrgbClr r="0" g="0" b="0"/>
+      </a:effectRef>
+      <a:fontRef idx="minor">
+        <a:schemeClr val="lt1"/>
+      </a:fontRef>
+    </dgm:style>
+  </dgm:styleLbl>
+  <dgm:styleLbl name="bgSibTrans2D1">
+    <dgm:scene3d>
+      <a:camera prst="orthographicFront"/>
+      <a:lightRig rig="threePt" dir="t"/>
+    </dgm:scene3d>
+    <dgm:sp3d/>
+    <dgm:txPr/>
+    <dgm:style>
+      <a:lnRef idx="0">
+        <a:scrgbClr r="0" g="0" b="0"/>
+      </a:lnRef>
+      <a:fillRef idx="1">
+        <a:scrgbClr r="0" g="0" b="0"/>
+      </a:fillRef>
+      <a:effectRef idx="0">
+        <a:scrgbClr r="0" g="0" b="0"/>
+      </a:effectRef>
+      <a:fontRef idx="minor">
+        <a:schemeClr val="lt1"/>
+      </a:fontRef>
+    </dgm:style>
+  </dgm:styleLbl>
+  <dgm:styleLbl name="sibTrans1D1">
+    <dgm:scene3d>
+      <a:camera prst="orthographicFront"/>
+      <a:lightRig rig="threePt" dir="t"/>
+    </dgm:scene3d>
+    <dgm:sp3d/>
+    <dgm:txPr/>
+    <dgm:style>
+      <a:lnRef idx="1">
+        <a:scrgbClr r="0" g="0" b="0"/>
+      </a:lnRef>
+      <a:fillRef idx="0">
+        <a:scrgbClr r="0" g="0" b="0"/>
+      </a:fillRef>
+      <a:effectRef idx="0">
+        <a:scrgbClr r="0" g="0" b="0"/>
+      </a:effectRef>
+      <a:fontRef idx="minor"/>
+    </dgm:style>
+  </dgm:styleLbl>
+  <dgm:styleLbl name="callout">
+    <dgm:scene3d>
+      <a:camera prst="orthographicFront"/>
+      <a:lightRig rig="threePt" dir="t"/>
+    </dgm:scene3d>
+    <dgm:sp3d/>
+    <dgm:txPr/>
+    <dgm:style>
+      <a:lnRef idx="2">
+        <a:scrgbClr r="0" g="0" b="0"/>
+      </a:lnRef>
+      <a:fillRef idx="1">
+        <a:scrgbClr r="0" g="0" b="0"/>
+      </a:fillRef>
+      <a:effectRef idx="0">
+        <a:scrgbClr r="0" g="0" b="0"/>
+      </a:effectRef>
+      <a:fontRef idx="minor"/>
+    </dgm:style>
+  </dgm:styleLbl>
+  <dgm:styleLbl name="asst0">
+    <dgm:scene3d>
+      <a:camera prst="orthographicFront"/>
+      <a:lightRig rig="threePt" dir="t"/>
+    </dgm:scene3d>
+    <dgm:sp3d/>
+    <dgm:txPr/>
+    <dgm:style>
+      <a:lnRef idx="2">
+        <a:scrgbClr r="0" g="0" b="0"/>
+      </a:lnRef>
+      <a:fillRef idx="1">
+        <a:scrgbClr r="0" g="0" b="0"/>
+      </a:fillRef>
+      <a:effectRef idx="0">
+        <a:scrgbClr r="0" g="0" b="0"/>
+      </a:effectRef>
+      <a:fontRef idx="minor">
+        <a:schemeClr val="lt1"/>
+      </a:fontRef>
+    </dgm:style>
+  </dgm:styleLbl>
+  <dgm:styleLbl name="asst1">
+    <dgm:scene3d>
+      <a:camera prst="orthographicFront"/>
+      <a:lightRig rig="threePt" dir="t"/>
+    </dgm:scene3d>
+    <dgm:sp3d/>
+    <dgm:txPr/>
+    <dgm:style>
+      <a:lnRef idx="2">
+        <a:scrgbClr r="0" g="0" b="0"/>
+      </a:lnRef>
+      <a:fillRef idx="1">
+        <a:scrgbClr r="0" g="0" b="0"/>
+      </a:fillRef>
+      <a:effectRef idx="0">
+        <a:scrgbClr r="0" g="0" b="0"/>
+      </a:effectRef>
+      <a:fontRef idx="minor">
+        <a:schemeClr val="lt1"/>
+      </a:fontRef>
+    </dgm:style>
+  </dgm:styleLbl>
+  <dgm:styleLbl name="asst2">
+    <dgm:scene3d>
+      <a:camera prst="orthographicFront"/>
+      <a:lightRig rig="threePt" dir="t"/>
+    </dgm:scene3d>
+    <dgm:sp3d/>
+    <dgm:txPr/>
+    <dgm:style>
+      <a:lnRef idx="2">
+        <a:scrgbClr r="0" g="0" b="0"/>
+      </a:lnRef>
+      <a:fillRef idx="1">
+        <a:scrgbClr r="0" g="0" b="0"/>
+      </a:fillRef>
+      <a:effectRef idx="0">
+        <a:scrgbClr r="0" g="0" b="0"/>
+      </a:effectRef>
+      <a:fontRef idx="minor">
+        <a:schemeClr val="lt1"/>
+      </a:fontRef>
+    </dgm:style>
+  </dgm:styleLbl>
+  <dgm:styleLbl name="asst3">
+    <dgm:scene3d>
+      <a:camera prst="orthographicFront"/>
+      <a:lightRig rig="threePt" dir="t"/>
+    </dgm:scene3d>
+    <dgm:sp3d/>
+    <dgm:txPr/>
+    <dgm:style>
+      <a:lnRef idx="2">
+        <a:scrgbClr r="0" g="0" b="0"/>
+      </a:lnRef>
+      <a:fillRef idx="1">
+        <a:scrgbClr r="0" g="0" b="0"/>
+      </a:fillRef>
+      <a:effectRef idx="0">
+        <a:scrgbClr r="0" g="0" b="0"/>
+      </a:effectRef>
+      <a:fontRef idx="minor">
+        <a:schemeClr val="lt1"/>
+      </a:fontRef>
+    </dgm:style>
+  </dgm:styleLbl>
+  <dgm:styleLbl name="asst4">
+    <dgm:scene3d>
+      <a:camera prst="orthographicFront"/>
+      <a:lightRig rig="threePt" dir="t"/>
+    </dgm:scene3d>
+    <dgm:sp3d/>
+    <dgm:txPr/>
+    <dgm:style>
+      <a:lnRef idx="2">
+        <a:scrgbClr r="0" g="0" b="0"/>
+      </a:lnRef>
+      <a:fillRef idx="1">
+        <a:scrgbClr r="0" g="0" b="0"/>
+      </a:fillRef>
+      <a:effectRef idx="0">
+        <a:scrgbClr r="0" g="0" b="0"/>
+      </a:effectRef>
+      <a:fontRef idx="minor">
+        <a:schemeClr val="lt1"/>
+      </a:fontRef>
+    </dgm:style>
+  </dgm:styleLbl>
+  <dgm:styleLbl name="parChTrans2D1">
+    <dgm:scene3d>
+      <a:camera prst="orthographicFront"/>
+      <a:lightRig rig="threePt" dir="t"/>
+    </dgm:scene3d>
+    <dgm:sp3d/>
+    <dgm:txPr/>
+    <dgm:style>
+      <a:lnRef idx="2">
+        <a:scrgbClr r="0" g="0" b="0"/>
+      </a:lnRef>
+      <a:fillRef idx="1">
+        <a:scrgbClr r="0" g="0" b="0"/>
+      </a:fillRef>
+      <a:effectRef idx="0">
+        <a:scrgbClr r="0" g="0" b="0"/>
+      </a:effectRef>
+      <a:fontRef idx="minor">
+        <a:schemeClr val="lt1"/>
+      </a:fontRef>
+    </dgm:style>
+  </dgm:styleLbl>
+  <dgm:styleLbl name="parChTrans2D2">
+    <dgm:scene3d>
+      <a:camera prst="orthographicFront"/>
+      <a:lightRig rig="threePt" dir="t"/>
+    </dgm:scene3d>
+    <dgm:sp3d/>
+    <dgm:txPr/>
+    <dgm:style>
+      <a:lnRef idx="2">
+        <a:scrgbClr r="0" g="0" b="0"/>
+      </a:lnRef>
+      <a:fillRef idx="1">
+        <a:scrgbClr r="0" g="0" b="0"/>
+      </a:fillRef>
+      <a:effectRef idx="0">
+        <a:scrgbClr r="0" g="0" b="0"/>
+      </a:effectRef>
+      <a:fontRef idx="minor">
+        <a:schemeClr val="lt1"/>
+      </a:fontRef>
+    </dgm:style>
+  </dgm:styleLbl>
+  <dgm:styleLbl name="parChTrans2D3">
+    <dgm:scene3d>
+      <a:camera prst="orthographicFront"/>
+      <a:lightRig rig="threePt" dir="t"/>
+    </dgm:scene3d>
+    <dgm:sp3d/>
+    <dgm:txPr/>
+    <dgm:style>
+      <a:lnRef idx="2">
+        <a:scrgbClr r="0" g="0" b="0"/>
+      </a:lnRef>
+      <a:fillRef idx="1">
+        <a:scrgbClr r="0" g="0" b="0"/>
+      </a:fillRef>
+      <a:effectRef idx="0">
+        <a:scrgbClr r="0" g="0" b="0"/>
+      </a:effectRef>
+      <a:fontRef idx="minor">
+        <a:schemeClr val="lt1"/>
+      </a:fontRef>
+    </dgm:style>
+  </dgm:styleLbl>
+  <dgm:styleLbl name="parChTrans2D4">
+    <dgm:scene3d>
+      <a:camera prst="orthographicFront"/>
+      <a:lightRig rig="threePt" dir="t"/>
+    </dgm:scene3d>
+    <dgm:sp3d/>
+    <dgm:txPr/>
+    <dgm:style>
+      <a:lnRef idx="2">
+        <a:scrgbClr r="0" g="0" b="0"/>
+      </a:lnRef>
+      <a:fillRef idx="1">
+        <a:scrgbClr r="0" g="0" b="0"/>
+      </a:fillRef>
+      <a:effectRef idx="0">
+        <a:scrgbClr r="0" g="0" b="0"/>
+      </a:effectRef>
+      <a:fontRef idx="minor">
+        <a:schemeClr val="lt1"/>
+      </a:fontRef>
+    </dgm:style>
+  </dgm:styleLbl>
+  <dgm:styleLbl name="parChTrans1D1">
+    <dgm:scene3d>
+      <a:camera prst="orthographicFront"/>
+      <a:lightRig rig="threePt" dir="t"/>
+    </dgm:scene3d>
+    <dgm:sp3d/>
+    <dgm:txPr/>
+    <dgm:style>
+      <a:lnRef idx="2">
+        <a:scrgbClr r="0" g="0" b="0"/>
+      </a:lnRef>
+      <a:fillRef idx="0">
+        <a:scrgbClr r="0" g="0" b="0"/>
+      </a:fillRef>
+      <a:effectRef idx="0">
+        <a:scrgbClr r="0" g="0" b="0"/>
+      </a:effectRef>
+      <a:fontRef idx="minor"/>
+    </dgm:style>
+  </dgm:styleLbl>
+  <dgm:styleLbl name="parChTrans1D2">
+    <dgm:scene3d>
+      <a:camera prst="orthographicFront"/>
+      <a:lightRig rig="threePt" dir="t"/>
+    </dgm:scene3d>
+    <dgm:sp3d/>
+    <dgm:txPr/>
+    <dgm:style>
+      <a:lnRef idx="2">
+        <a:scrgbClr r="0" g="0" b="0"/>
+      </a:lnRef>
+      <a:fillRef idx="0">
+        <a:scrgbClr r="0" g="0" b="0"/>
+      </a:fillRef>
+      <a:effectRef idx="0">
+        <a:scrgbClr r="0" g="0" b="0"/>
+      </a:effectRef>
+      <a:fontRef idx="minor"/>
+    </dgm:style>
+  </dgm:styleLbl>
+  <dgm:styleLbl name="parChTrans1D3">
+    <dgm:scene3d>
+      <a:camera prst="orthographicFront"/>
+      <a:lightRig rig="threePt" dir="t"/>
+    </dgm:scene3d>
+    <dgm:sp3d/>
+    <dgm:txPr/>
+    <dgm:style>
+      <a:lnRef idx="2">
+        <a:scrgbClr r="0" g="0" b="0"/>
+      </a:lnRef>
+      <a:fillRef idx="0">
+        <a:scrgbClr r="0" g="0" b="0"/>
+      </a:fillRef>
+      <a:effectRef idx="0">
+        <a:scrgbClr r="0" g="0" b="0"/>
+      </a:effectRef>
+      <a:fontRef idx="minor"/>
+    </dgm:style>
+  </dgm:styleLbl>
+  <dgm:styleLbl name="parChTrans1D4">
+    <dgm:scene3d>
+      <a:camera prst="orthographicFront"/>
+      <a:lightRig rig="threePt" dir="t"/>
+    </dgm:scene3d>
+    <dgm:sp3d/>
+    <dgm:txPr/>
+    <dgm:style>
+      <a:lnRef idx="2">
+        <a:scrgbClr r="0" g="0" b="0"/>
+      </a:lnRef>
+      <a:fillRef idx="0">
+        <a:scrgbClr r="0" g="0" b="0"/>
+      </a:fillRef>
+      <a:effectRef idx="0">
+        <a:scrgbClr r="0" g="0" b="0"/>
+      </a:effectRef>
+      <a:fontRef idx="minor"/>
+    </dgm:style>
+  </dgm:styleLbl>
+  <dgm:styleLbl name="fgAcc1">
+    <dgm:scene3d>
+      <a:camera prst="orthographicFront"/>
+      <a:lightRig rig="threePt" dir="t"/>
+    </dgm:scene3d>
+    <dgm:sp3d/>
+    <dgm:txPr/>
+    <dgm:style>
+      <a:lnRef idx="2">
+        <a:scrgbClr r="0" g="0" b="0"/>
+      </a:lnRef>
+      <a:fillRef idx="1">
+        <a:scrgbClr r="0" g="0" b="0"/>
+      </a:fillRef>
+      <a:effectRef idx="0">
+        <a:scrgbClr r="0" g="0" b="0"/>
+      </a:effectRef>
+      <a:fontRef idx="minor"/>
+    </dgm:style>
+  </dgm:styleLbl>
+  <dgm:styleLbl name="conFgAcc1">
+    <dgm:scene3d>
+      <a:camera prst="orthographicFront"/>
+      <a:lightRig rig="threePt" dir="t"/>
+    </dgm:scene3d>
+    <dgm:sp3d/>
+    <dgm:txPr/>
+    <dgm:style>
+      <a:lnRef idx="2">
+        <a:scrgbClr r="0" g="0" b="0"/>
+      </a:lnRef>
+      <a:fillRef idx="1">
+        <a:scrgbClr r="0" g="0" b="0"/>
+      </a:fillRef>
+      <a:effectRef idx="0">
+        <a:scrgbClr r="0" g="0" b="0"/>
+      </a:effectRef>
+      <a:fontRef idx="minor"/>
+    </dgm:style>
+  </dgm:styleLbl>
+  <dgm:styleLbl name="alignAcc1">
+    <dgm:scene3d>
+      <a:camera prst="orthographicFront"/>
+      <a:lightRig rig="threePt" dir="t"/>
+    </dgm:scene3d>
+    <dgm:sp3d/>
+    <dgm:txPr/>
+    <dgm:style>
+      <a:lnRef idx="2">
+        <a:scrgbClr r="0" g="0" b="0"/>
+      </a:lnRef>
+      <a:fillRef idx="1">
+        <a:scrgbClr r="0" g="0" b="0"/>
+      </a:fillRef>
+      <a:effectRef idx="0">
+        <a:scrgbClr r="0" g="0" b="0"/>
+      </a:effectRef>
+      <a:fontRef idx="minor"/>
+    </dgm:style>
+  </dgm:styleLbl>
+  <dgm:styleLbl name="trAlignAcc1">
+    <dgm:scene3d>
+      <a:camera prst="orthographicFront"/>
+      <a:lightRig rig="threePt" dir="t"/>
+    </dgm:scene3d>
+    <dgm:sp3d/>
+    <dgm:txPr/>
+    <dgm:style>
+      <a:lnRef idx="1">
+        <a:scrgbClr r="0" g="0" b="0"/>
+      </a:lnRef>
+      <a:fillRef idx="1">
+        <a:scrgbClr r="0" g="0" b="0"/>
+      </a:fillRef>
+      <a:effectRef idx="0">
+        <a:scrgbClr r="0" g="0" b="0"/>
+      </a:effectRef>
+      <a:fontRef idx="minor"/>
+    </dgm:style>
+  </dgm:styleLbl>
+  <dgm:styleLbl name="bgAcc1">
+    <dgm:scene3d>
+      <a:camera prst="orthographicFront"/>
+      <a:lightRig rig="threePt" dir="t"/>
+    </dgm:scene3d>
+    <dgm:sp3d/>
+    <dgm:txPr/>
+    <dgm:style>
+      <a:lnRef idx="2">
+        <a:scrgbClr r="0" g="0" b="0"/>
+      </a:lnRef>
+      <a:fillRef idx="1">
+        <a:scrgbClr r="0" g="0" b="0"/>
+      </a:fillRef>
+      <a:effectRef idx="0">
+        <a:scrgbClr r="0" g="0" b="0"/>
+      </a:effectRef>
+      <a:fontRef idx="minor"/>
+    </dgm:style>
+  </dgm:styleLbl>
+  <dgm:styleLbl name="solidFgAcc1">
+    <dgm:scene3d>
+      <a:camera prst="orthographicFront"/>
+      <a:lightRig rig="threePt" dir="t"/>
+    </dgm:scene3d>
+    <dgm:sp3d/>
+    <dgm:txPr/>
+    <dgm:style>
+      <a:lnRef idx="2">
+        <a:scrgbClr r="0" g="0" b="0"/>
+      </a:lnRef>
+      <a:fillRef idx="1">
+        <a:scrgbClr r="0" g="0" b="0"/>
+      </a:fillRef>
+      <a:effectRef idx="0">
+        <a:scrgbClr r="0" g="0" b="0"/>
+      </a:effectRef>
+      <a:fontRef idx="minor"/>
+    </dgm:style>
+  </dgm:styleLbl>
+  <dgm:styleLbl name="solidAlignAcc1">
+    <dgm:scene3d>
+      <a:camera prst="orthographicFront"/>
+      <a:lightRig rig="threePt" dir="t"/>
+    </dgm:scene3d>
+    <dgm:sp3d/>
+    <dgm:txPr/>
+    <dgm:style>
+      <a:lnRef idx="2">
+        <a:scrgbClr r="0" g="0" b="0"/>
+      </a:lnRef>
+      <a:fillRef idx="1">
+        <a:scrgbClr r="0" g="0" b="0"/>
+      </a:fillRef>
+      <a:effectRef idx="0">
+        <a:scrgbClr r="0" g="0" b="0"/>
+      </a:effectRef>
+      <a:fontRef idx="minor"/>
+    </dgm:style>
+  </dgm:styleLbl>
+  <dgm:styleLbl name="solidBgAcc1">
+    <dgm:scene3d>
+      <a:camera prst="orthographicFront"/>
+      <a:lightRig rig="threePt" dir="t"/>
+    </dgm:scene3d>
+    <dgm:sp3d/>
+    <dgm:txPr/>
+    <dgm:style>
+      <a:lnRef idx="2">
+        <a:scrgbClr r="0" g="0" b="0"/>
+      </a:lnRef>
+      <a:fillRef idx="1">
+        <a:scrgbClr r="0" g="0" b="0"/>
+      </a:fillRef>
+      <a:effectRef idx="0">
+        <a:scrgbClr r="0" g="0" b="0"/>
+      </a:effectRef>
+      <a:fontRef idx="minor"/>
+    </dgm:style>
+  </dgm:styleLbl>
+  <dgm:styleLbl name="fgAccFollowNode1">
+    <dgm:scene3d>
+      <a:camera prst="orthographicFront"/>
+      <a:lightRig rig="threePt" dir="t"/>
+    </dgm:scene3d>
+    <dgm:sp3d/>
+    <dgm:txPr/>
+    <dgm:style>
+      <a:lnRef idx="2">
+        <a:scrgbClr r="0" g="0" b="0"/>
+      </a:lnRef>
+      <a:fillRef idx="1">
+        <a:scrgbClr r="0" g="0" b="0"/>
+      </a:fillRef>
+      <a:effectRef idx="0">
+        <a:scrgbClr r="0" g="0" b="0"/>
+      </a:effectRef>
+      <a:fontRef idx="minor"/>
+    </dgm:style>
+  </dgm:styleLbl>
+  <dgm:styleLbl name="alignAccFollowNode1">
+    <dgm:scene3d>
+      <a:camera prst="orthographicFront"/>
+      <a:lightRig rig="threePt" dir="t"/>
+    </dgm:scene3d>
+    <dgm:sp3d/>
+    <dgm:txPr/>
+    <dgm:style>
+      <a:lnRef idx="2">
+        <a:scrgbClr r="0" g="0" b="0"/>
+      </a:lnRef>
+      <a:fillRef idx="1">
+        <a:scrgbClr r="0" g="0" b="0"/>
+      </a:fillRef>
+      <a:effectRef idx="0">
+        <a:scrgbClr r="0" g="0" b="0"/>
+      </a:effectRef>
+      <a:fontRef idx="minor"/>
+    </dgm:style>
+  </dgm:styleLbl>
+  <dgm:styleLbl name="bgAccFollowNode1">
+    <dgm:scene3d>
+      <a:camera prst="orthographicFront"/>
+      <a:lightRig rig="threePt" dir="t"/>
+    </dgm:scene3d>
+    <dgm:sp3d/>
+    <dgm:txPr/>
+    <dgm:style>
+      <a:lnRef idx="2">
+        <a:scrgbClr r="0" g="0" b="0"/>
+      </a:lnRef>
+      <a:fillRef idx="1">
+        <a:scrgbClr r="0" g="0" b="0"/>
+      </a:fillRef>
+      <a:effectRef idx="0">
+        <a:scrgbClr r="0" g="0" b="0"/>
+      </a:effectRef>
+      <a:fontRef idx="minor"/>
+    </dgm:style>
+  </dgm:styleLbl>
+  <dgm:styleLbl name="fgAcc0">
+    <dgm:scene3d>
+      <a:camera prst="orthographicFront"/>
+      <a:lightRig rig="threePt" dir="t"/>
+    </dgm:scene3d>
+    <dgm:sp3d/>
+    <dgm:txPr/>
+    <dgm:style>
+      <a:lnRef idx="2">
+        <a:scrgbClr r="0" g="0" b="0"/>
+      </a:lnRef>
+      <a:fillRef idx="1">
+        <a:scrgbClr r="0" g="0" b="0"/>
+      </a:fillRef>
+      <a:effectRef idx="0">
+        <a:scrgbClr r="0" g="0" b="0"/>
+      </a:effectRef>
+      <a:fontRef idx="minor"/>
+    </dgm:style>
+  </dgm:styleLbl>
+  <dgm:styleLbl name="fgAcc2">
+    <dgm:scene3d>
+      <a:camera prst="orthographicFront"/>
+      <a:lightRig rig="threePt" dir="t"/>
+    </dgm:scene3d>
+    <dgm:sp3d/>
+    <dgm:txPr/>
+    <dgm:style>
+      <a:lnRef idx="2">
+        <a:scrgbClr r="0" g="0" b="0"/>
+      </a:lnRef>
+      <a:fillRef idx="1">
+        <a:scrgbClr r="0" g="0" b="0"/>
+      </a:fillRef>
+      <a:effectRef idx="0">
+        <a:scrgbClr r="0" g="0" b="0"/>
+      </a:effectRef>
+      <a:fontRef idx="minor"/>
+    </dgm:style>
+  </dgm:styleLbl>
+  <dgm:styleLbl name="fgAcc3">
+    <dgm:scene3d>
+      <a:camera prst="orthographicFront"/>
+      <a:lightRig rig="threePt" dir="t"/>
+    </dgm:scene3d>
+    <dgm:sp3d/>
+    <dgm:txPr/>
+    <dgm:style>
+      <a:lnRef idx="2">
+        <a:scrgbClr r="0" g="0" b="0"/>
+      </a:lnRef>
+      <a:fillRef idx="1">
+        <a:scrgbClr r="0" g="0" b="0"/>
+      </a:fillRef>
+      <a:effectRef idx="0">
+        <a:scrgbClr r="0" g="0" b="0"/>
+      </a:effectRef>
+      <a:fontRef idx="minor"/>
+    </dgm:style>
+  </dgm:styleLbl>
+  <dgm:styleLbl name="fgAcc4">
+    <dgm:scene3d>
+      <a:camera prst="orthographicFront"/>
+      <a:lightRig rig="threePt" dir="t"/>
+    </dgm:scene3d>
+    <dgm:sp3d/>
+    <dgm:txPr/>
+    <dgm:style>
+      <a:lnRef idx="2">
+        <a:scrgbClr r="0" g="0" b="0"/>
+      </a:lnRef>
+      <a:fillRef idx="1">
+        <a:scrgbClr r="0" g="0" b="0"/>
+      </a:fillRef>
+      <a:effectRef idx="0">
+        <a:scrgbClr r="0" g="0" b="0"/>
+      </a:effectRef>
+      <a:fontRef idx="minor"/>
+    </dgm:style>
+  </dgm:styleLbl>
+  <dgm:styleLbl name="bgShp">
+    <dgm:scene3d>
+      <a:camera prst="orthographicFront"/>
+      <a:lightRig rig="threePt" dir="t"/>
+    </dgm:scene3d>
+    <dgm:sp3d/>
+    <dgm:txPr/>
+    <dgm:style>
+      <a:lnRef idx="0">
+        <a:scrgbClr r="0" g="0" b="0"/>
+      </a:lnRef>
+      <a:fillRef idx="1">
+        <a:scrgbClr r="0" g="0" b="0"/>
+      </a:fillRef>
+      <a:effectRef idx="0">
+        <a:scrgbClr r="0" g="0" b="0"/>
+      </a:effectRef>
+      <a:fontRef idx="minor"/>
+    </dgm:style>
+  </dgm:styleLbl>
+  <dgm:styleLbl name="dkBgShp">
+    <dgm:scene3d>
+      <a:camera prst="orthographicFront"/>
+      <a:lightRig rig="threePt" dir="t"/>
+    </dgm:scene3d>
+    <dgm:sp3d/>
+    <dgm:txPr/>
+    <dgm:style>
+      <a:lnRef idx="0">
+        <a:scrgbClr r="0" g="0" b="0"/>
+      </a:lnRef>
+      <a:fillRef idx="1">
+        <a:scrgbClr r="0" g="0" b="0"/>
+      </a:fillRef>
+      <a:effectRef idx="0">
+        <a:scrgbClr r="0" g="0" b="0"/>
+      </a:effectRef>
+      <a:fontRef idx="minor"/>
+    </dgm:style>
+  </dgm:styleLbl>
+  <dgm:styleLbl name="trBgShp">
+    <dgm:scene3d>
+      <a:camera prst="orthographicFront"/>
+      <a:lightRig rig="threePt" dir="t"/>
+    </dgm:scene3d>
+    <dgm:sp3d/>
+    <dgm:txPr/>
+    <dgm:style>
+      <a:lnRef idx="0">
+        <a:scrgbClr r="0" g="0" b="0"/>
+      </a:lnRef>
+      <a:fillRef idx="1">
+        <a:scrgbClr r="0" g="0" b="0"/>
+      </a:fillRef>
+      <a:effectRef idx="0">
+        <a:scrgbClr r="0" g="0" b="0"/>
+      </a:effectRef>
+      <a:fontRef idx="minor"/>
+    </dgm:style>
+  </dgm:styleLbl>
+  <dgm:styleLbl name="fgShp">
+    <dgm:scene3d>
+      <a:camera prst="orthographicFront"/>
+      <a:lightRig rig="threePt" dir="t"/>
+    </dgm:scene3d>
+    <dgm:sp3d/>
+    <dgm:txPr/>
+    <dgm:style>
+      <a:lnRef idx="2">
+        <a:scrgbClr r="0" g="0" b="0"/>
+      </a:lnRef>
+      <a:fillRef idx="1">
+        <a:scrgbClr r="0" g="0" b="0"/>
+      </a:fillRef>
+      <a:effectRef idx="0">
+        <a:scrgbClr r="0" g="0" b="0"/>
+      </a:effectRef>
+      <a:fontRef idx="minor"/>
+    </dgm:style>
+  </dgm:styleLbl>
+  <dgm:styleLbl name="revTx">
+    <dgm:scene3d>
+      <a:camera prst="orthographicFront"/>
+      <a:lightRig rig="threePt" dir="t"/>
+    </dgm:scene3d>
+    <dgm:sp3d/>
+    <dgm:txPr/>
+    <dgm:style>
+      <a:lnRef idx="0">
+        <a:scrgbClr r="0" g="0" b="0"/>
+      </a:lnRef>
+      <a:fillRef idx="0">
+        <a:scrgbClr r="0" g="0" b="0"/>
+      </a:fillRef>
+      <a:effectRef idx="0">
+        <a:scrgbClr r="0" g="0" b="0"/>
+      </a:effectRef>
+      <a:fontRef idx="minor"/>
+    </dgm:style>
+  </dgm:styleLbl>
+</dgm:styleDef>
 </file>
 
 <file path=ppt/notesMasters/notesMaster1.xml><?xml version="1.0" encoding="utf-8"?>
@@ -4558,99 +7193,32 @@
           <a:chExt cx="0" cy="0"/>
         </a:xfrm>
       </p:grpSpPr>
-      <p:sp>
-        <p:nvSpPr>
-          <p:cNvPr id="3" name="Content Placeholder 2">
-            <a:extLst>
-              <a:ext uri="{FF2B5EF4-FFF2-40B4-BE49-F238E27FC236}">
-                <a16:creationId xmlns:a16="http://schemas.microsoft.com/office/drawing/2014/main" id="{0C5F0ECF-6C3C-E2B0-0B22-AC8901889BAA}"/>
-              </a:ext>
-            </a:extLst>
-          </p:cNvPr>
-          <p:cNvSpPr>
-            <a:spLocks noGrp="1"/>
-          </p:cNvSpPr>
+      <p:graphicFrame>
+        <p:nvGraphicFramePr>
+          <p:cNvPr id="6" name="Content Placeholder 2">
+            <a:extLst>
+              <a:ext uri="{FF2B5EF4-FFF2-40B4-BE49-F238E27FC236}">
+                <a16:creationId xmlns:a16="http://schemas.microsoft.com/office/drawing/2014/main" id="{DD353395-86C5-8DF7-24F2-47B7398AC0AF}"/>
+              </a:ext>
+            </a:extLst>
+          </p:cNvPr>
+          <p:cNvGraphicFramePr>
+            <a:graphicFrameLocks noGrp="1"/>
+          </p:cNvGraphicFramePr>
           <p:nvPr>
             <p:ph idx="1"/>
           </p:nvPr>
-        </p:nvSpPr>
-        <p:spPr>
-          <a:xfrm>
-            <a:off x="3539358" y="457201"/>
-            <a:ext cx="7816029" cy="5403850"/>
-          </a:xfrm>
-        </p:spPr>
-        <p:txBody>
-          <a:bodyPr>
-            <a:normAutofit/>
-          </a:bodyPr>
-          <a:lstStyle/>
-          <a:p>
-            <a:pPr marL="0" indent="0">
-              <a:buNone/>
-            </a:pPr>
-            <a:r>
-              <a:rPr lang="en-US" b="1" dirty="0"/>
-              <a:t>Motivation</a:t>
-            </a:r>
-          </a:p>
-          <a:p>
-            <a:pPr>
-              <a:buFont typeface="Arial" panose="020B0604020202020204" pitchFamily="34" charset="0"/>
-              <a:buChar char="•"/>
-            </a:pPr>
-            <a:r>
-              <a:rPr lang="en-US" sz="2400" dirty="0"/>
-              <a:t>Keeping track of inventory helps businesses stay ahead of the game.</a:t>
-            </a:r>
-          </a:p>
-          <a:p>
-            <a:pPr>
-              <a:buFont typeface="Arial" panose="020B0604020202020204" pitchFamily="34" charset="0"/>
-              <a:buChar char="•"/>
-            </a:pPr>
-            <a:r>
-              <a:rPr lang="en-US" sz="2400" dirty="0"/>
-              <a:t>High storage costs mean smart planning is a must.</a:t>
-            </a:r>
-          </a:p>
-          <a:p>
-            <a:pPr>
-              <a:buFont typeface="Arial" panose="020B0604020202020204" pitchFamily="34" charset="0"/>
-              <a:buChar char="•"/>
-            </a:pPr>
-            <a:r>
-              <a:rPr lang="en-US" sz="2400" dirty="0"/>
-              <a:t>For perishable goods, managing inventory can stop waste and shortages.</a:t>
-            </a:r>
-          </a:p>
-          <a:p>
-            <a:pPr>
-              <a:buFont typeface="Arial" panose="020B0604020202020204" pitchFamily="34" charset="0"/>
-              <a:buChar char="•"/>
-            </a:pPr>
-            <a:r>
-              <a:rPr lang="en-US" sz="2400" dirty="0"/>
-              <a:t>Matching supply with demand is crucial when things change fast.</a:t>
-            </a:r>
-          </a:p>
-          <a:p>
-            <a:pPr marL="0" indent="0">
-              <a:buNone/>
-            </a:pPr>
-            <a:r>
-              <a:rPr lang="en-US" b="1" dirty="0"/>
-              <a:t>Goal</a:t>
-            </a:r>
-          </a:p>
-          <a:p>
-            <a:r>
-              <a:rPr lang="en-US" sz="2400" dirty="0"/>
-              <a:t>Develop a predictive model to optimize firms’ inventory decision</a:t>
-            </a:r>
-          </a:p>
-        </p:txBody>
-      </p:sp>
+        </p:nvGraphicFramePr>
+        <p:xfrm>
+          <a:off x="3539358" y="457201"/>
+          <a:ext cx="7816029" cy="5403850"/>
+        </p:xfrm>
+        <a:graphic>
+          <a:graphicData uri="http://schemas.openxmlformats.org/drawingml/2006/diagram">
+            <dgm:relIds xmlns:dgm="http://schemas.openxmlformats.org/drawingml/2006/diagram" xmlns:r="http://schemas.openxmlformats.org/officeDocument/2006/relationships" r:dm="rId3" r:lo="rId4" r:qs="rId5" r:cs="rId6"/>
+          </a:graphicData>
+        </a:graphic>
+      </p:graphicFrame>
       <p:pic>
         <p:nvPicPr>
           <p:cNvPr id="4" name="Picture 3" descr="A shelf with different types of bread&#10;&#10;AI-generated content may be incorrect.">
@@ -4666,7 +7234,7 @@
           <p:nvPr/>
         </p:nvPicPr>
         <p:blipFill>
-          <a:blip r:embed="rId3">
+          <a:blip r:embed="rId8">
             <a:extLst>
               <a:ext uri="{28A0092B-C50C-407E-A947-70E740481C1C}">
                 <a14:useLocalDpi xmlns:a14="http://schemas.microsoft.com/office/drawing/2010/main" val="0"/>
@@ -4727,10 +7295,10 @@
       </p:grpSpPr>
       <p:sp useBgFill="1">
         <p:nvSpPr>
-          <p:cNvPr id="10" name="Rectangle 9">
-            <a:extLst>
-              <a:ext uri="{FF2B5EF4-FFF2-40B4-BE49-F238E27FC236}">
-                <a16:creationId xmlns:a16="http://schemas.microsoft.com/office/drawing/2014/main" id="{743AA782-23D1-4521-8CAD-47662984AA08}"/>
+          <p:cNvPr id="29" name="Rectangle 28">
+            <a:extLst>
+              <a:ext uri="{FF2B5EF4-FFF2-40B4-BE49-F238E27FC236}">
+                <a16:creationId xmlns:a16="http://schemas.microsoft.com/office/drawing/2014/main" id="{117AB3D3-3C9C-4DED-809A-78734805B895}"/>
               </a:ext>
               <a:ext uri="{C183D7F6-B498-43B3-948B-1728B52AA6E4}">
                 <adec:decorative xmlns:adec="http://schemas.microsoft.com/office/drawing/2017/decorative" val="1"/>
@@ -4751,7 +7319,7 @@
         <p:spPr>
           <a:xfrm>
             <a:off x="0" y="0"/>
-            <a:ext cx="12192000" cy="6858000"/>
+            <a:ext cx="12191999" cy="6857365"/>
           </a:xfrm>
           <a:prstGeom prst="rect">
             <a:avLst/>
@@ -4803,8 +7371,8 @@
         </p:nvSpPr>
         <p:spPr>
           <a:xfrm>
-            <a:off x="630936" y="640080"/>
-            <a:ext cx="4818888" cy="1481328"/>
+            <a:off x="793662" y="386930"/>
+            <a:ext cx="10066122" cy="1298448"/>
           </a:xfrm>
         </p:spPr>
         <p:txBody>
@@ -4814,18 +7382,25 @@
           <a:lstStyle/>
           <a:p>
             <a:r>
-              <a:rPr lang="en-US" sz="3800"/>
-              <a:t>Grupo Bimbo – predict product demand!</a:t>
-            </a:r>
-          </a:p>
-        </p:txBody>
-      </p:sp>
-      <p:sp>
-        <p:nvSpPr>
-          <p:cNvPr id="12" name="sketch line">
-            <a:extLst>
-              <a:ext uri="{FF2B5EF4-FFF2-40B4-BE49-F238E27FC236}">
-                <a16:creationId xmlns:a16="http://schemas.microsoft.com/office/drawing/2014/main" id="{650D18FE-0824-4A46-B22C-A86B52E5780A}"/>
+              <a:rPr lang="en-US" sz="4100"/>
+              <a:t>Grupo Bimbo</a:t>
+            </a:r>
+            <a:br>
+              <a:rPr lang="en-US" sz="4100"/>
+            </a:br>
+            <a:r>
+              <a:rPr lang="en-US" sz="4100"/>
+              <a:t>predict product demand!</a:t>
+            </a:r>
+          </a:p>
+        </p:txBody>
+      </p:sp>
+      <p:sp>
+        <p:nvSpPr>
+          <p:cNvPr id="31" name="Rectangle 30">
+            <a:extLst>
+              <a:ext uri="{FF2B5EF4-FFF2-40B4-BE49-F238E27FC236}">
+                <a16:creationId xmlns:a16="http://schemas.microsoft.com/office/drawing/2014/main" id="{3A9A4357-BD1D-4622-A4FE-766E6AB8DE84}"/>
               </a:ext>
               <a:ext uri="{C183D7F6-B498-43B3-948B-1728B52AA6E4}">
                 <adec:decorative xmlns:adec="http://schemas.microsoft.com/office/drawing/2017/decorative" val="1"/>
@@ -4844,228 +7419,18 @@
           </p:nvPr>
         </p:nvSpPr>
         <p:spPr>
-          <a:xfrm>
-            <a:off x="643278" y="2372868"/>
-            <a:ext cx="3255095" cy="18288"/>
+          <a:xfrm flipH="1" flipV="1">
+            <a:off x="-2" y="1998845"/>
+            <a:ext cx="11454595" cy="781699"/>
           </a:xfrm>
-          <a:custGeom>
+          <a:prstGeom prst="rect">
             <a:avLst/>
-            <a:gdLst>
-              <a:gd name="connsiteX0" fmla="*/ 0 w 3255095"/>
-              <a:gd name="connsiteY0" fmla="*/ 0 h 18288"/>
-              <a:gd name="connsiteX1" fmla="*/ 618468 w 3255095"/>
-              <a:gd name="connsiteY1" fmla="*/ 0 h 18288"/>
-              <a:gd name="connsiteX2" fmla="*/ 1269487 w 3255095"/>
-              <a:gd name="connsiteY2" fmla="*/ 0 h 18288"/>
-              <a:gd name="connsiteX3" fmla="*/ 1953057 w 3255095"/>
-              <a:gd name="connsiteY3" fmla="*/ 0 h 18288"/>
-              <a:gd name="connsiteX4" fmla="*/ 2636627 w 3255095"/>
-              <a:gd name="connsiteY4" fmla="*/ 0 h 18288"/>
-              <a:gd name="connsiteX5" fmla="*/ 3255095 w 3255095"/>
-              <a:gd name="connsiteY5" fmla="*/ 0 h 18288"/>
-              <a:gd name="connsiteX6" fmla="*/ 3255095 w 3255095"/>
-              <a:gd name="connsiteY6" fmla="*/ 18288 h 18288"/>
-              <a:gd name="connsiteX7" fmla="*/ 2538974 w 3255095"/>
-              <a:gd name="connsiteY7" fmla="*/ 18288 h 18288"/>
-              <a:gd name="connsiteX8" fmla="*/ 1822853 w 3255095"/>
-              <a:gd name="connsiteY8" fmla="*/ 18288 h 18288"/>
-              <a:gd name="connsiteX9" fmla="*/ 1171834 w 3255095"/>
-              <a:gd name="connsiteY9" fmla="*/ 18288 h 18288"/>
-              <a:gd name="connsiteX10" fmla="*/ 0 w 3255095"/>
-              <a:gd name="connsiteY10" fmla="*/ 18288 h 18288"/>
-              <a:gd name="connsiteX11" fmla="*/ 0 w 3255095"/>
-              <a:gd name="connsiteY11" fmla="*/ 0 h 18288"/>
-            </a:gdLst>
-            <a:ahLst/>
-            <a:cxnLst>
-              <a:cxn ang="0">
-                <a:pos x="connsiteX0" y="connsiteY0"/>
-              </a:cxn>
-              <a:cxn ang="0">
-                <a:pos x="connsiteX1" y="connsiteY1"/>
-              </a:cxn>
-              <a:cxn ang="0">
-                <a:pos x="connsiteX2" y="connsiteY2"/>
-              </a:cxn>
-              <a:cxn ang="0">
-                <a:pos x="connsiteX3" y="connsiteY3"/>
-              </a:cxn>
-              <a:cxn ang="0">
-                <a:pos x="connsiteX4" y="connsiteY4"/>
-              </a:cxn>
-              <a:cxn ang="0">
-                <a:pos x="connsiteX5" y="connsiteY5"/>
-              </a:cxn>
-              <a:cxn ang="0">
-                <a:pos x="connsiteX6" y="connsiteY6"/>
-              </a:cxn>
-              <a:cxn ang="0">
-                <a:pos x="connsiteX7" y="connsiteY7"/>
-              </a:cxn>
-              <a:cxn ang="0">
-                <a:pos x="connsiteX8" y="connsiteY8"/>
-              </a:cxn>
-              <a:cxn ang="0">
-                <a:pos x="connsiteX9" y="connsiteY9"/>
-              </a:cxn>
-              <a:cxn ang="0">
-                <a:pos x="connsiteX10" y="connsiteY10"/>
-              </a:cxn>
-              <a:cxn ang="0">
-                <a:pos x="connsiteX11" y="connsiteY11"/>
-              </a:cxn>
-            </a:cxnLst>
-            <a:rect l="l" t="t" r="r" b="b"/>
-            <a:pathLst>
-              <a:path w="3255095" h="18288" fill="none" extrusionOk="0">
-                <a:moveTo>
-                  <a:pt x="0" y="0"/>
-                </a:moveTo>
-                <a:cubicBezTo>
-                  <a:pt x="240201" y="-22123"/>
-                  <a:pt x="462021" y="-19623"/>
-                  <a:pt x="618468" y="0"/>
-                </a:cubicBezTo>
-                <a:cubicBezTo>
-                  <a:pt x="774915" y="19623"/>
-                  <a:pt x="974734" y="2035"/>
-                  <a:pt x="1269487" y="0"/>
-                </a:cubicBezTo>
-                <a:cubicBezTo>
-                  <a:pt x="1564240" y="-2035"/>
-                  <a:pt x="1733579" y="10639"/>
-                  <a:pt x="1953057" y="0"/>
-                </a:cubicBezTo>
-                <a:cubicBezTo>
-                  <a:pt x="2172535" y="-10639"/>
-                  <a:pt x="2453962" y="14018"/>
-                  <a:pt x="2636627" y="0"/>
-                </a:cubicBezTo>
-                <a:cubicBezTo>
-                  <a:pt x="2819292" y="-14018"/>
-                  <a:pt x="3121375" y="5399"/>
-                  <a:pt x="3255095" y="0"/>
-                </a:cubicBezTo>
-                <a:cubicBezTo>
-                  <a:pt x="3254386" y="8157"/>
-                  <a:pt x="3254682" y="12125"/>
-                  <a:pt x="3255095" y="18288"/>
-                </a:cubicBezTo>
-                <a:cubicBezTo>
-                  <a:pt x="3088545" y="23203"/>
-                  <a:pt x="2687475" y="7419"/>
-                  <a:pt x="2538974" y="18288"/>
-                </a:cubicBezTo>
-                <a:cubicBezTo>
-                  <a:pt x="2390473" y="29157"/>
-                  <a:pt x="2137381" y="-8959"/>
-                  <a:pt x="1822853" y="18288"/>
-                </a:cubicBezTo>
-                <a:cubicBezTo>
-                  <a:pt x="1508325" y="45535"/>
-                  <a:pt x="1466437" y="20385"/>
-                  <a:pt x="1171834" y="18288"/>
-                </a:cubicBezTo>
-                <a:cubicBezTo>
-                  <a:pt x="877231" y="16191"/>
-                  <a:pt x="561097" y="37643"/>
-                  <a:pt x="0" y="18288"/>
-                </a:cubicBezTo>
-                <a:cubicBezTo>
-                  <a:pt x="-46" y="12483"/>
-                  <a:pt x="-203" y="6491"/>
-                  <a:pt x="0" y="0"/>
-                </a:cubicBezTo>
-                <a:close/>
-              </a:path>
-              <a:path w="3255095" h="18288" stroke="0" extrusionOk="0">
-                <a:moveTo>
-                  <a:pt x="0" y="0"/>
-                </a:moveTo>
-                <a:cubicBezTo>
-                  <a:pt x="291965" y="19429"/>
-                  <a:pt x="363155" y="8568"/>
-                  <a:pt x="618468" y="0"/>
-                </a:cubicBezTo>
-                <a:cubicBezTo>
-                  <a:pt x="873781" y="-8568"/>
-                  <a:pt x="904459" y="-19505"/>
-                  <a:pt x="1171834" y="0"/>
-                </a:cubicBezTo>
-                <a:cubicBezTo>
-                  <a:pt x="1439209" y="19505"/>
-                  <a:pt x="1744369" y="9790"/>
-                  <a:pt x="1887955" y="0"/>
-                </a:cubicBezTo>
-                <a:cubicBezTo>
-                  <a:pt x="2031541" y="-9790"/>
-                  <a:pt x="2346378" y="21240"/>
-                  <a:pt x="2506423" y="0"/>
-                </a:cubicBezTo>
-                <a:cubicBezTo>
-                  <a:pt x="2666468" y="-21240"/>
-                  <a:pt x="2990257" y="30414"/>
-                  <a:pt x="3255095" y="0"/>
-                </a:cubicBezTo>
-                <a:cubicBezTo>
-                  <a:pt x="3254831" y="4493"/>
-                  <a:pt x="3255479" y="9472"/>
-                  <a:pt x="3255095" y="18288"/>
-                </a:cubicBezTo>
-                <a:cubicBezTo>
-                  <a:pt x="3120743" y="16690"/>
-                  <a:pt x="2759628" y="42462"/>
-                  <a:pt x="2604076" y="18288"/>
-                </a:cubicBezTo>
-                <a:cubicBezTo>
-                  <a:pt x="2448524" y="-5886"/>
-                  <a:pt x="2184336" y="19599"/>
-                  <a:pt x="1887955" y="18288"/>
-                </a:cubicBezTo>
-                <a:cubicBezTo>
-                  <a:pt x="1591574" y="16977"/>
-                  <a:pt x="1548845" y="6870"/>
-                  <a:pt x="1334589" y="18288"/>
-                </a:cubicBezTo>
-                <a:cubicBezTo>
-                  <a:pt x="1120333" y="29706"/>
-                  <a:pt x="996014" y="9662"/>
-                  <a:pt x="683570" y="18288"/>
-                </a:cubicBezTo>
-                <a:cubicBezTo>
-                  <a:pt x="371126" y="26914"/>
-                  <a:pt x="198687" y="16167"/>
-                  <a:pt x="0" y="18288"/>
-                </a:cubicBezTo>
-                <a:cubicBezTo>
-                  <a:pt x="843" y="9577"/>
-                  <a:pt x="371" y="6900"/>
-                  <a:pt x="0" y="0"/>
-                </a:cubicBezTo>
-                <a:close/>
-              </a:path>
-            </a:pathLst>
-          </a:custGeom>
+          </a:prstGeom>
           <a:solidFill>
-            <a:schemeClr val="accent2"/>
+            <a:schemeClr val="accent4"/>
           </a:solidFill>
-          <a:ln w="38100" cap="rnd">
-            <a:solidFill>
-              <a:schemeClr val="accent2"/>
-            </a:solidFill>
-            <a:round/>
-            <a:extLst>
-              <a:ext uri="{C807C97D-BFC1-408E-A445-0C87EB9F89A2}">
-                <ask:lineSketchStyleProps xmlns:ask="http://schemas.microsoft.com/office/drawing/2018/sketchyshapes" sd="1219033472">
-                  <a:prstGeom prst="rect">
-                    <a:avLst/>
-                  </a:prstGeom>
-                  <ask:type>
-                    <ask:lineSketchFreehand/>
-                  </ask:type>
-                </ask:lineSketchStyleProps>
-              </a:ext>
-            </a:extLst>
+          <a:ln>
+            <a:noFill/>
           </a:ln>
         </p:spPr>
         <p:style>
@@ -5095,60 +7460,130 @@
       </p:sp>
       <p:sp>
         <p:nvSpPr>
-          <p:cNvPr id="3" name="Content Placeholder 2">
-            <a:extLst>
-              <a:ext uri="{FF2B5EF4-FFF2-40B4-BE49-F238E27FC236}">
-                <a16:creationId xmlns:a16="http://schemas.microsoft.com/office/drawing/2014/main" id="{23B31D23-57DF-5926-48CD-5E3DD18A18CE}"/>
-              </a:ext>
-            </a:extLst>
-          </p:cNvPr>
-          <p:cNvSpPr>
-            <a:spLocks noGrp="1"/>
-          </p:cNvSpPr>
-          <p:nvPr>
-            <p:ph idx="1"/>
+          <p:cNvPr id="33" name="Rectangle 32">
+            <a:extLst>
+              <a:ext uri="{FF2B5EF4-FFF2-40B4-BE49-F238E27FC236}">
+                <a16:creationId xmlns:a16="http://schemas.microsoft.com/office/drawing/2014/main" id="{E659831F-0D9A-4C63-9EBB-8435B85A440F}"/>
+              </a:ext>
+              <a:ext uri="{C183D7F6-B498-43B3-948B-1728B52AA6E4}">
+                <adec:decorative xmlns:adec="http://schemas.microsoft.com/office/drawing/2017/decorative" val="1"/>
+              </a:ext>
+            </a:extLst>
+          </p:cNvPr>
+          <p:cNvSpPr>
+            <a:spLocks noGrp="1" noRot="1" noChangeAspect="1" noMove="1" noResize="1" noEditPoints="1" noAdjustHandles="1" noChangeArrowheads="1" noChangeShapeType="1" noTextEdit="1"/>
+          </p:cNvSpPr>
+          <p:nvPr>
+            <p:extLst>
+              <p:ext uri="{386F3935-93C4-4BCD-93E2-E3B085C9AB24}">
+                <p16:designElem xmlns:p16="http://schemas.microsoft.com/office/powerpoint/2015/main" val="1"/>
+              </p:ext>
+            </p:extLst>
           </p:nvPr>
         </p:nvSpPr>
         <p:spPr>
           <a:xfrm>
-            <a:off x="630936" y="2660904"/>
-            <a:ext cx="4818888" cy="3547872"/>
+            <a:off x="0" y="2203079"/>
+            <a:ext cx="11383362" cy="4267991"/>
+          </a:xfrm>
+          <a:prstGeom prst="rect">
+            <a:avLst/>
+          </a:prstGeom>
+          <a:solidFill>
+            <a:schemeClr val="bg1"/>
+          </a:solidFill>
+          <a:ln>
+            <a:noFill/>
+          </a:ln>
+          <a:effectLst>
+            <a:outerShdw blurRad="139700" dist="127000" dir="5400000" algn="t" rotWithShape="0">
+              <a:prstClr val="black">
+                <a:alpha val="15000"/>
+              </a:prstClr>
+            </a:outerShdw>
+          </a:effectLst>
+        </p:spPr>
+        <p:style>
+          <a:lnRef idx="2">
+            <a:schemeClr val="accent1">
+              <a:shade val="50000"/>
+            </a:schemeClr>
+          </a:lnRef>
+          <a:fillRef idx="1">
+            <a:schemeClr val="accent1"/>
+          </a:fillRef>
+          <a:effectRef idx="0">
+            <a:schemeClr val="accent1"/>
+          </a:effectRef>
+          <a:fontRef idx="minor">
+            <a:schemeClr val="lt1"/>
+          </a:fontRef>
+        </p:style>
+        <p:txBody>
+          <a:bodyPr rtlCol="0" anchor="ctr"/>
+          <a:lstStyle/>
+          <a:p>
+            <a:pPr algn="ctr"/>
+            <a:endParaRPr lang="en-US"/>
+          </a:p>
+        </p:txBody>
+      </p:sp>
+      <p:sp>
+        <p:nvSpPr>
+          <p:cNvPr id="3" name="Content Placeholder 2">
+            <a:extLst>
+              <a:ext uri="{FF2B5EF4-FFF2-40B4-BE49-F238E27FC236}">
+                <a16:creationId xmlns:a16="http://schemas.microsoft.com/office/drawing/2014/main" id="{23B31D23-57DF-5926-48CD-5E3DD18A18CE}"/>
+              </a:ext>
+            </a:extLst>
+          </p:cNvPr>
+          <p:cNvSpPr>
+            <a:spLocks noGrp="1"/>
+          </p:cNvSpPr>
+          <p:nvPr>
+            <p:ph idx="1"/>
+          </p:nvPr>
+        </p:nvSpPr>
+        <p:spPr>
+          <a:xfrm>
+            <a:off x="793661" y="2599509"/>
+            <a:ext cx="4530898" cy="3639450"/>
           </a:xfrm>
         </p:spPr>
         <p:txBody>
-          <a:bodyPr anchor="t">
+          <a:bodyPr anchor="ctr">
             <a:normAutofit/>
           </a:bodyPr>
           <a:lstStyle/>
           <a:p>
             <a:r>
-              <a:rPr lang="en-US" sz="2200"/>
+              <a:rPr lang="en-US" sz="2000"/>
               <a:t>Products are delivered to clients weekly</a:t>
             </a:r>
           </a:p>
           <a:p>
             <a:r>
-              <a:rPr lang="en-US" sz="2200"/>
+              <a:rPr lang="en-US" sz="2000"/>
               <a:t>Target variable: Adjusted Demand = sales – returns</a:t>
             </a:r>
           </a:p>
           <a:p>
             <a:r>
-              <a:rPr lang="en-US" sz="2200"/>
+              <a:rPr lang="en-US" sz="2000"/>
               <a:t>Training data for weeks 3 – 9</a:t>
             </a:r>
           </a:p>
           <a:p>
             <a:r>
-              <a:rPr lang="en-US" sz="2200"/>
+              <a:rPr lang="en-US" sz="2000"/>
               <a:t>Predict adjusted demand for weeks 10 and 11!</a:t>
             </a:r>
           </a:p>
           <a:p>
-            <a:endParaRPr lang="en-US" sz="2200"/>
-          </a:p>
-          <a:p>
-            <a:endParaRPr lang="en-US" sz="2200"/>
+            <a:endParaRPr lang="en-US" sz="2000"/>
+          </a:p>
+          <a:p>
+            <a:endParaRPr lang="en-US" sz="2000"/>
           </a:p>
         </p:txBody>
       </p:sp>
@@ -5174,20 +7609,82 @@
               </a:ext>
             </a:extLst>
           </a:blip>
-          <a:stretch>
-            <a:fillRect/>
-          </a:stretch>
+          <a:srcRect l="2529" r="4913"/>
+          <a:stretch/>
         </p:blipFill>
         <p:spPr>
           <a:xfrm>
-            <a:off x="6099048" y="1607069"/>
-            <a:ext cx="5458968" cy="3643861"/>
+            <a:off x="5911532" y="2484255"/>
+            <a:ext cx="5150277" cy="3714244"/>
           </a:xfrm>
           <a:prstGeom prst="rect">
             <a:avLst/>
           </a:prstGeom>
         </p:spPr>
       </p:pic>
+      <p:sp>
+        <p:nvSpPr>
+          <p:cNvPr id="35" name="Rectangle 34">
+            <a:extLst>
+              <a:ext uri="{FF2B5EF4-FFF2-40B4-BE49-F238E27FC236}">
+                <a16:creationId xmlns:a16="http://schemas.microsoft.com/office/drawing/2014/main" id="{E6995CE5-F890-4ABA-82A2-26507CE8D2A3}"/>
+              </a:ext>
+              <a:ext uri="{C183D7F6-B498-43B3-948B-1728B52AA6E4}">
+                <adec:decorative xmlns:adec="http://schemas.microsoft.com/office/drawing/2017/decorative" val="1"/>
+              </a:ext>
+            </a:extLst>
+          </p:cNvPr>
+          <p:cNvSpPr>
+            <a:spLocks noGrp="1" noRot="1" noChangeAspect="1" noMove="1" noResize="1" noEditPoints="1" noAdjustHandles="1" noChangeArrowheads="1" noChangeShapeType="1" noTextEdit="1"/>
+          </p:cNvSpPr>
+          <p:nvPr>
+            <p:extLst>
+              <p:ext uri="{386F3935-93C4-4BCD-93E2-E3B085C9AB24}">
+                <p16:designElem xmlns:p16="http://schemas.microsoft.com/office/powerpoint/2015/main" val="1"/>
+              </p:ext>
+            </p:extLst>
+          </p:nvPr>
+        </p:nvSpPr>
+        <p:spPr>
+          <a:xfrm rot="5400000">
+            <a:off x="11228040" y="2313027"/>
+            <a:ext cx="781700" cy="152382"/>
+          </a:xfrm>
+          <a:prstGeom prst="rect">
+            <a:avLst/>
+          </a:prstGeom>
+          <a:solidFill>
+            <a:schemeClr val="accent4"/>
+          </a:solidFill>
+          <a:ln>
+            <a:noFill/>
+          </a:ln>
+        </p:spPr>
+        <p:style>
+          <a:lnRef idx="2">
+            <a:schemeClr val="accent1">
+              <a:shade val="50000"/>
+            </a:schemeClr>
+          </a:lnRef>
+          <a:fillRef idx="1">
+            <a:schemeClr val="accent1"/>
+          </a:fillRef>
+          <a:effectRef idx="0">
+            <a:schemeClr val="accent1"/>
+          </a:effectRef>
+          <a:fontRef idx="minor">
+            <a:schemeClr val="lt1"/>
+          </a:fontRef>
+        </p:style>
+        <p:txBody>
+          <a:bodyPr rtlCol="0" anchor="ctr"/>
+          <a:lstStyle/>
+          <a:p>
+            <a:pPr algn="ctr"/>
+            <a:endParaRPr lang="en-US"/>
+          </a:p>
+        </p:txBody>
+      </p:sp>
     </p:spTree>
     <p:extLst>
       <p:ext uri="{BB962C8B-B14F-4D97-AF65-F5344CB8AC3E}">
@@ -5226,56 +7723,21 @@
           <a:chExt cx="0" cy="0"/>
         </a:xfrm>
       </p:grpSpPr>
-      <p:sp>
-        <p:nvSpPr>
-          <p:cNvPr id="2" name="Title 1">
-            <a:extLst>
-              <a:ext uri="{FF2B5EF4-FFF2-40B4-BE49-F238E27FC236}">
-                <a16:creationId xmlns:a16="http://schemas.microsoft.com/office/drawing/2014/main" id="{B1F6C2B7-A3E5-E630-E19E-73BF2A6D0D1E}"/>
-              </a:ext>
-            </a:extLst>
-          </p:cNvPr>
-          <p:cNvSpPr>
-            <a:spLocks noGrp="1"/>
-          </p:cNvSpPr>
-          <p:nvPr>
-            <p:ph type="title"/>
-          </p:nvPr>
-        </p:nvSpPr>
-        <p:spPr>
-          <a:xfrm>
-            <a:off x="761840" y="1138265"/>
-            <a:ext cx="4544762" cy="1401183"/>
-          </a:xfrm>
-        </p:spPr>
-        <p:txBody>
-          <a:bodyPr anchor="t">
-            <a:normAutofit/>
-          </a:bodyPr>
-          <a:lstStyle/>
-          <a:p>
-            <a:r>
-              <a:rPr lang="en-US" sz="4000" dirty="0"/>
-              <a:t>Data set features</a:t>
-            </a:r>
-          </a:p>
-        </p:txBody>
-      </p:sp>
-      <p:cxnSp>
-        <p:nvCxnSpPr>
-          <p:cNvPr id="14" name="Straight Connector 13">
-            <a:extLst>
-              <a:ext uri="{FF2B5EF4-FFF2-40B4-BE49-F238E27FC236}">
-                <a16:creationId xmlns:a16="http://schemas.microsoft.com/office/drawing/2014/main" id="{FC23E3B9-5ABF-58B3-E2B0-E9A5DAA90037}"/>
+      <p:sp useBgFill="1">
+        <p:nvSpPr>
+          <p:cNvPr id="89" name="Rectangle 88">
+            <a:extLst>
+              <a:ext uri="{FF2B5EF4-FFF2-40B4-BE49-F238E27FC236}">
+                <a16:creationId xmlns:a16="http://schemas.microsoft.com/office/drawing/2014/main" id="{DBC6133C-0615-4CE4-9132-37E609A9BDFA}"/>
               </a:ext>
               <a:ext uri="{C183D7F6-B498-43B3-948B-1728B52AA6E4}">
                 <adec:decorative xmlns:adec="http://schemas.microsoft.com/office/drawing/2017/decorative" val="1"/>
               </a:ext>
             </a:extLst>
           </p:cNvPr>
-          <p:cNvCxnSpPr>
-            <a:cxnSpLocks noGrp="1" noRot="1" noChangeAspect="1" noMove="1" noResize="1" noEditPoints="1" noAdjustHandles="1" noChangeArrowheads="1" noChangeShapeType="1"/>
-          </p:cNvCxnSpPr>
+          <p:cNvSpPr>
+            <a:spLocks noGrp="1" noRot="1" noChangeAspect="1" noMove="1" noResize="1" noEditPoints="1" noAdjustHandles="1" noChangeArrowheads="1" noChangeShapeType="1" noTextEdit="1"/>
+          </p:cNvSpPr>
           <p:nvPr>
             <p:extLst>
               <p:ext uri="{386F3935-93C4-4BCD-93E2-E3B085C9AB24}">
@@ -5283,42 +7745,50 @@
               </p:ext>
             </p:extLst>
           </p:nvPr>
-        </p:nvCxnSpPr>
+        </p:nvSpPr>
         <p:spPr>
           <a:xfrm>
-            <a:off x="861462" y="871146"/>
-            <a:ext cx="736939" cy="0"/>
+            <a:off x="0" y="0"/>
+            <a:ext cx="12191999" cy="6857365"/>
           </a:xfrm>
-          <a:prstGeom prst="line">
+          <a:prstGeom prst="rect">
             <a:avLst/>
           </a:prstGeom>
-          <a:ln w="57150">
-            <a:solidFill>
-              <a:schemeClr val="accent4"/>
-            </a:solidFill>
+          <a:ln>
+            <a:noFill/>
           </a:ln>
         </p:spPr>
         <p:style>
-          <a:lnRef idx="1">
-            <a:schemeClr val="accent1"/>
+          <a:lnRef idx="2">
+            <a:schemeClr val="accent1">
+              <a:shade val="50000"/>
+            </a:schemeClr>
           </a:lnRef>
-          <a:fillRef idx="0">
+          <a:fillRef idx="1">
             <a:schemeClr val="accent1"/>
           </a:fillRef>
           <a:effectRef idx="0">
             <a:schemeClr val="accent1"/>
           </a:effectRef>
           <a:fontRef idx="minor">
-            <a:schemeClr val="tx1"/>
+            <a:schemeClr val="lt1"/>
           </a:fontRef>
         </p:style>
-      </p:cxnSp>
-      <p:sp>
-        <p:nvSpPr>
-          <p:cNvPr id="3" name="Content Placeholder 2">
-            <a:extLst>
-              <a:ext uri="{FF2B5EF4-FFF2-40B4-BE49-F238E27FC236}">
-                <a16:creationId xmlns:a16="http://schemas.microsoft.com/office/drawing/2014/main" id="{A8A3A733-1D33-1070-495B-AF245A9F9999}"/>
+        <p:txBody>
+          <a:bodyPr rtlCol="0" anchor="ctr"/>
+          <a:lstStyle/>
+          <a:p>
+            <a:pPr algn="ctr"/>
+            <a:endParaRPr lang="en-US"/>
+          </a:p>
+        </p:txBody>
+      </p:sp>
+      <p:sp>
+        <p:nvSpPr>
+          <p:cNvPr id="2" name="Title 1">
+            <a:extLst>
+              <a:ext uri="{FF2B5EF4-FFF2-40B4-BE49-F238E27FC236}">
+                <a16:creationId xmlns:a16="http://schemas.microsoft.com/office/drawing/2014/main" id="{B1F6C2B7-A3E5-E630-E19E-73BF2A6D0D1E}"/>
               </a:ext>
             </a:extLst>
           </p:cNvPr>
@@ -5326,58 +7796,352 @@
             <a:spLocks noGrp="1"/>
           </p:cNvSpPr>
           <p:nvPr>
-            <p:ph idx="1"/>
+            <p:ph type="title"/>
           </p:nvPr>
         </p:nvSpPr>
         <p:spPr>
           <a:xfrm>
-            <a:off x="761840" y="2551176"/>
-            <a:ext cx="4544762" cy="3602935"/>
+            <a:off x="645064" y="525982"/>
+            <a:ext cx="4282983" cy="1200361"/>
           </a:xfrm>
         </p:spPr>
         <p:txBody>
-          <a:bodyPr>
+          <a:bodyPr anchor="b">
             <a:normAutofit/>
           </a:bodyPr>
           <a:lstStyle/>
           <a:p>
             <a:r>
-              <a:rPr lang="en-US" dirty="0"/>
+              <a:rPr lang="en-US" sz="3600"/>
+              <a:t>Data set features</a:t>
+            </a:r>
+          </a:p>
+        </p:txBody>
+      </p:sp>
+      <p:sp>
+        <p:nvSpPr>
+          <p:cNvPr id="91" name="Rectangle 90">
+            <a:extLst>
+              <a:ext uri="{FF2B5EF4-FFF2-40B4-BE49-F238E27FC236}">
+                <a16:creationId xmlns:a16="http://schemas.microsoft.com/office/drawing/2014/main" id="{169CC832-2974-4E8D-90ED-3E2941BA7336}"/>
+              </a:ext>
+              <a:ext uri="{C183D7F6-B498-43B3-948B-1728B52AA6E4}">
+                <adec:decorative xmlns:adec="http://schemas.microsoft.com/office/drawing/2017/decorative" val="1"/>
+              </a:ext>
+            </a:extLst>
+          </p:cNvPr>
+          <p:cNvSpPr>
+            <a:spLocks noGrp="1" noRot="1" noChangeAspect="1" noMove="1" noResize="1" noEditPoints="1" noAdjustHandles="1" noChangeArrowheads="1" noChangeShapeType="1" noTextEdit="1"/>
+          </p:cNvSpPr>
+          <p:nvPr>
+            <p:extLst>
+              <p:ext uri="{386F3935-93C4-4BCD-93E2-E3B085C9AB24}">
+                <p16:designElem xmlns:p16="http://schemas.microsoft.com/office/powerpoint/2015/main" val="1"/>
+              </p:ext>
+            </p:extLst>
+          </p:nvPr>
+        </p:nvSpPr>
+        <p:spPr>
+          <a:xfrm flipH="1">
+            <a:off x="616533" y="1944913"/>
+            <a:ext cx="4023360" cy="27432"/>
+          </a:xfrm>
+          <a:prstGeom prst="rect">
+            <a:avLst/>
+          </a:prstGeom>
+          <a:solidFill>
+            <a:schemeClr val="accent4"/>
+          </a:solidFill>
+          <a:ln>
+            <a:noFill/>
+          </a:ln>
+        </p:spPr>
+        <p:style>
+          <a:lnRef idx="2">
+            <a:schemeClr val="accent1">
+              <a:shade val="50000"/>
+            </a:schemeClr>
+          </a:lnRef>
+          <a:fillRef idx="1">
+            <a:schemeClr val="accent1"/>
+          </a:fillRef>
+          <a:effectRef idx="0">
+            <a:schemeClr val="accent1"/>
+          </a:effectRef>
+          <a:fontRef idx="minor">
+            <a:schemeClr val="lt1"/>
+          </a:fontRef>
+        </p:style>
+        <p:txBody>
+          <a:bodyPr rtlCol="0" anchor="ctr"/>
+          <a:lstStyle/>
+          <a:p>
+            <a:pPr algn="ctr"/>
+            <a:endParaRPr lang="en-US"/>
+          </a:p>
+        </p:txBody>
+      </p:sp>
+      <p:sp>
+        <p:nvSpPr>
+          <p:cNvPr id="3" name="Content Placeholder 2">
+            <a:extLst>
+              <a:ext uri="{FF2B5EF4-FFF2-40B4-BE49-F238E27FC236}">
+                <a16:creationId xmlns:a16="http://schemas.microsoft.com/office/drawing/2014/main" id="{A8A3A733-1D33-1070-495B-AF245A9F9999}"/>
+              </a:ext>
+            </a:extLst>
+          </p:cNvPr>
+          <p:cNvSpPr>
+            <a:spLocks noGrp="1"/>
+          </p:cNvSpPr>
+          <p:nvPr>
+            <p:ph idx="1"/>
+          </p:nvPr>
+        </p:nvSpPr>
+        <p:spPr>
+          <a:xfrm>
+            <a:off x="645066" y="2031101"/>
+            <a:ext cx="4282984" cy="3511943"/>
+          </a:xfrm>
+        </p:spPr>
+        <p:txBody>
+          <a:bodyPr anchor="ctr">
+            <a:normAutofit/>
+          </a:bodyPr>
+          <a:lstStyle/>
+          <a:p>
+            <a:r>
+              <a:rPr lang="en-US" sz="1800"/>
               <a:t>Client ID</a:t>
             </a:r>
           </a:p>
           <a:p>
             <a:r>
-              <a:rPr lang="en-US" dirty="0"/>
+              <a:rPr lang="en-US" sz="1800"/>
               <a:t>Product ID</a:t>
             </a:r>
           </a:p>
           <a:p>
             <a:r>
-              <a:rPr lang="en-US" dirty="0"/>
+              <a:rPr lang="en-US" sz="1800"/>
               <a:t>Route ID</a:t>
             </a:r>
           </a:p>
           <a:p>
             <a:r>
-              <a:rPr lang="en-US" dirty="0"/>
+              <a:rPr lang="en-US" sz="1800"/>
               <a:t>Sales depot ID</a:t>
             </a:r>
           </a:p>
           <a:p>
             <a:r>
-              <a:rPr lang="en-US" dirty="0"/>
+              <a:rPr lang="en-US" sz="1800"/>
               <a:t>Adjusted demand</a:t>
             </a:r>
+          </a:p>
+        </p:txBody>
+      </p:sp>
+      <p:sp>
+        <p:nvSpPr>
+          <p:cNvPr id="93" name="Rectangle 92">
+            <a:extLst>
+              <a:ext uri="{FF2B5EF4-FFF2-40B4-BE49-F238E27FC236}">
+                <a16:creationId xmlns:a16="http://schemas.microsoft.com/office/drawing/2014/main" id="{55222F96-971A-4F90-B841-6BAB416C7AC1}"/>
+              </a:ext>
+              <a:ext uri="{C183D7F6-B498-43B3-948B-1728B52AA6E4}">
+                <adec:decorative xmlns:adec="http://schemas.microsoft.com/office/drawing/2017/decorative" val="1"/>
+              </a:ext>
+            </a:extLst>
+          </p:cNvPr>
+          <p:cNvSpPr>
+            <a:spLocks noGrp="1" noRot="1" noChangeAspect="1" noMove="1" noResize="1" noEditPoints="1" noAdjustHandles="1" noChangeArrowheads="1" noChangeShapeType="1" noTextEdit="1"/>
+          </p:cNvSpPr>
+          <p:nvPr>
+            <p:extLst>
+              <p:ext uri="{386F3935-93C4-4BCD-93E2-E3B085C9AB24}">
+                <p16:designElem xmlns:p16="http://schemas.microsoft.com/office/powerpoint/2015/main" val="1"/>
+              </p:ext>
+            </p:extLst>
+          </p:nvPr>
+        </p:nvSpPr>
+        <p:spPr>
+          <a:xfrm rot="5400000">
+            <a:off x="-225843" y="6053360"/>
+            <a:ext cx="740664" cy="154124"/>
+          </a:xfrm>
+          <a:prstGeom prst="rect">
+            <a:avLst/>
+          </a:prstGeom>
+          <a:solidFill>
+            <a:schemeClr val="accent4"/>
+          </a:solidFill>
+          <a:ln>
+            <a:noFill/>
+          </a:ln>
+        </p:spPr>
+        <p:style>
+          <a:lnRef idx="2">
+            <a:schemeClr val="accent1">
+              <a:shade val="50000"/>
+            </a:schemeClr>
+          </a:lnRef>
+          <a:fillRef idx="1">
+            <a:schemeClr val="accent1"/>
+          </a:fillRef>
+          <a:effectRef idx="0">
+            <a:schemeClr val="accent1"/>
+          </a:effectRef>
+          <a:fontRef idx="minor">
+            <a:schemeClr val="lt1"/>
+          </a:fontRef>
+        </p:style>
+        <p:txBody>
+          <a:bodyPr rtlCol="0" anchor="ctr"/>
+          <a:lstStyle/>
+          <a:p>
+            <a:pPr algn="ctr"/>
+            <a:endParaRPr lang="en-US"/>
+          </a:p>
+        </p:txBody>
+      </p:sp>
+      <p:sp>
+        <p:nvSpPr>
+          <p:cNvPr id="95" name="Rectangle 94">
+            <a:extLst>
+              <a:ext uri="{FF2B5EF4-FFF2-40B4-BE49-F238E27FC236}">
+                <a16:creationId xmlns:a16="http://schemas.microsoft.com/office/drawing/2014/main" id="{08980754-6F4B-43C9-B9BE-127B6BED6586}"/>
+              </a:ext>
+              <a:ext uri="{C183D7F6-B498-43B3-948B-1728B52AA6E4}">
+                <adec:decorative xmlns:adec="http://schemas.microsoft.com/office/drawing/2017/decorative" val="1"/>
+              </a:ext>
+            </a:extLst>
+          </p:cNvPr>
+          <p:cNvSpPr>
+            <a:spLocks noGrp="1" noRot="1" noChangeAspect="1" noMove="1" noResize="1" noEditPoints="1" noAdjustHandles="1" noChangeArrowheads="1" noChangeShapeType="1" noTextEdit="1"/>
+          </p:cNvSpPr>
+          <p:nvPr>
+            <p:extLst>
+              <p:ext uri="{386F3935-93C4-4BCD-93E2-E3B085C9AB24}">
+                <p16:designElem xmlns:p16="http://schemas.microsoft.com/office/powerpoint/2015/main" val="1"/>
+              </p:ext>
+            </p:extLst>
+          </p:nvPr>
+        </p:nvSpPr>
+        <p:spPr>
+          <a:xfrm rot="5400000">
+            <a:off x="5904923" y="215201"/>
+            <a:ext cx="740664" cy="11833491"/>
+          </a:xfrm>
+          <a:prstGeom prst="rect">
+            <a:avLst/>
+          </a:prstGeom>
+          <a:solidFill>
+            <a:schemeClr val="accent4"/>
+          </a:solidFill>
+          <a:ln>
+            <a:noFill/>
+          </a:ln>
+        </p:spPr>
+        <p:style>
+          <a:lnRef idx="2">
+            <a:schemeClr val="accent1">
+              <a:shade val="50000"/>
+            </a:schemeClr>
+          </a:lnRef>
+          <a:fillRef idx="1">
+            <a:schemeClr val="accent1"/>
+          </a:fillRef>
+          <a:effectRef idx="0">
+            <a:schemeClr val="accent1"/>
+          </a:effectRef>
+          <a:fontRef idx="minor">
+            <a:schemeClr val="lt1"/>
+          </a:fontRef>
+        </p:style>
+        <p:txBody>
+          <a:bodyPr rtlCol="0" anchor="ctr"/>
+          <a:lstStyle/>
+          <a:p>
+            <a:pPr algn="ctr"/>
+            <a:endParaRPr lang="en-US"/>
+          </a:p>
+        </p:txBody>
+      </p:sp>
+      <p:sp>
+        <p:nvSpPr>
+          <p:cNvPr id="97" name="Rectangle 96">
+            <a:extLst>
+              <a:ext uri="{FF2B5EF4-FFF2-40B4-BE49-F238E27FC236}">
+                <a16:creationId xmlns:a16="http://schemas.microsoft.com/office/drawing/2014/main" id="{2C1BBA94-3F40-40AA-8BB9-E69E25E537C1}"/>
+              </a:ext>
+              <a:ext uri="{C183D7F6-B498-43B3-948B-1728B52AA6E4}">
+                <adec:decorative xmlns:adec="http://schemas.microsoft.com/office/drawing/2017/decorative" val="1"/>
+              </a:ext>
+            </a:extLst>
+          </p:cNvPr>
+          <p:cNvSpPr>
+            <a:spLocks noGrp="1" noRot="1" noChangeAspect="1" noMove="1" noResize="1" noEditPoints="1" noAdjustHandles="1" noChangeArrowheads="1" noChangeShapeType="1" noTextEdit="1"/>
+          </p:cNvSpPr>
+          <p:nvPr>
+            <p:extLst>
+              <p:ext uri="{386F3935-93C4-4BCD-93E2-E3B085C9AB24}">
+                <p16:designElem xmlns:p16="http://schemas.microsoft.com/office/powerpoint/2015/main" val="1"/>
+              </p:ext>
+            </p:extLst>
+          </p:nvPr>
+        </p:nvSpPr>
+        <p:spPr>
+          <a:xfrm>
+            <a:off x="5696793" y="354959"/>
+            <a:ext cx="6184973" cy="5915212"/>
+          </a:xfrm>
+          <a:prstGeom prst="rect">
+            <a:avLst/>
+          </a:prstGeom>
+          <a:solidFill>
+            <a:schemeClr val="bg1"/>
+          </a:solidFill>
+          <a:ln>
+            <a:noFill/>
+          </a:ln>
+          <a:effectLst>
+            <a:outerShdw blurRad="139700" dist="127000" dir="5400000" algn="t" rotWithShape="0">
+              <a:prstClr val="black">
+                <a:alpha val="15000"/>
+              </a:prstClr>
+            </a:outerShdw>
+          </a:effectLst>
+        </p:spPr>
+        <p:style>
+          <a:lnRef idx="2">
+            <a:schemeClr val="accent1">
+              <a:shade val="50000"/>
+            </a:schemeClr>
+          </a:lnRef>
+          <a:fillRef idx="1">
+            <a:schemeClr val="accent1"/>
+          </a:fillRef>
+          <a:effectRef idx="0">
+            <a:schemeClr val="accent1"/>
+          </a:effectRef>
+          <a:fontRef idx="minor">
+            <a:schemeClr val="lt1"/>
+          </a:fontRef>
+        </p:style>
+        <p:txBody>
+          <a:bodyPr rtlCol="0" anchor="ctr"/>
+          <a:lstStyle/>
+          <a:p>
+            <a:pPr algn="ctr"/>
+            <a:endParaRPr lang="en-US"/>
           </a:p>
         </p:txBody>
       </p:sp>
       <p:pic>
         <p:nvPicPr>
-          <p:cNvPr id="5" name="Picture 4">
-            <a:extLst>
-              <a:ext uri="{FF2B5EF4-FFF2-40B4-BE49-F238E27FC236}">
-                <a16:creationId xmlns:a16="http://schemas.microsoft.com/office/drawing/2014/main" id="{9645AC3F-1512-4E00-E1A1-A01D42E20456}"/>
+          <p:cNvPr id="6" name="Picture 5" descr="A map of the country&#10;&#10;AI-generated content may be incorrect.">
+            <a:extLst>
+              <a:ext uri="{FF2B5EF4-FFF2-40B4-BE49-F238E27FC236}">
+                <a16:creationId xmlns:a16="http://schemas.microsoft.com/office/drawing/2014/main" id="{2C6C6AFC-B467-2084-E5C6-AFB058691BD3}"/>
               </a:ext>
             </a:extLst>
           </p:cNvPr>
@@ -5394,14 +8158,13 @@
               </a:ext>
             </a:extLst>
           </a:blip>
-          <a:stretch>
-            <a:fillRect/>
-          </a:stretch>
+          <a:srcRect l="-1240" r="6950" b="2"/>
+          <a:stretch/>
         </p:blipFill>
         <p:spPr>
           <a:xfrm>
-            <a:off x="6082748" y="1729537"/>
-            <a:ext cx="5334160" cy="3400526"/>
+            <a:off x="5987738" y="1014608"/>
+            <a:ext cx="5628018" cy="4595914"/>
           </a:xfrm>
           <a:prstGeom prst="rect">
             <a:avLst/>

--- a/Predicting product demand.pptx
+++ b/Predicting product demand.pptx
@@ -11,8 +11,8 @@
     <p:sldId id="256" r:id="rId2"/>
     <p:sldId id="267" r:id="rId3"/>
     <p:sldId id="257" r:id="rId4"/>
-    <p:sldId id="258" r:id="rId5"/>
-    <p:sldId id="259" r:id="rId6"/>
+    <p:sldId id="268" r:id="rId5"/>
+    <p:sldId id="258" r:id="rId6"/>
     <p:sldId id="261" r:id="rId7"/>
     <p:sldId id="260" r:id="rId8"/>
     <p:sldId id="262" r:id="rId9"/>
@@ -838,6 +838,790 @@
     <dgm:fillClrLst meth="repeat">
       <a:schemeClr val="accent1">
         <a:tint val="60000"/>
+      </a:schemeClr>
+    </dgm:fillClrLst>
+    <dgm:linClrLst meth="repeat">
+      <a:schemeClr val="lt1"/>
+    </dgm:linClrLst>
+    <dgm:effectClrLst/>
+    <dgm:txLinClrLst/>
+    <dgm:txFillClrLst meth="repeat">
+      <a:schemeClr val="dk1"/>
+    </dgm:txFillClrLst>
+    <dgm:txEffectClrLst/>
+  </dgm:styleLbl>
+  <dgm:styleLbl name="revTx">
+    <dgm:fillClrLst meth="repeat">
+      <a:schemeClr val="lt1">
+        <a:alpha val="0"/>
+      </a:schemeClr>
+    </dgm:fillClrLst>
+    <dgm:linClrLst meth="repeat">
+      <a:schemeClr val="dk1">
+        <a:alpha val="0"/>
+      </a:schemeClr>
+    </dgm:linClrLst>
+    <dgm:effectClrLst/>
+    <dgm:txLinClrLst/>
+    <dgm:txFillClrLst meth="repeat">
+      <a:schemeClr val="tx1"/>
+    </dgm:txFillClrLst>
+    <dgm:txEffectClrLst/>
+  </dgm:styleLbl>
+</dgm:colorsDef>
+</file>
+
+<file path=ppt/diagrams/colors2.xml><?xml version="1.0" encoding="utf-8"?>
+<dgm:colorsDef xmlns:dgm="http://schemas.openxmlformats.org/drawingml/2006/diagram" xmlns:a="http://schemas.openxmlformats.org/drawingml/2006/main" uniqueId="urn:microsoft.com/office/officeart/2018/5/colors/Iconchunking_neutralbg_colorful5">
+  <dgm:title val=""/>
+  <dgm:desc val=""/>
+  <dgm:catLst>
+    <dgm:cat type="colorful" pri="10500"/>
+  </dgm:catLst>
+  <dgm:styleLbl name="node0">
+    <dgm:fillClrLst meth="repeat">
+      <a:schemeClr val="accent4"/>
+    </dgm:fillClrLst>
+    <dgm:linClrLst meth="repeat">
+      <a:schemeClr val="lt1"/>
+    </dgm:linClrLst>
+    <dgm:effectClrLst/>
+    <dgm:txLinClrLst/>
+    <dgm:txFillClrLst/>
+    <dgm:txEffectClrLst/>
+  </dgm:styleLbl>
+  <dgm:styleLbl name="node1">
+    <dgm:fillClrLst>
+      <a:schemeClr val="accent5"/>
+      <a:schemeClr val="accent6"/>
+    </dgm:fillClrLst>
+    <dgm:linClrLst meth="repeat">
+      <a:schemeClr val="lt1">
+        <a:alpha val="0"/>
+      </a:schemeClr>
+    </dgm:linClrLst>
+    <dgm:effectClrLst/>
+    <dgm:txLinClrLst/>
+    <dgm:txFillClrLst/>
+    <dgm:txEffectClrLst/>
+  </dgm:styleLbl>
+  <dgm:styleLbl name="alignNode1">
+    <dgm:fillClrLst>
+      <a:schemeClr val="accent5"/>
+      <a:schemeClr val="accent6"/>
+    </dgm:fillClrLst>
+    <dgm:linClrLst>
+      <a:schemeClr val="accent5"/>
+      <a:schemeClr val="accent6"/>
+    </dgm:linClrLst>
+    <dgm:effectClrLst/>
+    <dgm:txLinClrLst/>
+    <dgm:txFillClrLst/>
+    <dgm:txEffectClrLst/>
+  </dgm:styleLbl>
+  <dgm:styleLbl name="lnNode1">
+    <dgm:fillClrLst>
+      <a:schemeClr val="accent5"/>
+      <a:schemeClr val="accent6"/>
+    </dgm:fillClrLst>
+    <dgm:linClrLst meth="repeat">
+      <a:schemeClr val="lt1"/>
+    </dgm:linClrLst>
+    <dgm:effectClrLst/>
+    <dgm:txLinClrLst/>
+    <dgm:txFillClrLst/>
+    <dgm:txEffectClrLst/>
+  </dgm:styleLbl>
+  <dgm:styleLbl name="vennNode1">
+    <dgm:fillClrLst>
+      <a:schemeClr val="accent5">
+        <a:alpha val="50000"/>
+      </a:schemeClr>
+      <a:schemeClr val="accent6">
+        <a:alpha val="50000"/>
+      </a:schemeClr>
+    </dgm:fillClrLst>
+    <dgm:linClrLst meth="repeat">
+      <a:schemeClr val="lt1"/>
+    </dgm:linClrLst>
+    <dgm:effectClrLst/>
+    <dgm:txLinClrLst/>
+    <dgm:txFillClrLst/>
+    <dgm:txEffectClrLst/>
+  </dgm:styleLbl>
+  <dgm:styleLbl name="node2">
+    <dgm:fillClrLst>
+      <a:schemeClr val="accent6"/>
+    </dgm:fillClrLst>
+    <dgm:linClrLst meth="repeat">
+      <a:schemeClr val="lt1"/>
+    </dgm:linClrLst>
+    <dgm:effectClrLst/>
+    <dgm:txLinClrLst/>
+    <dgm:txFillClrLst/>
+    <dgm:txEffectClrLst/>
+  </dgm:styleLbl>
+  <dgm:styleLbl name="node3">
+    <dgm:fillClrLst>
+      <a:schemeClr val="accent1"/>
+    </dgm:fillClrLst>
+    <dgm:linClrLst meth="repeat">
+      <a:schemeClr val="lt1"/>
+    </dgm:linClrLst>
+    <dgm:effectClrLst/>
+    <dgm:txLinClrLst/>
+    <dgm:txFillClrLst/>
+    <dgm:txEffectClrLst/>
+  </dgm:styleLbl>
+  <dgm:styleLbl name="node4">
+    <dgm:fillClrLst>
+      <a:schemeClr val="accent2"/>
+    </dgm:fillClrLst>
+    <dgm:linClrLst meth="repeat">
+      <a:schemeClr val="lt1"/>
+    </dgm:linClrLst>
+    <dgm:effectClrLst/>
+    <dgm:txLinClrLst/>
+    <dgm:txFillClrLst/>
+    <dgm:txEffectClrLst/>
+  </dgm:styleLbl>
+  <dgm:styleLbl name="fgImgPlace1">
+    <dgm:fillClrLst>
+      <a:schemeClr val="accent5">
+        <a:tint val="50000"/>
+      </a:schemeClr>
+      <a:schemeClr val="accent6">
+        <a:tint val="50000"/>
+      </a:schemeClr>
+    </dgm:fillClrLst>
+    <dgm:linClrLst meth="repeat">
+      <a:schemeClr val="lt1"/>
+    </dgm:linClrLst>
+    <dgm:effectClrLst/>
+    <dgm:txLinClrLst/>
+    <dgm:txFillClrLst meth="repeat">
+      <a:schemeClr val="lt1"/>
+    </dgm:txFillClrLst>
+    <dgm:txEffectClrLst/>
+  </dgm:styleLbl>
+  <dgm:styleLbl name="alignImgPlace1">
+    <dgm:fillClrLst>
+      <a:schemeClr val="accent5">
+        <a:tint val="50000"/>
+      </a:schemeClr>
+      <a:schemeClr val="accent6">
+        <a:tint val="20000"/>
+      </a:schemeClr>
+    </dgm:fillClrLst>
+    <dgm:linClrLst meth="repeat">
+      <a:schemeClr val="lt1"/>
+    </dgm:linClrLst>
+    <dgm:effectClrLst/>
+    <dgm:txLinClrLst/>
+    <dgm:txFillClrLst meth="repeat">
+      <a:schemeClr val="lt1"/>
+    </dgm:txFillClrLst>
+    <dgm:txEffectClrLst/>
+  </dgm:styleLbl>
+  <dgm:styleLbl name="bgImgPlace1">
+    <dgm:fillClrLst>
+      <a:schemeClr val="accent5">
+        <a:tint val="50000"/>
+      </a:schemeClr>
+      <a:schemeClr val="accent6">
+        <a:tint val="20000"/>
+      </a:schemeClr>
+    </dgm:fillClrLst>
+    <dgm:linClrLst meth="repeat">
+      <a:schemeClr val="lt1"/>
+    </dgm:linClrLst>
+    <dgm:effectClrLst/>
+    <dgm:txLinClrLst/>
+    <dgm:txFillClrLst meth="repeat">
+      <a:schemeClr val="lt1"/>
+    </dgm:txFillClrLst>
+    <dgm:txEffectClrLst/>
+  </dgm:styleLbl>
+  <dgm:styleLbl name="sibTrans2D1">
+    <dgm:fillClrLst>
+      <a:schemeClr val="accent5"/>
+      <a:schemeClr val="accent6"/>
+    </dgm:fillClrLst>
+    <dgm:linClrLst meth="repeat">
+      <a:schemeClr val="lt1"/>
+    </dgm:linClrLst>
+    <dgm:effectClrLst/>
+    <dgm:txLinClrLst/>
+    <dgm:txFillClrLst/>
+    <dgm:txEffectClrLst/>
+  </dgm:styleLbl>
+  <dgm:styleLbl name="fgSibTrans2D1">
+    <dgm:fillClrLst>
+      <a:schemeClr val="accent5"/>
+      <a:schemeClr val="accent6"/>
+    </dgm:fillClrLst>
+    <dgm:linClrLst meth="repeat">
+      <a:schemeClr val="lt1"/>
+    </dgm:linClrLst>
+    <dgm:effectClrLst/>
+    <dgm:txLinClrLst/>
+    <dgm:txFillClrLst meth="repeat">
+      <a:schemeClr val="lt1"/>
+    </dgm:txFillClrLst>
+    <dgm:txEffectClrLst/>
+  </dgm:styleLbl>
+  <dgm:styleLbl name="bgSibTrans2D1">
+    <dgm:fillClrLst>
+      <a:schemeClr val="accent5"/>
+      <a:schemeClr val="accent6"/>
+    </dgm:fillClrLst>
+    <dgm:linClrLst meth="repeat">
+      <a:schemeClr val="lt1"/>
+    </dgm:linClrLst>
+    <dgm:effectClrLst/>
+    <dgm:txLinClrLst/>
+    <dgm:txFillClrLst meth="repeat">
+      <a:schemeClr val="lt1"/>
+    </dgm:txFillClrLst>
+    <dgm:txEffectClrLst/>
+  </dgm:styleLbl>
+  <dgm:styleLbl name="sibTrans1D1">
+    <dgm:fillClrLst/>
+    <dgm:linClrLst>
+      <a:schemeClr val="accent5"/>
+      <a:schemeClr val="accent6"/>
+    </dgm:linClrLst>
+    <dgm:effectClrLst/>
+    <dgm:txLinClrLst/>
+    <dgm:txFillClrLst meth="repeat">
+      <a:schemeClr val="tx1"/>
+    </dgm:txFillClrLst>
+    <dgm:txEffectClrLst/>
+  </dgm:styleLbl>
+  <dgm:styleLbl name="callout">
+    <dgm:fillClrLst meth="repeat">
+      <a:schemeClr val="accent5"/>
+    </dgm:fillClrLst>
+    <dgm:linClrLst meth="repeat">
+      <a:schemeClr val="accent5">
+        <a:tint val="50000"/>
+      </a:schemeClr>
+    </dgm:linClrLst>
+    <dgm:effectClrLst/>
+    <dgm:txLinClrLst/>
+    <dgm:txFillClrLst meth="repeat">
+      <a:schemeClr val="tx1"/>
+    </dgm:txFillClrLst>
+    <dgm:txEffectClrLst/>
+  </dgm:styleLbl>
+  <dgm:styleLbl name="asst0">
+    <dgm:fillClrLst meth="repeat">
+      <a:schemeClr val="accent5"/>
+    </dgm:fillClrLst>
+    <dgm:linClrLst meth="repeat">
+      <a:schemeClr val="lt1">
+        <a:shade val="80000"/>
+      </a:schemeClr>
+    </dgm:linClrLst>
+    <dgm:effectClrLst/>
+    <dgm:txLinClrLst/>
+    <dgm:txFillClrLst/>
+    <dgm:txEffectClrLst/>
+  </dgm:styleLbl>
+  <dgm:styleLbl name="asst1">
+    <dgm:fillClrLst meth="repeat">
+      <a:schemeClr val="accent6"/>
+    </dgm:fillClrLst>
+    <dgm:linClrLst meth="repeat">
+      <a:schemeClr val="lt1">
+        <a:shade val="80000"/>
+      </a:schemeClr>
+    </dgm:linClrLst>
+    <dgm:effectClrLst/>
+    <dgm:txLinClrLst/>
+    <dgm:txFillClrLst/>
+    <dgm:txEffectClrLst/>
+  </dgm:styleLbl>
+  <dgm:styleLbl name="asst2">
+    <dgm:fillClrLst>
+      <a:schemeClr val="accent1"/>
+    </dgm:fillClrLst>
+    <dgm:linClrLst meth="repeat">
+      <a:schemeClr val="lt1"/>
+    </dgm:linClrLst>
+    <dgm:effectClrLst/>
+    <dgm:txLinClrLst/>
+    <dgm:txFillClrLst/>
+    <dgm:txEffectClrLst/>
+  </dgm:styleLbl>
+  <dgm:styleLbl name="asst3">
+    <dgm:fillClrLst>
+      <a:schemeClr val="accent2"/>
+    </dgm:fillClrLst>
+    <dgm:linClrLst meth="repeat">
+      <a:schemeClr val="lt1"/>
+    </dgm:linClrLst>
+    <dgm:effectClrLst/>
+    <dgm:txLinClrLst/>
+    <dgm:txFillClrLst/>
+    <dgm:txEffectClrLst/>
+  </dgm:styleLbl>
+  <dgm:styleLbl name="asst4">
+    <dgm:fillClrLst>
+      <a:schemeClr val="accent3"/>
+    </dgm:fillClrLst>
+    <dgm:linClrLst meth="repeat">
+      <a:schemeClr val="lt1"/>
+    </dgm:linClrLst>
+    <dgm:effectClrLst/>
+    <dgm:txLinClrLst/>
+    <dgm:txFillClrLst/>
+    <dgm:txEffectClrLst/>
+  </dgm:styleLbl>
+  <dgm:styleLbl name="parChTrans2D1">
+    <dgm:fillClrLst meth="repeat">
+      <a:schemeClr val="accent5"/>
+    </dgm:fillClrLst>
+    <dgm:linClrLst meth="repeat">
+      <a:schemeClr val="lt1"/>
+    </dgm:linClrLst>
+    <dgm:effectClrLst/>
+    <dgm:txLinClrLst/>
+    <dgm:txFillClrLst meth="repeat">
+      <a:schemeClr val="lt1"/>
+    </dgm:txFillClrLst>
+    <dgm:txEffectClrLst/>
+  </dgm:styleLbl>
+  <dgm:styleLbl name="parChTrans2D2">
+    <dgm:fillClrLst meth="repeat">
+      <a:schemeClr val="accent6"/>
+    </dgm:fillClrLst>
+    <dgm:linClrLst meth="repeat">
+      <a:schemeClr val="lt1"/>
+    </dgm:linClrLst>
+    <dgm:effectClrLst/>
+    <dgm:txLinClrLst/>
+    <dgm:txFillClrLst/>
+    <dgm:txEffectClrLst/>
+  </dgm:styleLbl>
+  <dgm:styleLbl name="parChTrans2D3">
+    <dgm:fillClrLst meth="repeat">
+      <a:schemeClr val="accent6"/>
+    </dgm:fillClrLst>
+    <dgm:linClrLst meth="repeat">
+      <a:schemeClr val="lt1"/>
+    </dgm:linClrLst>
+    <dgm:effectClrLst/>
+    <dgm:txLinClrLst/>
+    <dgm:txFillClrLst/>
+    <dgm:txEffectClrLst/>
+  </dgm:styleLbl>
+  <dgm:styleLbl name="parChTrans2D4">
+    <dgm:fillClrLst meth="repeat">
+      <a:schemeClr val="accent1"/>
+    </dgm:fillClrLst>
+    <dgm:linClrLst meth="repeat">
+      <a:schemeClr val="lt1"/>
+    </dgm:linClrLst>
+    <dgm:effectClrLst/>
+    <dgm:txLinClrLst/>
+    <dgm:txFillClrLst meth="repeat">
+      <a:schemeClr val="lt1"/>
+    </dgm:txFillClrLst>
+    <dgm:txEffectClrLst/>
+  </dgm:styleLbl>
+  <dgm:styleLbl name="parChTrans1D1">
+    <dgm:fillClrLst meth="repeat">
+      <a:schemeClr val="accent5"/>
+    </dgm:fillClrLst>
+    <dgm:linClrLst meth="repeat">
+      <a:schemeClr val="accent5"/>
+    </dgm:linClrLst>
+    <dgm:effectClrLst/>
+    <dgm:txLinClrLst/>
+    <dgm:txFillClrLst meth="repeat">
+      <a:schemeClr val="tx1"/>
+    </dgm:txFillClrLst>
+    <dgm:txEffectClrLst/>
+  </dgm:styleLbl>
+  <dgm:styleLbl name="parChTrans1D2">
+    <dgm:fillClrLst meth="repeat">
+      <a:schemeClr val="accent6">
+        <a:tint val="90000"/>
+      </a:schemeClr>
+    </dgm:fillClrLst>
+    <dgm:linClrLst meth="repeat">
+      <a:schemeClr val="accent6"/>
+    </dgm:linClrLst>
+    <dgm:effectClrLst/>
+    <dgm:txLinClrLst/>
+    <dgm:txFillClrLst meth="repeat">
+      <a:schemeClr val="tx1"/>
+    </dgm:txFillClrLst>
+    <dgm:txEffectClrLst/>
+  </dgm:styleLbl>
+  <dgm:styleLbl name="parChTrans1D3">
+    <dgm:fillClrLst meth="repeat">
+      <a:schemeClr val="accent6">
+        <a:tint val="70000"/>
+      </a:schemeClr>
+    </dgm:fillClrLst>
+    <dgm:linClrLst meth="repeat">
+      <a:schemeClr val="accent1"/>
+    </dgm:linClrLst>
+    <dgm:effectClrLst/>
+    <dgm:txLinClrLst/>
+    <dgm:txFillClrLst meth="repeat">
+      <a:schemeClr val="tx1"/>
+    </dgm:txFillClrLst>
+    <dgm:txEffectClrLst/>
+  </dgm:styleLbl>
+  <dgm:styleLbl name="parChTrans1D4">
+    <dgm:fillClrLst meth="repeat">
+      <a:schemeClr val="accent6">
+        <a:tint val="50000"/>
+      </a:schemeClr>
+    </dgm:fillClrLst>
+    <dgm:linClrLst meth="repeat">
+      <a:schemeClr val="accent2"/>
+    </dgm:linClrLst>
+    <dgm:effectClrLst/>
+    <dgm:txLinClrLst/>
+    <dgm:txFillClrLst meth="repeat">
+      <a:schemeClr val="tx1"/>
+    </dgm:txFillClrLst>
+    <dgm:txEffectClrLst/>
+  </dgm:styleLbl>
+  <dgm:styleLbl name="fgAcc1">
+    <dgm:fillClrLst meth="repeat">
+      <a:schemeClr val="lt1">
+        <a:alpha val="90000"/>
+      </a:schemeClr>
+    </dgm:fillClrLst>
+    <dgm:linClrLst>
+      <a:schemeClr val="accent5"/>
+      <a:schemeClr val="accent6"/>
+    </dgm:linClrLst>
+    <dgm:effectClrLst/>
+    <dgm:txLinClrLst/>
+    <dgm:txFillClrLst meth="repeat">
+      <a:schemeClr val="dk1"/>
+    </dgm:txFillClrLst>
+    <dgm:txEffectClrLst/>
+  </dgm:styleLbl>
+  <dgm:styleLbl name="conFgAcc1">
+    <dgm:fillClrLst meth="repeat">
+      <a:schemeClr val="lt1">
+        <a:alpha val="90000"/>
+      </a:schemeClr>
+    </dgm:fillClrLst>
+    <dgm:linClrLst>
+      <a:schemeClr val="accent5"/>
+      <a:schemeClr val="accent6"/>
+    </dgm:linClrLst>
+    <dgm:effectClrLst/>
+    <dgm:txLinClrLst/>
+    <dgm:txFillClrLst meth="repeat">
+      <a:schemeClr val="dk1"/>
+    </dgm:txFillClrLst>
+    <dgm:txEffectClrLst/>
+  </dgm:styleLbl>
+  <dgm:styleLbl name="alignAcc1">
+    <dgm:fillClrLst meth="repeat">
+      <a:schemeClr val="lt1">
+        <a:alpha val="90000"/>
+      </a:schemeClr>
+    </dgm:fillClrLst>
+    <dgm:linClrLst>
+      <a:schemeClr val="accent5"/>
+      <a:schemeClr val="accent6"/>
+    </dgm:linClrLst>
+    <dgm:effectClrLst/>
+    <dgm:txLinClrLst/>
+    <dgm:txFillClrLst meth="repeat">
+      <a:schemeClr val="dk1"/>
+    </dgm:txFillClrLst>
+    <dgm:txEffectClrLst/>
+  </dgm:styleLbl>
+  <dgm:styleLbl name="trAlignAcc1">
+    <dgm:fillClrLst meth="repeat">
+      <a:schemeClr val="lt1">
+        <a:alpha val="40000"/>
+      </a:schemeClr>
+    </dgm:fillClrLst>
+    <dgm:linClrLst meth="repeat">
+      <a:schemeClr val="accent5"/>
+    </dgm:linClrLst>
+    <dgm:effectClrLst/>
+    <dgm:txLinClrLst/>
+    <dgm:txFillClrLst meth="repeat">
+      <a:schemeClr val="dk1"/>
+    </dgm:txFillClrLst>
+    <dgm:txEffectClrLst/>
+  </dgm:styleLbl>
+  <dgm:styleLbl name="bgAcc1">
+    <dgm:fillClrLst meth="repeat">
+      <a:schemeClr val="lt1">
+        <a:alpha val="90000"/>
+      </a:schemeClr>
+    </dgm:fillClrLst>
+    <dgm:linClrLst>
+      <a:schemeClr val="accent5"/>
+      <a:schemeClr val="accent6"/>
+    </dgm:linClrLst>
+    <dgm:effectClrLst/>
+    <dgm:txLinClrLst/>
+    <dgm:txFillClrLst meth="repeat">
+      <a:schemeClr val="dk1"/>
+    </dgm:txFillClrLst>
+    <dgm:txEffectClrLst/>
+  </dgm:styleLbl>
+  <dgm:styleLbl name="solidFgAcc1">
+    <dgm:fillClrLst meth="repeat">
+      <a:schemeClr val="lt1"/>
+    </dgm:fillClrLst>
+    <dgm:linClrLst>
+      <a:schemeClr val="accent5"/>
+      <a:schemeClr val="accent6"/>
+    </dgm:linClrLst>
+    <dgm:effectClrLst/>
+    <dgm:txLinClrLst/>
+    <dgm:txFillClrLst meth="repeat">
+      <a:schemeClr val="dk1"/>
+    </dgm:txFillClrLst>
+    <dgm:txEffectClrLst/>
+  </dgm:styleLbl>
+  <dgm:styleLbl name="solidAlignAcc1">
+    <dgm:fillClrLst meth="repeat">
+      <a:schemeClr val="lt1"/>
+    </dgm:fillClrLst>
+    <dgm:linClrLst>
+      <a:schemeClr val="accent5"/>
+      <a:schemeClr val="accent6"/>
+    </dgm:linClrLst>
+    <dgm:effectClrLst/>
+    <dgm:txLinClrLst/>
+    <dgm:txFillClrLst meth="repeat">
+      <a:schemeClr val="dk1"/>
+    </dgm:txFillClrLst>
+    <dgm:txEffectClrLst/>
+  </dgm:styleLbl>
+  <dgm:styleLbl name="solidBgAcc1">
+    <dgm:fillClrLst meth="repeat">
+      <a:schemeClr val="lt1"/>
+    </dgm:fillClrLst>
+    <dgm:linClrLst>
+      <a:schemeClr val="accent5"/>
+      <a:schemeClr val="accent6"/>
+    </dgm:linClrLst>
+    <dgm:effectClrLst/>
+    <dgm:txLinClrLst/>
+    <dgm:txFillClrLst meth="repeat">
+      <a:schemeClr val="dk1"/>
+    </dgm:txFillClrLst>
+    <dgm:txEffectClrLst/>
+  </dgm:styleLbl>
+  <dgm:styleLbl name="fgAccFollowNode1">
+    <dgm:fillClrLst>
+      <a:schemeClr val="accent5">
+        <a:tint val="40000"/>
+        <a:alpha val="90000"/>
+      </a:schemeClr>
+      <a:schemeClr val="accent6">
+        <a:tint val="40000"/>
+        <a:alpha val="90000"/>
+      </a:schemeClr>
+    </dgm:fillClrLst>
+    <dgm:linClrLst>
+      <a:schemeClr val="accent5">
+        <a:tint val="40000"/>
+        <a:alpha val="90000"/>
+      </a:schemeClr>
+      <a:schemeClr val="accent5">
+        <a:tint val="40000"/>
+        <a:alpha val="90000"/>
+      </a:schemeClr>
+    </dgm:linClrLst>
+    <dgm:effectClrLst/>
+    <dgm:txLinClrLst/>
+    <dgm:txFillClrLst meth="repeat">
+      <a:schemeClr val="dk1"/>
+    </dgm:txFillClrLst>
+    <dgm:txEffectClrLst/>
+  </dgm:styleLbl>
+  <dgm:styleLbl name="alignAccFollowNode1">
+    <dgm:fillClrLst>
+      <a:schemeClr val="accent5">
+        <a:tint val="40000"/>
+        <a:alpha val="90000"/>
+      </a:schemeClr>
+      <a:schemeClr val="accent6">
+        <a:tint val="40000"/>
+        <a:alpha val="90000"/>
+      </a:schemeClr>
+    </dgm:fillClrLst>
+    <dgm:linClrLst>
+      <a:schemeClr val="accent5">
+        <a:tint val="40000"/>
+        <a:alpha val="90000"/>
+      </a:schemeClr>
+      <a:schemeClr val="accent6">
+        <a:tint val="40000"/>
+        <a:alpha val="90000"/>
+      </a:schemeClr>
+    </dgm:linClrLst>
+    <dgm:effectClrLst/>
+    <dgm:txLinClrLst/>
+    <dgm:txFillClrLst meth="repeat">
+      <a:schemeClr val="dk1"/>
+    </dgm:txFillClrLst>
+    <dgm:txEffectClrLst/>
+  </dgm:styleLbl>
+  <dgm:styleLbl name="bgAccFollowNode1">
+    <dgm:fillClrLst>
+      <a:schemeClr val="accent5">
+        <a:tint val="40000"/>
+        <a:alpha val="90000"/>
+      </a:schemeClr>
+      <a:schemeClr val="accent6">
+        <a:tint val="40000"/>
+        <a:alpha val="90000"/>
+      </a:schemeClr>
+    </dgm:fillClrLst>
+    <dgm:linClrLst>
+      <a:schemeClr val="accent5">
+        <a:tint val="40000"/>
+        <a:alpha val="90000"/>
+      </a:schemeClr>
+      <a:schemeClr val="accent6">
+        <a:tint val="40000"/>
+        <a:alpha val="90000"/>
+      </a:schemeClr>
+    </dgm:linClrLst>
+    <dgm:effectClrLst/>
+    <dgm:txLinClrLst/>
+    <dgm:txFillClrLst meth="repeat">
+      <a:schemeClr val="dk1"/>
+    </dgm:txFillClrLst>
+    <dgm:txEffectClrLst/>
+  </dgm:styleLbl>
+  <dgm:styleLbl name="fgAcc0">
+    <dgm:fillClrLst meth="repeat">
+      <a:schemeClr val="lt1">
+        <a:alpha val="90000"/>
+      </a:schemeClr>
+    </dgm:fillClrLst>
+    <dgm:linClrLst>
+      <a:schemeClr val="accent4"/>
+    </dgm:linClrLst>
+    <dgm:effectClrLst/>
+    <dgm:txLinClrLst/>
+    <dgm:txFillClrLst meth="repeat">
+      <a:schemeClr val="dk1"/>
+    </dgm:txFillClrLst>
+    <dgm:txEffectClrLst/>
+  </dgm:styleLbl>
+  <dgm:styleLbl name="fgAcc2">
+    <dgm:fillClrLst meth="repeat">
+      <a:schemeClr val="lt1">
+        <a:alpha val="90000"/>
+      </a:schemeClr>
+    </dgm:fillClrLst>
+    <dgm:linClrLst>
+      <a:schemeClr val="accent6"/>
+    </dgm:linClrLst>
+    <dgm:effectClrLst/>
+    <dgm:txLinClrLst/>
+    <dgm:txFillClrLst meth="repeat">
+      <a:schemeClr val="dk1"/>
+    </dgm:txFillClrLst>
+    <dgm:txEffectClrLst/>
+  </dgm:styleLbl>
+  <dgm:styleLbl name="fgAcc3">
+    <dgm:fillClrLst meth="repeat">
+      <a:schemeClr val="lt1">
+        <a:alpha val="90000"/>
+      </a:schemeClr>
+    </dgm:fillClrLst>
+    <dgm:linClrLst>
+      <a:schemeClr val="accent1"/>
+    </dgm:linClrLst>
+    <dgm:effectClrLst/>
+    <dgm:txLinClrLst/>
+    <dgm:txFillClrLst meth="repeat">
+      <a:schemeClr val="dk1"/>
+    </dgm:txFillClrLst>
+    <dgm:txEffectClrLst/>
+  </dgm:styleLbl>
+  <dgm:styleLbl name="fgAcc4">
+    <dgm:fillClrLst meth="repeat">
+      <a:schemeClr val="lt1">
+        <a:alpha val="90000"/>
+      </a:schemeClr>
+    </dgm:fillClrLst>
+    <dgm:linClrLst>
+      <a:schemeClr val="accent2"/>
+    </dgm:linClrLst>
+    <dgm:effectClrLst/>
+    <dgm:txLinClrLst/>
+    <dgm:txFillClrLst meth="repeat">
+      <a:schemeClr val="dk1"/>
+    </dgm:txFillClrLst>
+    <dgm:txEffectClrLst/>
+  </dgm:styleLbl>
+  <dgm:styleLbl name="bgShp">
+    <dgm:fillClrLst meth="repeat">
+      <a:schemeClr val="bg1">
+        <a:lumMod val="95000"/>
+      </a:schemeClr>
+    </dgm:fillClrLst>
+    <dgm:linClrLst meth="repeat">
+      <a:schemeClr val="dk1"/>
+    </dgm:linClrLst>
+    <dgm:effectClrLst/>
+    <dgm:txLinClrLst/>
+    <dgm:txFillClrLst meth="repeat">
+      <a:schemeClr val="dk1"/>
+    </dgm:txFillClrLst>
+    <dgm:txEffectClrLst/>
+  </dgm:styleLbl>
+  <dgm:styleLbl name="dkBgShp">
+    <dgm:fillClrLst meth="repeat">
+      <a:schemeClr val="accent5">
+        <a:shade val="90000"/>
+      </a:schemeClr>
+    </dgm:fillClrLst>
+    <dgm:linClrLst meth="repeat">
+      <a:schemeClr val="dk1"/>
+    </dgm:linClrLst>
+    <dgm:effectClrLst/>
+    <dgm:txLinClrLst/>
+    <dgm:txFillClrLst meth="repeat">
+      <a:schemeClr val="lt1"/>
+    </dgm:txFillClrLst>
+    <dgm:txEffectClrLst/>
+  </dgm:styleLbl>
+  <dgm:styleLbl name="trBgShp">
+    <dgm:fillClrLst meth="repeat">
+      <a:schemeClr val="accent5">
+        <a:tint val="50000"/>
+        <a:alpha val="40000"/>
+      </a:schemeClr>
+    </dgm:fillClrLst>
+    <dgm:linClrLst meth="repeat">
+      <a:schemeClr val="accent5"/>
+    </dgm:linClrLst>
+    <dgm:effectClrLst/>
+    <dgm:txLinClrLst/>
+    <dgm:txFillClrLst meth="repeat">
+      <a:schemeClr val="lt1"/>
+    </dgm:txFillClrLst>
+    <dgm:txEffectClrLst/>
+  </dgm:styleLbl>
+  <dgm:styleLbl name="fgShp">
+    <dgm:fillClrLst meth="repeat">
+      <a:schemeClr val="accent5">
+        <a:tint val="40000"/>
       </a:schemeClr>
     </dgm:fillClrLst>
     <dgm:linClrLst meth="repeat">
@@ -1203,6 +1987,814 @@
     <dgm:cxn modelId="{66C2259F-F01D-4C35-87C1-5C9E940F170F}" type="presParOf" srcId="{A354CEC4-0046-45A3-93A2-608F3AA2B145}" destId="{3F122A65-93D0-4130-9ABE-F2BDABEC0562}" srcOrd="1" destOrd="0" presId="urn:microsoft.com/office/officeart/2005/8/layout/vList2"/>
     <dgm:cxn modelId="{D483883F-50A2-4204-8AD4-A6E03200A7F7}" type="presParOf" srcId="{A354CEC4-0046-45A3-93A2-608F3AA2B145}" destId="{0A2C852F-E255-4E9C-BD72-63D121C07D2E}" srcOrd="2" destOrd="0" presId="urn:microsoft.com/office/officeart/2005/8/layout/vList2"/>
     <dgm:cxn modelId="{35D15E95-F7B1-47EB-B8D8-0C5FAA9E7243}" type="presParOf" srcId="{A354CEC4-0046-45A3-93A2-608F3AA2B145}" destId="{9286BC41-6316-4645-BB04-D4BC0923E363}" srcOrd="3" destOrd="0" presId="urn:microsoft.com/office/officeart/2005/8/layout/vList2"/>
+  </dgm:cxnLst>
+  <dgm:bg/>
+  <dgm:whole/>
+  <dgm:extLst>
+    <a:ext uri="http://schemas.microsoft.com/office/drawing/2008/diagram">
+      <dsp:dataModelExt xmlns:dsp="http://schemas.microsoft.com/office/drawing/2008/diagram" relId="rId7" minVer="http://schemas.openxmlformats.org/drawingml/2006/diagram"/>
+    </a:ext>
+  </dgm:extLst>
+</dgm:dataModel>
+</file>
+
+<file path=ppt/diagrams/data2.xml><?xml version="1.0" encoding="utf-8"?>
+<dgm:dataModel xmlns:dgm="http://schemas.openxmlformats.org/drawingml/2006/diagram" xmlns:a="http://schemas.openxmlformats.org/drawingml/2006/main">
+  <dgm:ptLst>
+    <dgm:pt modelId="{84516CF7-5F8F-4F7D-8D3B-D3951CE8F849}" type="doc">
+      <dgm:prSet loTypeId="urn:microsoft.com/office/officeart/2018/2/layout/IconVerticalSolidList" loCatId="icon" qsTypeId="urn:microsoft.com/office/officeart/2005/8/quickstyle/simple1" qsCatId="simple" csTypeId="urn:microsoft.com/office/officeart/2018/5/colors/Iconchunking_neutralbg_colorful5" csCatId="colorful" phldr="1"/>
+      <dgm:spPr/>
+      <dgm:t>
+        <a:bodyPr/>
+        <a:lstStyle/>
+        <a:p>
+          <a:endParaRPr lang="en-US"/>
+        </a:p>
+      </dgm:t>
+    </dgm:pt>
+    <dgm:pt modelId="{9530D16A-1261-45F2-B72E-F0F27E8F20D4}">
+      <dgm:prSet/>
+      <dgm:spPr/>
+      <dgm:t>
+        <a:bodyPr/>
+        <a:lstStyle/>
+        <a:p>
+          <a:r>
+            <a:rPr lang="en-US"/>
+            <a:t>Client ID</a:t>
+          </a:r>
+        </a:p>
+      </dgm:t>
+    </dgm:pt>
+    <dgm:pt modelId="{79FCADBF-0856-4B02-B497-CEC6F6A7804E}" type="parTrans" cxnId="{E90927A8-CC5E-4038-883C-325F8DFC5E4B}">
+      <dgm:prSet/>
+      <dgm:spPr/>
+      <dgm:t>
+        <a:bodyPr/>
+        <a:lstStyle/>
+        <a:p>
+          <a:endParaRPr lang="en-US"/>
+        </a:p>
+      </dgm:t>
+    </dgm:pt>
+    <dgm:pt modelId="{03B132EE-5C53-4E72-9045-B38EAD22B74E}" type="sibTrans" cxnId="{E90927A8-CC5E-4038-883C-325F8DFC5E4B}">
+      <dgm:prSet/>
+      <dgm:spPr/>
+      <dgm:t>
+        <a:bodyPr/>
+        <a:lstStyle/>
+        <a:p>
+          <a:endParaRPr lang="en-US"/>
+        </a:p>
+      </dgm:t>
+    </dgm:pt>
+    <dgm:pt modelId="{41496D5E-057B-4C1F-9A2D-65C68522473F}">
+      <dgm:prSet/>
+      <dgm:spPr/>
+      <dgm:t>
+        <a:bodyPr/>
+        <a:lstStyle/>
+        <a:p>
+          <a:r>
+            <a:rPr lang="en-US"/>
+            <a:t>Product ID</a:t>
+          </a:r>
+        </a:p>
+      </dgm:t>
+    </dgm:pt>
+    <dgm:pt modelId="{60417BA2-D398-4A07-ABBF-2728356E5E92}" type="parTrans" cxnId="{E0D76309-9762-48F4-935F-6BB133391030}">
+      <dgm:prSet/>
+      <dgm:spPr/>
+      <dgm:t>
+        <a:bodyPr/>
+        <a:lstStyle/>
+        <a:p>
+          <a:endParaRPr lang="en-US"/>
+        </a:p>
+      </dgm:t>
+    </dgm:pt>
+    <dgm:pt modelId="{190ED475-F079-475C-BBF6-0A0CAD1B781F}" type="sibTrans" cxnId="{E0D76309-9762-48F4-935F-6BB133391030}">
+      <dgm:prSet/>
+      <dgm:spPr/>
+      <dgm:t>
+        <a:bodyPr/>
+        <a:lstStyle/>
+        <a:p>
+          <a:endParaRPr lang="en-US"/>
+        </a:p>
+      </dgm:t>
+    </dgm:pt>
+    <dgm:pt modelId="{66CA4141-EB9A-4BA2-A727-BE1F136EC4A5}">
+      <dgm:prSet/>
+      <dgm:spPr/>
+      <dgm:t>
+        <a:bodyPr/>
+        <a:lstStyle/>
+        <a:p>
+          <a:r>
+            <a:rPr lang="en-US"/>
+            <a:t>Route ID</a:t>
+          </a:r>
+        </a:p>
+      </dgm:t>
+    </dgm:pt>
+    <dgm:pt modelId="{AFE4DF47-9B2D-4A14-A2E1-5881A0A48F84}" type="parTrans" cxnId="{00FF8747-3D33-465D-9CAE-4BD83DFF6E05}">
+      <dgm:prSet/>
+      <dgm:spPr/>
+      <dgm:t>
+        <a:bodyPr/>
+        <a:lstStyle/>
+        <a:p>
+          <a:endParaRPr lang="en-US"/>
+        </a:p>
+      </dgm:t>
+    </dgm:pt>
+    <dgm:pt modelId="{031C6601-F2BE-4435-AFEC-D476DC11F16C}" type="sibTrans" cxnId="{00FF8747-3D33-465D-9CAE-4BD83DFF6E05}">
+      <dgm:prSet/>
+      <dgm:spPr/>
+      <dgm:t>
+        <a:bodyPr/>
+        <a:lstStyle/>
+        <a:p>
+          <a:endParaRPr lang="en-US"/>
+        </a:p>
+      </dgm:t>
+    </dgm:pt>
+    <dgm:pt modelId="{A696C0DC-4121-4916-BB8D-EBF5B13BFE72}">
+      <dgm:prSet/>
+      <dgm:spPr/>
+      <dgm:t>
+        <a:bodyPr/>
+        <a:lstStyle/>
+        <a:p>
+          <a:r>
+            <a:rPr lang="en-US"/>
+            <a:t>Sales Depot ID</a:t>
+          </a:r>
+        </a:p>
+      </dgm:t>
+    </dgm:pt>
+    <dgm:pt modelId="{7178C531-765B-47FF-98FE-242BDFE2A595}" type="parTrans" cxnId="{E992E3A7-17B3-45C4-BD1D-544F02F92F25}">
+      <dgm:prSet/>
+      <dgm:spPr/>
+      <dgm:t>
+        <a:bodyPr/>
+        <a:lstStyle/>
+        <a:p>
+          <a:endParaRPr lang="en-US"/>
+        </a:p>
+      </dgm:t>
+    </dgm:pt>
+    <dgm:pt modelId="{7BD8FE41-E143-43D6-99C4-C0F1399E7670}" type="sibTrans" cxnId="{E992E3A7-17B3-45C4-BD1D-544F02F92F25}">
+      <dgm:prSet/>
+      <dgm:spPr/>
+      <dgm:t>
+        <a:bodyPr/>
+        <a:lstStyle/>
+        <a:p>
+          <a:endParaRPr lang="en-US"/>
+        </a:p>
+      </dgm:t>
+    </dgm:pt>
+    <dgm:pt modelId="{DE4109EC-4A1E-4AC6-9C38-E1E4F79E3674}">
+      <dgm:prSet/>
+      <dgm:spPr/>
+      <dgm:t>
+        <a:bodyPr/>
+        <a:lstStyle/>
+        <a:p>
+          <a:r>
+            <a:rPr lang="en-US"/>
+            <a:t>Sold units and value</a:t>
+          </a:r>
+        </a:p>
+      </dgm:t>
+    </dgm:pt>
+    <dgm:pt modelId="{23083E2D-0F50-4CAB-BF06-172F4439025B}" type="parTrans" cxnId="{43D23634-8183-4ACE-9AFC-C553152FBECB}">
+      <dgm:prSet/>
+      <dgm:spPr/>
+      <dgm:t>
+        <a:bodyPr/>
+        <a:lstStyle/>
+        <a:p>
+          <a:endParaRPr lang="en-US"/>
+        </a:p>
+      </dgm:t>
+    </dgm:pt>
+    <dgm:pt modelId="{EAADA51D-80C7-416D-951E-264777ABF6C0}" type="sibTrans" cxnId="{43D23634-8183-4ACE-9AFC-C553152FBECB}">
+      <dgm:prSet/>
+      <dgm:spPr/>
+      <dgm:t>
+        <a:bodyPr/>
+        <a:lstStyle/>
+        <a:p>
+          <a:endParaRPr lang="en-US"/>
+        </a:p>
+      </dgm:t>
+    </dgm:pt>
+    <dgm:pt modelId="{A120CB21-2B55-400C-9A4A-4FC1BE33D8CD}">
+      <dgm:prSet/>
+      <dgm:spPr/>
+      <dgm:t>
+        <a:bodyPr/>
+        <a:lstStyle/>
+        <a:p>
+          <a:r>
+            <a:rPr lang="en-US"/>
+            <a:t>Returned units and value</a:t>
+          </a:r>
+        </a:p>
+      </dgm:t>
+    </dgm:pt>
+    <dgm:pt modelId="{ACD7A7F9-C9D3-4728-8F57-5841B51BB113}" type="parTrans" cxnId="{338AC445-E437-4162-8D0D-5D7511224E38}">
+      <dgm:prSet/>
+      <dgm:spPr/>
+      <dgm:t>
+        <a:bodyPr/>
+        <a:lstStyle/>
+        <a:p>
+          <a:endParaRPr lang="en-US"/>
+        </a:p>
+      </dgm:t>
+    </dgm:pt>
+    <dgm:pt modelId="{BEE2C470-D4B5-4D63-94DD-14C25ABBC73F}" type="sibTrans" cxnId="{338AC445-E437-4162-8D0D-5D7511224E38}">
+      <dgm:prSet/>
+      <dgm:spPr/>
+      <dgm:t>
+        <a:bodyPr/>
+        <a:lstStyle/>
+        <a:p>
+          <a:endParaRPr lang="en-US"/>
+        </a:p>
+      </dgm:t>
+    </dgm:pt>
+    <dgm:pt modelId="{3103EA52-9951-4332-85CB-2888FBDBEA02}">
+      <dgm:prSet/>
+      <dgm:spPr/>
+      <dgm:t>
+        <a:bodyPr/>
+        <a:lstStyle/>
+        <a:p>
+          <a:r>
+            <a:rPr lang="en-US"/>
+            <a:t>Adjusted Demand</a:t>
+          </a:r>
+        </a:p>
+      </dgm:t>
+    </dgm:pt>
+    <dgm:pt modelId="{1EEF21D7-3179-40FA-9E94-F8B8A42116B6}" type="parTrans" cxnId="{46C7A68D-9367-4B26-8FB1-13A62C8777C9}">
+      <dgm:prSet/>
+      <dgm:spPr/>
+      <dgm:t>
+        <a:bodyPr/>
+        <a:lstStyle/>
+        <a:p>
+          <a:endParaRPr lang="en-US"/>
+        </a:p>
+      </dgm:t>
+    </dgm:pt>
+    <dgm:pt modelId="{808A7EAA-D44D-4F6B-8BB7-E395879D5A6C}" type="sibTrans" cxnId="{46C7A68D-9367-4B26-8FB1-13A62C8777C9}">
+      <dgm:prSet/>
+      <dgm:spPr/>
+      <dgm:t>
+        <a:bodyPr/>
+        <a:lstStyle/>
+        <a:p>
+          <a:endParaRPr lang="en-US"/>
+        </a:p>
+      </dgm:t>
+    </dgm:pt>
+    <dgm:pt modelId="{4FCEF845-489B-4C78-B7CC-E5F8B3A828AF}">
+      <dgm:prSet/>
+      <dgm:spPr/>
+      <dgm:t>
+        <a:bodyPr/>
+        <a:lstStyle/>
+        <a:p>
+          <a:r>
+            <a:rPr lang="en-US"/>
+            <a:t>Town and State</a:t>
+          </a:r>
+        </a:p>
+      </dgm:t>
+    </dgm:pt>
+    <dgm:pt modelId="{CFB892A0-1B91-4D39-BFBD-B73EBF7D7FF2}" type="parTrans" cxnId="{E691BBDF-1B3E-49DE-8F43-BC52DD4AFAC5}">
+      <dgm:prSet/>
+      <dgm:spPr/>
+      <dgm:t>
+        <a:bodyPr/>
+        <a:lstStyle/>
+        <a:p>
+          <a:endParaRPr lang="en-US"/>
+        </a:p>
+      </dgm:t>
+    </dgm:pt>
+    <dgm:pt modelId="{3D2EBB04-A9F7-4033-AC34-91375D96B6E0}" type="sibTrans" cxnId="{E691BBDF-1B3E-49DE-8F43-BC52DD4AFAC5}">
+      <dgm:prSet/>
+      <dgm:spPr/>
+      <dgm:t>
+        <a:bodyPr/>
+        <a:lstStyle/>
+        <a:p>
+          <a:endParaRPr lang="en-US"/>
+        </a:p>
+      </dgm:t>
+    </dgm:pt>
+    <dgm:pt modelId="{EF6D8A6D-1D61-4F4E-BF2A-90CB3444498E}" type="pres">
+      <dgm:prSet presAssocID="{84516CF7-5F8F-4F7D-8D3B-D3951CE8F849}" presName="root" presStyleCnt="0">
+        <dgm:presLayoutVars>
+          <dgm:dir/>
+          <dgm:resizeHandles val="exact"/>
+        </dgm:presLayoutVars>
+      </dgm:prSet>
+      <dgm:spPr/>
+    </dgm:pt>
+    <dgm:pt modelId="{313B2D13-A6C0-4B6C-A9CA-F5075A9D6DEF}" type="pres">
+      <dgm:prSet presAssocID="{9530D16A-1261-45F2-B72E-F0F27E8F20D4}" presName="compNode" presStyleCnt="0"/>
+      <dgm:spPr/>
+    </dgm:pt>
+    <dgm:pt modelId="{75D7B246-9391-4040-AF90-F8D88D0A7E37}" type="pres">
+      <dgm:prSet presAssocID="{9530D16A-1261-45F2-B72E-F0F27E8F20D4}" presName="bgRect" presStyleLbl="bgShp" presStyleIdx="0" presStyleCnt="8"/>
+      <dgm:spPr/>
+    </dgm:pt>
+    <dgm:pt modelId="{7191202F-C646-479D-A629-1ECA84CA6257}" type="pres">
+      <dgm:prSet presAssocID="{9530D16A-1261-45F2-B72E-F0F27E8F20D4}" presName="iconRect" presStyleLbl="node1" presStyleIdx="0" presStyleCnt="8"/>
+      <dgm:spPr>
+        <a:blipFill>
+          <a:blip xmlns:r="http://schemas.openxmlformats.org/officeDocument/2006/relationships" r:embed="rId1">
+            <a:extLst>
+              <a:ext uri="{28A0092B-C50C-407E-A947-70E740481C1C}">
+                <a14:useLocalDpi xmlns:a14="http://schemas.microsoft.com/office/drawing/2010/main" val="0"/>
+              </a:ext>
+              <a:ext uri="{96DAC541-7B7A-43D3-8B79-37D633B846F1}">
+                <asvg:svgBlip xmlns:asvg="http://schemas.microsoft.com/office/drawing/2016/SVG/main" r:embed="rId2"/>
+              </a:ext>
+            </a:extLst>
+          </a:blip>
+          <a:stretch>
+            <a:fillRect/>
+          </a:stretch>
+        </a:blipFill>
+        <a:ln>
+          <a:noFill/>
+        </a:ln>
+      </dgm:spPr>
+      <dgm:extLst>
+        <a:ext uri="{E40237B7-FDA0-4F09-8148-C483321AD2D9}">
+          <dgm14:cNvPr xmlns:dgm14="http://schemas.microsoft.com/office/drawing/2010/diagram" id="0" name="" descr="User"/>
+        </a:ext>
+      </dgm:extLst>
+    </dgm:pt>
+    <dgm:pt modelId="{82EE78D4-FC2A-48E6-9762-0F7FB9BFF4B4}" type="pres">
+      <dgm:prSet presAssocID="{9530D16A-1261-45F2-B72E-F0F27E8F20D4}" presName="spaceRect" presStyleCnt="0"/>
+      <dgm:spPr/>
+    </dgm:pt>
+    <dgm:pt modelId="{3B231B00-5CFA-4941-9CD4-425C4656602B}" type="pres">
+      <dgm:prSet presAssocID="{9530D16A-1261-45F2-B72E-F0F27E8F20D4}" presName="parTx" presStyleLbl="revTx" presStyleIdx="0" presStyleCnt="8">
+        <dgm:presLayoutVars>
+          <dgm:chMax val="0"/>
+          <dgm:chPref val="0"/>
+        </dgm:presLayoutVars>
+      </dgm:prSet>
+      <dgm:spPr/>
+    </dgm:pt>
+    <dgm:pt modelId="{6D99B1DF-B686-4DDF-884A-DF9EBEC88C83}" type="pres">
+      <dgm:prSet presAssocID="{03B132EE-5C53-4E72-9045-B38EAD22B74E}" presName="sibTrans" presStyleCnt="0"/>
+      <dgm:spPr/>
+    </dgm:pt>
+    <dgm:pt modelId="{AB23A0DF-53B8-4A7B-81DE-168A61C056B0}" type="pres">
+      <dgm:prSet presAssocID="{41496D5E-057B-4C1F-9A2D-65C68522473F}" presName="compNode" presStyleCnt="0"/>
+      <dgm:spPr/>
+    </dgm:pt>
+    <dgm:pt modelId="{52CDED6F-8905-4460-ADF6-721853C36434}" type="pres">
+      <dgm:prSet presAssocID="{41496D5E-057B-4C1F-9A2D-65C68522473F}" presName="bgRect" presStyleLbl="bgShp" presStyleIdx="1" presStyleCnt="8"/>
+      <dgm:spPr/>
+    </dgm:pt>
+    <dgm:pt modelId="{E72869BE-56AD-490A-935F-604A9709055B}" type="pres">
+      <dgm:prSet presAssocID="{41496D5E-057B-4C1F-9A2D-65C68522473F}" presName="iconRect" presStyleLbl="node1" presStyleIdx="1" presStyleCnt="8"/>
+      <dgm:spPr>
+        <a:blipFill>
+          <a:blip xmlns:r="http://schemas.openxmlformats.org/officeDocument/2006/relationships" r:embed="rId3">
+            <a:extLst>
+              <a:ext uri="{28A0092B-C50C-407E-A947-70E740481C1C}">
+                <a14:useLocalDpi xmlns:a14="http://schemas.microsoft.com/office/drawing/2010/main" val="0"/>
+              </a:ext>
+              <a:ext uri="{96DAC541-7B7A-43D3-8B79-37D633B846F1}">
+                <asvg:svgBlip xmlns:asvg="http://schemas.microsoft.com/office/drawing/2016/SVG/main" r:embed="rId4"/>
+              </a:ext>
+            </a:extLst>
+          </a:blip>
+          <a:stretch>
+            <a:fillRect/>
+          </a:stretch>
+        </a:blipFill>
+        <a:ln>
+          <a:noFill/>
+        </a:ln>
+      </dgm:spPr>
+      <dgm:extLst>
+        <a:ext uri="{E40237B7-FDA0-4F09-8148-C483321AD2D9}">
+          <dgm14:cNvPr xmlns:dgm14="http://schemas.microsoft.com/office/drawing/2010/diagram" id="0" name="" descr="Employee Badge"/>
+        </a:ext>
+      </dgm:extLst>
+    </dgm:pt>
+    <dgm:pt modelId="{8EFD18A4-FFF9-409F-82BD-CC5369203FF1}" type="pres">
+      <dgm:prSet presAssocID="{41496D5E-057B-4C1F-9A2D-65C68522473F}" presName="spaceRect" presStyleCnt="0"/>
+      <dgm:spPr/>
+    </dgm:pt>
+    <dgm:pt modelId="{596C3050-1F6B-4217-8A3B-06E6D20A04EB}" type="pres">
+      <dgm:prSet presAssocID="{41496D5E-057B-4C1F-9A2D-65C68522473F}" presName="parTx" presStyleLbl="revTx" presStyleIdx="1" presStyleCnt="8">
+        <dgm:presLayoutVars>
+          <dgm:chMax val="0"/>
+          <dgm:chPref val="0"/>
+        </dgm:presLayoutVars>
+      </dgm:prSet>
+      <dgm:spPr/>
+    </dgm:pt>
+    <dgm:pt modelId="{81C918FB-80D4-4F5B-9CB7-9FF12978867C}" type="pres">
+      <dgm:prSet presAssocID="{190ED475-F079-475C-BBF6-0A0CAD1B781F}" presName="sibTrans" presStyleCnt="0"/>
+      <dgm:spPr/>
+    </dgm:pt>
+    <dgm:pt modelId="{2DAF8619-5DF4-4775-99A8-749E6E496D70}" type="pres">
+      <dgm:prSet presAssocID="{66CA4141-EB9A-4BA2-A727-BE1F136EC4A5}" presName="compNode" presStyleCnt="0"/>
+      <dgm:spPr/>
+    </dgm:pt>
+    <dgm:pt modelId="{7AC661C0-C8E7-4213-87A7-EAA85BADD4F6}" type="pres">
+      <dgm:prSet presAssocID="{66CA4141-EB9A-4BA2-A727-BE1F136EC4A5}" presName="bgRect" presStyleLbl="bgShp" presStyleIdx="2" presStyleCnt="8"/>
+      <dgm:spPr/>
+    </dgm:pt>
+    <dgm:pt modelId="{EF34D06C-359A-49B9-87EC-18C7CBAEC30C}" type="pres">
+      <dgm:prSet presAssocID="{66CA4141-EB9A-4BA2-A727-BE1F136EC4A5}" presName="iconRect" presStyleLbl="node1" presStyleIdx="2" presStyleCnt="8"/>
+      <dgm:spPr>
+        <a:blipFill>
+          <a:blip xmlns:r="http://schemas.openxmlformats.org/officeDocument/2006/relationships" r:embed="rId5">
+            <a:extLst>
+              <a:ext uri="{28A0092B-C50C-407E-A947-70E740481C1C}">
+                <a14:useLocalDpi xmlns:a14="http://schemas.microsoft.com/office/drawing/2010/main" val="0"/>
+              </a:ext>
+              <a:ext uri="{96DAC541-7B7A-43D3-8B79-37D633B846F1}">
+                <asvg:svgBlip xmlns:asvg="http://schemas.microsoft.com/office/drawing/2016/SVG/main" r:embed="rId6"/>
+              </a:ext>
+            </a:extLst>
+          </a:blip>
+          <a:stretch>
+            <a:fillRect/>
+          </a:stretch>
+        </a:blipFill>
+        <a:ln>
+          <a:noFill/>
+        </a:ln>
+      </dgm:spPr>
+      <dgm:extLst>
+        <a:ext uri="{E40237B7-FDA0-4F09-8148-C483321AD2D9}">
+          <dgm14:cNvPr xmlns:dgm14="http://schemas.microsoft.com/office/drawing/2010/diagram" id="0" name="" descr="Smart Phone"/>
+        </a:ext>
+      </dgm:extLst>
+    </dgm:pt>
+    <dgm:pt modelId="{25B940FC-F3C9-44B1-9CB0-F60894780276}" type="pres">
+      <dgm:prSet presAssocID="{66CA4141-EB9A-4BA2-A727-BE1F136EC4A5}" presName="spaceRect" presStyleCnt="0"/>
+      <dgm:spPr/>
+    </dgm:pt>
+    <dgm:pt modelId="{9BD638B6-BDC0-4B02-8094-23EEFFC2EBFD}" type="pres">
+      <dgm:prSet presAssocID="{66CA4141-EB9A-4BA2-A727-BE1F136EC4A5}" presName="parTx" presStyleLbl="revTx" presStyleIdx="2" presStyleCnt="8">
+        <dgm:presLayoutVars>
+          <dgm:chMax val="0"/>
+          <dgm:chPref val="0"/>
+        </dgm:presLayoutVars>
+      </dgm:prSet>
+      <dgm:spPr/>
+    </dgm:pt>
+    <dgm:pt modelId="{CCD1C356-8678-4F5B-94A8-E0CF3B5526CA}" type="pres">
+      <dgm:prSet presAssocID="{031C6601-F2BE-4435-AFEC-D476DC11F16C}" presName="sibTrans" presStyleCnt="0"/>
+      <dgm:spPr/>
+    </dgm:pt>
+    <dgm:pt modelId="{C0294E45-E76C-4D59-BDE7-875AFC505EC8}" type="pres">
+      <dgm:prSet presAssocID="{A696C0DC-4121-4916-BB8D-EBF5B13BFE72}" presName="compNode" presStyleCnt="0"/>
+      <dgm:spPr/>
+    </dgm:pt>
+    <dgm:pt modelId="{2DE523A4-A619-4221-8379-C8558715AD03}" type="pres">
+      <dgm:prSet presAssocID="{A696C0DC-4121-4916-BB8D-EBF5B13BFE72}" presName="bgRect" presStyleLbl="bgShp" presStyleIdx="3" presStyleCnt="8"/>
+      <dgm:spPr/>
+    </dgm:pt>
+    <dgm:pt modelId="{F74220A7-E125-4BDE-B220-9981A15FAA25}" type="pres">
+      <dgm:prSet presAssocID="{A696C0DC-4121-4916-BB8D-EBF5B13BFE72}" presName="iconRect" presStyleLbl="node1" presStyleIdx="3" presStyleCnt="8"/>
+      <dgm:spPr>
+        <a:blipFill>
+          <a:blip xmlns:r="http://schemas.openxmlformats.org/officeDocument/2006/relationships" r:embed="rId7">
+            <a:extLst>
+              <a:ext uri="{28A0092B-C50C-407E-A947-70E740481C1C}">
+                <a14:useLocalDpi xmlns:a14="http://schemas.microsoft.com/office/drawing/2010/main" val="0"/>
+              </a:ext>
+              <a:ext uri="{96DAC541-7B7A-43D3-8B79-37D633B846F1}">
+                <asvg:svgBlip xmlns:asvg="http://schemas.microsoft.com/office/drawing/2016/SVG/main" r:embed="rId8"/>
+              </a:ext>
+            </a:extLst>
+          </a:blip>
+          <a:stretch>
+            <a:fillRect/>
+          </a:stretch>
+        </a:blipFill>
+        <a:ln>
+          <a:noFill/>
+        </a:ln>
+      </dgm:spPr>
+      <dgm:extLst>
+        <a:ext uri="{E40237B7-FDA0-4F09-8148-C483321AD2D9}">
+          <dgm14:cNvPr xmlns:dgm14="http://schemas.microsoft.com/office/drawing/2010/diagram" id="0" name="" descr="Truck"/>
+        </a:ext>
+      </dgm:extLst>
+    </dgm:pt>
+    <dgm:pt modelId="{AEB71104-B64C-44C4-BF9B-5DB924414CC1}" type="pres">
+      <dgm:prSet presAssocID="{A696C0DC-4121-4916-BB8D-EBF5B13BFE72}" presName="spaceRect" presStyleCnt="0"/>
+      <dgm:spPr/>
+    </dgm:pt>
+    <dgm:pt modelId="{F3CC4559-AF8D-4B37-89AE-9D8461AF314B}" type="pres">
+      <dgm:prSet presAssocID="{A696C0DC-4121-4916-BB8D-EBF5B13BFE72}" presName="parTx" presStyleLbl="revTx" presStyleIdx="3" presStyleCnt="8">
+        <dgm:presLayoutVars>
+          <dgm:chMax val="0"/>
+          <dgm:chPref val="0"/>
+        </dgm:presLayoutVars>
+      </dgm:prSet>
+      <dgm:spPr/>
+    </dgm:pt>
+    <dgm:pt modelId="{D7E761A6-8B45-4AB5-A552-91EEF215AD1C}" type="pres">
+      <dgm:prSet presAssocID="{7BD8FE41-E143-43D6-99C4-C0F1399E7670}" presName="sibTrans" presStyleCnt="0"/>
+      <dgm:spPr/>
+    </dgm:pt>
+    <dgm:pt modelId="{E86C471F-F77F-49A9-8C42-2D4315996186}" type="pres">
+      <dgm:prSet presAssocID="{DE4109EC-4A1E-4AC6-9C38-E1E4F79E3674}" presName="compNode" presStyleCnt="0"/>
+      <dgm:spPr/>
+    </dgm:pt>
+    <dgm:pt modelId="{9E0ED766-D292-40BB-A094-82914E4E0513}" type="pres">
+      <dgm:prSet presAssocID="{DE4109EC-4A1E-4AC6-9C38-E1E4F79E3674}" presName="bgRect" presStyleLbl="bgShp" presStyleIdx="4" presStyleCnt="8"/>
+      <dgm:spPr/>
+    </dgm:pt>
+    <dgm:pt modelId="{C424E4B0-0D23-4B4F-B200-61D6BED75357}" type="pres">
+      <dgm:prSet presAssocID="{DE4109EC-4A1E-4AC6-9C38-E1E4F79E3674}" presName="iconRect" presStyleLbl="node1" presStyleIdx="4" presStyleCnt="8"/>
+      <dgm:spPr>
+        <a:blipFill>
+          <a:blip xmlns:r="http://schemas.openxmlformats.org/officeDocument/2006/relationships" r:embed="rId9">
+            <a:extLst>
+              <a:ext uri="{28A0092B-C50C-407E-A947-70E740481C1C}">
+                <a14:useLocalDpi xmlns:a14="http://schemas.microsoft.com/office/drawing/2010/main" val="0"/>
+              </a:ext>
+              <a:ext uri="{96DAC541-7B7A-43D3-8B79-37D633B846F1}">
+                <asvg:svgBlip xmlns:asvg="http://schemas.microsoft.com/office/drawing/2016/SVG/main" r:embed="rId10"/>
+              </a:ext>
+            </a:extLst>
+          </a:blip>
+          <a:stretch>
+            <a:fillRect/>
+          </a:stretch>
+        </a:blipFill>
+        <a:ln>
+          <a:noFill/>
+        </a:ln>
+      </dgm:spPr>
+      <dgm:extLst>
+        <a:ext uri="{E40237B7-FDA0-4F09-8148-C483321AD2D9}">
+          <dgm14:cNvPr xmlns:dgm14="http://schemas.microsoft.com/office/drawing/2010/diagram" id="0" name="" descr="Money"/>
+        </a:ext>
+      </dgm:extLst>
+    </dgm:pt>
+    <dgm:pt modelId="{438933B7-80F4-4523-BCCA-20853838C45C}" type="pres">
+      <dgm:prSet presAssocID="{DE4109EC-4A1E-4AC6-9C38-E1E4F79E3674}" presName="spaceRect" presStyleCnt="0"/>
+      <dgm:spPr/>
+    </dgm:pt>
+    <dgm:pt modelId="{6543533E-63F6-4AAC-8281-040FD0B7A801}" type="pres">
+      <dgm:prSet presAssocID="{DE4109EC-4A1E-4AC6-9C38-E1E4F79E3674}" presName="parTx" presStyleLbl="revTx" presStyleIdx="4" presStyleCnt="8">
+        <dgm:presLayoutVars>
+          <dgm:chMax val="0"/>
+          <dgm:chPref val="0"/>
+        </dgm:presLayoutVars>
+      </dgm:prSet>
+      <dgm:spPr/>
+    </dgm:pt>
+    <dgm:pt modelId="{277F4BFC-5F56-40CE-9653-02A386017284}" type="pres">
+      <dgm:prSet presAssocID="{EAADA51D-80C7-416D-951E-264777ABF6C0}" presName="sibTrans" presStyleCnt="0"/>
+      <dgm:spPr/>
+    </dgm:pt>
+    <dgm:pt modelId="{361ED16C-17AB-4739-A485-8E9D8DF61570}" type="pres">
+      <dgm:prSet presAssocID="{A120CB21-2B55-400C-9A4A-4FC1BE33D8CD}" presName="compNode" presStyleCnt="0"/>
+      <dgm:spPr/>
+    </dgm:pt>
+    <dgm:pt modelId="{557540A4-C243-43EF-A3A4-0B35A5E8E475}" type="pres">
+      <dgm:prSet presAssocID="{A120CB21-2B55-400C-9A4A-4FC1BE33D8CD}" presName="bgRect" presStyleLbl="bgShp" presStyleIdx="5" presStyleCnt="8"/>
+      <dgm:spPr/>
+    </dgm:pt>
+    <dgm:pt modelId="{070DECAA-9DEA-4D8D-8E6B-74CA727B665C}" type="pres">
+      <dgm:prSet presAssocID="{A120CB21-2B55-400C-9A4A-4FC1BE33D8CD}" presName="iconRect" presStyleLbl="node1" presStyleIdx="5" presStyleCnt="8"/>
+      <dgm:spPr>
+        <a:blipFill>
+          <a:blip xmlns:r="http://schemas.openxmlformats.org/officeDocument/2006/relationships" r:embed="rId11">
+            <a:extLst>
+              <a:ext uri="{28A0092B-C50C-407E-A947-70E740481C1C}">
+                <a14:useLocalDpi xmlns:a14="http://schemas.microsoft.com/office/drawing/2010/main" val="0"/>
+              </a:ext>
+              <a:ext uri="{96DAC541-7B7A-43D3-8B79-37D633B846F1}">
+                <asvg:svgBlip xmlns:asvg="http://schemas.microsoft.com/office/drawing/2016/SVG/main" r:embed="rId12"/>
+              </a:ext>
+            </a:extLst>
+          </a:blip>
+          <a:stretch>
+            <a:fillRect/>
+          </a:stretch>
+        </a:blipFill>
+        <a:ln>
+          <a:noFill/>
+        </a:ln>
+      </dgm:spPr>
+      <dgm:extLst>
+        <a:ext uri="{E40237B7-FDA0-4F09-8148-C483321AD2D9}">
+          <dgm14:cNvPr xmlns:dgm14="http://schemas.microsoft.com/office/drawing/2010/diagram" id="0" name="" descr="Rupee"/>
+        </a:ext>
+      </dgm:extLst>
+    </dgm:pt>
+    <dgm:pt modelId="{0FC89C51-F0F3-488B-8503-B917801DD8EB}" type="pres">
+      <dgm:prSet presAssocID="{A120CB21-2B55-400C-9A4A-4FC1BE33D8CD}" presName="spaceRect" presStyleCnt="0"/>
+      <dgm:spPr/>
+    </dgm:pt>
+    <dgm:pt modelId="{300BCCEF-B889-4CC1-B069-BFBC9C804223}" type="pres">
+      <dgm:prSet presAssocID="{A120CB21-2B55-400C-9A4A-4FC1BE33D8CD}" presName="parTx" presStyleLbl="revTx" presStyleIdx="5" presStyleCnt="8">
+        <dgm:presLayoutVars>
+          <dgm:chMax val="0"/>
+          <dgm:chPref val="0"/>
+        </dgm:presLayoutVars>
+      </dgm:prSet>
+      <dgm:spPr/>
+    </dgm:pt>
+    <dgm:pt modelId="{64CA433B-F7CB-42EF-A6C1-FB2826D29674}" type="pres">
+      <dgm:prSet presAssocID="{BEE2C470-D4B5-4D63-94DD-14C25ABBC73F}" presName="sibTrans" presStyleCnt="0"/>
+      <dgm:spPr/>
+    </dgm:pt>
+    <dgm:pt modelId="{BA90CCA5-ACB9-4622-B495-1483E5F9E26F}" type="pres">
+      <dgm:prSet presAssocID="{3103EA52-9951-4332-85CB-2888FBDBEA02}" presName="compNode" presStyleCnt="0"/>
+      <dgm:spPr/>
+    </dgm:pt>
+    <dgm:pt modelId="{414FD639-3828-4F2D-B196-33E42A474F17}" type="pres">
+      <dgm:prSet presAssocID="{3103EA52-9951-4332-85CB-2888FBDBEA02}" presName="bgRect" presStyleLbl="bgShp" presStyleIdx="6" presStyleCnt="8"/>
+      <dgm:spPr/>
+    </dgm:pt>
+    <dgm:pt modelId="{FA8EF468-0F05-47D1-BF52-1ABF20B4B8FF}" type="pres">
+      <dgm:prSet presAssocID="{3103EA52-9951-4332-85CB-2888FBDBEA02}" presName="iconRect" presStyleLbl="node1" presStyleIdx="6" presStyleCnt="8"/>
+      <dgm:spPr>
+        <a:blipFill>
+          <a:blip xmlns:r="http://schemas.openxmlformats.org/officeDocument/2006/relationships" r:embed="rId13">
+            <a:extLst>
+              <a:ext uri="{28A0092B-C50C-407E-A947-70E740481C1C}">
+                <a14:useLocalDpi xmlns:a14="http://schemas.microsoft.com/office/drawing/2010/main" val="0"/>
+              </a:ext>
+              <a:ext uri="{96DAC541-7B7A-43D3-8B79-37D633B846F1}">
+                <asvg:svgBlip xmlns:asvg="http://schemas.microsoft.com/office/drawing/2016/SVG/main" r:embed="rId14"/>
+              </a:ext>
+            </a:extLst>
+          </a:blip>
+          <a:stretch>
+            <a:fillRect/>
+          </a:stretch>
+        </a:blipFill>
+        <a:ln>
+          <a:noFill/>
+        </a:ln>
+      </dgm:spPr>
+      <dgm:extLst>
+        <a:ext uri="{E40237B7-FDA0-4F09-8148-C483321AD2D9}">
+          <dgm14:cNvPr xmlns:dgm14="http://schemas.microsoft.com/office/drawing/2010/diagram" id="0" name="" descr="Upward trend"/>
+        </a:ext>
+      </dgm:extLst>
+    </dgm:pt>
+    <dgm:pt modelId="{95C248AE-33CB-4836-B570-E0602A595028}" type="pres">
+      <dgm:prSet presAssocID="{3103EA52-9951-4332-85CB-2888FBDBEA02}" presName="spaceRect" presStyleCnt="0"/>
+      <dgm:spPr/>
+    </dgm:pt>
+    <dgm:pt modelId="{4ECD4FFA-DE63-4D09-A02E-1E228115A2E5}" type="pres">
+      <dgm:prSet presAssocID="{3103EA52-9951-4332-85CB-2888FBDBEA02}" presName="parTx" presStyleLbl="revTx" presStyleIdx="6" presStyleCnt="8">
+        <dgm:presLayoutVars>
+          <dgm:chMax val="0"/>
+          <dgm:chPref val="0"/>
+        </dgm:presLayoutVars>
+      </dgm:prSet>
+      <dgm:spPr/>
+    </dgm:pt>
+    <dgm:pt modelId="{FEE50CD6-5EB6-4F65-B209-2B0CA0618146}" type="pres">
+      <dgm:prSet presAssocID="{808A7EAA-D44D-4F6B-8BB7-E395879D5A6C}" presName="sibTrans" presStyleCnt="0"/>
+      <dgm:spPr/>
+    </dgm:pt>
+    <dgm:pt modelId="{75648B2C-5C61-4F4E-9609-65454C982762}" type="pres">
+      <dgm:prSet presAssocID="{4FCEF845-489B-4C78-B7CC-E5F8B3A828AF}" presName="compNode" presStyleCnt="0"/>
+      <dgm:spPr/>
+    </dgm:pt>
+    <dgm:pt modelId="{0FFB3D37-6A68-4C82-809A-31803EC61E38}" type="pres">
+      <dgm:prSet presAssocID="{4FCEF845-489B-4C78-B7CC-E5F8B3A828AF}" presName="bgRect" presStyleLbl="bgShp" presStyleIdx="7" presStyleCnt="8"/>
+      <dgm:spPr/>
+    </dgm:pt>
+    <dgm:pt modelId="{5AD8B6F7-204A-4668-895C-D6608C74D104}" type="pres">
+      <dgm:prSet presAssocID="{4FCEF845-489B-4C78-B7CC-E5F8B3A828AF}" presName="iconRect" presStyleLbl="node1" presStyleIdx="7" presStyleCnt="8"/>
+      <dgm:spPr>
+        <a:blipFill>
+          <a:blip xmlns:r="http://schemas.openxmlformats.org/officeDocument/2006/relationships" r:embed="rId15">
+            <a:extLst>
+              <a:ext uri="{28A0092B-C50C-407E-A947-70E740481C1C}">
+                <a14:useLocalDpi xmlns:a14="http://schemas.microsoft.com/office/drawing/2010/main" val="0"/>
+              </a:ext>
+              <a:ext uri="{96DAC541-7B7A-43D3-8B79-37D633B846F1}">
+                <asvg:svgBlip xmlns:asvg="http://schemas.microsoft.com/office/drawing/2016/SVG/main" r:embed="rId16"/>
+              </a:ext>
+            </a:extLst>
+          </a:blip>
+          <a:stretch>
+            <a:fillRect/>
+          </a:stretch>
+        </a:blipFill>
+        <a:ln>
+          <a:noFill/>
+        </a:ln>
+      </dgm:spPr>
+      <dgm:extLst>
+        <a:ext uri="{E40237B7-FDA0-4F09-8148-C483321AD2D9}">
+          <dgm14:cNvPr xmlns:dgm14="http://schemas.microsoft.com/office/drawing/2010/diagram" id="0" name="" descr="City"/>
+        </a:ext>
+      </dgm:extLst>
+    </dgm:pt>
+    <dgm:pt modelId="{D8F1672C-53F0-4B27-A081-A6A850C35F19}" type="pres">
+      <dgm:prSet presAssocID="{4FCEF845-489B-4C78-B7CC-E5F8B3A828AF}" presName="spaceRect" presStyleCnt="0"/>
+      <dgm:spPr/>
+    </dgm:pt>
+    <dgm:pt modelId="{E33A7080-6325-48E9-840F-3CC0318C261D}" type="pres">
+      <dgm:prSet presAssocID="{4FCEF845-489B-4C78-B7CC-E5F8B3A828AF}" presName="parTx" presStyleLbl="revTx" presStyleIdx="7" presStyleCnt="8">
+        <dgm:presLayoutVars>
+          <dgm:chMax val="0"/>
+          <dgm:chPref val="0"/>
+        </dgm:presLayoutVars>
+      </dgm:prSet>
+      <dgm:spPr/>
+    </dgm:pt>
+  </dgm:ptLst>
+  <dgm:cxnLst>
+    <dgm:cxn modelId="{E0D76309-9762-48F4-935F-6BB133391030}" srcId="{84516CF7-5F8F-4F7D-8D3B-D3951CE8F849}" destId="{41496D5E-057B-4C1F-9A2D-65C68522473F}" srcOrd="1" destOrd="0" parTransId="{60417BA2-D398-4A07-ABBF-2728356E5E92}" sibTransId="{190ED475-F079-475C-BBF6-0A0CAD1B781F}"/>
+    <dgm:cxn modelId="{B7A5BD15-5F7D-4E75-8C6B-E82256502EF2}" type="presOf" srcId="{A696C0DC-4121-4916-BB8D-EBF5B13BFE72}" destId="{F3CC4559-AF8D-4B37-89AE-9D8461AF314B}" srcOrd="0" destOrd="0" presId="urn:microsoft.com/office/officeart/2018/2/layout/IconVerticalSolidList"/>
+    <dgm:cxn modelId="{49D63B2E-D16B-4F4D-BD48-659CABDB0BEA}" type="presOf" srcId="{3103EA52-9951-4332-85CB-2888FBDBEA02}" destId="{4ECD4FFA-DE63-4D09-A02E-1E228115A2E5}" srcOrd="0" destOrd="0" presId="urn:microsoft.com/office/officeart/2018/2/layout/IconVerticalSolidList"/>
+    <dgm:cxn modelId="{ADF33531-F7E0-43B3-9222-39768DB7DED2}" type="presOf" srcId="{9530D16A-1261-45F2-B72E-F0F27E8F20D4}" destId="{3B231B00-5CFA-4941-9CD4-425C4656602B}" srcOrd="0" destOrd="0" presId="urn:microsoft.com/office/officeart/2018/2/layout/IconVerticalSolidList"/>
+    <dgm:cxn modelId="{43D23634-8183-4ACE-9AFC-C553152FBECB}" srcId="{84516CF7-5F8F-4F7D-8D3B-D3951CE8F849}" destId="{DE4109EC-4A1E-4AC6-9C38-E1E4F79E3674}" srcOrd="4" destOrd="0" parTransId="{23083E2D-0F50-4CAB-BF06-172F4439025B}" sibTransId="{EAADA51D-80C7-416D-951E-264777ABF6C0}"/>
+    <dgm:cxn modelId="{FD9D8934-0B6F-49F6-AC94-05E501DE1273}" type="presOf" srcId="{DE4109EC-4A1E-4AC6-9C38-E1E4F79E3674}" destId="{6543533E-63F6-4AAC-8281-040FD0B7A801}" srcOrd="0" destOrd="0" presId="urn:microsoft.com/office/officeart/2018/2/layout/IconVerticalSolidList"/>
+    <dgm:cxn modelId="{038B2337-6ADE-4C1F-A166-E8452816FAB1}" type="presOf" srcId="{66CA4141-EB9A-4BA2-A727-BE1F136EC4A5}" destId="{9BD638B6-BDC0-4B02-8094-23EEFFC2EBFD}" srcOrd="0" destOrd="0" presId="urn:microsoft.com/office/officeart/2018/2/layout/IconVerticalSolidList"/>
+    <dgm:cxn modelId="{338AC445-E437-4162-8D0D-5D7511224E38}" srcId="{84516CF7-5F8F-4F7D-8D3B-D3951CE8F849}" destId="{A120CB21-2B55-400C-9A4A-4FC1BE33D8CD}" srcOrd="5" destOrd="0" parTransId="{ACD7A7F9-C9D3-4728-8F57-5841B51BB113}" sibTransId="{BEE2C470-D4B5-4D63-94DD-14C25ABBC73F}"/>
+    <dgm:cxn modelId="{00FF8747-3D33-465D-9CAE-4BD83DFF6E05}" srcId="{84516CF7-5F8F-4F7D-8D3B-D3951CE8F849}" destId="{66CA4141-EB9A-4BA2-A727-BE1F136EC4A5}" srcOrd="2" destOrd="0" parTransId="{AFE4DF47-9B2D-4A14-A2E1-5881A0A48F84}" sibTransId="{031C6601-F2BE-4435-AFEC-D476DC11F16C}"/>
+    <dgm:cxn modelId="{46C7A68D-9367-4B26-8FB1-13A62C8777C9}" srcId="{84516CF7-5F8F-4F7D-8D3B-D3951CE8F849}" destId="{3103EA52-9951-4332-85CB-2888FBDBEA02}" srcOrd="6" destOrd="0" parTransId="{1EEF21D7-3179-40FA-9E94-F8B8A42116B6}" sibTransId="{808A7EAA-D44D-4F6B-8BB7-E395879D5A6C}"/>
+    <dgm:cxn modelId="{8C671491-59D0-4E7A-8BE6-771D947E5E45}" type="presOf" srcId="{41496D5E-057B-4C1F-9A2D-65C68522473F}" destId="{596C3050-1F6B-4217-8A3B-06E6D20A04EB}" srcOrd="0" destOrd="0" presId="urn:microsoft.com/office/officeart/2018/2/layout/IconVerticalSolidList"/>
+    <dgm:cxn modelId="{3CE6FB9F-55AE-4911-9559-69962E312885}" type="presOf" srcId="{84516CF7-5F8F-4F7D-8D3B-D3951CE8F849}" destId="{EF6D8A6D-1D61-4F4E-BF2A-90CB3444498E}" srcOrd="0" destOrd="0" presId="urn:microsoft.com/office/officeart/2018/2/layout/IconVerticalSolidList"/>
+    <dgm:cxn modelId="{CCF77AA5-BCCE-4E9F-AFA7-2110959DBE62}" type="presOf" srcId="{A120CB21-2B55-400C-9A4A-4FC1BE33D8CD}" destId="{300BCCEF-B889-4CC1-B069-BFBC9C804223}" srcOrd="0" destOrd="0" presId="urn:microsoft.com/office/officeart/2018/2/layout/IconVerticalSolidList"/>
+    <dgm:cxn modelId="{E992E3A7-17B3-45C4-BD1D-544F02F92F25}" srcId="{84516CF7-5F8F-4F7D-8D3B-D3951CE8F849}" destId="{A696C0DC-4121-4916-BB8D-EBF5B13BFE72}" srcOrd="3" destOrd="0" parTransId="{7178C531-765B-47FF-98FE-242BDFE2A595}" sibTransId="{7BD8FE41-E143-43D6-99C4-C0F1399E7670}"/>
+    <dgm:cxn modelId="{E90927A8-CC5E-4038-883C-325F8DFC5E4B}" srcId="{84516CF7-5F8F-4F7D-8D3B-D3951CE8F849}" destId="{9530D16A-1261-45F2-B72E-F0F27E8F20D4}" srcOrd="0" destOrd="0" parTransId="{79FCADBF-0856-4B02-B497-CEC6F6A7804E}" sibTransId="{03B132EE-5C53-4E72-9045-B38EAD22B74E}"/>
+    <dgm:cxn modelId="{797F5DAF-C4B0-4FBA-A93F-D6F0A154F6FD}" type="presOf" srcId="{4FCEF845-489B-4C78-B7CC-E5F8B3A828AF}" destId="{E33A7080-6325-48E9-840F-3CC0318C261D}" srcOrd="0" destOrd="0" presId="urn:microsoft.com/office/officeart/2018/2/layout/IconVerticalSolidList"/>
+    <dgm:cxn modelId="{E691BBDF-1B3E-49DE-8F43-BC52DD4AFAC5}" srcId="{84516CF7-5F8F-4F7D-8D3B-D3951CE8F849}" destId="{4FCEF845-489B-4C78-B7CC-E5F8B3A828AF}" srcOrd="7" destOrd="0" parTransId="{CFB892A0-1B91-4D39-BFBD-B73EBF7D7FF2}" sibTransId="{3D2EBB04-A9F7-4033-AC34-91375D96B6E0}"/>
+    <dgm:cxn modelId="{DF2A35D7-C61B-4879-9485-CDE43CEDDC51}" type="presParOf" srcId="{EF6D8A6D-1D61-4F4E-BF2A-90CB3444498E}" destId="{313B2D13-A6C0-4B6C-A9CA-F5075A9D6DEF}" srcOrd="0" destOrd="0" presId="urn:microsoft.com/office/officeart/2018/2/layout/IconVerticalSolidList"/>
+    <dgm:cxn modelId="{BE2062A7-7183-4766-A566-0C302FBC9911}" type="presParOf" srcId="{313B2D13-A6C0-4B6C-A9CA-F5075A9D6DEF}" destId="{75D7B246-9391-4040-AF90-F8D88D0A7E37}" srcOrd="0" destOrd="0" presId="urn:microsoft.com/office/officeart/2018/2/layout/IconVerticalSolidList"/>
+    <dgm:cxn modelId="{EA82456F-E5AE-47E1-9F86-364A93817B2D}" type="presParOf" srcId="{313B2D13-A6C0-4B6C-A9CA-F5075A9D6DEF}" destId="{7191202F-C646-479D-A629-1ECA84CA6257}" srcOrd="1" destOrd="0" presId="urn:microsoft.com/office/officeart/2018/2/layout/IconVerticalSolidList"/>
+    <dgm:cxn modelId="{E75F08BD-A9C9-460D-9A12-B5F83F072819}" type="presParOf" srcId="{313B2D13-A6C0-4B6C-A9CA-F5075A9D6DEF}" destId="{82EE78D4-FC2A-48E6-9762-0F7FB9BFF4B4}" srcOrd="2" destOrd="0" presId="urn:microsoft.com/office/officeart/2018/2/layout/IconVerticalSolidList"/>
+    <dgm:cxn modelId="{EDCFCCDA-8A17-4144-A859-0BCA459BBA10}" type="presParOf" srcId="{313B2D13-A6C0-4B6C-A9CA-F5075A9D6DEF}" destId="{3B231B00-5CFA-4941-9CD4-425C4656602B}" srcOrd="3" destOrd="0" presId="urn:microsoft.com/office/officeart/2018/2/layout/IconVerticalSolidList"/>
+    <dgm:cxn modelId="{97F540C2-8D4C-4EE8-94A5-FF19E4844D67}" type="presParOf" srcId="{EF6D8A6D-1D61-4F4E-BF2A-90CB3444498E}" destId="{6D99B1DF-B686-4DDF-884A-DF9EBEC88C83}" srcOrd="1" destOrd="0" presId="urn:microsoft.com/office/officeart/2018/2/layout/IconVerticalSolidList"/>
+    <dgm:cxn modelId="{A54285B8-C49B-42FB-99DD-B2A4CC7FB841}" type="presParOf" srcId="{EF6D8A6D-1D61-4F4E-BF2A-90CB3444498E}" destId="{AB23A0DF-53B8-4A7B-81DE-168A61C056B0}" srcOrd="2" destOrd="0" presId="urn:microsoft.com/office/officeart/2018/2/layout/IconVerticalSolidList"/>
+    <dgm:cxn modelId="{E7D63975-02C6-4C8D-B390-CEF11D759C8A}" type="presParOf" srcId="{AB23A0DF-53B8-4A7B-81DE-168A61C056B0}" destId="{52CDED6F-8905-4460-ADF6-721853C36434}" srcOrd="0" destOrd="0" presId="urn:microsoft.com/office/officeart/2018/2/layout/IconVerticalSolidList"/>
+    <dgm:cxn modelId="{91E650D8-3E33-4C71-9D19-F01173DB43BB}" type="presParOf" srcId="{AB23A0DF-53B8-4A7B-81DE-168A61C056B0}" destId="{E72869BE-56AD-490A-935F-604A9709055B}" srcOrd="1" destOrd="0" presId="urn:microsoft.com/office/officeart/2018/2/layout/IconVerticalSolidList"/>
+    <dgm:cxn modelId="{37FBE1DA-CB0C-498A-9179-2C3C16BFFC3E}" type="presParOf" srcId="{AB23A0DF-53B8-4A7B-81DE-168A61C056B0}" destId="{8EFD18A4-FFF9-409F-82BD-CC5369203FF1}" srcOrd="2" destOrd="0" presId="urn:microsoft.com/office/officeart/2018/2/layout/IconVerticalSolidList"/>
+    <dgm:cxn modelId="{9BEC982C-0FFF-4F4E-99DE-A9073A7908D6}" type="presParOf" srcId="{AB23A0DF-53B8-4A7B-81DE-168A61C056B0}" destId="{596C3050-1F6B-4217-8A3B-06E6D20A04EB}" srcOrd="3" destOrd="0" presId="urn:microsoft.com/office/officeart/2018/2/layout/IconVerticalSolidList"/>
+    <dgm:cxn modelId="{6F0F7B62-B425-4C54-97E9-83F2714CB006}" type="presParOf" srcId="{EF6D8A6D-1D61-4F4E-BF2A-90CB3444498E}" destId="{81C918FB-80D4-4F5B-9CB7-9FF12978867C}" srcOrd="3" destOrd="0" presId="urn:microsoft.com/office/officeart/2018/2/layout/IconVerticalSolidList"/>
+    <dgm:cxn modelId="{6E3CCD24-A011-4546-84EB-BC829489E382}" type="presParOf" srcId="{EF6D8A6D-1D61-4F4E-BF2A-90CB3444498E}" destId="{2DAF8619-5DF4-4775-99A8-749E6E496D70}" srcOrd="4" destOrd="0" presId="urn:microsoft.com/office/officeart/2018/2/layout/IconVerticalSolidList"/>
+    <dgm:cxn modelId="{ED53CD69-13B9-43CC-ABA0-60100BEFC30F}" type="presParOf" srcId="{2DAF8619-5DF4-4775-99A8-749E6E496D70}" destId="{7AC661C0-C8E7-4213-87A7-EAA85BADD4F6}" srcOrd="0" destOrd="0" presId="urn:microsoft.com/office/officeart/2018/2/layout/IconVerticalSolidList"/>
+    <dgm:cxn modelId="{5EB4371A-73D0-4BDA-BA8E-AB9C7AF603AF}" type="presParOf" srcId="{2DAF8619-5DF4-4775-99A8-749E6E496D70}" destId="{EF34D06C-359A-49B9-87EC-18C7CBAEC30C}" srcOrd="1" destOrd="0" presId="urn:microsoft.com/office/officeart/2018/2/layout/IconVerticalSolidList"/>
+    <dgm:cxn modelId="{6DDA3255-B62C-471D-AC87-3560E25BD2F6}" type="presParOf" srcId="{2DAF8619-5DF4-4775-99A8-749E6E496D70}" destId="{25B940FC-F3C9-44B1-9CB0-F60894780276}" srcOrd="2" destOrd="0" presId="urn:microsoft.com/office/officeart/2018/2/layout/IconVerticalSolidList"/>
+    <dgm:cxn modelId="{9E46B667-9280-4946-BA9D-EAFD889FC5EE}" type="presParOf" srcId="{2DAF8619-5DF4-4775-99A8-749E6E496D70}" destId="{9BD638B6-BDC0-4B02-8094-23EEFFC2EBFD}" srcOrd="3" destOrd="0" presId="urn:microsoft.com/office/officeart/2018/2/layout/IconVerticalSolidList"/>
+    <dgm:cxn modelId="{19A01BA9-9008-4512-9D25-62627099F665}" type="presParOf" srcId="{EF6D8A6D-1D61-4F4E-BF2A-90CB3444498E}" destId="{CCD1C356-8678-4F5B-94A8-E0CF3B5526CA}" srcOrd="5" destOrd="0" presId="urn:microsoft.com/office/officeart/2018/2/layout/IconVerticalSolidList"/>
+    <dgm:cxn modelId="{C48CC877-CB82-45D8-841B-A2BB6439565A}" type="presParOf" srcId="{EF6D8A6D-1D61-4F4E-BF2A-90CB3444498E}" destId="{C0294E45-E76C-4D59-BDE7-875AFC505EC8}" srcOrd="6" destOrd="0" presId="urn:microsoft.com/office/officeart/2018/2/layout/IconVerticalSolidList"/>
+    <dgm:cxn modelId="{27254A54-09C8-4FC2-B231-5A0951F6A901}" type="presParOf" srcId="{C0294E45-E76C-4D59-BDE7-875AFC505EC8}" destId="{2DE523A4-A619-4221-8379-C8558715AD03}" srcOrd="0" destOrd="0" presId="urn:microsoft.com/office/officeart/2018/2/layout/IconVerticalSolidList"/>
+    <dgm:cxn modelId="{EBA4A238-4B83-4DE1-B944-2CDAB0585BD7}" type="presParOf" srcId="{C0294E45-E76C-4D59-BDE7-875AFC505EC8}" destId="{F74220A7-E125-4BDE-B220-9981A15FAA25}" srcOrd="1" destOrd="0" presId="urn:microsoft.com/office/officeart/2018/2/layout/IconVerticalSolidList"/>
+    <dgm:cxn modelId="{2BE38336-7943-4F4E-A889-F7084F439552}" type="presParOf" srcId="{C0294E45-E76C-4D59-BDE7-875AFC505EC8}" destId="{AEB71104-B64C-44C4-BF9B-5DB924414CC1}" srcOrd="2" destOrd="0" presId="urn:microsoft.com/office/officeart/2018/2/layout/IconVerticalSolidList"/>
+    <dgm:cxn modelId="{0D685252-9D75-487E-AE3D-C515FCF53781}" type="presParOf" srcId="{C0294E45-E76C-4D59-BDE7-875AFC505EC8}" destId="{F3CC4559-AF8D-4B37-89AE-9D8461AF314B}" srcOrd="3" destOrd="0" presId="urn:microsoft.com/office/officeart/2018/2/layout/IconVerticalSolidList"/>
+    <dgm:cxn modelId="{D0C0F7E1-D7AB-46FD-8A06-6D02124C23A4}" type="presParOf" srcId="{EF6D8A6D-1D61-4F4E-BF2A-90CB3444498E}" destId="{D7E761A6-8B45-4AB5-A552-91EEF215AD1C}" srcOrd="7" destOrd="0" presId="urn:microsoft.com/office/officeart/2018/2/layout/IconVerticalSolidList"/>
+    <dgm:cxn modelId="{87E8764E-23AD-4AF4-BDCF-44AD87BA7C7B}" type="presParOf" srcId="{EF6D8A6D-1D61-4F4E-BF2A-90CB3444498E}" destId="{E86C471F-F77F-49A9-8C42-2D4315996186}" srcOrd="8" destOrd="0" presId="urn:microsoft.com/office/officeart/2018/2/layout/IconVerticalSolidList"/>
+    <dgm:cxn modelId="{176D6E84-507A-45D2-879D-ADB5B0F89BB6}" type="presParOf" srcId="{E86C471F-F77F-49A9-8C42-2D4315996186}" destId="{9E0ED766-D292-40BB-A094-82914E4E0513}" srcOrd="0" destOrd="0" presId="urn:microsoft.com/office/officeart/2018/2/layout/IconVerticalSolidList"/>
+    <dgm:cxn modelId="{CBCF9D25-6AF4-4350-BB63-52E57C8E75B5}" type="presParOf" srcId="{E86C471F-F77F-49A9-8C42-2D4315996186}" destId="{C424E4B0-0D23-4B4F-B200-61D6BED75357}" srcOrd="1" destOrd="0" presId="urn:microsoft.com/office/officeart/2018/2/layout/IconVerticalSolidList"/>
+    <dgm:cxn modelId="{86F7997F-FA63-4311-BD11-30AACFAFCD9F}" type="presParOf" srcId="{E86C471F-F77F-49A9-8C42-2D4315996186}" destId="{438933B7-80F4-4523-BCCA-20853838C45C}" srcOrd="2" destOrd="0" presId="urn:microsoft.com/office/officeart/2018/2/layout/IconVerticalSolidList"/>
+    <dgm:cxn modelId="{9610684D-D42E-4F2A-8C0B-D89944C87F9B}" type="presParOf" srcId="{E86C471F-F77F-49A9-8C42-2D4315996186}" destId="{6543533E-63F6-4AAC-8281-040FD0B7A801}" srcOrd="3" destOrd="0" presId="urn:microsoft.com/office/officeart/2018/2/layout/IconVerticalSolidList"/>
+    <dgm:cxn modelId="{AAEE9899-746A-41A6-89C6-FE935799F4A5}" type="presParOf" srcId="{EF6D8A6D-1D61-4F4E-BF2A-90CB3444498E}" destId="{277F4BFC-5F56-40CE-9653-02A386017284}" srcOrd="9" destOrd="0" presId="urn:microsoft.com/office/officeart/2018/2/layout/IconVerticalSolidList"/>
+    <dgm:cxn modelId="{96459681-5387-4DEA-8BB8-CE5379A51DB2}" type="presParOf" srcId="{EF6D8A6D-1D61-4F4E-BF2A-90CB3444498E}" destId="{361ED16C-17AB-4739-A485-8E9D8DF61570}" srcOrd="10" destOrd="0" presId="urn:microsoft.com/office/officeart/2018/2/layout/IconVerticalSolidList"/>
+    <dgm:cxn modelId="{A2A27E52-6280-497C-AE79-7E21FE7EF9EC}" type="presParOf" srcId="{361ED16C-17AB-4739-A485-8E9D8DF61570}" destId="{557540A4-C243-43EF-A3A4-0B35A5E8E475}" srcOrd="0" destOrd="0" presId="urn:microsoft.com/office/officeart/2018/2/layout/IconVerticalSolidList"/>
+    <dgm:cxn modelId="{5C58FBFC-9D58-4115-9BC0-B9E9BF2D8059}" type="presParOf" srcId="{361ED16C-17AB-4739-A485-8E9D8DF61570}" destId="{070DECAA-9DEA-4D8D-8E6B-74CA727B665C}" srcOrd="1" destOrd="0" presId="urn:microsoft.com/office/officeart/2018/2/layout/IconVerticalSolidList"/>
+    <dgm:cxn modelId="{C541CBE6-54ED-4038-9E4D-FB9080F69BDE}" type="presParOf" srcId="{361ED16C-17AB-4739-A485-8E9D8DF61570}" destId="{0FC89C51-F0F3-488B-8503-B917801DD8EB}" srcOrd="2" destOrd="0" presId="urn:microsoft.com/office/officeart/2018/2/layout/IconVerticalSolidList"/>
+    <dgm:cxn modelId="{FB0B2903-A026-4C61-BA86-F29F360984DC}" type="presParOf" srcId="{361ED16C-17AB-4739-A485-8E9D8DF61570}" destId="{300BCCEF-B889-4CC1-B069-BFBC9C804223}" srcOrd="3" destOrd="0" presId="urn:microsoft.com/office/officeart/2018/2/layout/IconVerticalSolidList"/>
+    <dgm:cxn modelId="{E0430887-8808-4F47-B154-4F058E93631D}" type="presParOf" srcId="{EF6D8A6D-1D61-4F4E-BF2A-90CB3444498E}" destId="{64CA433B-F7CB-42EF-A6C1-FB2826D29674}" srcOrd="11" destOrd="0" presId="urn:microsoft.com/office/officeart/2018/2/layout/IconVerticalSolidList"/>
+    <dgm:cxn modelId="{AD431835-9D2E-4655-A9EF-99242F3D444E}" type="presParOf" srcId="{EF6D8A6D-1D61-4F4E-BF2A-90CB3444498E}" destId="{BA90CCA5-ACB9-4622-B495-1483E5F9E26F}" srcOrd="12" destOrd="0" presId="urn:microsoft.com/office/officeart/2018/2/layout/IconVerticalSolidList"/>
+    <dgm:cxn modelId="{0DFFD3C7-4480-4C15-BBC5-D49AE717D47F}" type="presParOf" srcId="{BA90CCA5-ACB9-4622-B495-1483E5F9E26F}" destId="{414FD639-3828-4F2D-B196-33E42A474F17}" srcOrd="0" destOrd="0" presId="urn:microsoft.com/office/officeart/2018/2/layout/IconVerticalSolidList"/>
+    <dgm:cxn modelId="{51622CE7-268C-4E26-98CE-6D2E2E093AA2}" type="presParOf" srcId="{BA90CCA5-ACB9-4622-B495-1483E5F9E26F}" destId="{FA8EF468-0F05-47D1-BF52-1ABF20B4B8FF}" srcOrd="1" destOrd="0" presId="urn:microsoft.com/office/officeart/2018/2/layout/IconVerticalSolidList"/>
+    <dgm:cxn modelId="{C91D558D-D4EA-4807-A29C-6AD051D04463}" type="presParOf" srcId="{BA90CCA5-ACB9-4622-B495-1483E5F9E26F}" destId="{95C248AE-33CB-4836-B570-E0602A595028}" srcOrd="2" destOrd="0" presId="urn:microsoft.com/office/officeart/2018/2/layout/IconVerticalSolidList"/>
+    <dgm:cxn modelId="{BF504635-3EEC-4A9B-ADA2-B1E03FED82A0}" type="presParOf" srcId="{BA90CCA5-ACB9-4622-B495-1483E5F9E26F}" destId="{4ECD4FFA-DE63-4D09-A02E-1E228115A2E5}" srcOrd="3" destOrd="0" presId="urn:microsoft.com/office/officeart/2018/2/layout/IconVerticalSolidList"/>
+    <dgm:cxn modelId="{995D5F93-59B3-494C-B976-4D87E188C957}" type="presParOf" srcId="{EF6D8A6D-1D61-4F4E-BF2A-90CB3444498E}" destId="{FEE50CD6-5EB6-4F65-B209-2B0CA0618146}" srcOrd="13" destOrd="0" presId="urn:microsoft.com/office/officeart/2018/2/layout/IconVerticalSolidList"/>
+    <dgm:cxn modelId="{51823643-E9C2-486C-80A8-F2F76482BA65}" type="presParOf" srcId="{EF6D8A6D-1D61-4F4E-BF2A-90CB3444498E}" destId="{75648B2C-5C61-4F4E-9609-65454C982762}" srcOrd="14" destOrd="0" presId="urn:microsoft.com/office/officeart/2018/2/layout/IconVerticalSolidList"/>
+    <dgm:cxn modelId="{F606FC57-5038-48F9-9564-9F8BE4B118BD}" type="presParOf" srcId="{75648B2C-5C61-4F4E-9609-65454C982762}" destId="{0FFB3D37-6A68-4C82-809A-31803EC61E38}" srcOrd="0" destOrd="0" presId="urn:microsoft.com/office/officeart/2018/2/layout/IconVerticalSolidList"/>
+    <dgm:cxn modelId="{88B6DEBC-774E-407D-B005-3CF93964126B}" type="presParOf" srcId="{75648B2C-5C61-4F4E-9609-65454C982762}" destId="{5AD8B6F7-204A-4668-895C-D6608C74D104}" srcOrd="1" destOrd="0" presId="urn:microsoft.com/office/officeart/2018/2/layout/IconVerticalSolidList"/>
+    <dgm:cxn modelId="{25BF3B2F-0B2F-4CFD-ABBB-A87A6C63F0B1}" type="presParOf" srcId="{75648B2C-5C61-4F4E-9609-65454C982762}" destId="{D8F1672C-53F0-4B27-A081-A6A850C35F19}" srcOrd="2" destOrd="0" presId="urn:microsoft.com/office/officeart/2018/2/layout/IconVerticalSolidList"/>
+    <dgm:cxn modelId="{F73AD025-B7BF-4348-8D3B-B2FA66720240}" type="presParOf" srcId="{75648B2C-5C61-4F4E-9609-65454C982762}" destId="{E33A7080-6325-48E9-840F-3CC0318C261D}" srcOrd="3" destOrd="0" presId="urn:microsoft.com/office/officeart/2018/2/layout/IconVerticalSolidList"/>
   </dgm:cxnLst>
   <dgm:bg/>
   <dgm:whole/>
@@ -1558,6 +3150,1234 @@
 </dsp:drawing>
 </file>
 
+<file path=ppt/diagrams/drawing2.xml><?xml version="1.0" encoding="utf-8"?>
+<dsp:drawing xmlns:dgm="http://schemas.openxmlformats.org/drawingml/2006/diagram" xmlns:dsp="http://schemas.microsoft.com/office/drawing/2008/diagram" xmlns:a="http://schemas.openxmlformats.org/drawingml/2006/main">
+  <dsp:spTree>
+    <dsp:nvGrpSpPr>
+      <dsp:cNvPr id="0" name=""/>
+      <dsp:cNvGrpSpPr/>
+    </dsp:nvGrpSpPr>
+    <dsp:grpSpPr/>
+    <dsp:sp modelId="{75D7B246-9391-4040-AF90-F8D88D0A7E37}">
+      <dsp:nvSpPr>
+        <dsp:cNvPr id="0" name=""/>
+        <dsp:cNvSpPr/>
+      </dsp:nvSpPr>
+      <dsp:spPr>
+        <a:xfrm>
+          <a:off x="0" y="682"/>
+          <a:ext cx="6245265" cy="573126"/>
+        </a:xfrm>
+        <a:prstGeom prst="roundRect">
+          <a:avLst>
+            <a:gd name="adj" fmla="val 10000"/>
+          </a:avLst>
+        </a:prstGeom>
+        <a:solidFill>
+          <a:schemeClr val="bg1">
+            <a:lumMod val="95000"/>
+            <a:hueOff val="0"/>
+            <a:satOff val="0"/>
+            <a:lumOff val="0"/>
+            <a:alphaOff val="0"/>
+          </a:schemeClr>
+        </a:solidFill>
+        <a:ln>
+          <a:noFill/>
+        </a:ln>
+        <a:effectLst/>
+      </dsp:spPr>
+      <dsp:style>
+        <a:lnRef idx="0">
+          <a:scrgbClr r="0" g="0" b="0"/>
+        </a:lnRef>
+        <a:fillRef idx="1">
+          <a:scrgbClr r="0" g="0" b="0"/>
+        </a:fillRef>
+        <a:effectRef idx="0">
+          <a:scrgbClr r="0" g="0" b="0"/>
+        </a:effectRef>
+        <a:fontRef idx="minor"/>
+      </dsp:style>
+    </dsp:sp>
+    <dsp:sp modelId="{7191202F-C646-479D-A629-1ECA84CA6257}">
+      <dsp:nvSpPr>
+        <dsp:cNvPr id="0" name=""/>
+        <dsp:cNvSpPr/>
+      </dsp:nvSpPr>
+      <dsp:spPr>
+        <a:xfrm>
+          <a:off x="173370" y="129635"/>
+          <a:ext cx="315219" cy="315219"/>
+        </a:xfrm>
+        <a:prstGeom prst="rect">
+          <a:avLst/>
+        </a:prstGeom>
+        <a:blipFill>
+          <a:blip xmlns:r="http://schemas.openxmlformats.org/officeDocument/2006/relationships" r:embed="rId1">
+            <a:extLst>
+              <a:ext uri="{28A0092B-C50C-407E-A947-70E740481C1C}">
+                <a14:useLocalDpi xmlns:a14="http://schemas.microsoft.com/office/drawing/2010/main" val="0"/>
+              </a:ext>
+              <a:ext uri="{96DAC541-7B7A-43D3-8B79-37D633B846F1}">
+                <asvg:svgBlip xmlns:asvg="http://schemas.microsoft.com/office/drawing/2016/SVG/main" r:embed="rId2"/>
+              </a:ext>
+            </a:extLst>
+          </a:blip>
+          <a:stretch>
+            <a:fillRect/>
+          </a:stretch>
+        </a:blipFill>
+        <a:ln w="19050" cap="flat" cmpd="sng" algn="ctr">
+          <a:noFill/>
+          <a:prstDash val="solid"/>
+          <a:miter lim="800000"/>
+        </a:ln>
+        <a:effectLst/>
+      </dsp:spPr>
+      <dsp:style>
+        <a:lnRef idx="2">
+          <a:scrgbClr r="0" g="0" b="0"/>
+        </a:lnRef>
+        <a:fillRef idx="1">
+          <a:scrgbClr r="0" g="0" b="0"/>
+        </a:fillRef>
+        <a:effectRef idx="0">
+          <a:scrgbClr r="0" g="0" b="0"/>
+        </a:effectRef>
+        <a:fontRef idx="minor">
+          <a:schemeClr val="lt1"/>
+        </a:fontRef>
+      </dsp:style>
+    </dsp:sp>
+    <dsp:sp modelId="{3B231B00-5CFA-4941-9CD4-425C4656602B}">
+      <dsp:nvSpPr>
+        <dsp:cNvPr id="0" name=""/>
+        <dsp:cNvSpPr/>
+      </dsp:nvSpPr>
+      <dsp:spPr>
+        <a:xfrm>
+          <a:off x="661960" y="682"/>
+          <a:ext cx="5583304" cy="573126"/>
+        </a:xfrm>
+        <a:prstGeom prst="rect">
+          <a:avLst/>
+        </a:prstGeom>
+        <a:noFill/>
+        <a:ln>
+          <a:noFill/>
+        </a:ln>
+        <a:effectLst/>
+      </dsp:spPr>
+      <dsp:style>
+        <a:lnRef idx="0">
+          <a:scrgbClr r="0" g="0" b="0"/>
+        </a:lnRef>
+        <a:fillRef idx="0">
+          <a:scrgbClr r="0" g="0" b="0"/>
+        </a:fillRef>
+        <a:effectRef idx="0">
+          <a:scrgbClr r="0" g="0" b="0"/>
+        </a:effectRef>
+        <a:fontRef idx="minor"/>
+      </dsp:style>
+      <dsp:txBody>
+        <a:bodyPr spcFirstLastPara="0" vert="horz" wrap="square" lIns="60656" tIns="60656" rIns="60656" bIns="60656" numCol="1" spcCol="1270" anchor="ctr" anchorCtr="0">
+          <a:noAutofit/>
+        </a:bodyPr>
+        <a:lstStyle/>
+        <a:p>
+          <a:pPr marL="0" lvl="0" indent="0" algn="l" defTabSz="711200">
+            <a:lnSpc>
+              <a:spcPct val="90000"/>
+            </a:lnSpc>
+            <a:spcBef>
+              <a:spcPct val="0"/>
+            </a:spcBef>
+            <a:spcAft>
+              <a:spcPct val="35000"/>
+            </a:spcAft>
+            <a:buNone/>
+          </a:pPr>
+          <a:r>
+            <a:rPr lang="en-US" sz="1600" kern="1200"/>
+            <a:t>Client ID</a:t>
+          </a:r>
+        </a:p>
+      </dsp:txBody>
+      <dsp:txXfrm>
+        <a:off x="661960" y="682"/>
+        <a:ext cx="5583304" cy="573126"/>
+      </dsp:txXfrm>
+    </dsp:sp>
+    <dsp:sp modelId="{52CDED6F-8905-4460-ADF6-721853C36434}">
+      <dsp:nvSpPr>
+        <dsp:cNvPr id="0" name=""/>
+        <dsp:cNvSpPr/>
+      </dsp:nvSpPr>
+      <dsp:spPr>
+        <a:xfrm>
+          <a:off x="0" y="717090"/>
+          <a:ext cx="6245265" cy="573126"/>
+        </a:xfrm>
+        <a:prstGeom prst="roundRect">
+          <a:avLst>
+            <a:gd name="adj" fmla="val 10000"/>
+          </a:avLst>
+        </a:prstGeom>
+        <a:solidFill>
+          <a:schemeClr val="bg1">
+            <a:lumMod val="95000"/>
+            <a:hueOff val="0"/>
+            <a:satOff val="0"/>
+            <a:lumOff val="0"/>
+            <a:alphaOff val="0"/>
+          </a:schemeClr>
+        </a:solidFill>
+        <a:ln>
+          <a:noFill/>
+        </a:ln>
+        <a:effectLst/>
+      </dsp:spPr>
+      <dsp:style>
+        <a:lnRef idx="0">
+          <a:scrgbClr r="0" g="0" b="0"/>
+        </a:lnRef>
+        <a:fillRef idx="1">
+          <a:scrgbClr r="0" g="0" b="0"/>
+        </a:fillRef>
+        <a:effectRef idx="0">
+          <a:scrgbClr r="0" g="0" b="0"/>
+        </a:effectRef>
+        <a:fontRef idx="minor"/>
+      </dsp:style>
+    </dsp:sp>
+    <dsp:sp modelId="{E72869BE-56AD-490A-935F-604A9709055B}">
+      <dsp:nvSpPr>
+        <dsp:cNvPr id="0" name=""/>
+        <dsp:cNvSpPr/>
+      </dsp:nvSpPr>
+      <dsp:spPr>
+        <a:xfrm>
+          <a:off x="173370" y="846043"/>
+          <a:ext cx="315219" cy="315219"/>
+        </a:xfrm>
+        <a:prstGeom prst="rect">
+          <a:avLst/>
+        </a:prstGeom>
+        <a:blipFill>
+          <a:blip xmlns:r="http://schemas.openxmlformats.org/officeDocument/2006/relationships" r:embed="rId3">
+            <a:extLst>
+              <a:ext uri="{28A0092B-C50C-407E-A947-70E740481C1C}">
+                <a14:useLocalDpi xmlns:a14="http://schemas.microsoft.com/office/drawing/2010/main" val="0"/>
+              </a:ext>
+              <a:ext uri="{96DAC541-7B7A-43D3-8B79-37D633B846F1}">
+                <asvg:svgBlip xmlns:asvg="http://schemas.microsoft.com/office/drawing/2016/SVG/main" r:embed="rId4"/>
+              </a:ext>
+            </a:extLst>
+          </a:blip>
+          <a:stretch>
+            <a:fillRect/>
+          </a:stretch>
+        </a:blipFill>
+        <a:ln w="19050" cap="flat" cmpd="sng" algn="ctr">
+          <a:noFill/>
+          <a:prstDash val="solid"/>
+          <a:miter lim="800000"/>
+        </a:ln>
+        <a:effectLst/>
+      </dsp:spPr>
+      <dsp:style>
+        <a:lnRef idx="2">
+          <a:scrgbClr r="0" g="0" b="0"/>
+        </a:lnRef>
+        <a:fillRef idx="1">
+          <a:scrgbClr r="0" g="0" b="0"/>
+        </a:fillRef>
+        <a:effectRef idx="0">
+          <a:scrgbClr r="0" g="0" b="0"/>
+        </a:effectRef>
+        <a:fontRef idx="minor">
+          <a:schemeClr val="lt1"/>
+        </a:fontRef>
+      </dsp:style>
+    </dsp:sp>
+    <dsp:sp modelId="{596C3050-1F6B-4217-8A3B-06E6D20A04EB}">
+      <dsp:nvSpPr>
+        <dsp:cNvPr id="0" name=""/>
+        <dsp:cNvSpPr/>
+      </dsp:nvSpPr>
+      <dsp:spPr>
+        <a:xfrm>
+          <a:off x="661960" y="717090"/>
+          <a:ext cx="5583304" cy="573126"/>
+        </a:xfrm>
+        <a:prstGeom prst="rect">
+          <a:avLst/>
+        </a:prstGeom>
+        <a:noFill/>
+        <a:ln>
+          <a:noFill/>
+        </a:ln>
+        <a:effectLst/>
+      </dsp:spPr>
+      <dsp:style>
+        <a:lnRef idx="0">
+          <a:scrgbClr r="0" g="0" b="0"/>
+        </a:lnRef>
+        <a:fillRef idx="0">
+          <a:scrgbClr r="0" g="0" b="0"/>
+        </a:fillRef>
+        <a:effectRef idx="0">
+          <a:scrgbClr r="0" g="0" b="0"/>
+        </a:effectRef>
+        <a:fontRef idx="minor"/>
+      </dsp:style>
+      <dsp:txBody>
+        <a:bodyPr spcFirstLastPara="0" vert="horz" wrap="square" lIns="60656" tIns="60656" rIns="60656" bIns="60656" numCol="1" spcCol="1270" anchor="ctr" anchorCtr="0">
+          <a:noAutofit/>
+        </a:bodyPr>
+        <a:lstStyle/>
+        <a:p>
+          <a:pPr marL="0" lvl="0" indent="0" algn="l" defTabSz="711200">
+            <a:lnSpc>
+              <a:spcPct val="90000"/>
+            </a:lnSpc>
+            <a:spcBef>
+              <a:spcPct val="0"/>
+            </a:spcBef>
+            <a:spcAft>
+              <a:spcPct val="35000"/>
+            </a:spcAft>
+            <a:buNone/>
+          </a:pPr>
+          <a:r>
+            <a:rPr lang="en-US" sz="1600" kern="1200"/>
+            <a:t>Product ID</a:t>
+          </a:r>
+        </a:p>
+      </dsp:txBody>
+      <dsp:txXfrm>
+        <a:off x="661960" y="717090"/>
+        <a:ext cx="5583304" cy="573126"/>
+      </dsp:txXfrm>
+    </dsp:sp>
+    <dsp:sp modelId="{7AC661C0-C8E7-4213-87A7-EAA85BADD4F6}">
+      <dsp:nvSpPr>
+        <dsp:cNvPr id="0" name=""/>
+        <dsp:cNvSpPr/>
+      </dsp:nvSpPr>
+      <dsp:spPr>
+        <a:xfrm>
+          <a:off x="0" y="1433498"/>
+          <a:ext cx="6245265" cy="573126"/>
+        </a:xfrm>
+        <a:prstGeom prst="roundRect">
+          <a:avLst>
+            <a:gd name="adj" fmla="val 10000"/>
+          </a:avLst>
+        </a:prstGeom>
+        <a:solidFill>
+          <a:schemeClr val="bg1">
+            <a:lumMod val="95000"/>
+            <a:hueOff val="0"/>
+            <a:satOff val="0"/>
+            <a:lumOff val="0"/>
+            <a:alphaOff val="0"/>
+          </a:schemeClr>
+        </a:solidFill>
+        <a:ln>
+          <a:noFill/>
+        </a:ln>
+        <a:effectLst/>
+      </dsp:spPr>
+      <dsp:style>
+        <a:lnRef idx="0">
+          <a:scrgbClr r="0" g="0" b="0"/>
+        </a:lnRef>
+        <a:fillRef idx="1">
+          <a:scrgbClr r="0" g="0" b="0"/>
+        </a:fillRef>
+        <a:effectRef idx="0">
+          <a:scrgbClr r="0" g="0" b="0"/>
+        </a:effectRef>
+        <a:fontRef idx="minor"/>
+      </dsp:style>
+    </dsp:sp>
+    <dsp:sp modelId="{EF34D06C-359A-49B9-87EC-18C7CBAEC30C}">
+      <dsp:nvSpPr>
+        <dsp:cNvPr id="0" name=""/>
+        <dsp:cNvSpPr/>
+      </dsp:nvSpPr>
+      <dsp:spPr>
+        <a:xfrm>
+          <a:off x="173370" y="1562451"/>
+          <a:ext cx="315219" cy="315219"/>
+        </a:xfrm>
+        <a:prstGeom prst="rect">
+          <a:avLst/>
+        </a:prstGeom>
+        <a:blipFill>
+          <a:blip xmlns:r="http://schemas.openxmlformats.org/officeDocument/2006/relationships" r:embed="rId5">
+            <a:extLst>
+              <a:ext uri="{28A0092B-C50C-407E-A947-70E740481C1C}">
+                <a14:useLocalDpi xmlns:a14="http://schemas.microsoft.com/office/drawing/2010/main" val="0"/>
+              </a:ext>
+              <a:ext uri="{96DAC541-7B7A-43D3-8B79-37D633B846F1}">
+                <asvg:svgBlip xmlns:asvg="http://schemas.microsoft.com/office/drawing/2016/SVG/main" r:embed="rId6"/>
+              </a:ext>
+            </a:extLst>
+          </a:blip>
+          <a:stretch>
+            <a:fillRect/>
+          </a:stretch>
+        </a:blipFill>
+        <a:ln w="19050" cap="flat" cmpd="sng" algn="ctr">
+          <a:noFill/>
+          <a:prstDash val="solid"/>
+          <a:miter lim="800000"/>
+        </a:ln>
+        <a:effectLst/>
+      </dsp:spPr>
+      <dsp:style>
+        <a:lnRef idx="2">
+          <a:scrgbClr r="0" g="0" b="0"/>
+        </a:lnRef>
+        <a:fillRef idx="1">
+          <a:scrgbClr r="0" g="0" b="0"/>
+        </a:fillRef>
+        <a:effectRef idx="0">
+          <a:scrgbClr r="0" g="0" b="0"/>
+        </a:effectRef>
+        <a:fontRef idx="minor">
+          <a:schemeClr val="lt1"/>
+        </a:fontRef>
+      </dsp:style>
+    </dsp:sp>
+    <dsp:sp modelId="{9BD638B6-BDC0-4B02-8094-23EEFFC2EBFD}">
+      <dsp:nvSpPr>
+        <dsp:cNvPr id="0" name=""/>
+        <dsp:cNvSpPr/>
+      </dsp:nvSpPr>
+      <dsp:spPr>
+        <a:xfrm>
+          <a:off x="661960" y="1433498"/>
+          <a:ext cx="5583304" cy="573126"/>
+        </a:xfrm>
+        <a:prstGeom prst="rect">
+          <a:avLst/>
+        </a:prstGeom>
+        <a:noFill/>
+        <a:ln>
+          <a:noFill/>
+        </a:ln>
+        <a:effectLst/>
+      </dsp:spPr>
+      <dsp:style>
+        <a:lnRef idx="0">
+          <a:scrgbClr r="0" g="0" b="0"/>
+        </a:lnRef>
+        <a:fillRef idx="0">
+          <a:scrgbClr r="0" g="0" b="0"/>
+        </a:fillRef>
+        <a:effectRef idx="0">
+          <a:scrgbClr r="0" g="0" b="0"/>
+        </a:effectRef>
+        <a:fontRef idx="minor"/>
+      </dsp:style>
+      <dsp:txBody>
+        <a:bodyPr spcFirstLastPara="0" vert="horz" wrap="square" lIns="60656" tIns="60656" rIns="60656" bIns="60656" numCol="1" spcCol="1270" anchor="ctr" anchorCtr="0">
+          <a:noAutofit/>
+        </a:bodyPr>
+        <a:lstStyle/>
+        <a:p>
+          <a:pPr marL="0" lvl="0" indent="0" algn="l" defTabSz="711200">
+            <a:lnSpc>
+              <a:spcPct val="90000"/>
+            </a:lnSpc>
+            <a:spcBef>
+              <a:spcPct val="0"/>
+            </a:spcBef>
+            <a:spcAft>
+              <a:spcPct val="35000"/>
+            </a:spcAft>
+            <a:buNone/>
+          </a:pPr>
+          <a:r>
+            <a:rPr lang="en-US" sz="1600" kern="1200"/>
+            <a:t>Route ID</a:t>
+          </a:r>
+        </a:p>
+      </dsp:txBody>
+      <dsp:txXfrm>
+        <a:off x="661960" y="1433498"/>
+        <a:ext cx="5583304" cy="573126"/>
+      </dsp:txXfrm>
+    </dsp:sp>
+    <dsp:sp modelId="{2DE523A4-A619-4221-8379-C8558715AD03}">
+      <dsp:nvSpPr>
+        <dsp:cNvPr id="0" name=""/>
+        <dsp:cNvSpPr/>
+      </dsp:nvSpPr>
+      <dsp:spPr>
+        <a:xfrm>
+          <a:off x="0" y="2149906"/>
+          <a:ext cx="6245265" cy="573126"/>
+        </a:xfrm>
+        <a:prstGeom prst="roundRect">
+          <a:avLst>
+            <a:gd name="adj" fmla="val 10000"/>
+          </a:avLst>
+        </a:prstGeom>
+        <a:solidFill>
+          <a:schemeClr val="bg1">
+            <a:lumMod val="95000"/>
+            <a:hueOff val="0"/>
+            <a:satOff val="0"/>
+            <a:lumOff val="0"/>
+            <a:alphaOff val="0"/>
+          </a:schemeClr>
+        </a:solidFill>
+        <a:ln>
+          <a:noFill/>
+        </a:ln>
+        <a:effectLst/>
+      </dsp:spPr>
+      <dsp:style>
+        <a:lnRef idx="0">
+          <a:scrgbClr r="0" g="0" b="0"/>
+        </a:lnRef>
+        <a:fillRef idx="1">
+          <a:scrgbClr r="0" g="0" b="0"/>
+        </a:fillRef>
+        <a:effectRef idx="0">
+          <a:scrgbClr r="0" g="0" b="0"/>
+        </a:effectRef>
+        <a:fontRef idx="minor"/>
+      </dsp:style>
+    </dsp:sp>
+    <dsp:sp modelId="{F74220A7-E125-4BDE-B220-9981A15FAA25}">
+      <dsp:nvSpPr>
+        <dsp:cNvPr id="0" name=""/>
+        <dsp:cNvSpPr/>
+      </dsp:nvSpPr>
+      <dsp:spPr>
+        <a:xfrm>
+          <a:off x="173370" y="2278859"/>
+          <a:ext cx="315219" cy="315219"/>
+        </a:xfrm>
+        <a:prstGeom prst="rect">
+          <a:avLst/>
+        </a:prstGeom>
+        <a:blipFill>
+          <a:blip xmlns:r="http://schemas.openxmlformats.org/officeDocument/2006/relationships" r:embed="rId7">
+            <a:extLst>
+              <a:ext uri="{28A0092B-C50C-407E-A947-70E740481C1C}">
+                <a14:useLocalDpi xmlns:a14="http://schemas.microsoft.com/office/drawing/2010/main" val="0"/>
+              </a:ext>
+              <a:ext uri="{96DAC541-7B7A-43D3-8B79-37D633B846F1}">
+                <asvg:svgBlip xmlns:asvg="http://schemas.microsoft.com/office/drawing/2016/SVG/main" r:embed="rId8"/>
+              </a:ext>
+            </a:extLst>
+          </a:blip>
+          <a:stretch>
+            <a:fillRect/>
+          </a:stretch>
+        </a:blipFill>
+        <a:ln w="19050" cap="flat" cmpd="sng" algn="ctr">
+          <a:noFill/>
+          <a:prstDash val="solid"/>
+          <a:miter lim="800000"/>
+        </a:ln>
+        <a:effectLst/>
+      </dsp:spPr>
+      <dsp:style>
+        <a:lnRef idx="2">
+          <a:scrgbClr r="0" g="0" b="0"/>
+        </a:lnRef>
+        <a:fillRef idx="1">
+          <a:scrgbClr r="0" g="0" b="0"/>
+        </a:fillRef>
+        <a:effectRef idx="0">
+          <a:scrgbClr r="0" g="0" b="0"/>
+        </a:effectRef>
+        <a:fontRef idx="minor">
+          <a:schemeClr val="lt1"/>
+        </a:fontRef>
+      </dsp:style>
+    </dsp:sp>
+    <dsp:sp modelId="{F3CC4559-AF8D-4B37-89AE-9D8461AF314B}">
+      <dsp:nvSpPr>
+        <dsp:cNvPr id="0" name=""/>
+        <dsp:cNvSpPr/>
+      </dsp:nvSpPr>
+      <dsp:spPr>
+        <a:xfrm>
+          <a:off x="661960" y="2149906"/>
+          <a:ext cx="5583304" cy="573126"/>
+        </a:xfrm>
+        <a:prstGeom prst="rect">
+          <a:avLst/>
+        </a:prstGeom>
+        <a:noFill/>
+        <a:ln>
+          <a:noFill/>
+        </a:ln>
+        <a:effectLst/>
+      </dsp:spPr>
+      <dsp:style>
+        <a:lnRef idx="0">
+          <a:scrgbClr r="0" g="0" b="0"/>
+        </a:lnRef>
+        <a:fillRef idx="0">
+          <a:scrgbClr r="0" g="0" b="0"/>
+        </a:fillRef>
+        <a:effectRef idx="0">
+          <a:scrgbClr r="0" g="0" b="0"/>
+        </a:effectRef>
+        <a:fontRef idx="minor"/>
+      </dsp:style>
+      <dsp:txBody>
+        <a:bodyPr spcFirstLastPara="0" vert="horz" wrap="square" lIns="60656" tIns="60656" rIns="60656" bIns="60656" numCol="1" spcCol="1270" anchor="ctr" anchorCtr="0">
+          <a:noAutofit/>
+        </a:bodyPr>
+        <a:lstStyle/>
+        <a:p>
+          <a:pPr marL="0" lvl="0" indent="0" algn="l" defTabSz="711200">
+            <a:lnSpc>
+              <a:spcPct val="90000"/>
+            </a:lnSpc>
+            <a:spcBef>
+              <a:spcPct val="0"/>
+            </a:spcBef>
+            <a:spcAft>
+              <a:spcPct val="35000"/>
+            </a:spcAft>
+            <a:buNone/>
+          </a:pPr>
+          <a:r>
+            <a:rPr lang="en-US" sz="1600" kern="1200"/>
+            <a:t>Sales Depot ID</a:t>
+          </a:r>
+        </a:p>
+      </dsp:txBody>
+      <dsp:txXfrm>
+        <a:off x="661960" y="2149906"/>
+        <a:ext cx="5583304" cy="573126"/>
+      </dsp:txXfrm>
+    </dsp:sp>
+    <dsp:sp modelId="{9E0ED766-D292-40BB-A094-82914E4E0513}">
+      <dsp:nvSpPr>
+        <dsp:cNvPr id="0" name=""/>
+        <dsp:cNvSpPr/>
+      </dsp:nvSpPr>
+      <dsp:spPr>
+        <a:xfrm>
+          <a:off x="0" y="2866314"/>
+          <a:ext cx="6245265" cy="573126"/>
+        </a:xfrm>
+        <a:prstGeom prst="roundRect">
+          <a:avLst>
+            <a:gd name="adj" fmla="val 10000"/>
+          </a:avLst>
+        </a:prstGeom>
+        <a:solidFill>
+          <a:schemeClr val="bg1">
+            <a:lumMod val="95000"/>
+            <a:hueOff val="0"/>
+            <a:satOff val="0"/>
+            <a:lumOff val="0"/>
+            <a:alphaOff val="0"/>
+          </a:schemeClr>
+        </a:solidFill>
+        <a:ln>
+          <a:noFill/>
+        </a:ln>
+        <a:effectLst/>
+      </dsp:spPr>
+      <dsp:style>
+        <a:lnRef idx="0">
+          <a:scrgbClr r="0" g="0" b="0"/>
+        </a:lnRef>
+        <a:fillRef idx="1">
+          <a:scrgbClr r="0" g="0" b="0"/>
+        </a:fillRef>
+        <a:effectRef idx="0">
+          <a:scrgbClr r="0" g="0" b="0"/>
+        </a:effectRef>
+        <a:fontRef idx="minor"/>
+      </dsp:style>
+    </dsp:sp>
+    <dsp:sp modelId="{C424E4B0-0D23-4B4F-B200-61D6BED75357}">
+      <dsp:nvSpPr>
+        <dsp:cNvPr id="0" name=""/>
+        <dsp:cNvSpPr/>
+      </dsp:nvSpPr>
+      <dsp:spPr>
+        <a:xfrm>
+          <a:off x="173370" y="2995267"/>
+          <a:ext cx="315219" cy="315219"/>
+        </a:xfrm>
+        <a:prstGeom prst="rect">
+          <a:avLst/>
+        </a:prstGeom>
+        <a:blipFill>
+          <a:blip xmlns:r="http://schemas.openxmlformats.org/officeDocument/2006/relationships" r:embed="rId9">
+            <a:extLst>
+              <a:ext uri="{28A0092B-C50C-407E-A947-70E740481C1C}">
+                <a14:useLocalDpi xmlns:a14="http://schemas.microsoft.com/office/drawing/2010/main" val="0"/>
+              </a:ext>
+              <a:ext uri="{96DAC541-7B7A-43D3-8B79-37D633B846F1}">
+                <asvg:svgBlip xmlns:asvg="http://schemas.microsoft.com/office/drawing/2016/SVG/main" r:embed="rId10"/>
+              </a:ext>
+            </a:extLst>
+          </a:blip>
+          <a:stretch>
+            <a:fillRect/>
+          </a:stretch>
+        </a:blipFill>
+        <a:ln w="19050" cap="flat" cmpd="sng" algn="ctr">
+          <a:noFill/>
+          <a:prstDash val="solid"/>
+          <a:miter lim="800000"/>
+        </a:ln>
+        <a:effectLst/>
+      </dsp:spPr>
+      <dsp:style>
+        <a:lnRef idx="2">
+          <a:scrgbClr r="0" g="0" b="0"/>
+        </a:lnRef>
+        <a:fillRef idx="1">
+          <a:scrgbClr r="0" g="0" b="0"/>
+        </a:fillRef>
+        <a:effectRef idx="0">
+          <a:scrgbClr r="0" g="0" b="0"/>
+        </a:effectRef>
+        <a:fontRef idx="minor">
+          <a:schemeClr val="lt1"/>
+        </a:fontRef>
+      </dsp:style>
+    </dsp:sp>
+    <dsp:sp modelId="{6543533E-63F6-4AAC-8281-040FD0B7A801}">
+      <dsp:nvSpPr>
+        <dsp:cNvPr id="0" name=""/>
+        <dsp:cNvSpPr/>
+      </dsp:nvSpPr>
+      <dsp:spPr>
+        <a:xfrm>
+          <a:off x="661960" y="2866314"/>
+          <a:ext cx="5583304" cy="573126"/>
+        </a:xfrm>
+        <a:prstGeom prst="rect">
+          <a:avLst/>
+        </a:prstGeom>
+        <a:noFill/>
+        <a:ln>
+          <a:noFill/>
+        </a:ln>
+        <a:effectLst/>
+      </dsp:spPr>
+      <dsp:style>
+        <a:lnRef idx="0">
+          <a:scrgbClr r="0" g="0" b="0"/>
+        </a:lnRef>
+        <a:fillRef idx="0">
+          <a:scrgbClr r="0" g="0" b="0"/>
+        </a:fillRef>
+        <a:effectRef idx="0">
+          <a:scrgbClr r="0" g="0" b="0"/>
+        </a:effectRef>
+        <a:fontRef idx="minor"/>
+      </dsp:style>
+      <dsp:txBody>
+        <a:bodyPr spcFirstLastPara="0" vert="horz" wrap="square" lIns="60656" tIns="60656" rIns="60656" bIns="60656" numCol="1" spcCol="1270" anchor="ctr" anchorCtr="0">
+          <a:noAutofit/>
+        </a:bodyPr>
+        <a:lstStyle/>
+        <a:p>
+          <a:pPr marL="0" lvl="0" indent="0" algn="l" defTabSz="711200">
+            <a:lnSpc>
+              <a:spcPct val="90000"/>
+            </a:lnSpc>
+            <a:spcBef>
+              <a:spcPct val="0"/>
+            </a:spcBef>
+            <a:spcAft>
+              <a:spcPct val="35000"/>
+            </a:spcAft>
+            <a:buNone/>
+          </a:pPr>
+          <a:r>
+            <a:rPr lang="en-US" sz="1600" kern="1200"/>
+            <a:t>Sold units and value</a:t>
+          </a:r>
+        </a:p>
+      </dsp:txBody>
+      <dsp:txXfrm>
+        <a:off x="661960" y="2866314"/>
+        <a:ext cx="5583304" cy="573126"/>
+      </dsp:txXfrm>
+    </dsp:sp>
+    <dsp:sp modelId="{557540A4-C243-43EF-A3A4-0B35A5E8E475}">
+      <dsp:nvSpPr>
+        <dsp:cNvPr id="0" name=""/>
+        <dsp:cNvSpPr/>
+      </dsp:nvSpPr>
+      <dsp:spPr>
+        <a:xfrm>
+          <a:off x="0" y="3582722"/>
+          <a:ext cx="6245265" cy="573126"/>
+        </a:xfrm>
+        <a:prstGeom prst="roundRect">
+          <a:avLst>
+            <a:gd name="adj" fmla="val 10000"/>
+          </a:avLst>
+        </a:prstGeom>
+        <a:solidFill>
+          <a:schemeClr val="bg1">
+            <a:lumMod val="95000"/>
+            <a:hueOff val="0"/>
+            <a:satOff val="0"/>
+            <a:lumOff val="0"/>
+            <a:alphaOff val="0"/>
+          </a:schemeClr>
+        </a:solidFill>
+        <a:ln>
+          <a:noFill/>
+        </a:ln>
+        <a:effectLst/>
+      </dsp:spPr>
+      <dsp:style>
+        <a:lnRef idx="0">
+          <a:scrgbClr r="0" g="0" b="0"/>
+        </a:lnRef>
+        <a:fillRef idx="1">
+          <a:scrgbClr r="0" g="0" b="0"/>
+        </a:fillRef>
+        <a:effectRef idx="0">
+          <a:scrgbClr r="0" g="0" b="0"/>
+        </a:effectRef>
+        <a:fontRef idx="minor"/>
+      </dsp:style>
+    </dsp:sp>
+    <dsp:sp modelId="{070DECAA-9DEA-4D8D-8E6B-74CA727B665C}">
+      <dsp:nvSpPr>
+        <dsp:cNvPr id="0" name=""/>
+        <dsp:cNvSpPr/>
+      </dsp:nvSpPr>
+      <dsp:spPr>
+        <a:xfrm>
+          <a:off x="173370" y="3711675"/>
+          <a:ext cx="315219" cy="315219"/>
+        </a:xfrm>
+        <a:prstGeom prst="rect">
+          <a:avLst/>
+        </a:prstGeom>
+        <a:blipFill>
+          <a:blip xmlns:r="http://schemas.openxmlformats.org/officeDocument/2006/relationships" r:embed="rId11">
+            <a:extLst>
+              <a:ext uri="{28A0092B-C50C-407E-A947-70E740481C1C}">
+                <a14:useLocalDpi xmlns:a14="http://schemas.microsoft.com/office/drawing/2010/main" val="0"/>
+              </a:ext>
+              <a:ext uri="{96DAC541-7B7A-43D3-8B79-37D633B846F1}">
+                <asvg:svgBlip xmlns:asvg="http://schemas.microsoft.com/office/drawing/2016/SVG/main" r:embed="rId12"/>
+              </a:ext>
+            </a:extLst>
+          </a:blip>
+          <a:stretch>
+            <a:fillRect/>
+          </a:stretch>
+        </a:blipFill>
+        <a:ln w="19050" cap="flat" cmpd="sng" algn="ctr">
+          <a:noFill/>
+          <a:prstDash val="solid"/>
+          <a:miter lim="800000"/>
+        </a:ln>
+        <a:effectLst/>
+      </dsp:spPr>
+      <dsp:style>
+        <a:lnRef idx="2">
+          <a:scrgbClr r="0" g="0" b="0"/>
+        </a:lnRef>
+        <a:fillRef idx="1">
+          <a:scrgbClr r="0" g="0" b="0"/>
+        </a:fillRef>
+        <a:effectRef idx="0">
+          <a:scrgbClr r="0" g="0" b="0"/>
+        </a:effectRef>
+        <a:fontRef idx="minor">
+          <a:schemeClr val="lt1"/>
+        </a:fontRef>
+      </dsp:style>
+    </dsp:sp>
+    <dsp:sp modelId="{300BCCEF-B889-4CC1-B069-BFBC9C804223}">
+      <dsp:nvSpPr>
+        <dsp:cNvPr id="0" name=""/>
+        <dsp:cNvSpPr/>
+      </dsp:nvSpPr>
+      <dsp:spPr>
+        <a:xfrm>
+          <a:off x="661960" y="3582722"/>
+          <a:ext cx="5583304" cy="573126"/>
+        </a:xfrm>
+        <a:prstGeom prst="rect">
+          <a:avLst/>
+        </a:prstGeom>
+        <a:noFill/>
+        <a:ln>
+          <a:noFill/>
+        </a:ln>
+        <a:effectLst/>
+      </dsp:spPr>
+      <dsp:style>
+        <a:lnRef idx="0">
+          <a:scrgbClr r="0" g="0" b="0"/>
+        </a:lnRef>
+        <a:fillRef idx="0">
+          <a:scrgbClr r="0" g="0" b="0"/>
+        </a:fillRef>
+        <a:effectRef idx="0">
+          <a:scrgbClr r="0" g="0" b="0"/>
+        </a:effectRef>
+        <a:fontRef idx="minor"/>
+      </dsp:style>
+      <dsp:txBody>
+        <a:bodyPr spcFirstLastPara="0" vert="horz" wrap="square" lIns="60656" tIns="60656" rIns="60656" bIns="60656" numCol="1" spcCol="1270" anchor="ctr" anchorCtr="0">
+          <a:noAutofit/>
+        </a:bodyPr>
+        <a:lstStyle/>
+        <a:p>
+          <a:pPr marL="0" lvl="0" indent="0" algn="l" defTabSz="711200">
+            <a:lnSpc>
+              <a:spcPct val="90000"/>
+            </a:lnSpc>
+            <a:spcBef>
+              <a:spcPct val="0"/>
+            </a:spcBef>
+            <a:spcAft>
+              <a:spcPct val="35000"/>
+            </a:spcAft>
+            <a:buNone/>
+          </a:pPr>
+          <a:r>
+            <a:rPr lang="en-US" sz="1600" kern="1200"/>
+            <a:t>Returned units and value</a:t>
+          </a:r>
+        </a:p>
+      </dsp:txBody>
+      <dsp:txXfrm>
+        <a:off x="661960" y="3582722"/>
+        <a:ext cx="5583304" cy="573126"/>
+      </dsp:txXfrm>
+    </dsp:sp>
+    <dsp:sp modelId="{414FD639-3828-4F2D-B196-33E42A474F17}">
+      <dsp:nvSpPr>
+        <dsp:cNvPr id="0" name=""/>
+        <dsp:cNvSpPr/>
+      </dsp:nvSpPr>
+      <dsp:spPr>
+        <a:xfrm>
+          <a:off x="0" y="4299130"/>
+          <a:ext cx="6245265" cy="573126"/>
+        </a:xfrm>
+        <a:prstGeom prst="roundRect">
+          <a:avLst>
+            <a:gd name="adj" fmla="val 10000"/>
+          </a:avLst>
+        </a:prstGeom>
+        <a:solidFill>
+          <a:schemeClr val="bg1">
+            <a:lumMod val="95000"/>
+            <a:hueOff val="0"/>
+            <a:satOff val="0"/>
+            <a:lumOff val="0"/>
+            <a:alphaOff val="0"/>
+          </a:schemeClr>
+        </a:solidFill>
+        <a:ln>
+          <a:noFill/>
+        </a:ln>
+        <a:effectLst/>
+      </dsp:spPr>
+      <dsp:style>
+        <a:lnRef idx="0">
+          <a:scrgbClr r="0" g="0" b="0"/>
+        </a:lnRef>
+        <a:fillRef idx="1">
+          <a:scrgbClr r="0" g="0" b="0"/>
+        </a:fillRef>
+        <a:effectRef idx="0">
+          <a:scrgbClr r="0" g="0" b="0"/>
+        </a:effectRef>
+        <a:fontRef idx="minor"/>
+      </dsp:style>
+    </dsp:sp>
+    <dsp:sp modelId="{FA8EF468-0F05-47D1-BF52-1ABF20B4B8FF}">
+      <dsp:nvSpPr>
+        <dsp:cNvPr id="0" name=""/>
+        <dsp:cNvSpPr/>
+      </dsp:nvSpPr>
+      <dsp:spPr>
+        <a:xfrm>
+          <a:off x="173370" y="4428083"/>
+          <a:ext cx="315219" cy="315219"/>
+        </a:xfrm>
+        <a:prstGeom prst="rect">
+          <a:avLst/>
+        </a:prstGeom>
+        <a:blipFill>
+          <a:blip xmlns:r="http://schemas.openxmlformats.org/officeDocument/2006/relationships" r:embed="rId13">
+            <a:extLst>
+              <a:ext uri="{28A0092B-C50C-407E-A947-70E740481C1C}">
+                <a14:useLocalDpi xmlns:a14="http://schemas.microsoft.com/office/drawing/2010/main" val="0"/>
+              </a:ext>
+              <a:ext uri="{96DAC541-7B7A-43D3-8B79-37D633B846F1}">
+                <asvg:svgBlip xmlns:asvg="http://schemas.microsoft.com/office/drawing/2016/SVG/main" r:embed="rId14"/>
+              </a:ext>
+            </a:extLst>
+          </a:blip>
+          <a:stretch>
+            <a:fillRect/>
+          </a:stretch>
+        </a:blipFill>
+        <a:ln w="19050" cap="flat" cmpd="sng" algn="ctr">
+          <a:noFill/>
+          <a:prstDash val="solid"/>
+          <a:miter lim="800000"/>
+        </a:ln>
+        <a:effectLst/>
+      </dsp:spPr>
+      <dsp:style>
+        <a:lnRef idx="2">
+          <a:scrgbClr r="0" g="0" b="0"/>
+        </a:lnRef>
+        <a:fillRef idx="1">
+          <a:scrgbClr r="0" g="0" b="0"/>
+        </a:fillRef>
+        <a:effectRef idx="0">
+          <a:scrgbClr r="0" g="0" b="0"/>
+        </a:effectRef>
+        <a:fontRef idx="minor">
+          <a:schemeClr val="lt1"/>
+        </a:fontRef>
+      </dsp:style>
+    </dsp:sp>
+    <dsp:sp modelId="{4ECD4FFA-DE63-4D09-A02E-1E228115A2E5}">
+      <dsp:nvSpPr>
+        <dsp:cNvPr id="0" name=""/>
+        <dsp:cNvSpPr/>
+      </dsp:nvSpPr>
+      <dsp:spPr>
+        <a:xfrm>
+          <a:off x="661960" y="4299130"/>
+          <a:ext cx="5583304" cy="573126"/>
+        </a:xfrm>
+        <a:prstGeom prst="rect">
+          <a:avLst/>
+        </a:prstGeom>
+        <a:noFill/>
+        <a:ln>
+          <a:noFill/>
+        </a:ln>
+        <a:effectLst/>
+      </dsp:spPr>
+      <dsp:style>
+        <a:lnRef idx="0">
+          <a:scrgbClr r="0" g="0" b="0"/>
+        </a:lnRef>
+        <a:fillRef idx="0">
+          <a:scrgbClr r="0" g="0" b="0"/>
+        </a:fillRef>
+        <a:effectRef idx="0">
+          <a:scrgbClr r="0" g="0" b="0"/>
+        </a:effectRef>
+        <a:fontRef idx="minor"/>
+      </dsp:style>
+      <dsp:txBody>
+        <a:bodyPr spcFirstLastPara="0" vert="horz" wrap="square" lIns="60656" tIns="60656" rIns="60656" bIns="60656" numCol="1" spcCol="1270" anchor="ctr" anchorCtr="0">
+          <a:noAutofit/>
+        </a:bodyPr>
+        <a:lstStyle/>
+        <a:p>
+          <a:pPr marL="0" lvl="0" indent="0" algn="l" defTabSz="711200">
+            <a:lnSpc>
+              <a:spcPct val="90000"/>
+            </a:lnSpc>
+            <a:spcBef>
+              <a:spcPct val="0"/>
+            </a:spcBef>
+            <a:spcAft>
+              <a:spcPct val="35000"/>
+            </a:spcAft>
+            <a:buNone/>
+          </a:pPr>
+          <a:r>
+            <a:rPr lang="en-US" sz="1600" kern="1200"/>
+            <a:t>Adjusted Demand</a:t>
+          </a:r>
+        </a:p>
+      </dsp:txBody>
+      <dsp:txXfrm>
+        <a:off x="661960" y="4299130"/>
+        <a:ext cx="5583304" cy="573126"/>
+      </dsp:txXfrm>
+    </dsp:sp>
+    <dsp:sp modelId="{0FFB3D37-6A68-4C82-809A-31803EC61E38}">
+      <dsp:nvSpPr>
+        <dsp:cNvPr id="0" name=""/>
+        <dsp:cNvSpPr/>
+      </dsp:nvSpPr>
+      <dsp:spPr>
+        <a:xfrm>
+          <a:off x="0" y="5015538"/>
+          <a:ext cx="6245265" cy="573126"/>
+        </a:xfrm>
+        <a:prstGeom prst="roundRect">
+          <a:avLst>
+            <a:gd name="adj" fmla="val 10000"/>
+          </a:avLst>
+        </a:prstGeom>
+        <a:solidFill>
+          <a:schemeClr val="bg1">
+            <a:lumMod val="95000"/>
+            <a:hueOff val="0"/>
+            <a:satOff val="0"/>
+            <a:lumOff val="0"/>
+            <a:alphaOff val="0"/>
+          </a:schemeClr>
+        </a:solidFill>
+        <a:ln>
+          <a:noFill/>
+        </a:ln>
+        <a:effectLst/>
+      </dsp:spPr>
+      <dsp:style>
+        <a:lnRef idx="0">
+          <a:scrgbClr r="0" g="0" b="0"/>
+        </a:lnRef>
+        <a:fillRef idx="1">
+          <a:scrgbClr r="0" g="0" b="0"/>
+        </a:fillRef>
+        <a:effectRef idx="0">
+          <a:scrgbClr r="0" g="0" b="0"/>
+        </a:effectRef>
+        <a:fontRef idx="minor"/>
+      </dsp:style>
+    </dsp:sp>
+    <dsp:sp modelId="{5AD8B6F7-204A-4668-895C-D6608C74D104}">
+      <dsp:nvSpPr>
+        <dsp:cNvPr id="0" name=""/>
+        <dsp:cNvSpPr/>
+      </dsp:nvSpPr>
+      <dsp:spPr>
+        <a:xfrm>
+          <a:off x="173370" y="5144491"/>
+          <a:ext cx="315219" cy="315219"/>
+        </a:xfrm>
+        <a:prstGeom prst="rect">
+          <a:avLst/>
+        </a:prstGeom>
+        <a:blipFill>
+          <a:blip xmlns:r="http://schemas.openxmlformats.org/officeDocument/2006/relationships" r:embed="rId15">
+            <a:extLst>
+              <a:ext uri="{28A0092B-C50C-407E-A947-70E740481C1C}">
+                <a14:useLocalDpi xmlns:a14="http://schemas.microsoft.com/office/drawing/2010/main" val="0"/>
+              </a:ext>
+              <a:ext uri="{96DAC541-7B7A-43D3-8B79-37D633B846F1}">
+                <asvg:svgBlip xmlns:asvg="http://schemas.microsoft.com/office/drawing/2016/SVG/main" r:embed="rId16"/>
+              </a:ext>
+            </a:extLst>
+          </a:blip>
+          <a:stretch>
+            <a:fillRect/>
+          </a:stretch>
+        </a:blipFill>
+        <a:ln w="19050" cap="flat" cmpd="sng" algn="ctr">
+          <a:noFill/>
+          <a:prstDash val="solid"/>
+          <a:miter lim="800000"/>
+        </a:ln>
+        <a:effectLst/>
+      </dsp:spPr>
+      <dsp:style>
+        <a:lnRef idx="2">
+          <a:scrgbClr r="0" g="0" b="0"/>
+        </a:lnRef>
+        <a:fillRef idx="1">
+          <a:scrgbClr r="0" g="0" b="0"/>
+        </a:fillRef>
+        <a:effectRef idx="0">
+          <a:scrgbClr r="0" g="0" b="0"/>
+        </a:effectRef>
+        <a:fontRef idx="minor">
+          <a:schemeClr val="lt1"/>
+        </a:fontRef>
+      </dsp:style>
+    </dsp:sp>
+    <dsp:sp modelId="{E33A7080-6325-48E9-840F-3CC0318C261D}">
+      <dsp:nvSpPr>
+        <dsp:cNvPr id="0" name=""/>
+        <dsp:cNvSpPr/>
+      </dsp:nvSpPr>
+      <dsp:spPr>
+        <a:xfrm>
+          <a:off x="661960" y="5015538"/>
+          <a:ext cx="5583304" cy="573126"/>
+        </a:xfrm>
+        <a:prstGeom prst="rect">
+          <a:avLst/>
+        </a:prstGeom>
+        <a:noFill/>
+        <a:ln>
+          <a:noFill/>
+        </a:ln>
+        <a:effectLst/>
+      </dsp:spPr>
+      <dsp:style>
+        <a:lnRef idx="0">
+          <a:scrgbClr r="0" g="0" b="0"/>
+        </a:lnRef>
+        <a:fillRef idx="0">
+          <a:scrgbClr r="0" g="0" b="0"/>
+        </a:fillRef>
+        <a:effectRef idx="0">
+          <a:scrgbClr r="0" g="0" b="0"/>
+        </a:effectRef>
+        <a:fontRef idx="minor"/>
+      </dsp:style>
+      <dsp:txBody>
+        <a:bodyPr spcFirstLastPara="0" vert="horz" wrap="square" lIns="60656" tIns="60656" rIns="60656" bIns="60656" numCol="1" spcCol="1270" anchor="ctr" anchorCtr="0">
+          <a:noAutofit/>
+        </a:bodyPr>
+        <a:lstStyle/>
+        <a:p>
+          <a:pPr marL="0" lvl="0" indent="0" algn="l" defTabSz="711200">
+            <a:lnSpc>
+              <a:spcPct val="90000"/>
+            </a:lnSpc>
+            <a:spcBef>
+              <a:spcPct val="0"/>
+            </a:spcBef>
+            <a:spcAft>
+              <a:spcPct val="35000"/>
+            </a:spcAft>
+            <a:buNone/>
+          </a:pPr>
+          <a:r>
+            <a:rPr lang="en-US" sz="1600" kern="1200"/>
+            <a:t>Town and State</a:t>
+          </a:r>
+        </a:p>
+      </dsp:txBody>
+      <dsp:txXfrm>
+        <a:off x="661960" y="5015538"/>
+        <a:ext cx="5583304" cy="573126"/>
+      </dsp:txXfrm>
+    </dsp:sp>
+  </dsp:spTree>
+</dsp:drawing>
+</file>
+
 <file path=ppt/diagrams/layout1.xml><?xml version="1.0" encoding="utf-8"?>
 <dgm:layoutDef xmlns:dgm="http://schemas.openxmlformats.org/drawingml/2006/diagram" xmlns:a="http://schemas.openxmlformats.org/drawingml/2006/main" uniqueId="urn:microsoft.com/office/officeart/2005/8/layout/vList2">
   <dgm:title val=""/>
@@ -1725,7 +4545,1335 @@
 </dgm:layoutDef>
 </file>
 
+<file path=ppt/diagrams/layout2.xml><?xml version="1.0" encoding="utf-8"?>
+<dgm:layoutDef xmlns:dgm="http://schemas.openxmlformats.org/drawingml/2006/diagram" xmlns:a="http://schemas.openxmlformats.org/drawingml/2006/main" uniqueId="urn:microsoft.com/office/officeart/2018/2/layout/IconVerticalSolidList">
+  <dgm:title val="Icon Vertical Solid List"/>
+  <dgm:desc val="Use to show a series of visuals from top to bottom with Level 1 or Level 1 and Level 2 text grouped in a shape. Works best with icons or small pictures with lengthier descriptions."/>
+  <dgm:catLst>
+    <dgm:cat type="icon" pri="500"/>
+  </dgm:catLst>
+  <dgm:sampData useDef="1">
+    <dgm:dataModel>
+      <dgm:ptLst/>
+      <dgm:bg/>
+      <dgm:whole/>
+    </dgm:dataModel>
+  </dgm:sampData>
+  <dgm:styleData useDef="1">
+    <dgm:dataModel>
+      <dgm:ptLst/>
+      <dgm:bg/>
+      <dgm:whole/>
+    </dgm:dataModel>
+  </dgm:styleData>
+  <dgm:clrData useDef="1">
+    <dgm:dataModel>
+      <dgm:ptLst/>
+      <dgm:bg/>
+      <dgm:whole/>
+    </dgm:dataModel>
+  </dgm:clrData>
+  <dgm:layoutNode name="root">
+    <dgm:varLst>
+      <dgm:dir/>
+      <dgm:resizeHandles val="exact"/>
+    </dgm:varLst>
+    <dgm:choose name="Name0">
+      <dgm:if name="Name1" axis="self" func="var" arg="dir" op="equ" val="norm">
+        <dgm:alg type="lin">
+          <dgm:param type="linDir" val="fromT"/>
+          <dgm:param type="nodeHorzAlign" val="l"/>
+        </dgm:alg>
+      </dgm:if>
+      <dgm:else name="Name2">
+        <dgm:alg type="lin">
+          <dgm:param type="linDir" val="fromT"/>
+          <dgm:param type="nodeHorzAlign" val="r"/>
+        </dgm:alg>
+      </dgm:else>
+    </dgm:choose>
+    <dgm:shape xmlns:r="http://schemas.openxmlformats.org/officeDocument/2006/relationships" r:blip="">
+      <dgm:adjLst/>
+    </dgm:shape>
+    <dgm:presOf/>
+    <dgm:choose name="Name3">
+      <dgm:if name="Name4" axis="ch" ptType="node" func="cnt" op="lte" val="3">
+        <dgm:constrLst>
+          <dgm:constr type="h" for="ch" forName="compNode" refType="h" fact="0.3"/>
+          <dgm:constr type="w" for="ch" forName="compNode" refType="w"/>
+          <dgm:constr type="h" for="ch" forName="sibTrans" refType="h" refFor="ch" refForName="compNode" fact="0.25"/>
+          <dgm:constr type="primFontSz" for="des" forName="parTx" val="25"/>
+          <dgm:constr type="primFontSz" for="des" forName="desTx" refType="primFontSz" refFor="des" refForName="parTx" op="lte" fact="0.75"/>
+          <dgm:constr type="h" for="des" forName="compNode" op="equ"/>
+          <dgm:constr type="h" for="des" forName="bgRect" op="equ"/>
+          <dgm:constr type="h" for="des" forName="iconRect" op="equ"/>
+          <dgm:constr type="w" for="des" forName="iconRect" op="equ"/>
+          <dgm:constr type="h" for="des" forName="spaceRect" op="equ"/>
+          <dgm:constr type="h" for="des" forName="parTx" op="equ"/>
+          <dgm:constr type="h" for="des" forName="desTx" op="equ"/>
+        </dgm:constrLst>
+      </dgm:if>
+      <dgm:if name="Name5" axis="ch" ptType="node" func="cnt" op="lte" val="4">
+        <dgm:constrLst>
+          <dgm:constr type="h" for="ch" forName="compNode" refType="h" fact="0.3"/>
+          <dgm:constr type="w" for="ch" forName="compNode" refType="w"/>
+          <dgm:constr type="h" for="ch" forName="sibTrans" refType="h" refFor="ch" refForName="compNode" fact="0.25"/>
+          <dgm:constr type="primFontSz" for="des" forName="parTx" val="22"/>
+          <dgm:constr type="primFontSz" for="des" forName="desTx" refType="primFontSz" refFor="des" refForName="parTx" op="lte" fact="0.75"/>
+          <dgm:constr type="h" for="des" forName="compNode" op="equ"/>
+          <dgm:constr type="h" for="des" forName="bgRect" op="equ"/>
+          <dgm:constr type="h" for="des" forName="iconRect" op="equ"/>
+          <dgm:constr type="w" for="des" forName="iconRect" op="equ"/>
+          <dgm:constr type="h" for="des" forName="spaceRect" op="equ"/>
+          <dgm:constr type="h" for="des" forName="parTx" op="equ"/>
+          <dgm:constr type="h" for="des" forName="desTx" op="equ"/>
+        </dgm:constrLst>
+      </dgm:if>
+      <dgm:if name="Name6" axis="ch" ptType="node" func="cnt" op="lte" val="6">
+        <dgm:constrLst>
+          <dgm:constr type="h" for="ch" forName="compNode" refType="h" fact="0.3"/>
+          <dgm:constr type="w" for="ch" forName="compNode" refType="w"/>
+          <dgm:constr type="h" for="ch" forName="sibTrans" refType="h" refFor="ch" refForName="compNode" fact="0.25"/>
+          <dgm:constr type="primFontSz" for="des" forName="parTx" val="19"/>
+          <dgm:constr type="primFontSz" for="des" forName="desTx" refType="primFontSz" refFor="des" refForName="parTx" op="lte" fact="0.75"/>
+          <dgm:constr type="h" for="des" forName="compNode" op="equ"/>
+          <dgm:constr type="h" for="des" forName="bgRect" op="equ"/>
+          <dgm:constr type="h" for="des" forName="iconRect" op="equ"/>
+          <dgm:constr type="w" for="des" forName="iconRect" op="equ"/>
+          <dgm:constr type="h" for="des" forName="spaceRect" op="equ"/>
+          <dgm:constr type="h" for="des" forName="parTx" op="equ"/>
+          <dgm:constr type="h" for="des" forName="desTx" op="equ"/>
+        </dgm:constrLst>
+      </dgm:if>
+      <dgm:else name="Name7">
+        <dgm:constrLst>
+          <dgm:constr type="h" for="ch" forName="compNode" refType="h" fact="0.3"/>
+          <dgm:constr type="w" for="ch" forName="compNode" refType="w"/>
+          <dgm:constr type="h" for="ch" forName="sibTrans" refType="h" refFor="ch" refForName="compNode" fact="0.25"/>
+          <dgm:constr type="primFontSz" for="des" forName="parTx" val="16"/>
+          <dgm:constr type="primFontSz" for="des" forName="desTx" refType="primFontSz" refFor="des" refForName="parTx" op="lte" fact="0.75"/>
+          <dgm:constr type="h" for="des" forName="compNode" op="equ"/>
+          <dgm:constr type="h" for="des" forName="bgRect" op="equ"/>
+          <dgm:constr type="h" for="des" forName="iconRect" op="equ"/>
+          <dgm:constr type="w" for="des" forName="iconRect" op="equ"/>
+          <dgm:constr type="h" for="des" forName="spaceRect" op="equ"/>
+          <dgm:constr type="h" for="des" forName="parTx" op="equ"/>
+          <dgm:constr type="h" for="des" forName="desTx" op="equ"/>
+        </dgm:constrLst>
+      </dgm:else>
+    </dgm:choose>
+    <dgm:ruleLst>
+      <dgm:rule type="h" for="ch" forName="compNode" val="0" fact="NaN" max="NaN"/>
+    </dgm:ruleLst>
+    <dgm:forEach name="Name8" axis="ch" ptType="node">
+      <dgm:layoutNode name="compNode">
+        <dgm:alg type="composite"/>
+        <dgm:shape xmlns:r="http://schemas.openxmlformats.org/officeDocument/2006/relationships" r:blip="">
+          <dgm:adjLst/>
+        </dgm:shape>
+        <dgm:presOf axis="self"/>
+        <dgm:choose name="Name9">
+          <dgm:if name="Name10" axis="ch" ptType="node" func="cnt" op="gte" val="1">
+            <dgm:constrLst>
+              <dgm:constr type="w" for="ch" forName="bgRect" refType="w"/>
+              <dgm:constr type="h" for="ch" forName="bgRect" refType="h"/>
+              <dgm:constr type="l" for="ch" forName="bgRect"/>
+              <dgm:constr type="t" for="ch" forName="bgRect"/>
+              <dgm:constr type="h" for="ch" forName="iconRect" refType="h" fact="0.55"/>
+              <dgm:constr type="w" for="ch" forName="iconRect" refType="h" refFor="ch" refForName="iconRect"/>
+              <dgm:constr type="l" for="ch" forName="iconRect" refType="h" refFor="ch" refForName="iconRect" fact="0.55"/>
+              <dgm:constr type="ctrY" for="ch" forName="iconRect" refType="ctrY" refFor="ch" refForName="bgRect"/>
+              <dgm:constr type="w" for="ch" forName="spaceRect" refType="l" refFor="ch" refForName="iconRect"/>
+              <dgm:constr type="h" for="ch" forName="spaceRect" refType="h"/>
+              <dgm:constr type="l" for="ch" forName="spaceRect" refType="r" refFor="ch" refForName="iconRect"/>
+              <dgm:constr type="t" for="ch" forName="spaceRect"/>
+              <dgm:constr type="w" for="ch" forName="parTx" refType="w" fact="0.45"/>
+              <dgm:constr type="h" for="ch" forName="parTx" refType="h"/>
+              <dgm:constr type="l" for="ch" forName="parTx" refType="r" refFor="ch" refForName="spaceRect"/>
+              <dgm:constr type="t" for="ch" forName="parTx"/>
+              <dgm:constr type="h" for="ch" forName="desTx" refType="h"/>
+              <dgm:constr type="l" for="ch" forName="desTx" refType="r" refFor="ch" refForName="parTx"/>
+              <dgm:constr type="t" for="ch" forName="desTx"/>
+            </dgm:constrLst>
+          </dgm:if>
+          <dgm:else name="Name11">
+            <dgm:constrLst>
+              <dgm:constr type="w" for="ch" forName="bgRect" refType="w"/>
+              <dgm:constr type="h" for="ch" forName="bgRect" refType="h"/>
+              <dgm:constr type="l" for="ch" forName="bgRect"/>
+              <dgm:constr type="t" for="ch" forName="bgRect"/>
+              <dgm:constr type="h" for="ch" forName="iconRect" refType="h" fact="0.55"/>
+              <dgm:constr type="w" for="ch" forName="iconRect" refType="h" refFor="ch" refForName="iconRect"/>
+              <dgm:constr type="l" for="ch" forName="iconRect" refType="h" refFor="ch" refForName="iconRect" fact="0.55"/>
+              <dgm:constr type="ctrY" for="ch" forName="iconRect" refType="ctrY" refFor="ch" refForName="bgRect"/>
+              <dgm:constr type="w" for="ch" forName="spaceRect" refType="l" refFor="ch" refForName="iconRect"/>
+              <dgm:constr type="h" for="ch" forName="spaceRect" refType="h"/>
+              <dgm:constr type="l" for="ch" forName="spaceRect" refType="r" refFor="ch" refForName="iconRect"/>
+              <dgm:constr type="t" for="ch" forName="spaceRect"/>
+              <dgm:constr type="h" for="ch" forName="parTx" refType="h"/>
+              <dgm:constr type="l" for="ch" forName="parTx" refType="r" refFor="ch" refForName="spaceRect"/>
+              <dgm:constr type="t" for="ch" forName="parTx"/>
+            </dgm:constrLst>
+          </dgm:else>
+        </dgm:choose>
+        <dgm:ruleLst>
+          <dgm:rule type="h" val="INF" fact="NaN" max="NaN"/>
+        </dgm:ruleLst>
+        <dgm:layoutNode name="bgRect" styleLbl="bgShp">
+          <dgm:alg type="sp"/>
+          <dgm:shape xmlns:r="http://schemas.openxmlformats.org/officeDocument/2006/relationships" type="roundRect" r:blip="">
+            <dgm:adjLst>
+              <dgm:adj idx="1" val="0.1"/>
+            </dgm:adjLst>
+          </dgm:shape>
+          <dgm:presOf/>
+          <dgm:constrLst/>
+          <dgm:ruleLst/>
+        </dgm:layoutNode>
+        <dgm:layoutNode name="iconRect" styleLbl="node1">
+          <dgm:alg type="sp"/>
+          <dgm:shape xmlns:r="http://schemas.openxmlformats.org/officeDocument/2006/relationships" type="rect" r:blip="" blipPhldr="1">
+            <dgm:adjLst/>
+          </dgm:shape>
+          <dgm:presOf/>
+          <dgm:constrLst/>
+          <dgm:ruleLst/>
+        </dgm:layoutNode>
+        <dgm:layoutNode name="spaceRect">
+          <dgm:alg type="sp"/>
+          <dgm:shape xmlns:r="http://schemas.openxmlformats.org/officeDocument/2006/relationships" r:blip="">
+            <dgm:adjLst/>
+          </dgm:shape>
+          <dgm:presOf/>
+          <dgm:constrLst/>
+          <dgm:ruleLst/>
+        </dgm:layoutNode>
+        <dgm:layoutNode name="parTx" styleLbl="revTx">
+          <dgm:varLst>
+            <dgm:chMax val="0"/>
+            <dgm:chPref val="0"/>
+          </dgm:varLst>
+          <dgm:alg type="tx">
+            <dgm:param type="txAnchorVert" val="mid"/>
+            <dgm:param type="parTxLTRAlign" val="l"/>
+            <dgm:param type="shpTxLTRAlignCh" val="l"/>
+            <dgm:param type="parTxRTLAlign" val="r"/>
+            <dgm:param type="shpTxRTLAlignCh" val="r"/>
+          </dgm:alg>
+          <dgm:shape xmlns:r="http://schemas.openxmlformats.org/officeDocument/2006/relationships" type="rect" r:blip="">
+            <dgm:adjLst/>
+          </dgm:shape>
+          <dgm:presOf axis="self" ptType="node"/>
+          <dgm:constrLst>
+            <dgm:constr type="lMarg" refType="h" fact="0.3"/>
+            <dgm:constr type="rMarg" refType="h" fact="0.3"/>
+            <dgm:constr type="tMarg" refType="h" fact="0.3"/>
+            <dgm:constr type="bMarg" refType="h" fact="0.3"/>
+          </dgm:constrLst>
+          <dgm:ruleLst>
+            <dgm:rule type="primFontSz" val="14" fact="NaN" max="NaN"/>
+            <dgm:rule type="h" val="INF" fact="NaN" max="NaN"/>
+          </dgm:ruleLst>
+        </dgm:layoutNode>
+        <dgm:choose name="Name12">
+          <dgm:if name="Name13" axis="ch" ptType="node" func="cnt" op="gte" val="1">
+            <dgm:layoutNode name="desTx" styleLbl="revTx">
+              <dgm:varLst/>
+              <dgm:alg type="tx">
+                <dgm:param type="txAnchorVertCh" val="mid"/>
+                <dgm:param type="parTxLTRAlign" val="l"/>
+                <dgm:param type="shpTxLTRAlignCh" val="l"/>
+                <dgm:param type="parTxRTLAlign" val="r"/>
+                <dgm:param type="shpTxRTLAlignCh" val="r"/>
+                <dgm:param type="stBulletLvl" val="0"/>
+              </dgm:alg>
+              <dgm:shape xmlns:r="http://schemas.openxmlformats.org/officeDocument/2006/relationships" type="rect" r:blip="">
+                <dgm:adjLst/>
+              </dgm:shape>
+              <dgm:presOf axis="des" ptType="node"/>
+              <dgm:constrLst>
+                <dgm:constr type="primFontSz" val="18"/>
+                <dgm:constr type="secFontSz" refType="primFontSz"/>
+                <dgm:constr type="lMarg" refType="h" fact="0.3"/>
+                <dgm:constr type="rMarg" refType="h" fact="0.3"/>
+                <dgm:constr type="tMarg" refType="h" fact="0.3"/>
+                <dgm:constr type="bMarg" refType="h" fact="0.3"/>
+              </dgm:constrLst>
+              <dgm:ruleLst>
+                <dgm:rule type="primFontSz" val="11" fact="NaN" max="NaN"/>
+              </dgm:ruleLst>
+            </dgm:layoutNode>
+          </dgm:if>
+          <dgm:else name="Name14"/>
+        </dgm:choose>
+      </dgm:layoutNode>
+      <dgm:forEach name="Name15" axis="followSib" ptType="sibTrans" cnt="1">
+        <dgm:layoutNode name="sibTrans">
+          <dgm:alg type="sp"/>
+          <dgm:shape xmlns:r="http://schemas.openxmlformats.org/officeDocument/2006/relationships" r:blip="">
+            <dgm:adjLst/>
+          </dgm:shape>
+          <dgm:presOf axis="self"/>
+          <dgm:constrLst/>
+          <dgm:ruleLst/>
+        </dgm:layoutNode>
+      </dgm:forEach>
+    </dgm:forEach>
+  </dgm:layoutNode>
+  <dgm:extLst>
+    <a:ext uri="{68A01E43-0DF5-4B5B-8FA6-DAF915123BFB}">
+      <dgm1612:lstStyle xmlns:dgm1612="http://schemas.microsoft.com/office/drawing/2016/12/diagram">
+        <a:lvl1pPr>
+          <a:lnSpc>
+            <a:spcPct val="100000"/>
+          </a:lnSpc>
+        </a:lvl1pPr>
+        <a:lvl2pPr>
+          <a:lnSpc>
+            <a:spcPct val="100000"/>
+          </a:lnSpc>
+        </a:lvl2pPr>
+      </dgm1612:lstStyle>
+    </a:ext>
+  </dgm:extLst>
+</dgm:layoutDef>
+</file>
+
 <file path=ppt/diagrams/quickStyle1.xml><?xml version="1.0" encoding="utf-8"?>
+<dgm:styleDef xmlns:dgm="http://schemas.openxmlformats.org/drawingml/2006/diagram" xmlns:a="http://schemas.openxmlformats.org/drawingml/2006/main" uniqueId="urn:microsoft.com/office/officeart/2005/8/quickstyle/simple1">
+  <dgm:title val=""/>
+  <dgm:desc val=""/>
+  <dgm:catLst>
+    <dgm:cat type="simple" pri="10100"/>
+  </dgm:catLst>
+  <dgm:scene3d>
+    <a:camera prst="orthographicFront"/>
+    <a:lightRig rig="threePt" dir="t"/>
+  </dgm:scene3d>
+  <dgm:styleLbl name="node0">
+    <dgm:scene3d>
+      <a:camera prst="orthographicFront"/>
+      <a:lightRig rig="threePt" dir="t"/>
+    </dgm:scene3d>
+    <dgm:sp3d/>
+    <dgm:txPr/>
+    <dgm:style>
+      <a:lnRef idx="2">
+        <a:scrgbClr r="0" g="0" b="0"/>
+      </a:lnRef>
+      <a:fillRef idx="1">
+        <a:scrgbClr r="0" g="0" b="0"/>
+      </a:fillRef>
+      <a:effectRef idx="0">
+        <a:scrgbClr r="0" g="0" b="0"/>
+      </a:effectRef>
+      <a:fontRef idx="minor">
+        <a:schemeClr val="lt1"/>
+      </a:fontRef>
+    </dgm:style>
+  </dgm:styleLbl>
+  <dgm:styleLbl name="lnNode1">
+    <dgm:scene3d>
+      <a:camera prst="orthographicFront"/>
+      <a:lightRig rig="threePt" dir="t"/>
+    </dgm:scene3d>
+    <dgm:sp3d/>
+    <dgm:txPr/>
+    <dgm:style>
+      <a:lnRef idx="2">
+        <a:scrgbClr r="0" g="0" b="0"/>
+      </a:lnRef>
+      <a:fillRef idx="1">
+        <a:scrgbClr r="0" g="0" b="0"/>
+      </a:fillRef>
+      <a:effectRef idx="0">
+        <a:scrgbClr r="0" g="0" b="0"/>
+      </a:effectRef>
+      <a:fontRef idx="minor">
+        <a:schemeClr val="lt1"/>
+      </a:fontRef>
+    </dgm:style>
+  </dgm:styleLbl>
+  <dgm:styleLbl name="vennNode1">
+    <dgm:scene3d>
+      <a:camera prst="orthographicFront"/>
+      <a:lightRig rig="threePt" dir="t"/>
+    </dgm:scene3d>
+    <dgm:sp3d/>
+    <dgm:txPr/>
+    <dgm:style>
+      <a:lnRef idx="2">
+        <a:scrgbClr r="0" g="0" b="0"/>
+      </a:lnRef>
+      <a:fillRef idx="1">
+        <a:scrgbClr r="0" g="0" b="0"/>
+      </a:fillRef>
+      <a:effectRef idx="0">
+        <a:scrgbClr r="0" g="0" b="0"/>
+      </a:effectRef>
+      <a:fontRef idx="minor">
+        <a:schemeClr val="tx1"/>
+      </a:fontRef>
+    </dgm:style>
+  </dgm:styleLbl>
+  <dgm:styleLbl name="alignNode1">
+    <dgm:scene3d>
+      <a:camera prst="orthographicFront"/>
+      <a:lightRig rig="threePt" dir="t"/>
+    </dgm:scene3d>
+    <dgm:sp3d/>
+    <dgm:txPr/>
+    <dgm:style>
+      <a:lnRef idx="2">
+        <a:scrgbClr r="0" g="0" b="0"/>
+      </a:lnRef>
+      <a:fillRef idx="1">
+        <a:scrgbClr r="0" g="0" b="0"/>
+      </a:fillRef>
+      <a:effectRef idx="0">
+        <a:scrgbClr r="0" g="0" b="0"/>
+      </a:effectRef>
+      <a:fontRef idx="minor">
+        <a:schemeClr val="lt1"/>
+      </a:fontRef>
+    </dgm:style>
+  </dgm:styleLbl>
+  <dgm:styleLbl name="node1">
+    <dgm:scene3d>
+      <a:camera prst="orthographicFront"/>
+      <a:lightRig rig="threePt" dir="t"/>
+    </dgm:scene3d>
+    <dgm:sp3d/>
+    <dgm:txPr/>
+    <dgm:style>
+      <a:lnRef idx="2">
+        <a:scrgbClr r="0" g="0" b="0"/>
+      </a:lnRef>
+      <a:fillRef idx="1">
+        <a:scrgbClr r="0" g="0" b="0"/>
+      </a:fillRef>
+      <a:effectRef idx="0">
+        <a:scrgbClr r="0" g="0" b="0"/>
+      </a:effectRef>
+      <a:fontRef idx="minor">
+        <a:schemeClr val="lt1"/>
+      </a:fontRef>
+    </dgm:style>
+  </dgm:styleLbl>
+  <dgm:styleLbl name="node2">
+    <dgm:scene3d>
+      <a:camera prst="orthographicFront"/>
+      <a:lightRig rig="threePt" dir="t"/>
+    </dgm:scene3d>
+    <dgm:sp3d/>
+    <dgm:txPr/>
+    <dgm:style>
+      <a:lnRef idx="2">
+        <a:scrgbClr r="0" g="0" b="0"/>
+      </a:lnRef>
+      <a:fillRef idx="1">
+        <a:scrgbClr r="0" g="0" b="0"/>
+      </a:fillRef>
+      <a:effectRef idx="0">
+        <a:scrgbClr r="0" g="0" b="0"/>
+      </a:effectRef>
+      <a:fontRef idx="minor">
+        <a:schemeClr val="lt1"/>
+      </a:fontRef>
+    </dgm:style>
+  </dgm:styleLbl>
+  <dgm:styleLbl name="node3">
+    <dgm:scene3d>
+      <a:camera prst="orthographicFront"/>
+      <a:lightRig rig="threePt" dir="t"/>
+    </dgm:scene3d>
+    <dgm:sp3d/>
+    <dgm:txPr/>
+    <dgm:style>
+      <a:lnRef idx="2">
+        <a:scrgbClr r="0" g="0" b="0"/>
+      </a:lnRef>
+      <a:fillRef idx="1">
+        <a:scrgbClr r="0" g="0" b="0"/>
+      </a:fillRef>
+      <a:effectRef idx="0">
+        <a:scrgbClr r="0" g="0" b="0"/>
+      </a:effectRef>
+      <a:fontRef idx="minor">
+        <a:schemeClr val="lt1"/>
+      </a:fontRef>
+    </dgm:style>
+  </dgm:styleLbl>
+  <dgm:styleLbl name="node4">
+    <dgm:scene3d>
+      <a:camera prst="orthographicFront"/>
+      <a:lightRig rig="threePt" dir="t"/>
+    </dgm:scene3d>
+    <dgm:sp3d/>
+    <dgm:txPr/>
+    <dgm:style>
+      <a:lnRef idx="2">
+        <a:scrgbClr r="0" g="0" b="0"/>
+      </a:lnRef>
+      <a:fillRef idx="1">
+        <a:scrgbClr r="0" g="0" b="0"/>
+      </a:fillRef>
+      <a:effectRef idx="0">
+        <a:scrgbClr r="0" g="0" b="0"/>
+      </a:effectRef>
+      <a:fontRef idx="minor">
+        <a:schemeClr val="lt1"/>
+      </a:fontRef>
+    </dgm:style>
+  </dgm:styleLbl>
+  <dgm:styleLbl name="fgImgPlace1">
+    <dgm:scene3d>
+      <a:camera prst="orthographicFront"/>
+      <a:lightRig rig="threePt" dir="t"/>
+    </dgm:scene3d>
+    <dgm:sp3d/>
+    <dgm:txPr/>
+    <dgm:style>
+      <a:lnRef idx="2">
+        <a:scrgbClr r="0" g="0" b="0"/>
+      </a:lnRef>
+      <a:fillRef idx="1">
+        <a:scrgbClr r="0" g="0" b="0"/>
+      </a:fillRef>
+      <a:effectRef idx="0">
+        <a:scrgbClr r="0" g="0" b="0"/>
+      </a:effectRef>
+      <a:fontRef idx="minor"/>
+    </dgm:style>
+  </dgm:styleLbl>
+  <dgm:styleLbl name="alignImgPlace1">
+    <dgm:scene3d>
+      <a:camera prst="orthographicFront"/>
+      <a:lightRig rig="threePt" dir="t"/>
+    </dgm:scene3d>
+    <dgm:sp3d/>
+    <dgm:txPr/>
+    <dgm:style>
+      <a:lnRef idx="2">
+        <a:scrgbClr r="0" g="0" b="0"/>
+      </a:lnRef>
+      <a:fillRef idx="1">
+        <a:scrgbClr r="0" g="0" b="0"/>
+      </a:fillRef>
+      <a:effectRef idx="0">
+        <a:scrgbClr r="0" g="0" b="0"/>
+      </a:effectRef>
+      <a:fontRef idx="minor"/>
+    </dgm:style>
+  </dgm:styleLbl>
+  <dgm:styleLbl name="bgImgPlace1">
+    <dgm:scene3d>
+      <a:camera prst="orthographicFront"/>
+      <a:lightRig rig="threePt" dir="t"/>
+    </dgm:scene3d>
+    <dgm:sp3d/>
+    <dgm:txPr/>
+    <dgm:style>
+      <a:lnRef idx="2">
+        <a:scrgbClr r="0" g="0" b="0"/>
+      </a:lnRef>
+      <a:fillRef idx="1">
+        <a:scrgbClr r="0" g="0" b="0"/>
+      </a:fillRef>
+      <a:effectRef idx="0">
+        <a:scrgbClr r="0" g="0" b="0"/>
+      </a:effectRef>
+      <a:fontRef idx="minor"/>
+    </dgm:style>
+  </dgm:styleLbl>
+  <dgm:styleLbl name="sibTrans2D1">
+    <dgm:scene3d>
+      <a:camera prst="orthographicFront"/>
+      <a:lightRig rig="threePt" dir="t"/>
+    </dgm:scene3d>
+    <dgm:sp3d/>
+    <dgm:txPr/>
+    <dgm:style>
+      <a:lnRef idx="0">
+        <a:scrgbClr r="0" g="0" b="0"/>
+      </a:lnRef>
+      <a:fillRef idx="1">
+        <a:scrgbClr r="0" g="0" b="0"/>
+      </a:fillRef>
+      <a:effectRef idx="0">
+        <a:scrgbClr r="0" g="0" b="0"/>
+      </a:effectRef>
+      <a:fontRef idx="minor">
+        <a:schemeClr val="lt1"/>
+      </a:fontRef>
+    </dgm:style>
+  </dgm:styleLbl>
+  <dgm:styleLbl name="fgSibTrans2D1">
+    <dgm:scene3d>
+      <a:camera prst="orthographicFront"/>
+      <a:lightRig rig="threePt" dir="t"/>
+    </dgm:scene3d>
+    <dgm:sp3d/>
+    <dgm:txPr/>
+    <dgm:style>
+      <a:lnRef idx="0">
+        <a:scrgbClr r="0" g="0" b="0"/>
+      </a:lnRef>
+      <a:fillRef idx="1">
+        <a:scrgbClr r="0" g="0" b="0"/>
+      </a:fillRef>
+      <a:effectRef idx="0">
+        <a:scrgbClr r="0" g="0" b="0"/>
+      </a:effectRef>
+      <a:fontRef idx="minor">
+        <a:schemeClr val="lt1"/>
+      </a:fontRef>
+    </dgm:style>
+  </dgm:styleLbl>
+  <dgm:styleLbl name="bgSibTrans2D1">
+    <dgm:scene3d>
+      <a:camera prst="orthographicFront"/>
+      <a:lightRig rig="threePt" dir="t"/>
+    </dgm:scene3d>
+    <dgm:sp3d/>
+    <dgm:txPr/>
+    <dgm:style>
+      <a:lnRef idx="0">
+        <a:scrgbClr r="0" g="0" b="0"/>
+      </a:lnRef>
+      <a:fillRef idx="1">
+        <a:scrgbClr r="0" g="0" b="0"/>
+      </a:fillRef>
+      <a:effectRef idx="0">
+        <a:scrgbClr r="0" g="0" b="0"/>
+      </a:effectRef>
+      <a:fontRef idx="minor">
+        <a:schemeClr val="lt1"/>
+      </a:fontRef>
+    </dgm:style>
+  </dgm:styleLbl>
+  <dgm:styleLbl name="sibTrans1D1">
+    <dgm:scene3d>
+      <a:camera prst="orthographicFront"/>
+      <a:lightRig rig="threePt" dir="t"/>
+    </dgm:scene3d>
+    <dgm:sp3d/>
+    <dgm:txPr/>
+    <dgm:style>
+      <a:lnRef idx="1">
+        <a:scrgbClr r="0" g="0" b="0"/>
+      </a:lnRef>
+      <a:fillRef idx="0">
+        <a:scrgbClr r="0" g="0" b="0"/>
+      </a:fillRef>
+      <a:effectRef idx="0">
+        <a:scrgbClr r="0" g="0" b="0"/>
+      </a:effectRef>
+      <a:fontRef idx="minor"/>
+    </dgm:style>
+  </dgm:styleLbl>
+  <dgm:styleLbl name="callout">
+    <dgm:scene3d>
+      <a:camera prst="orthographicFront"/>
+      <a:lightRig rig="threePt" dir="t"/>
+    </dgm:scene3d>
+    <dgm:sp3d/>
+    <dgm:txPr/>
+    <dgm:style>
+      <a:lnRef idx="2">
+        <a:scrgbClr r="0" g="0" b="0"/>
+      </a:lnRef>
+      <a:fillRef idx="1">
+        <a:scrgbClr r="0" g="0" b="0"/>
+      </a:fillRef>
+      <a:effectRef idx="0">
+        <a:scrgbClr r="0" g="0" b="0"/>
+      </a:effectRef>
+      <a:fontRef idx="minor"/>
+    </dgm:style>
+  </dgm:styleLbl>
+  <dgm:styleLbl name="asst0">
+    <dgm:scene3d>
+      <a:camera prst="orthographicFront"/>
+      <a:lightRig rig="threePt" dir="t"/>
+    </dgm:scene3d>
+    <dgm:sp3d/>
+    <dgm:txPr/>
+    <dgm:style>
+      <a:lnRef idx="2">
+        <a:scrgbClr r="0" g="0" b="0"/>
+      </a:lnRef>
+      <a:fillRef idx="1">
+        <a:scrgbClr r="0" g="0" b="0"/>
+      </a:fillRef>
+      <a:effectRef idx="0">
+        <a:scrgbClr r="0" g="0" b="0"/>
+      </a:effectRef>
+      <a:fontRef idx="minor">
+        <a:schemeClr val="lt1"/>
+      </a:fontRef>
+    </dgm:style>
+  </dgm:styleLbl>
+  <dgm:styleLbl name="asst1">
+    <dgm:scene3d>
+      <a:camera prst="orthographicFront"/>
+      <a:lightRig rig="threePt" dir="t"/>
+    </dgm:scene3d>
+    <dgm:sp3d/>
+    <dgm:txPr/>
+    <dgm:style>
+      <a:lnRef idx="2">
+        <a:scrgbClr r="0" g="0" b="0"/>
+      </a:lnRef>
+      <a:fillRef idx="1">
+        <a:scrgbClr r="0" g="0" b="0"/>
+      </a:fillRef>
+      <a:effectRef idx="0">
+        <a:scrgbClr r="0" g="0" b="0"/>
+      </a:effectRef>
+      <a:fontRef idx="minor">
+        <a:schemeClr val="lt1"/>
+      </a:fontRef>
+    </dgm:style>
+  </dgm:styleLbl>
+  <dgm:styleLbl name="asst2">
+    <dgm:scene3d>
+      <a:camera prst="orthographicFront"/>
+      <a:lightRig rig="threePt" dir="t"/>
+    </dgm:scene3d>
+    <dgm:sp3d/>
+    <dgm:txPr/>
+    <dgm:style>
+      <a:lnRef idx="2">
+        <a:scrgbClr r="0" g="0" b="0"/>
+      </a:lnRef>
+      <a:fillRef idx="1">
+        <a:scrgbClr r="0" g="0" b="0"/>
+      </a:fillRef>
+      <a:effectRef idx="0">
+        <a:scrgbClr r="0" g="0" b="0"/>
+      </a:effectRef>
+      <a:fontRef idx="minor">
+        <a:schemeClr val="lt1"/>
+      </a:fontRef>
+    </dgm:style>
+  </dgm:styleLbl>
+  <dgm:styleLbl name="asst3">
+    <dgm:scene3d>
+      <a:camera prst="orthographicFront"/>
+      <a:lightRig rig="threePt" dir="t"/>
+    </dgm:scene3d>
+    <dgm:sp3d/>
+    <dgm:txPr/>
+    <dgm:style>
+      <a:lnRef idx="2">
+        <a:scrgbClr r="0" g="0" b="0"/>
+      </a:lnRef>
+      <a:fillRef idx="1">
+        <a:scrgbClr r="0" g="0" b="0"/>
+      </a:fillRef>
+      <a:effectRef idx="0">
+        <a:scrgbClr r="0" g="0" b="0"/>
+      </a:effectRef>
+      <a:fontRef idx="minor">
+        <a:schemeClr val="lt1"/>
+      </a:fontRef>
+    </dgm:style>
+  </dgm:styleLbl>
+  <dgm:styleLbl name="asst4">
+    <dgm:scene3d>
+      <a:camera prst="orthographicFront"/>
+      <a:lightRig rig="threePt" dir="t"/>
+    </dgm:scene3d>
+    <dgm:sp3d/>
+    <dgm:txPr/>
+    <dgm:style>
+      <a:lnRef idx="2">
+        <a:scrgbClr r="0" g="0" b="0"/>
+      </a:lnRef>
+      <a:fillRef idx="1">
+        <a:scrgbClr r="0" g="0" b="0"/>
+      </a:fillRef>
+      <a:effectRef idx="0">
+        <a:scrgbClr r="0" g="0" b="0"/>
+      </a:effectRef>
+      <a:fontRef idx="minor">
+        <a:schemeClr val="lt1"/>
+      </a:fontRef>
+    </dgm:style>
+  </dgm:styleLbl>
+  <dgm:styleLbl name="parChTrans2D1">
+    <dgm:scene3d>
+      <a:camera prst="orthographicFront"/>
+      <a:lightRig rig="threePt" dir="t"/>
+    </dgm:scene3d>
+    <dgm:sp3d/>
+    <dgm:txPr/>
+    <dgm:style>
+      <a:lnRef idx="2">
+        <a:scrgbClr r="0" g="0" b="0"/>
+      </a:lnRef>
+      <a:fillRef idx="1">
+        <a:scrgbClr r="0" g="0" b="0"/>
+      </a:fillRef>
+      <a:effectRef idx="0">
+        <a:scrgbClr r="0" g="0" b="0"/>
+      </a:effectRef>
+      <a:fontRef idx="minor">
+        <a:schemeClr val="lt1"/>
+      </a:fontRef>
+    </dgm:style>
+  </dgm:styleLbl>
+  <dgm:styleLbl name="parChTrans2D2">
+    <dgm:scene3d>
+      <a:camera prst="orthographicFront"/>
+      <a:lightRig rig="threePt" dir="t"/>
+    </dgm:scene3d>
+    <dgm:sp3d/>
+    <dgm:txPr/>
+    <dgm:style>
+      <a:lnRef idx="2">
+        <a:scrgbClr r="0" g="0" b="0"/>
+      </a:lnRef>
+      <a:fillRef idx="1">
+        <a:scrgbClr r="0" g="0" b="0"/>
+      </a:fillRef>
+      <a:effectRef idx="0">
+        <a:scrgbClr r="0" g="0" b="0"/>
+      </a:effectRef>
+      <a:fontRef idx="minor">
+        <a:schemeClr val="lt1"/>
+      </a:fontRef>
+    </dgm:style>
+  </dgm:styleLbl>
+  <dgm:styleLbl name="parChTrans2D3">
+    <dgm:scene3d>
+      <a:camera prst="orthographicFront"/>
+      <a:lightRig rig="threePt" dir="t"/>
+    </dgm:scene3d>
+    <dgm:sp3d/>
+    <dgm:txPr/>
+    <dgm:style>
+      <a:lnRef idx="2">
+        <a:scrgbClr r="0" g="0" b="0"/>
+      </a:lnRef>
+      <a:fillRef idx="1">
+        <a:scrgbClr r="0" g="0" b="0"/>
+      </a:fillRef>
+      <a:effectRef idx="0">
+        <a:scrgbClr r="0" g="0" b="0"/>
+      </a:effectRef>
+      <a:fontRef idx="minor">
+        <a:schemeClr val="lt1"/>
+      </a:fontRef>
+    </dgm:style>
+  </dgm:styleLbl>
+  <dgm:styleLbl name="parChTrans2D4">
+    <dgm:scene3d>
+      <a:camera prst="orthographicFront"/>
+      <a:lightRig rig="threePt" dir="t"/>
+    </dgm:scene3d>
+    <dgm:sp3d/>
+    <dgm:txPr/>
+    <dgm:style>
+      <a:lnRef idx="2">
+        <a:scrgbClr r="0" g="0" b="0"/>
+      </a:lnRef>
+      <a:fillRef idx="1">
+        <a:scrgbClr r="0" g="0" b="0"/>
+      </a:fillRef>
+      <a:effectRef idx="0">
+        <a:scrgbClr r="0" g="0" b="0"/>
+      </a:effectRef>
+      <a:fontRef idx="minor">
+        <a:schemeClr val="lt1"/>
+      </a:fontRef>
+    </dgm:style>
+  </dgm:styleLbl>
+  <dgm:styleLbl name="parChTrans1D1">
+    <dgm:scene3d>
+      <a:camera prst="orthographicFront"/>
+      <a:lightRig rig="threePt" dir="t"/>
+    </dgm:scene3d>
+    <dgm:sp3d/>
+    <dgm:txPr/>
+    <dgm:style>
+      <a:lnRef idx="2">
+        <a:scrgbClr r="0" g="0" b="0"/>
+      </a:lnRef>
+      <a:fillRef idx="0">
+        <a:scrgbClr r="0" g="0" b="0"/>
+      </a:fillRef>
+      <a:effectRef idx="0">
+        <a:scrgbClr r="0" g="0" b="0"/>
+      </a:effectRef>
+      <a:fontRef idx="minor"/>
+    </dgm:style>
+  </dgm:styleLbl>
+  <dgm:styleLbl name="parChTrans1D2">
+    <dgm:scene3d>
+      <a:camera prst="orthographicFront"/>
+      <a:lightRig rig="threePt" dir="t"/>
+    </dgm:scene3d>
+    <dgm:sp3d/>
+    <dgm:txPr/>
+    <dgm:style>
+      <a:lnRef idx="2">
+        <a:scrgbClr r="0" g="0" b="0"/>
+      </a:lnRef>
+      <a:fillRef idx="0">
+        <a:scrgbClr r="0" g="0" b="0"/>
+      </a:fillRef>
+      <a:effectRef idx="0">
+        <a:scrgbClr r="0" g="0" b="0"/>
+      </a:effectRef>
+      <a:fontRef idx="minor"/>
+    </dgm:style>
+  </dgm:styleLbl>
+  <dgm:styleLbl name="parChTrans1D3">
+    <dgm:scene3d>
+      <a:camera prst="orthographicFront"/>
+      <a:lightRig rig="threePt" dir="t"/>
+    </dgm:scene3d>
+    <dgm:sp3d/>
+    <dgm:txPr/>
+    <dgm:style>
+      <a:lnRef idx="2">
+        <a:scrgbClr r="0" g="0" b="0"/>
+      </a:lnRef>
+      <a:fillRef idx="0">
+        <a:scrgbClr r="0" g="0" b="0"/>
+      </a:fillRef>
+      <a:effectRef idx="0">
+        <a:scrgbClr r="0" g="0" b="0"/>
+      </a:effectRef>
+      <a:fontRef idx="minor"/>
+    </dgm:style>
+  </dgm:styleLbl>
+  <dgm:styleLbl name="parChTrans1D4">
+    <dgm:scene3d>
+      <a:camera prst="orthographicFront"/>
+      <a:lightRig rig="threePt" dir="t"/>
+    </dgm:scene3d>
+    <dgm:sp3d/>
+    <dgm:txPr/>
+    <dgm:style>
+      <a:lnRef idx="2">
+        <a:scrgbClr r="0" g="0" b="0"/>
+      </a:lnRef>
+      <a:fillRef idx="0">
+        <a:scrgbClr r="0" g="0" b="0"/>
+      </a:fillRef>
+      <a:effectRef idx="0">
+        <a:scrgbClr r="0" g="0" b="0"/>
+      </a:effectRef>
+      <a:fontRef idx="minor"/>
+    </dgm:style>
+  </dgm:styleLbl>
+  <dgm:styleLbl name="fgAcc1">
+    <dgm:scene3d>
+      <a:camera prst="orthographicFront"/>
+      <a:lightRig rig="threePt" dir="t"/>
+    </dgm:scene3d>
+    <dgm:sp3d/>
+    <dgm:txPr/>
+    <dgm:style>
+      <a:lnRef idx="2">
+        <a:scrgbClr r="0" g="0" b="0"/>
+      </a:lnRef>
+      <a:fillRef idx="1">
+        <a:scrgbClr r="0" g="0" b="0"/>
+      </a:fillRef>
+      <a:effectRef idx="0">
+        <a:scrgbClr r="0" g="0" b="0"/>
+      </a:effectRef>
+      <a:fontRef idx="minor"/>
+    </dgm:style>
+  </dgm:styleLbl>
+  <dgm:styleLbl name="conFgAcc1">
+    <dgm:scene3d>
+      <a:camera prst="orthographicFront"/>
+      <a:lightRig rig="threePt" dir="t"/>
+    </dgm:scene3d>
+    <dgm:sp3d/>
+    <dgm:txPr/>
+    <dgm:style>
+      <a:lnRef idx="2">
+        <a:scrgbClr r="0" g="0" b="0"/>
+      </a:lnRef>
+      <a:fillRef idx="1">
+        <a:scrgbClr r="0" g="0" b="0"/>
+      </a:fillRef>
+      <a:effectRef idx="0">
+        <a:scrgbClr r="0" g="0" b="0"/>
+      </a:effectRef>
+      <a:fontRef idx="minor"/>
+    </dgm:style>
+  </dgm:styleLbl>
+  <dgm:styleLbl name="alignAcc1">
+    <dgm:scene3d>
+      <a:camera prst="orthographicFront"/>
+      <a:lightRig rig="threePt" dir="t"/>
+    </dgm:scene3d>
+    <dgm:sp3d/>
+    <dgm:txPr/>
+    <dgm:style>
+      <a:lnRef idx="2">
+        <a:scrgbClr r="0" g="0" b="0"/>
+      </a:lnRef>
+      <a:fillRef idx="1">
+        <a:scrgbClr r="0" g="0" b="0"/>
+      </a:fillRef>
+      <a:effectRef idx="0">
+        <a:scrgbClr r="0" g="0" b="0"/>
+      </a:effectRef>
+      <a:fontRef idx="minor"/>
+    </dgm:style>
+  </dgm:styleLbl>
+  <dgm:styleLbl name="trAlignAcc1">
+    <dgm:scene3d>
+      <a:camera prst="orthographicFront"/>
+      <a:lightRig rig="threePt" dir="t"/>
+    </dgm:scene3d>
+    <dgm:sp3d/>
+    <dgm:txPr/>
+    <dgm:style>
+      <a:lnRef idx="1">
+        <a:scrgbClr r="0" g="0" b="0"/>
+      </a:lnRef>
+      <a:fillRef idx="1">
+        <a:scrgbClr r="0" g="0" b="0"/>
+      </a:fillRef>
+      <a:effectRef idx="0">
+        <a:scrgbClr r="0" g="0" b="0"/>
+      </a:effectRef>
+      <a:fontRef idx="minor"/>
+    </dgm:style>
+  </dgm:styleLbl>
+  <dgm:styleLbl name="bgAcc1">
+    <dgm:scene3d>
+      <a:camera prst="orthographicFront"/>
+      <a:lightRig rig="threePt" dir="t"/>
+    </dgm:scene3d>
+    <dgm:sp3d/>
+    <dgm:txPr/>
+    <dgm:style>
+      <a:lnRef idx="2">
+        <a:scrgbClr r="0" g="0" b="0"/>
+      </a:lnRef>
+      <a:fillRef idx="1">
+        <a:scrgbClr r="0" g="0" b="0"/>
+      </a:fillRef>
+      <a:effectRef idx="0">
+        <a:scrgbClr r="0" g="0" b="0"/>
+      </a:effectRef>
+      <a:fontRef idx="minor"/>
+    </dgm:style>
+  </dgm:styleLbl>
+  <dgm:styleLbl name="solidFgAcc1">
+    <dgm:scene3d>
+      <a:camera prst="orthographicFront"/>
+      <a:lightRig rig="threePt" dir="t"/>
+    </dgm:scene3d>
+    <dgm:sp3d/>
+    <dgm:txPr/>
+    <dgm:style>
+      <a:lnRef idx="2">
+        <a:scrgbClr r="0" g="0" b="0"/>
+      </a:lnRef>
+      <a:fillRef idx="1">
+        <a:scrgbClr r="0" g="0" b="0"/>
+      </a:fillRef>
+      <a:effectRef idx="0">
+        <a:scrgbClr r="0" g="0" b="0"/>
+      </a:effectRef>
+      <a:fontRef idx="minor"/>
+    </dgm:style>
+  </dgm:styleLbl>
+  <dgm:styleLbl name="solidAlignAcc1">
+    <dgm:scene3d>
+      <a:camera prst="orthographicFront"/>
+      <a:lightRig rig="threePt" dir="t"/>
+    </dgm:scene3d>
+    <dgm:sp3d/>
+    <dgm:txPr/>
+    <dgm:style>
+      <a:lnRef idx="2">
+        <a:scrgbClr r="0" g="0" b="0"/>
+      </a:lnRef>
+      <a:fillRef idx="1">
+        <a:scrgbClr r="0" g="0" b="0"/>
+      </a:fillRef>
+      <a:effectRef idx="0">
+        <a:scrgbClr r="0" g="0" b="0"/>
+      </a:effectRef>
+      <a:fontRef idx="minor"/>
+    </dgm:style>
+  </dgm:styleLbl>
+  <dgm:styleLbl name="solidBgAcc1">
+    <dgm:scene3d>
+      <a:camera prst="orthographicFront"/>
+      <a:lightRig rig="threePt" dir="t"/>
+    </dgm:scene3d>
+    <dgm:sp3d/>
+    <dgm:txPr/>
+    <dgm:style>
+      <a:lnRef idx="2">
+        <a:scrgbClr r="0" g="0" b="0"/>
+      </a:lnRef>
+      <a:fillRef idx="1">
+        <a:scrgbClr r="0" g="0" b="0"/>
+      </a:fillRef>
+      <a:effectRef idx="0">
+        <a:scrgbClr r="0" g="0" b="0"/>
+      </a:effectRef>
+      <a:fontRef idx="minor"/>
+    </dgm:style>
+  </dgm:styleLbl>
+  <dgm:styleLbl name="fgAccFollowNode1">
+    <dgm:scene3d>
+      <a:camera prst="orthographicFront"/>
+      <a:lightRig rig="threePt" dir="t"/>
+    </dgm:scene3d>
+    <dgm:sp3d/>
+    <dgm:txPr/>
+    <dgm:style>
+      <a:lnRef idx="2">
+        <a:scrgbClr r="0" g="0" b="0"/>
+      </a:lnRef>
+      <a:fillRef idx="1">
+        <a:scrgbClr r="0" g="0" b="0"/>
+      </a:fillRef>
+      <a:effectRef idx="0">
+        <a:scrgbClr r="0" g="0" b="0"/>
+      </a:effectRef>
+      <a:fontRef idx="minor"/>
+    </dgm:style>
+  </dgm:styleLbl>
+  <dgm:styleLbl name="alignAccFollowNode1">
+    <dgm:scene3d>
+      <a:camera prst="orthographicFront"/>
+      <a:lightRig rig="threePt" dir="t"/>
+    </dgm:scene3d>
+    <dgm:sp3d/>
+    <dgm:txPr/>
+    <dgm:style>
+      <a:lnRef idx="2">
+        <a:scrgbClr r="0" g="0" b="0"/>
+      </a:lnRef>
+      <a:fillRef idx="1">
+        <a:scrgbClr r="0" g="0" b="0"/>
+      </a:fillRef>
+      <a:effectRef idx="0">
+        <a:scrgbClr r="0" g="0" b="0"/>
+      </a:effectRef>
+      <a:fontRef idx="minor"/>
+    </dgm:style>
+  </dgm:styleLbl>
+  <dgm:styleLbl name="bgAccFollowNode1">
+    <dgm:scene3d>
+      <a:camera prst="orthographicFront"/>
+      <a:lightRig rig="threePt" dir="t"/>
+    </dgm:scene3d>
+    <dgm:sp3d/>
+    <dgm:txPr/>
+    <dgm:style>
+      <a:lnRef idx="2">
+        <a:scrgbClr r="0" g="0" b="0"/>
+      </a:lnRef>
+      <a:fillRef idx="1">
+        <a:scrgbClr r="0" g="0" b="0"/>
+      </a:fillRef>
+      <a:effectRef idx="0">
+        <a:scrgbClr r="0" g="0" b="0"/>
+      </a:effectRef>
+      <a:fontRef idx="minor"/>
+    </dgm:style>
+  </dgm:styleLbl>
+  <dgm:styleLbl name="fgAcc0">
+    <dgm:scene3d>
+      <a:camera prst="orthographicFront"/>
+      <a:lightRig rig="threePt" dir="t"/>
+    </dgm:scene3d>
+    <dgm:sp3d/>
+    <dgm:txPr/>
+    <dgm:style>
+      <a:lnRef idx="2">
+        <a:scrgbClr r="0" g="0" b="0"/>
+      </a:lnRef>
+      <a:fillRef idx="1">
+        <a:scrgbClr r="0" g="0" b="0"/>
+      </a:fillRef>
+      <a:effectRef idx="0">
+        <a:scrgbClr r="0" g="0" b="0"/>
+      </a:effectRef>
+      <a:fontRef idx="minor"/>
+    </dgm:style>
+  </dgm:styleLbl>
+  <dgm:styleLbl name="fgAcc2">
+    <dgm:scene3d>
+      <a:camera prst="orthographicFront"/>
+      <a:lightRig rig="threePt" dir="t"/>
+    </dgm:scene3d>
+    <dgm:sp3d/>
+    <dgm:txPr/>
+    <dgm:style>
+      <a:lnRef idx="2">
+        <a:scrgbClr r="0" g="0" b="0"/>
+      </a:lnRef>
+      <a:fillRef idx="1">
+        <a:scrgbClr r="0" g="0" b="0"/>
+      </a:fillRef>
+      <a:effectRef idx="0">
+        <a:scrgbClr r="0" g="0" b="0"/>
+      </a:effectRef>
+      <a:fontRef idx="minor"/>
+    </dgm:style>
+  </dgm:styleLbl>
+  <dgm:styleLbl name="fgAcc3">
+    <dgm:scene3d>
+      <a:camera prst="orthographicFront"/>
+      <a:lightRig rig="threePt" dir="t"/>
+    </dgm:scene3d>
+    <dgm:sp3d/>
+    <dgm:txPr/>
+    <dgm:style>
+      <a:lnRef idx="2">
+        <a:scrgbClr r="0" g="0" b="0"/>
+      </a:lnRef>
+      <a:fillRef idx="1">
+        <a:scrgbClr r="0" g="0" b="0"/>
+      </a:fillRef>
+      <a:effectRef idx="0">
+        <a:scrgbClr r="0" g="0" b="0"/>
+      </a:effectRef>
+      <a:fontRef idx="minor"/>
+    </dgm:style>
+  </dgm:styleLbl>
+  <dgm:styleLbl name="fgAcc4">
+    <dgm:scene3d>
+      <a:camera prst="orthographicFront"/>
+      <a:lightRig rig="threePt" dir="t"/>
+    </dgm:scene3d>
+    <dgm:sp3d/>
+    <dgm:txPr/>
+    <dgm:style>
+      <a:lnRef idx="2">
+        <a:scrgbClr r="0" g="0" b="0"/>
+      </a:lnRef>
+      <a:fillRef idx="1">
+        <a:scrgbClr r="0" g="0" b="0"/>
+      </a:fillRef>
+      <a:effectRef idx="0">
+        <a:scrgbClr r="0" g="0" b="0"/>
+      </a:effectRef>
+      <a:fontRef idx="minor"/>
+    </dgm:style>
+  </dgm:styleLbl>
+  <dgm:styleLbl name="bgShp">
+    <dgm:scene3d>
+      <a:camera prst="orthographicFront"/>
+      <a:lightRig rig="threePt" dir="t"/>
+    </dgm:scene3d>
+    <dgm:sp3d/>
+    <dgm:txPr/>
+    <dgm:style>
+      <a:lnRef idx="0">
+        <a:scrgbClr r="0" g="0" b="0"/>
+      </a:lnRef>
+      <a:fillRef idx="1">
+        <a:scrgbClr r="0" g="0" b="0"/>
+      </a:fillRef>
+      <a:effectRef idx="0">
+        <a:scrgbClr r="0" g="0" b="0"/>
+      </a:effectRef>
+      <a:fontRef idx="minor"/>
+    </dgm:style>
+  </dgm:styleLbl>
+  <dgm:styleLbl name="dkBgShp">
+    <dgm:scene3d>
+      <a:camera prst="orthographicFront"/>
+      <a:lightRig rig="threePt" dir="t"/>
+    </dgm:scene3d>
+    <dgm:sp3d/>
+    <dgm:txPr/>
+    <dgm:style>
+      <a:lnRef idx="0">
+        <a:scrgbClr r="0" g="0" b="0"/>
+      </a:lnRef>
+      <a:fillRef idx="1">
+        <a:scrgbClr r="0" g="0" b="0"/>
+      </a:fillRef>
+      <a:effectRef idx="0">
+        <a:scrgbClr r="0" g="0" b="0"/>
+      </a:effectRef>
+      <a:fontRef idx="minor"/>
+    </dgm:style>
+  </dgm:styleLbl>
+  <dgm:styleLbl name="trBgShp">
+    <dgm:scene3d>
+      <a:camera prst="orthographicFront"/>
+      <a:lightRig rig="threePt" dir="t"/>
+    </dgm:scene3d>
+    <dgm:sp3d/>
+    <dgm:txPr/>
+    <dgm:style>
+      <a:lnRef idx="0">
+        <a:scrgbClr r="0" g="0" b="0"/>
+      </a:lnRef>
+      <a:fillRef idx="1">
+        <a:scrgbClr r="0" g="0" b="0"/>
+      </a:fillRef>
+      <a:effectRef idx="0">
+        <a:scrgbClr r="0" g="0" b="0"/>
+      </a:effectRef>
+      <a:fontRef idx="minor"/>
+    </dgm:style>
+  </dgm:styleLbl>
+  <dgm:styleLbl name="fgShp">
+    <dgm:scene3d>
+      <a:camera prst="orthographicFront"/>
+      <a:lightRig rig="threePt" dir="t"/>
+    </dgm:scene3d>
+    <dgm:sp3d/>
+    <dgm:txPr/>
+    <dgm:style>
+      <a:lnRef idx="2">
+        <a:scrgbClr r="0" g="0" b="0"/>
+      </a:lnRef>
+      <a:fillRef idx="1">
+        <a:scrgbClr r="0" g="0" b="0"/>
+      </a:fillRef>
+      <a:effectRef idx="0">
+        <a:scrgbClr r="0" g="0" b="0"/>
+      </a:effectRef>
+      <a:fontRef idx="minor"/>
+    </dgm:style>
+  </dgm:styleLbl>
+  <dgm:styleLbl name="revTx">
+    <dgm:scene3d>
+      <a:camera prst="orthographicFront"/>
+      <a:lightRig rig="threePt" dir="t"/>
+    </dgm:scene3d>
+    <dgm:sp3d/>
+    <dgm:txPr/>
+    <dgm:style>
+      <a:lnRef idx="0">
+        <a:scrgbClr r="0" g="0" b="0"/>
+      </a:lnRef>
+      <a:fillRef idx="0">
+        <a:scrgbClr r="0" g="0" b="0"/>
+      </a:fillRef>
+      <a:effectRef idx="0">
+        <a:scrgbClr r="0" g="0" b="0"/>
+      </a:effectRef>
+      <a:fontRef idx="minor"/>
+    </dgm:style>
+  </dgm:styleLbl>
+</dgm:styleDef>
+</file>
+
+<file path=ppt/diagrams/quickStyle2.xml><?xml version="1.0" encoding="utf-8"?>
 <dgm:styleDef xmlns:dgm="http://schemas.openxmlformats.org/drawingml/2006/diagram" xmlns:a="http://schemas.openxmlformats.org/drawingml/2006/main" uniqueId="urn:microsoft.com/office/officeart/2005/8/quickstyle/simple1">
   <dgm:title val=""/>
   <dgm:desc val=""/>
@@ -3259,7 +7407,7 @@
           <a:p>
             <a:r>
               <a:rPr lang="en-US" dirty="0"/>
-              <a:t>Grupo Bimbo is large a Mexican company that sells baked goods all over the world.  In this project, we predict the demand of perishable baked goods in central Mexico.  Each week, clients receive products arriving along various routes originating from numerous sales depots.  Any unsold goods at the end of the week are bought back at half price by Grupo Bimbo (i.e. returns).  For each product purchased by each client, the target variable is adjusted demand, which is equal to the number of sales minus the number of returns.  Our training data contains past sales data on weeks 3 through 9.  The goal is to predict the adjusted demand for many clients in weeks 10 and 11.</a:t>
+              <a:t>Grupo Bimbo is a large Mexican company that sells baked goods all over the world.  In this project, we predict the demand for perishable baked goods in central Mexico. Clients receive products arriving along various routes each week from numerous sales depots.  Any unsold goods at the end of the week are bought back at half price by Grupo Bimbo (i.e. returns).  For each product each client purchases, the target variable is adjusted demand, which equals the number of sales minus the number of returns.  Our training data contains past sales data on weeks 3 through 9.  The goal is to predict the adjusted demand for many clients in weeks 10 and 11.</a:t>
             </a:r>
           </a:p>
         </p:txBody>
@@ -3305,7 +7453,13 @@
   <p:cSld>
     <p:spTree>
       <p:nvGrpSpPr>
-        <p:cNvPr id="1" name=""/>
+        <p:cNvPr id="1" name="">
+          <a:extLst>
+            <a:ext uri="{FF2B5EF4-FFF2-40B4-BE49-F238E27FC236}">
+              <a16:creationId xmlns:a16="http://schemas.microsoft.com/office/drawing/2014/main" id="{9D7961D4-2EA1-DFF7-2007-39BE2E91420F}"/>
+            </a:ext>
+          </a:extLst>
+        </p:cNvPr>
         <p:cNvGrpSpPr/>
         <p:nvPr/>
       </p:nvGrpSpPr>
@@ -3319,7 +7473,13 @@
       </p:grpSpPr>
       <p:sp>
         <p:nvSpPr>
-          <p:cNvPr id="2" name="Slide Image Placeholder 1"/>
+          <p:cNvPr id="2" name="Slide Image Placeholder 1">
+            <a:extLst>
+              <a:ext uri="{FF2B5EF4-FFF2-40B4-BE49-F238E27FC236}">
+                <a16:creationId xmlns:a16="http://schemas.microsoft.com/office/drawing/2014/main" id="{EDC6A4AE-31A0-6457-FE99-0330E28C1A79}"/>
+              </a:ext>
+            </a:extLst>
+          </p:cNvPr>
           <p:cNvSpPr>
             <a:spLocks noGrp="1" noRot="1" noChangeAspect="1"/>
           </p:cNvSpPr>
@@ -3331,7 +7491,13 @@
       </p:sp>
       <p:sp>
         <p:nvSpPr>
-          <p:cNvPr id="3" name="Notes Placeholder 2"/>
+          <p:cNvPr id="3" name="Notes Placeholder 2">
+            <a:extLst>
+              <a:ext uri="{FF2B5EF4-FFF2-40B4-BE49-F238E27FC236}">
+                <a16:creationId xmlns:a16="http://schemas.microsoft.com/office/drawing/2014/main" id="{8B8E3811-9CBB-D47D-218B-094ABD090B38}"/>
+              </a:ext>
+            </a:extLst>
+          </p:cNvPr>
           <p:cNvSpPr>
             <a:spLocks noGrp="1"/>
           </p:cNvSpPr>
@@ -3353,7 +7519,13 @@
       </p:sp>
       <p:sp>
         <p:nvSpPr>
-          <p:cNvPr id="4" name="Slide Number Placeholder 3"/>
+          <p:cNvPr id="4" name="Slide Number Placeholder 3">
+            <a:extLst>
+              <a:ext uri="{FF2B5EF4-FFF2-40B4-BE49-F238E27FC236}">
+                <a16:creationId xmlns:a16="http://schemas.microsoft.com/office/drawing/2014/main" id="{AB4046C0-A846-8A80-BD96-63D2D02079C4}"/>
+              </a:ext>
+            </a:extLst>
+          </p:cNvPr>
           <p:cNvSpPr>
             <a:spLocks noGrp="1"/>
           </p:cNvSpPr>
@@ -3377,7 +7549,7 @@
     </p:spTree>
     <p:extLst>
       <p:ext uri="{BB962C8B-B14F-4D97-AF65-F5344CB8AC3E}">
-        <p14:creationId xmlns:p14="http://schemas.microsoft.com/office/powerpoint/2010/main" val="1260558994"/>
+        <p14:creationId xmlns:p14="http://schemas.microsoft.com/office/powerpoint/2010/main" val="234825738"/>
       </p:ext>
     </p:extLst>
   </p:cSld>
@@ -3433,35 +7605,21 @@
           <a:p>
             <a:r>
               <a:rPr lang="en-US" dirty="0"/>
-              <a:t>As mentioned before, the training data set has roughly 75 million rows!  There are around 880k unique clients and 2.5k unique products.</a:t>
+              <a:t>To get a sense of demand variation </a:t>
             </a:r>
-          </a:p>
-          <a:p>
-            <a:endParaRPr lang="en-US" dirty="0"/>
-          </a:p>
-          <a:p>
+            <a:r>
+              <a:rPr lang="en-US"/>
+              <a:t>across states, </a:t>
+            </a:r>
             <a:r>
               <a:rPr lang="en-US" dirty="0"/>
-              <a:t>Many client/product pairs have missing values.  A common occurrence is ‘client X buys some amount of product Y in weeks 3, 7, and 8’.  There is no data for client X and product Y in weeks 4, 5, 6, 9.  Did client X not purchase any of product Y during those weeks? Or is this data missing? The answer is not provided.</a:t>
+              <a:t>we aggregate sales at the state level and merge </a:t>
             </a:r>
-          </a:p>
-          <a:p>
+            <a:r>
+              <a:rPr lang="en-US"/>
+              <a:t>this W</a:t>
+            </a:r>
             <a:endParaRPr lang="en-US" dirty="0"/>
-          </a:p>
-          <a:p>
-            <a:r>
-              <a:rPr lang="en-US" dirty="0"/>
-              <a:t>The clients for which we predict demand in weeks 10 and/or 11 may not be present in weeks 3 through 9.  The same issue appears for training models.  If we use weeks 3 – 8 to train a model, there are new clients in week 9.</a:t>
-            </a:r>
-          </a:p>
-          <a:p>
-            <a:endParaRPr lang="en-US" dirty="0"/>
-          </a:p>
-          <a:p>
-            <a:r>
-              <a:rPr lang="en-US" dirty="0"/>
-              <a:t>This is a time series data set with only 7 time entries!</a:t>
-            </a:r>
           </a:p>
         </p:txBody>
       </p:sp>
@@ -3482,6 +7640,120 @@
           <a:p>
             <a:fld id="{9881FB53-477E-47AB-9C04-CE32FC40BF5A}" type="slidenum">
               <a:rPr lang="en-US" smtClean="0"/>
+              <a:t>5</a:t>
+            </a:fld>
+            <a:endParaRPr lang="en-US"/>
+          </a:p>
+        </p:txBody>
+      </p:sp>
+    </p:spTree>
+    <p:extLst>
+      <p:ext uri="{BB962C8B-B14F-4D97-AF65-F5344CB8AC3E}">
+        <p14:creationId xmlns:p14="http://schemas.microsoft.com/office/powerpoint/2010/main" val="1260558994"/>
+      </p:ext>
+    </p:extLst>
+  </p:cSld>
+  <p:clrMapOvr>
+    <a:masterClrMapping/>
+  </p:clrMapOvr>
+</p:notes>
+</file>
+
+<file path=ppt/notesSlides/notesSlide5.xml><?xml version="1.0" encoding="utf-8"?>
+<p:notes xmlns:a="http://schemas.openxmlformats.org/drawingml/2006/main" xmlns:r="http://schemas.openxmlformats.org/officeDocument/2006/relationships" xmlns:p="http://schemas.openxmlformats.org/presentationml/2006/main">
+  <p:cSld>
+    <p:spTree>
+      <p:nvGrpSpPr>
+        <p:cNvPr id="1" name=""/>
+        <p:cNvGrpSpPr/>
+        <p:nvPr/>
+      </p:nvGrpSpPr>
+      <p:grpSpPr>
+        <a:xfrm>
+          <a:off x="0" y="0"/>
+          <a:ext cx="0" cy="0"/>
+          <a:chOff x="0" y="0"/>
+          <a:chExt cx="0" cy="0"/>
+        </a:xfrm>
+      </p:grpSpPr>
+      <p:sp>
+        <p:nvSpPr>
+          <p:cNvPr id="2" name="Slide Image Placeholder 1"/>
+          <p:cNvSpPr>
+            <a:spLocks noGrp="1" noRot="1" noChangeAspect="1"/>
+          </p:cNvSpPr>
+          <p:nvPr>
+            <p:ph type="sldImg"/>
+          </p:nvPr>
+        </p:nvSpPr>
+        <p:spPr/>
+      </p:sp>
+      <p:sp>
+        <p:nvSpPr>
+          <p:cNvPr id="3" name="Notes Placeholder 2"/>
+          <p:cNvSpPr>
+            <a:spLocks noGrp="1"/>
+          </p:cNvSpPr>
+          <p:nvPr>
+            <p:ph type="body" idx="1"/>
+          </p:nvPr>
+        </p:nvSpPr>
+        <p:spPr/>
+        <p:txBody>
+          <a:bodyPr/>
+          <a:lstStyle/>
+          <a:p>
+            <a:r>
+              <a:rPr lang="en-US" dirty="0"/>
+              <a:t>As mentioned before, the training data set has roughly 75 million rows!  There are around 880k unique clients and 2.5k unique products.</a:t>
+            </a:r>
+          </a:p>
+          <a:p>
+            <a:endParaRPr lang="en-US" dirty="0"/>
+          </a:p>
+          <a:p>
+            <a:r>
+              <a:rPr lang="en-US" dirty="0"/>
+              <a:t>Many client/product pairs have missing values.  A common occurrence is ‘client X buys some amount of product Y in weeks 3, 7, and 8’.  There is no data for client X and product Y in weeks 4, 5, 6, 9.  Did client X not purchase any of product Y during those weeks? Or is this data missing? The answer is not provided.</a:t>
+            </a:r>
+          </a:p>
+          <a:p>
+            <a:endParaRPr lang="en-US" dirty="0"/>
+          </a:p>
+          <a:p>
+            <a:r>
+              <a:rPr lang="en-US" dirty="0"/>
+              <a:t>The clients for which we predict demand in weeks 10 and/or 11 may not be present in weeks 3 through 9.  The same issue appears for training models.  If we use weeks 3 – 8 to train a model, there are new clients in week 9.</a:t>
+            </a:r>
+          </a:p>
+          <a:p>
+            <a:endParaRPr lang="en-US" dirty="0"/>
+          </a:p>
+          <a:p>
+            <a:r>
+              <a:rPr lang="en-US" dirty="0"/>
+              <a:t>This is a time series data set with only 7 time entries!</a:t>
+            </a:r>
+          </a:p>
+        </p:txBody>
+      </p:sp>
+      <p:sp>
+        <p:nvSpPr>
+          <p:cNvPr id="4" name="Slide Number Placeholder 3"/>
+          <p:cNvSpPr>
+            <a:spLocks noGrp="1"/>
+          </p:cNvSpPr>
+          <p:nvPr>
+            <p:ph type="sldNum" sz="quarter" idx="5"/>
+          </p:nvPr>
+        </p:nvSpPr>
+        <p:spPr/>
+        <p:txBody>
+          <a:bodyPr/>
+          <a:lstStyle/>
+          <a:p>
+            <a:fld id="{9881FB53-477E-47AB-9C04-CE32FC40BF5A}" type="slidenum">
+              <a:rPr lang="en-US" smtClean="0"/>
               <a:t>6</a:t>
             </a:fld>
             <a:endParaRPr lang="en-US"/>
@@ -3501,7 +7773,7 @@
 </p:notes>
 </file>
 
-<file path=ppt/notesSlides/notesSlide5.xml><?xml version="1.0" encoding="utf-8"?>
+<file path=ppt/notesSlides/notesSlide6.xml><?xml version="1.0" encoding="utf-8"?>
 <p:notes xmlns:a="http://schemas.openxmlformats.org/drawingml/2006/main" xmlns:r="http://schemas.openxmlformats.org/officeDocument/2006/relationships" xmlns:p="http://schemas.openxmlformats.org/presentationml/2006/main">
   <p:cSld>
     <p:spTree>
@@ -6826,6 +11098,160 @@
           <a:chExt cx="0" cy="0"/>
         </a:xfrm>
       </p:grpSpPr>
+      <p:sp useBgFill="1">
+        <p:nvSpPr>
+          <p:cNvPr id="23" name="Rectangle 22">
+            <a:extLst>
+              <a:ext uri="{FF2B5EF4-FFF2-40B4-BE49-F238E27FC236}">
+                <a16:creationId xmlns:a16="http://schemas.microsoft.com/office/drawing/2014/main" id="{407C9FC5-0C1E-42A8-97E6-F940775A0575}"/>
+              </a:ext>
+              <a:ext uri="{C183D7F6-B498-43B3-948B-1728B52AA6E4}">
+                <adec:decorative xmlns:adec="http://schemas.microsoft.com/office/drawing/2017/decorative" val="1"/>
+              </a:ext>
+            </a:extLst>
+          </p:cNvPr>
+          <p:cNvSpPr>
+            <a:spLocks noGrp="1" noRot="1" noChangeAspect="1" noMove="1" noResize="1" noEditPoints="1" noAdjustHandles="1" noChangeArrowheads="1" noChangeShapeType="1" noTextEdit="1"/>
+          </p:cNvSpPr>
+          <p:nvPr>
+            <p:extLst>
+              <p:ext uri="{386F3935-93C4-4BCD-93E2-E3B085C9AB24}">
+                <p16:designElem xmlns:p16="http://schemas.microsoft.com/office/powerpoint/2015/main" val="1"/>
+              </p:ext>
+            </p:extLst>
+          </p:nvPr>
+        </p:nvSpPr>
+        <p:spPr bwMode="white">
+          <a:xfrm>
+            <a:off x="0" y="0"/>
+            <a:ext cx="12192000" cy="6858000"/>
+          </a:xfrm>
+          <a:prstGeom prst="rect">
+            <a:avLst/>
+          </a:prstGeom>
+          <a:ln>
+            <a:noFill/>
+          </a:ln>
+        </p:spPr>
+        <p:style>
+          <a:lnRef idx="2">
+            <a:schemeClr val="accent1">
+              <a:shade val="50000"/>
+            </a:schemeClr>
+          </a:lnRef>
+          <a:fillRef idx="1">
+            <a:schemeClr val="accent1"/>
+          </a:fillRef>
+          <a:effectRef idx="0">
+            <a:schemeClr val="accent1"/>
+          </a:effectRef>
+          <a:fontRef idx="minor">
+            <a:schemeClr val="lt1"/>
+          </a:fontRef>
+        </p:style>
+        <p:txBody>
+          <a:bodyPr rtlCol="0" anchor="ctr"/>
+          <a:lstStyle>
+            <a:defPPr>
+              <a:defRPr lang="en-US"/>
+            </a:defPPr>
+            <a:lvl1pPr marL="0" algn="l" defTabSz="914400" rtl="0" eaLnBrk="1" latinLnBrk="0" hangingPunct="1">
+              <a:defRPr sz="1800" kern="1200">
+                <a:solidFill>
+                  <a:schemeClr val="lt1"/>
+                </a:solidFill>
+                <a:latin typeface="+mn-lt"/>
+                <a:ea typeface="+mn-ea"/>
+                <a:cs typeface="+mn-cs"/>
+              </a:defRPr>
+            </a:lvl1pPr>
+            <a:lvl2pPr marL="457200" algn="l" defTabSz="914400" rtl="0" eaLnBrk="1" latinLnBrk="0" hangingPunct="1">
+              <a:defRPr sz="1800" kern="1200">
+                <a:solidFill>
+                  <a:schemeClr val="lt1"/>
+                </a:solidFill>
+                <a:latin typeface="+mn-lt"/>
+                <a:ea typeface="+mn-ea"/>
+                <a:cs typeface="+mn-cs"/>
+              </a:defRPr>
+            </a:lvl2pPr>
+            <a:lvl3pPr marL="914400" algn="l" defTabSz="914400" rtl="0" eaLnBrk="1" latinLnBrk="0" hangingPunct="1">
+              <a:defRPr sz="1800" kern="1200">
+                <a:solidFill>
+                  <a:schemeClr val="lt1"/>
+                </a:solidFill>
+                <a:latin typeface="+mn-lt"/>
+                <a:ea typeface="+mn-ea"/>
+                <a:cs typeface="+mn-cs"/>
+              </a:defRPr>
+            </a:lvl3pPr>
+            <a:lvl4pPr marL="1371600" algn="l" defTabSz="914400" rtl="0" eaLnBrk="1" latinLnBrk="0" hangingPunct="1">
+              <a:defRPr sz="1800" kern="1200">
+                <a:solidFill>
+                  <a:schemeClr val="lt1"/>
+                </a:solidFill>
+                <a:latin typeface="+mn-lt"/>
+                <a:ea typeface="+mn-ea"/>
+                <a:cs typeface="+mn-cs"/>
+              </a:defRPr>
+            </a:lvl4pPr>
+            <a:lvl5pPr marL="1828800" algn="l" defTabSz="914400" rtl="0" eaLnBrk="1" latinLnBrk="0" hangingPunct="1">
+              <a:defRPr sz="1800" kern="1200">
+                <a:solidFill>
+                  <a:schemeClr val="lt1"/>
+                </a:solidFill>
+                <a:latin typeface="+mn-lt"/>
+                <a:ea typeface="+mn-ea"/>
+                <a:cs typeface="+mn-cs"/>
+              </a:defRPr>
+            </a:lvl5pPr>
+            <a:lvl6pPr marL="2286000" algn="l" defTabSz="914400" rtl="0" eaLnBrk="1" latinLnBrk="0" hangingPunct="1">
+              <a:defRPr sz="1800" kern="1200">
+                <a:solidFill>
+                  <a:schemeClr val="lt1"/>
+                </a:solidFill>
+                <a:latin typeface="+mn-lt"/>
+                <a:ea typeface="+mn-ea"/>
+                <a:cs typeface="+mn-cs"/>
+              </a:defRPr>
+            </a:lvl6pPr>
+            <a:lvl7pPr marL="2743200" algn="l" defTabSz="914400" rtl="0" eaLnBrk="1" latinLnBrk="0" hangingPunct="1">
+              <a:defRPr sz="1800" kern="1200">
+                <a:solidFill>
+                  <a:schemeClr val="lt1"/>
+                </a:solidFill>
+                <a:latin typeface="+mn-lt"/>
+                <a:ea typeface="+mn-ea"/>
+                <a:cs typeface="+mn-cs"/>
+              </a:defRPr>
+            </a:lvl7pPr>
+            <a:lvl8pPr marL="3200400" algn="l" defTabSz="914400" rtl="0" eaLnBrk="1" latinLnBrk="0" hangingPunct="1">
+              <a:defRPr sz="1800" kern="1200">
+                <a:solidFill>
+                  <a:schemeClr val="lt1"/>
+                </a:solidFill>
+                <a:latin typeface="+mn-lt"/>
+                <a:ea typeface="+mn-ea"/>
+                <a:cs typeface="+mn-cs"/>
+              </a:defRPr>
+            </a:lvl8pPr>
+            <a:lvl9pPr marL="3657600" algn="l" defTabSz="914400" rtl="0" eaLnBrk="1" latinLnBrk="0" hangingPunct="1">
+              <a:defRPr sz="1800" kern="1200">
+                <a:solidFill>
+                  <a:schemeClr val="lt1"/>
+                </a:solidFill>
+                <a:latin typeface="+mn-lt"/>
+                <a:ea typeface="+mn-ea"/>
+                <a:cs typeface="+mn-cs"/>
+              </a:defRPr>
+            </a:lvl9pPr>
+          </a:lstStyle>
+          <a:p>
+            <a:pPr algn="ctr"/>
+            <a:endParaRPr lang="en-US"/>
+          </a:p>
+        </p:txBody>
+      </p:sp>
       <p:sp>
         <p:nvSpPr>
           <p:cNvPr id="2" name="Title 1">
@@ -6844,19 +11270,19 @@
         </p:nvSpPr>
         <p:spPr>
           <a:xfrm>
-            <a:off x="761999" y="1141712"/>
-            <a:ext cx="7923815" cy="1129537"/>
+            <a:off x="1524000" y="4218281"/>
+            <a:ext cx="4265007" cy="1885199"/>
           </a:xfrm>
         </p:spPr>
         <p:txBody>
-          <a:bodyPr anchor="t">
+          <a:bodyPr anchor="ctr">
             <a:normAutofit/>
           </a:bodyPr>
           <a:lstStyle/>
           <a:p>
             <a:pPr algn="l"/>
             <a:r>
-              <a:rPr lang="en-US" sz="5400" dirty="0"/>
+              <a:rPr lang="en-US" sz="4700"/>
               <a:t>Predicting product demand</a:t>
             </a:r>
           </a:p>
@@ -6880,53 +11306,133 @@
         </p:nvSpPr>
         <p:spPr>
           <a:xfrm>
-            <a:off x="784608" y="5497592"/>
-            <a:ext cx="10637772" cy="683095"/>
+            <a:off x="6018412" y="4218281"/>
+            <a:ext cx="4649588" cy="1885199"/>
           </a:xfrm>
         </p:spPr>
         <p:txBody>
-          <a:bodyPr anchor="t">
-            <a:noAutofit/>
+          <a:bodyPr anchor="ctr">
+            <a:normAutofit/>
           </a:bodyPr>
           <a:lstStyle/>
           <a:p>
             <a:pPr algn="l"/>
             <a:r>
-              <a:rPr lang="en-US" sz="1600" dirty="0"/>
+              <a:rPr lang="en-US"/>
               <a:t>Elliot Blackstone</a:t>
             </a:r>
           </a:p>
           <a:p>
             <a:pPr algn="l"/>
             <a:r>
-              <a:rPr lang="en-US" sz="1600" dirty="0"/>
+              <a:rPr lang="en-US"/>
               <a:t>Amirhossein Tavakoli</a:t>
             </a:r>
           </a:p>
           <a:p>
             <a:pPr algn="l"/>
             <a:r>
-              <a:rPr lang="en-US" sz="1600" dirty="0"/>
+              <a:rPr lang="en-US"/>
               <a:t>Mentor: S. C. Park</a:t>
             </a:r>
           </a:p>
         </p:txBody>
       </p:sp>
-      <p:cxnSp>
-        <p:nvCxnSpPr>
-          <p:cNvPr id="10" name="Straight Connector 9">
+      <p:pic>
+        <p:nvPicPr>
+          <p:cNvPr id="5" name="Picture 4">
             <a:extLst>
               <a:ext uri="{FF2B5EF4-FFF2-40B4-BE49-F238E27FC236}">
-                <a16:creationId xmlns:a16="http://schemas.microsoft.com/office/drawing/2014/main" id="{192712F8-36FA-35DF-0CE8-4098D93322A3}"/>
+                <a16:creationId xmlns:a16="http://schemas.microsoft.com/office/drawing/2014/main" id="{38BA3461-06CE-F6CD-2181-18C936517831}"/>
+              </a:ext>
+            </a:extLst>
+          </p:cNvPr>
+          <p:cNvPicPr>
+            <a:picLocks noChangeAspect="1"/>
+          </p:cNvPicPr>
+          <p:nvPr/>
+        </p:nvPicPr>
+        <p:blipFill>
+          <a:blip r:embed="rId2">
+            <a:extLst>
+              <a:ext uri="{28A0092B-C50C-407E-A947-70E740481C1C}">
+                <a14:useLocalDpi xmlns:a14="http://schemas.microsoft.com/office/drawing/2010/main" val="0"/>
+              </a:ext>
+            </a:extLst>
+          </a:blip>
+          <a:stretch>
+            <a:fillRect/>
+          </a:stretch>
+        </p:blipFill>
+        <p:spPr>
+          <a:xfrm>
+            <a:off x="678393" y="1347637"/>
+            <a:ext cx="10823796" cy="1948282"/>
+          </a:xfrm>
+          <a:custGeom>
+            <a:avLst/>
+            <a:gdLst/>
+            <a:ahLst/>
+            <a:cxnLst/>
+            <a:rect l="l" t="t" r="r" b="b"/>
+            <a:pathLst>
+              <a:path w="10823796" h="3287267">
+                <a:moveTo>
+                  <a:pt x="98881" y="0"/>
+                </a:moveTo>
+                <a:lnTo>
+                  <a:pt x="10724915" y="0"/>
+                </a:lnTo>
+                <a:cubicBezTo>
+                  <a:pt x="10779525" y="0"/>
+                  <a:pt x="10823796" y="44271"/>
+                  <a:pt x="10823796" y="98881"/>
+                </a:cubicBezTo>
+                <a:lnTo>
+                  <a:pt x="10823796" y="3188386"/>
+                </a:lnTo>
+                <a:cubicBezTo>
+                  <a:pt x="10823796" y="3242996"/>
+                  <a:pt x="10779525" y="3287267"/>
+                  <a:pt x="10724915" y="3287267"/>
+                </a:cubicBezTo>
+                <a:lnTo>
+                  <a:pt x="98881" y="3287267"/>
+                </a:lnTo>
+                <a:cubicBezTo>
+                  <a:pt x="44271" y="3287267"/>
+                  <a:pt x="0" y="3242996"/>
+                  <a:pt x="0" y="3188386"/>
+                </a:cubicBezTo>
+                <a:lnTo>
+                  <a:pt x="0" y="98881"/>
+                </a:lnTo>
+                <a:cubicBezTo>
+                  <a:pt x="0" y="44271"/>
+                  <a:pt x="44271" y="0"/>
+                  <a:pt x="98881" y="0"/>
+                </a:cubicBezTo>
+                <a:close/>
+              </a:path>
+            </a:pathLst>
+          </a:custGeom>
+        </p:spPr>
+      </p:pic>
+      <p:sp>
+        <p:nvSpPr>
+          <p:cNvPr id="24" name="Oval 23">
+            <a:extLst>
+              <a:ext uri="{FF2B5EF4-FFF2-40B4-BE49-F238E27FC236}">
+                <a16:creationId xmlns:a16="http://schemas.microsoft.com/office/drawing/2014/main" id="{9EE371B4-A1D9-4EFE-8FE1-000495831EFA}"/>
               </a:ext>
               <a:ext uri="{C183D7F6-B498-43B3-948B-1728B52AA6E4}">
                 <adec:decorative xmlns:adec="http://schemas.microsoft.com/office/drawing/2017/decorative" val="1"/>
               </a:ext>
             </a:extLst>
           </p:cNvPr>
-          <p:cNvCxnSpPr>
-            <a:cxnSpLocks noGrp="1" noRot="1" noChangeAspect="1" noMove="1" noResize="1" noEditPoints="1" noAdjustHandles="1" noChangeArrowheads="1" noChangeShapeType="1"/>
-          </p:cNvCxnSpPr>
+          <p:cNvSpPr>
+            <a:spLocks noGrp="1" noRot="1" noChangeAspect="1" noMove="1" noResize="1" noEditPoints="1" noAdjustHandles="1" noChangeArrowheads="1" noChangeShapeType="1" noTextEdit="1"/>
+          </p:cNvSpPr>
           <p:nvPr>
             <p:extLst>
               <p:ext uri="{386F3935-93C4-4BCD-93E2-E3B085C9AB24}">
@@ -6934,19 +11440,113 @@
               </p:ext>
             </p:extLst>
           </p:nvPr>
-        </p:nvCxnSpPr>
+        </p:nvSpPr>
         <p:spPr>
           <a:xfrm>
-            <a:off x="865140" y="871146"/>
-            <a:ext cx="736939" cy="0"/>
+            <a:off x="813617" y="4218281"/>
+            <a:ext cx="546100" cy="546100"/>
           </a:xfrm>
-          <a:prstGeom prst="line">
+          <a:prstGeom prst="ellipse">
             <a:avLst/>
           </a:prstGeom>
-          <a:ln w="57150">
+          <a:solidFill>
+            <a:schemeClr val="accent5"/>
+          </a:solidFill>
+          <a:ln>
+            <a:noFill/>
+          </a:ln>
+        </p:spPr>
+        <p:style>
+          <a:lnRef idx="2">
+            <a:schemeClr val="accent1">
+              <a:shade val="50000"/>
+            </a:schemeClr>
+          </a:lnRef>
+          <a:fillRef idx="1">
+            <a:schemeClr val="accent1"/>
+          </a:fillRef>
+          <a:effectRef idx="0">
+            <a:schemeClr val="accent1"/>
+          </a:effectRef>
+          <a:fontRef idx="minor">
+            <a:schemeClr val="lt1"/>
+          </a:fontRef>
+        </p:style>
+        <p:txBody>
+          <a:bodyPr rtlCol="0" anchor="ctr"/>
+          <a:lstStyle/>
+          <a:p>
+            <a:pPr marL="0" marR="0" lvl="0" indent="0" algn="ctr" defTabSz="914400" rtl="0" eaLnBrk="1" fontAlgn="auto" latinLnBrk="0" hangingPunct="1">
+              <a:lnSpc>
+                <a:spcPct val="100000"/>
+              </a:lnSpc>
+              <a:spcBef>
+                <a:spcPts val="0"/>
+              </a:spcBef>
+              <a:spcAft>
+                <a:spcPts val="0"/>
+              </a:spcAft>
+              <a:buClrTx/>
+              <a:buSzTx/>
+              <a:buFontTx/>
+              <a:buNone/>
+              <a:tabLst/>
+              <a:defRPr/>
+            </a:pPr>
+            <a:endParaRPr kumimoji="0" lang="en-US" sz="1800" b="0" i="0" u="none" strike="noStrike" kern="1200" cap="none" spc="0" normalizeH="0" baseline="0" noProof="0">
+              <a:solidFill>
+                <a:schemeClr val="accent5"/>
+              </a:solidFill>
+              <a:effectLst/>
+              <a:uLnTx/>
+              <a:uFillTx/>
+              <a:latin typeface="Calibri" panose="020F0502020204030204"/>
+              <a:ea typeface="+mn-ea"/>
+              <a:cs typeface="+mn-cs"/>
+            </a:endParaRPr>
+          </a:p>
+        </p:txBody>
+      </p:sp>
+      <p:sp>
+        <p:nvSpPr>
+          <p:cNvPr id="25" name="Arc 24">
+            <a:extLst>
+              <a:ext uri="{FF2B5EF4-FFF2-40B4-BE49-F238E27FC236}">
+                <a16:creationId xmlns:a16="http://schemas.microsoft.com/office/drawing/2014/main" id="{2E19C174-9C7C-461E-970B-432019901562}"/>
+              </a:ext>
+              <a:ext uri="{C183D7F6-B498-43B3-948B-1728B52AA6E4}">
+                <adec:decorative xmlns:adec="http://schemas.microsoft.com/office/drawing/2017/decorative" val="1"/>
+              </a:ext>
+            </a:extLst>
+          </p:cNvPr>
+          <p:cNvSpPr>
+            <a:spLocks noGrp="1" noRot="1" noChangeAspect="1" noMove="1" noResize="1" noEditPoints="1" noAdjustHandles="1" noChangeArrowheads="1" noChangeShapeType="1" noTextEdit="1"/>
+          </p:cNvSpPr>
+          <p:nvPr>
+            <p:extLst>
+              <p:ext uri="{386F3935-93C4-4BCD-93E2-E3B085C9AB24}">
+                <p16:designElem xmlns:p16="http://schemas.microsoft.com/office/powerpoint/2015/main" val="1"/>
+              </p:ext>
+            </p:extLst>
+          </p:nvPr>
+        </p:nvSpPr>
+        <p:spPr>
+          <a:xfrm>
+            <a:off x="8038539" y="3295432"/>
+            <a:ext cx="2987899" cy="2987899"/>
+          </a:xfrm>
+          <a:prstGeom prst="arc">
+            <a:avLst>
+              <a:gd name="adj1" fmla="val 14441841"/>
+              <a:gd name="adj2" fmla="val 0"/>
+            </a:avLst>
+          </a:prstGeom>
+          <a:ln w="127000" cap="rnd">
             <a:solidFill>
               <a:schemeClr val="accent4"/>
             </a:solidFill>
+            <a:prstDash val="dash"/>
+            <a:miter lim="800000"/>
           </a:ln>
         </p:spPr>
         <p:style>
@@ -6963,97 +11563,44 @@
             <a:schemeClr val="tx1"/>
           </a:fontRef>
         </p:style>
-      </p:cxnSp>
-      <p:pic>
-        <p:nvPicPr>
-          <p:cNvPr id="5" name="Picture 4">
-            <a:extLst>
-              <a:ext uri="{FF2B5EF4-FFF2-40B4-BE49-F238E27FC236}">
-                <a16:creationId xmlns:a16="http://schemas.microsoft.com/office/drawing/2014/main" id="{38BA3461-06CE-F6CD-2181-18C936517831}"/>
-              </a:ext>
-            </a:extLst>
-          </p:cNvPr>
-          <p:cNvPicPr>
-            <a:picLocks noChangeAspect="1"/>
-          </p:cNvPicPr>
-          <p:nvPr/>
-        </p:nvPicPr>
-        <p:blipFill>
-          <a:blip r:embed="rId2">
-            <a:extLst>
-              <a:ext uri="{28A0092B-C50C-407E-A947-70E740481C1C}">
-                <a14:useLocalDpi xmlns:a14="http://schemas.microsoft.com/office/drawing/2010/main" val="0"/>
-              </a:ext>
-            </a:extLst>
-          </a:blip>
-          <a:stretch>
-            <a:fillRect/>
-          </a:stretch>
-        </p:blipFill>
-        <p:spPr>
-          <a:xfrm>
-            <a:off x="865139" y="2892948"/>
-            <a:ext cx="10478721" cy="1886168"/>
-          </a:xfrm>
-          <a:prstGeom prst="rect">
-            <a:avLst/>
-          </a:prstGeom>
-        </p:spPr>
-      </p:pic>
-      <p:cxnSp>
-        <p:nvCxnSpPr>
-          <p:cNvPr id="12" name="Straight Connector 11">
-            <a:extLst>
-              <a:ext uri="{FF2B5EF4-FFF2-40B4-BE49-F238E27FC236}">
-                <a16:creationId xmlns:a16="http://schemas.microsoft.com/office/drawing/2014/main" id="{AF9469B9-6468-5B6A-E832-8D4590388432}"/>
-              </a:ext>
-              <a:ext uri="{C183D7F6-B498-43B3-948B-1728B52AA6E4}">
-                <adec:decorative xmlns:adec="http://schemas.microsoft.com/office/drawing/2017/decorative" val="1"/>
-              </a:ext>
-            </a:extLst>
-          </p:cNvPr>
-          <p:cNvCxnSpPr>
-            <a:cxnSpLocks noGrp="1" noRot="1" noChangeAspect="1" noMove="1" noResize="1" noEditPoints="1" noAdjustHandles="1" noChangeArrowheads="1" noChangeShapeType="1"/>
-          </p:cNvCxnSpPr>
-          <p:nvPr>
-            <p:extLst>
-              <p:ext uri="{386F3935-93C4-4BCD-93E2-E3B085C9AB24}">
-                <p16:designElem xmlns:p16="http://schemas.microsoft.com/office/powerpoint/2015/main" val="1"/>
-              </p:ext>
-            </p:extLst>
-          </p:nvPr>
-        </p:nvCxnSpPr>
-        <p:spPr>
-          <a:xfrm>
-            <a:off x="888897" y="5231580"/>
-            <a:ext cx="10459156" cy="0"/>
-          </a:xfrm>
-          <a:prstGeom prst="line">
-            <a:avLst/>
-          </a:prstGeom>
-          <a:ln w="12700">
-            <a:solidFill>
-              <a:schemeClr val="bg2">
-                <a:lumMod val="90000"/>
-              </a:schemeClr>
-            </a:solidFill>
-          </a:ln>
-        </p:spPr>
-        <p:style>
-          <a:lnRef idx="1">
-            <a:schemeClr val="accent1"/>
-          </a:lnRef>
-          <a:fillRef idx="0">
-            <a:schemeClr val="accent1"/>
-          </a:fillRef>
-          <a:effectRef idx="0">
-            <a:schemeClr val="accent1"/>
-          </a:effectRef>
-          <a:fontRef idx="minor">
-            <a:schemeClr val="tx1"/>
-          </a:fontRef>
-        </p:style>
-      </p:cxnSp>
+        <p:txBody>
+          <a:bodyPr rtlCol="0" anchor="ctr"/>
+          <a:lstStyle/>
+          <a:p>
+            <a:pPr marL="0" marR="0" lvl="0" indent="0" algn="ctr" defTabSz="914400" rtl="0" eaLnBrk="1" fontAlgn="auto" latinLnBrk="0" hangingPunct="1">
+              <a:lnSpc>
+                <a:spcPct val="100000"/>
+              </a:lnSpc>
+              <a:spcBef>
+                <a:spcPts val="0"/>
+              </a:spcBef>
+              <a:spcAft>
+                <a:spcPts val="0"/>
+              </a:spcAft>
+              <a:buClrTx/>
+              <a:buSzTx/>
+              <a:buFontTx/>
+              <a:buNone/>
+              <a:tabLst/>
+              <a:defRPr/>
+            </a:pPr>
+            <a:endParaRPr kumimoji="0" lang="en-US" sz="1800" b="0" i="0" u="none" strike="noStrike" kern="1200" cap="none" spc="0" normalizeH="0" baseline="0" noProof="0">
+              <a:ln>
+                <a:noFill/>
+              </a:ln>
+              <a:solidFill>
+                <a:srgbClr val="000000"/>
+              </a:solidFill>
+              <a:effectLst/>
+              <a:uLnTx/>
+              <a:uFillTx/>
+              <a:latin typeface="Calibri" panose="020F0502020204030204"/>
+              <a:ea typeface="+mn-ea"/>
+              <a:cs typeface="+mn-cs"/>
+            </a:endParaRPr>
+          </a:p>
+        </p:txBody>
+      </p:sp>
     </p:spTree>
     <p:extLst>
       <p:ext uri="{BB962C8B-B14F-4D97-AF65-F5344CB8AC3E}">
@@ -7557,33 +12104,24 @@
           <a:lstStyle/>
           <a:p>
             <a:r>
-              <a:rPr lang="en-US" sz="2000"/>
-              <a:t>Products are delivered to clients weekly</a:t>
+              <a:rPr lang="en-US" sz="2000" dirty="0"/>
+              <a:t>Delivers products to clients weekly</a:t>
             </a:r>
           </a:p>
           <a:p>
             <a:r>
-              <a:rPr lang="en-US" sz="2000"/>
-              <a:t>Target variable: Adjusted Demand = sales – returns</a:t>
+              <a:rPr lang="en-US" sz="2000" dirty="0"/>
+              <a:t>Delivers to over 1 million stores along 45,000 routes across Mexico</a:t>
             </a:r>
           </a:p>
           <a:p>
+            <a:endParaRPr lang="en-US" sz="2000" dirty="0"/>
+          </a:p>
+          <a:p>
             <a:r>
-              <a:rPr lang="en-US" sz="2000"/>
-              <a:t>Training data for weeks 3 – 9</a:t>
+              <a:rPr lang="en-US" sz="2000" dirty="0"/>
+              <a:t>Our goal is to predict the firms’ adjusted demand (sales – returns)</a:t>
             </a:r>
-          </a:p>
-          <a:p>
-            <a:r>
-              <a:rPr lang="en-US" sz="2000"/>
-              <a:t>Predict adjusted demand for weeks 10 and 11!</a:t>
-            </a:r>
-          </a:p>
-          <a:p>
-            <a:endParaRPr lang="en-US" sz="2000"/>
-          </a:p>
-          <a:p>
-            <a:endParaRPr lang="en-US" sz="2000"/>
           </a:p>
         </p:txBody>
       </p:sp>
@@ -7711,6 +12249,547 @@
     </p:bg>
     <p:spTree>
       <p:nvGrpSpPr>
+        <p:cNvPr id="1" name="">
+          <a:extLst>
+            <a:ext uri="{FF2B5EF4-FFF2-40B4-BE49-F238E27FC236}">
+              <a16:creationId xmlns:a16="http://schemas.microsoft.com/office/drawing/2014/main" id="{F70462D6-45AB-CB55-6197-1ABA8AC312A8}"/>
+            </a:ext>
+          </a:extLst>
+        </p:cNvPr>
+        <p:cNvGrpSpPr/>
+        <p:nvPr/>
+      </p:nvGrpSpPr>
+      <p:grpSpPr>
+        <a:xfrm>
+          <a:off x="0" y="0"/>
+          <a:ext cx="0" cy="0"/>
+          <a:chOff x="0" y="0"/>
+          <a:chExt cx="0" cy="0"/>
+        </a:xfrm>
+      </p:grpSpPr>
+      <p:sp useBgFill="1">
+        <p:nvSpPr>
+          <p:cNvPr id="111" name="Rectangle 110">
+            <a:extLst>
+              <a:ext uri="{FF2B5EF4-FFF2-40B4-BE49-F238E27FC236}">
+                <a16:creationId xmlns:a16="http://schemas.microsoft.com/office/drawing/2014/main" id="{2659FDB4-FCBE-4A89-B46D-43D4FA54464D}"/>
+              </a:ext>
+              <a:ext uri="{C183D7F6-B498-43B3-948B-1728B52AA6E4}">
+                <adec:decorative xmlns:adec="http://schemas.microsoft.com/office/drawing/2017/decorative" val="1"/>
+              </a:ext>
+            </a:extLst>
+          </p:cNvPr>
+          <p:cNvSpPr>
+            <a:spLocks noGrp="1" noRot="1" noChangeAspect="1" noMove="1" noResize="1" noEditPoints="1" noAdjustHandles="1" noChangeArrowheads="1" noChangeShapeType="1" noTextEdit="1"/>
+          </p:cNvSpPr>
+          <p:nvPr>
+            <p:extLst>
+              <p:ext uri="{386F3935-93C4-4BCD-93E2-E3B085C9AB24}">
+                <p16:designElem xmlns:p16="http://schemas.microsoft.com/office/powerpoint/2015/main" val="1"/>
+              </p:ext>
+            </p:extLst>
+          </p:nvPr>
+        </p:nvSpPr>
+        <p:spPr>
+          <a:xfrm>
+            <a:off x="0" y="8313"/>
+            <a:ext cx="12192000" cy="6858000"/>
+          </a:xfrm>
+          <a:prstGeom prst="rect">
+            <a:avLst/>
+          </a:prstGeom>
+          <a:ln>
+            <a:noFill/>
+          </a:ln>
+        </p:spPr>
+        <p:style>
+          <a:lnRef idx="2">
+            <a:schemeClr val="accent1">
+              <a:shade val="50000"/>
+            </a:schemeClr>
+          </a:lnRef>
+          <a:fillRef idx="1">
+            <a:schemeClr val="accent1"/>
+          </a:fillRef>
+          <a:effectRef idx="0">
+            <a:schemeClr val="accent1"/>
+          </a:effectRef>
+          <a:fontRef idx="minor">
+            <a:schemeClr val="lt1"/>
+          </a:fontRef>
+        </p:style>
+        <p:txBody>
+          <a:bodyPr rtlCol="0" anchor="ctr"/>
+          <a:lstStyle/>
+          <a:p>
+            <a:pPr algn="ctr"/>
+            <a:endParaRPr lang="en-US">
+              <a:solidFill>
+                <a:schemeClr val="bg1"/>
+              </a:solidFill>
+            </a:endParaRPr>
+          </a:p>
+        </p:txBody>
+      </p:sp>
+      <p:sp>
+        <p:nvSpPr>
+          <p:cNvPr id="2" name="Title 1">
+            <a:extLst>
+              <a:ext uri="{FF2B5EF4-FFF2-40B4-BE49-F238E27FC236}">
+                <a16:creationId xmlns:a16="http://schemas.microsoft.com/office/drawing/2014/main" id="{541DF85A-EEE6-36A2-E9E9-A7345A4B47BA}"/>
+              </a:ext>
+            </a:extLst>
+          </p:cNvPr>
+          <p:cNvSpPr>
+            <a:spLocks noGrp="1"/>
+          </p:cNvSpPr>
+          <p:nvPr>
+            <p:ph type="title"/>
+          </p:nvPr>
+        </p:nvSpPr>
+        <p:spPr>
+          <a:xfrm>
+            <a:off x="479394" y="1070800"/>
+            <a:ext cx="3939688" cy="2284721"/>
+          </a:xfrm>
+        </p:spPr>
+        <p:txBody>
+          <a:bodyPr>
+            <a:normAutofit fontScale="90000"/>
+          </a:bodyPr>
+          <a:lstStyle/>
+          <a:p>
+            <a:pPr algn="r"/>
+            <a:r>
+              <a:rPr lang="en-US" sz="8000" dirty="0"/>
+              <a:t>Data set features</a:t>
+            </a:r>
+          </a:p>
+        </p:txBody>
+      </p:sp>
+      <p:cxnSp>
+        <p:nvCxnSpPr>
+          <p:cNvPr id="112" name="Straight Connector 111">
+            <a:extLst>
+              <a:ext uri="{FF2B5EF4-FFF2-40B4-BE49-F238E27FC236}">
+                <a16:creationId xmlns:a16="http://schemas.microsoft.com/office/drawing/2014/main" id="{C8F51B3F-8331-4E4A-AE96-D47B1006EEAD}"/>
+              </a:ext>
+              <a:ext uri="{C183D7F6-B498-43B3-948B-1728B52AA6E4}">
+                <adec:decorative xmlns:adec="http://schemas.microsoft.com/office/drawing/2017/decorative" val="1"/>
+              </a:ext>
+            </a:extLst>
+          </p:cNvPr>
+          <p:cNvCxnSpPr>
+            <a:cxnSpLocks noGrp="1" noRot="1" noChangeAspect="1" noMove="1" noResize="1" noEditPoints="1" noAdjustHandles="1" noChangeArrowheads="1" noChangeShapeType="1"/>
+          </p:cNvCxnSpPr>
+          <p:nvPr>
+            <p:extLst>
+              <p:ext uri="{386F3935-93C4-4BCD-93E2-E3B085C9AB24}">
+                <p16:designElem xmlns:p16="http://schemas.microsoft.com/office/powerpoint/2015/main" val="1"/>
+              </p:ext>
+            </p:extLst>
+          </p:nvPr>
+        </p:nvCxnSpPr>
+        <p:spPr>
+          <a:xfrm>
+            <a:off x="4728053" y="1132114"/>
+            <a:ext cx="0" cy="5717573"/>
+          </a:xfrm>
+          <a:prstGeom prst="line">
+            <a:avLst/>
+          </a:prstGeom>
+          <a:ln w="25400" cap="sq">
+            <a:gradFill flip="none" rotWithShape="1">
+              <a:gsLst>
+                <a:gs pos="0">
+                  <a:schemeClr val="accent1"/>
+                </a:gs>
+                <a:gs pos="100000">
+                  <a:schemeClr val="accent2"/>
+                </a:gs>
+              </a:gsLst>
+              <a:lin ang="16200000" scaled="1"/>
+              <a:tileRect/>
+            </a:gradFill>
+            <a:bevel/>
+          </a:ln>
+        </p:spPr>
+        <p:style>
+          <a:lnRef idx="1">
+            <a:schemeClr val="accent1"/>
+          </a:lnRef>
+          <a:fillRef idx="0">
+            <a:schemeClr val="accent1"/>
+          </a:fillRef>
+          <a:effectRef idx="0">
+            <a:schemeClr val="accent1"/>
+          </a:effectRef>
+          <a:fontRef idx="minor">
+            <a:schemeClr val="tx1"/>
+          </a:fontRef>
+        </p:style>
+      </p:cxnSp>
+      <p:sp>
+        <p:nvSpPr>
+          <p:cNvPr id="4" name="Title 1">
+            <a:extLst>
+              <a:ext uri="{FF2B5EF4-FFF2-40B4-BE49-F238E27FC236}">
+                <a16:creationId xmlns:a16="http://schemas.microsoft.com/office/drawing/2014/main" id="{689C128C-98EF-9376-B17B-0D8BBDBD8A3D}"/>
+              </a:ext>
+            </a:extLst>
+          </p:cNvPr>
+          <p:cNvSpPr txBox="1">
+            <a:spLocks/>
+          </p:cNvSpPr>
+          <p:nvPr/>
+        </p:nvSpPr>
+        <p:spPr>
+          <a:xfrm>
+            <a:off x="6716571" y="635267"/>
+            <a:ext cx="4282983" cy="1200361"/>
+          </a:xfrm>
+          <a:prstGeom prst="rect">
+            <a:avLst/>
+          </a:prstGeom>
+        </p:spPr>
+        <p:txBody>
+          <a:bodyPr vert="horz" lIns="91440" tIns="45720" rIns="91440" bIns="45720" rtlCol="0" anchor="b">
+            <a:normAutofit/>
+          </a:bodyPr>
+          <a:lstStyle>
+            <a:lvl1pPr algn="l" defTabSz="914400" rtl="0" eaLnBrk="1" latinLnBrk="0" hangingPunct="1">
+              <a:lnSpc>
+                <a:spcPct val="90000"/>
+              </a:lnSpc>
+              <a:spcBef>
+                <a:spcPct val="0"/>
+              </a:spcBef>
+              <a:buNone/>
+              <a:defRPr sz="4400" kern="1200">
+                <a:solidFill>
+                  <a:schemeClr val="tx1"/>
+                </a:solidFill>
+                <a:latin typeface="+mj-lt"/>
+                <a:ea typeface="+mj-ea"/>
+                <a:cs typeface="+mj-cs"/>
+              </a:defRPr>
+            </a:lvl1pPr>
+          </a:lstStyle>
+          <a:p>
+            <a:endParaRPr lang="en-US" sz="3600" dirty="0"/>
+          </a:p>
+        </p:txBody>
+      </p:sp>
+      <p:sp>
+        <p:nvSpPr>
+          <p:cNvPr id="5" name="Content Placeholder 2">
+            <a:extLst>
+              <a:ext uri="{FF2B5EF4-FFF2-40B4-BE49-F238E27FC236}">
+                <a16:creationId xmlns:a16="http://schemas.microsoft.com/office/drawing/2014/main" id="{09B707F6-DA2A-259E-6614-FF5175A3E6E3}"/>
+              </a:ext>
+            </a:extLst>
+          </p:cNvPr>
+          <p:cNvSpPr txBox="1">
+            <a:spLocks/>
+          </p:cNvSpPr>
+          <p:nvPr/>
+        </p:nvSpPr>
+        <p:spPr>
+          <a:xfrm>
+            <a:off x="6716573" y="2140386"/>
+            <a:ext cx="4282984" cy="3511943"/>
+          </a:xfrm>
+          <a:prstGeom prst="rect">
+            <a:avLst/>
+          </a:prstGeom>
+        </p:spPr>
+        <p:txBody>
+          <a:bodyPr vert="horz" lIns="91440" tIns="45720" rIns="91440" bIns="45720" rtlCol="0" anchor="ctr">
+            <a:normAutofit/>
+          </a:bodyPr>
+          <a:lstStyle>
+            <a:lvl1pPr marL="228600" indent="-228600" algn="l" defTabSz="914400" rtl="0" eaLnBrk="1" latinLnBrk="0" hangingPunct="1">
+              <a:lnSpc>
+                <a:spcPct val="90000"/>
+              </a:lnSpc>
+              <a:spcBef>
+                <a:spcPts val="1000"/>
+              </a:spcBef>
+              <a:buFont typeface="Arial" panose="020B0604020202020204" pitchFamily="34" charset="0"/>
+              <a:buChar char="•"/>
+              <a:defRPr sz="2800" kern="1200">
+                <a:solidFill>
+                  <a:schemeClr val="tx1"/>
+                </a:solidFill>
+                <a:latin typeface="+mn-lt"/>
+                <a:ea typeface="+mn-ea"/>
+                <a:cs typeface="+mn-cs"/>
+              </a:defRPr>
+            </a:lvl1pPr>
+            <a:lvl2pPr marL="685800" indent="-228600" algn="l" defTabSz="914400" rtl="0" eaLnBrk="1" latinLnBrk="0" hangingPunct="1">
+              <a:lnSpc>
+                <a:spcPct val="90000"/>
+              </a:lnSpc>
+              <a:spcBef>
+                <a:spcPts val="500"/>
+              </a:spcBef>
+              <a:buFont typeface="Arial" panose="020B0604020202020204" pitchFamily="34" charset="0"/>
+              <a:buChar char="•"/>
+              <a:defRPr sz="2400" kern="1200">
+                <a:solidFill>
+                  <a:schemeClr val="tx1"/>
+                </a:solidFill>
+                <a:latin typeface="+mn-lt"/>
+                <a:ea typeface="+mn-ea"/>
+                <a:cs typeface="+mn-cs"/>
+              </a:defRPr>
+            </a:lvl2pPr>
+            <a:lvl3pPr marL="1143000" indent="-228600" algn="l" defTabSz="914400" rtl="0" eaLnBrk="1" latinLnBrk="0" hangingPunct="1">
+              <a:lnSpc>
+                <a:spcPct val="90000"/>
+              </a:lnSpc>
+              <a:spcBef>
+                <a:spcPts val="500"/>
+              </a:spcBef>
+              <a:buFont typeface="Arial" panose="020B0604020202020204" pitchFamily="34" charset="0"/>
+              <a:buChar char="•"/>
+              <a:defRPr sz="2000" kern="1200">
+                <a:solidFill>
+                  <a:schemeClr val="tx1"/>
+                </a:solidFill>
+                <a:latin typeface="+mn-lt"/>
+                <a:ea typeface="+mn-ea"/>
+                <a:cs typeface="+mn-cs"/>
+              </a:defRPr>
+            </a:lvl3pPr>
+            <a:lvl4pPr marL="1600200" indent="-228600" algn="l" defTabSz="914400" rtl="0" eaLnBrk="1" latinLnBrk="0" hangingPunct="1">
+              <a:lnSpc>
+                <a:spcPct val="90000"/>
+              </a:lnSpc>
+              <a:spcBef>
+                <a:spcPts val="500"/>
+              </a:spcBef>
+              <a:buFont typeface="Arial" panose="020B0604020202020204" pitchFamily="34" charset="0"/>
+              <a:buChar char="•"/>
+              <a:defRPr sz="1800" kern="1200">
+                <a:solidFill>
+                  <a:schemeClr val="tx1"/>
+                </a:solidFill>
+                <a:latin typeface="+mn-lt"/>
+                <a:ea typeface="+mn-ea"/>
+                <a:cs typeface="+mn-cs"/>
+              </a:defRPr>
+            </a:lvl4pPr>
+            <a:lvl5pPr marL="2057400" indent="-228600" algn="l" defTabSz="914400" rtl="0" eaLnBrk="1" latinLnBrk="0" hangingPunct="1">
+              <a:lnSpc>
+                <a:spcPct val="90000"/>
+              </a:lnSpc>
+              <a:spcBef>
+                <a:spcPts val="500"/>
+              </a:spcBef>
+              <a:buFont typeface="Arial" panose="020B0604020202020204" pitchFamily="34" charset="0"/>
+              <a:buChar char="•"/>
+              <a:defRPr sz="1800" kern="1200">
+                <a:solidFill>
+                  <a:schemeClr val="tx1"/>
+                </a:solidFill>
+                <a:latin typeface="+mn-lt"/>
+                <a:ea typeface="+mn-ea"/>
+                <a:cs typeface="+mn-cs"/>
+              </a:defRPr>
+            </a:lvl5pPr>
+            <a:lvl6pPr marL="2514600" indent="-228600" algn="l" defTabSz="914400" rtl="0" eaLnBrk="1" latinLnBrk="0" hangingPunct="1">
+              <a:lnSpc>
+                <a:spcPct val="90000"/>
+              </a:lnSpc>
+              <a:spcBef>
+                <a:spcPts val="500"/>
+              </a:spcBef>
+              <a:buFont typeface="Arial" panose="020B0604020202020204" pitchFamily="34" charset="0"/>
+              <a:buChar char="•"/>
+              <a:defRPr sz="1800" kern="1200">
+                <a:solidFill>
+                  <a:schemeClr val="tx1"/>
+                </a:solidFill>
+                <a:latin typeface="+mn-lt"/>
+                <a:ea typeface="+mn-ea"/>
+                <a:cs typeface="+mn-cs"/>
+              </a:defRPr>
+            </a:lvl6pPr>
+            <a:lvl7pPr marL="2971800" indent="-228600" algn="l" defTabSz="914400" rtl="0" eaLnBrk="1" latinLnBrk="0" hangingPunct="1">
+              <a:lnSpc>
+                <a:spcPct val="90000"/>
+              </a:lnSpc>
+              <a:spcBef>
+                <a:spcPts val="500"/>
+              </a:spcBef>
+              <a:buFont typeface="Arial" panose="020B0604020202020204" pitchFamily="34" charset="0"/>
+              <a:buChar char="•"/>
+              <a:defRPr sz="1800" kern="1200">
+                <a:solidFill>
+                  <a:schemeClr val="tx1"/>
+                </a:solidFill>
+                <a:latin typeface="+mn-lt"/>
+                <a:ea typeface="+mn-ea"/>
+                <a:cs typeface="+mn-cs"/>
+              </a:defRPr>
+            </a:lvl7pPr>
+            <a:lvl8pPr marL="3429000" indent="-228600" algn="l" defTabSz="914400" rtl="0" eaLnBrk="1" latinLnBrk="0" hangingPunct="1">
+              <a:lnSpc>
+                <a:spcPct val="90000"/>
+              </a:lnSpc>
+              <a:spcBef>
+                <a:spcPts val="500"/>
+              </a:spcBef>
+              <a:buFont typeface="Arial" panose="020B0604020202020204" pitchFamily="34" charset="0"/>
+              <a:buChar char="•"/>
+              <a:defRPr sz="1800" kern="1200">
+                <a:solidFill>
+                  <a:schemeClr val="tx1"/>
+                </a:solidFill>
+                <a:latin typeface="+mn-lt"/>
+                <a:ea typeface="+mn-ea"/>
+                <a:cs typeface="+mn-cs"/>
+              </a:defRPr>
+            </a:lvl8pPr>
+            <a:lvl9pPr marL="3886200" indent="-228600" algn="l" defTabSz="914400" rtl="0" eaLnBrk="1" latinLnBrk="0" hangingPunct="1">
+              <a:lnSpc>
+                <a:spcPct val="90000"/>
+              </a:lnSpc>
+              <a:spcBef>
+                <a:spcPts val="500"/>
+              </a:spcBef>
+              <a:buFont typeface="Arial" panose="020B0604020202020204" pitchFamily="34" charset="0"/>
+              <a:buChar char="•"/>
+              <a:defRPr sz="1800" kern="1200">
+                <a:solidFill>
+                  <a:schemeClr val="tx1"/>
+                </a:solidFill>
+                <a:latin typeface="+mn-lt"/>
+                <a:ea typeface="+mn-ea"/>
+                <a:cs typeface="+mn-cs"/>
+              </a:defRPr>
+            </a:lvl9pPr>
+          </a:lstStyle>
+          <a:p>
+            <a:endParaRPr lang="en-US" sz="1800" dirty="0"/>
+          </a:p>
+        </p:txBody>
+      </p:sp>
+      <p:graphicFrame>
+        <p:nvGraphicFramePr>
+          <p:cNvPr id="113" name="Content Placeholder 2">
+            <a:extLst>
+              <a:ext uri="{FF2B5EF4-FFF2-40B4-BE49-F238E27FC236}">
+                <a16:creationId xmlns:a16="http://schemas.microsoft.com/office/drawing/2014/main" id="{172B4AC3-80C2-1C8C-2205-4905EDACD3DC}"/>
+              </a:ext>
+            </a:extLst>
+          </p:cNvPr>
+          <p:cNvGraphicFramePr>
+            <a:graphicFrameLocks noGrp="1"/>
+          </p:cNvGraphicFramePr>
+          <p:nvPr>
+            <p:ph idx="1"/>
+            <p:extLst>
+              <p:ext uri="{D42A27DB-BD31-4B8C-83A1-F6EECF244321}">
+                <p14:modId xmlns:p14="http://schemas.microsoft.com/office/powerpoint/2010/main" val="2587211045"/>
+              </p:ext>
+            </p:extLst>
+          </p:nvPr>
+        </p:nvGraphicFramePr>
+        <p:xfrm>
+          <a:off x="5108535" y="1070800"/>
+          <a:ext cx="6245265" cy="5589347"/>
+        </p:xfrm>
+        <a:graphic>
+          <a:graphicData uri="http://schemas.openxmlformats.org/drawingml/2006/diagram">
+            <dgm:relIds xmlns:dgm="http://schemas.openxmlformats.org/drawingml/2006/diagram" xmlns:r="http://schemas.openxmlformats.org/officeDocument/2006/relationships" r:dm="rId3" r:lo="rId4" r:qs="rId5" r:cs="rId6"/>
+          </a:graphicData>
+        </a:graphic>
+      </p:graphicFrame>
+      <p:sp>
+        <p:nvSpPr>
+          <p:cNvPr id="11" name="TextBox 10">
+            <a:extLst>
+              <a:ext uri="{FF2B5EF4-FFF2-40B4-BE49-F238E27FC236}">
+                <a16:creationId xmlns:a16="http://schemas.microsoft.com/office/drawing/2014/main" id="{E92E0842-CA29-28D9-4469-0599294D388E}"/>
+              </a:ext>
+            </a:extLst>
+          </p:cNvPr>
+          <p:cNvSpPr txBox="1"/>
+          <p:nvPr/>
+        </p:nvSpPr>
+        <p:spPr>
+          <a:xfrm>
+            <a:off x="267693" y="3680454"/>
+            <a:ext cx="4296138" cy="1754326"/>
+          </a:xfrm>
+          <a:prstGeom prst="rect">
+            <a:avLst/>
+          </a:prstGeom>
+          <a:noFill/>
+        </p:spPr>
+        <p:txBody>
+          <a:bodyPr wrap="square">
+            <a:spAutoFit/>
+          </a:bodyPr>
+          <a:lstStyle/>
+          <a:p>
+            <a:pPr marL="285750" indent="-285750">
+              <a:buFont typeface="Arial" panose="020B0604020202020204" pitchFamily="34" charset="0"/>
+              <a:buChar char="•"/>
+            </a:pPr>
+            <a:r>
+              <a:rPr lang="en-US" sz="1800" dirty="0"/>
+              <a:t>Training data contains roughly 75 million observations for demand in weeks 3 to 9</a:t>
+            </a:r>
+          </a:p>
+          <a:p>
+            <a:pPr marL="285750" indent="-285750">
+              <a:buFont typeface="Arial" panose="020B0604020202020204" pitchFamily="34" charset="0"/>
+              <a:buChar char="•"/>
+            </a:pPr>
+            <a:endParaRPr lang="en-US" sz="1800" dirty="0"/>
+          </a:p>
+          <a:p>
+            <a:pPr marL="285750" indent="-285750">
+              <a:buFont typeface="Arial" panose="020B0604020202020204" pitchFamily="34" charset="0"/>
+              <a:buChar char="•"/>
+            </a:pPr>
+            <a:r>
+              <a:rPr lang="en-US" sz="1800" dirty="0"/>
+              <a:t>Our goal is to predict the demand for weeks 10 and 11</a:t>
+            </a:r>
+            <a:endParaRPr lang="en-US" dirty="0"/>
+          </a:p>
+        </p:txBody>
+      </p:sp>
+    </p:spTree>
+    <p:extLst>
+      <p:ext uri="{BB962C8B-B14F-4D97-AF65-F5344CB8AC3E}">
+        <p14:creationId xmlns:p14="http://schemas.microsoft.com/office/powerpoint/2010/main" val="3254767173"/>
+      </p:ext>
+    </p:extLst>
+  </p:cSld>
+  <p:clrMapOvr>
+    <a:masterClrMapping/>
+  </p:clrMapOvr>
+</p:sld>
+</file>
+
+<file path=ppt/slides/slide5.xml><?xml version="1.0" encoding="utf-8"?>
+<p:sld xmlns:a="http://schemas.openxmlformats.org/drawingml/2006/main" xmlns:r="http://schemas.openxmlformats.org/officeDocument/2006/relationships" xmlns:p="http://schemas.openxmlformats.org/presentationml/2006/main">
+  <p:cSld>
+    <p:bg>
+      <p:bgPr>
+        <a:solidFill>
+          <a:schemeClr val="bg1"/>
+        </a:solidFill>
+        <a:effectLst/>
+      </p:bgPr>
+    </p:bg>
+    <p:spTree>
+      <p:nvGrpSpPr>
         <p:cNvPr id="1" name=""/>
         <p:cNvGrpSpPr/>
         <p:nvPr/>
@@ -7812,8 +12891,8 @@
           <a:lstStyle/>
           <a:p>
             <a:r>
-              <a:rPr lang="en-US" sz="3600"/>
-              <a:t>Data set features</a:t>
+              <a:rPr lang="en-US" sz="3600" dirty="0"/>
+              <a:t>Demand Heatmap</a:t>
             </a:r>
           </a:p>
         </p:txBody>
@@ -7910,32 +12989,8 @@
           <a:lstStyle/>
           <a:p>
             <a:r>
-              <a:rPr lang="en-US" sz="1800"/>
-              <a:t>Client ID</a:t>
-            </a:r>
-          </a:p>
-          <a:p>
-            <a:r>
-              <a:rPr lang="en-US" sz="1800"/>
-              <a:t>Product ID</a:t>
-            </a:r>
-          </a:p>
-          <a:p>
-            <a:r>
-              <a:rPr lang="en-US" sz="1800"/>
-              <a:t>Route ID</a:t>
-            </a:r>
-          </a:p>
-          <a:p>
-            <a:r>
-              <a:rPr lang="en-US" sz="1800"/>
-              <a:t>Sales depot ID</a:t>
-            </a:r>
-          </a:p>
-          <a:p>
-            <a:r>
-              <a:rPr lang="en-US" sz="1800"/>
-              <a:t>Adjusted demand</a:t>
+              <a:rPr lang="en-US" sz="1800" dirty="0"/>
+              <a:t>Aggregated sales </a:t>
             </a:r>
           </a:p>
         </p:txBody>
@@ -8158,13 +13213,13 @@
               </a:ext>
             </a:extLst>
           </a:blip>
-          <a:srcRect l="-1240" r="6950" b="2"/>
+          <a:srcRect l="-1239" r="-2381" b="2"/>
           <a:stretch/>
         </p:blipFill>
         <p:spPr>
           <a:xfrm>
             <a:off x="5987738" y="1014608"/>
-            <a:ext cx="5628018" cy="4595914"/>
+            <a:ext cx="6184972" cy="4595914"/>
           </a:xfrm>
           <a:prstGeom prst="rect">
             <a:avLst/>
@@ -8175,89 +13230,6 @@
     <p:extLst>
       <p:ext uri="{BB962C8B-B14F-4D97-AF65-F5344CB8AC3E}">
         <p14:creationId xmlns:p14="http://schemas.microsoft.com/office/powerpoint/2010/main" val="174139407"/>
-      </p:ext>
-    </p:extLst>
-  </p:cSld>
-  <p:clrMapOvr>
-    <a:masterClrMapping/>
-  </p:clrMapOvr>
-</p:sld>
-</file>
-
-<file path=ppt/slides/slide5.xml><?xml version="1.0" encoding="utf-8"?>
-<p:sld xmlns:a="http://schemas.openxmlformats.org/drawingml/2006/main" xmlns:r="http://schemas.openxmlformats.org/officeDocument/2006/relationships" xmlns:p="http://schemas.openxmlformats.org/presentationml/2006/main">
-  <p:cSld>
-    <p:spTree>
-      <p:nvGrpSpPr>
-        <p:cNvPr id="1" name=""/>
-        <p:cNvGrpSpPr/>
-        <p:nvPr/>
-      </p:nvGrpSpPr>
-      <p:grpSpPr>
-        <a:xfrm>
-          <a:off x="0" y="0"/>
-          <a:ext cx="0" cy="0"/>
-          <a:chOff x="0" y="0"/>
-          <a:chExt cx="0" cy="0"/>
-        </a:xfrm>
-      </p:grpSpPr>
-      <p:sp>
-        <p:nvSpPr>
-          <p:cNvPr id="2" name="Title 1">
-            <a:extLst>
-              <a:ext uri="{FF2B5EF4-FFF2-40B4-BE49-F238E27FC236}">
-                <a16:creationId xmlns:a16="http://schemas.microsoft.com/office/drawing/2014/main" id="{023D55A0-500B-7E01-765A-8ED4B982BB1B}"/>
-              </a:ext>
-            </a:extLst>
-          </p:cNvPr>
-          <p:cNvSpPr>
-            <a:spLocks noGrp="1"/>
-          </p:cNvSpPr>
-          <p:nvPr>
-            <p:ph type="title"/>
-          </p:nvPr>
-        </p:nvSpPr>
-        <p:spPr/>
-        <p:txBody>
-          <a:bodyPr/>
-          <a:lstStyle/>
-          <a:p>
-            <a:r>
-              <a:rPr lang="en-US" dirty="0"/>
-              <a:t>Heat map of demand</a:t>
-            </a:r>
-          </a:p>
-        </p:txBody>
-      </p:sp>
-      <p:sp>
-        <p:nvSpPr>
-          <p:cNvPr id="3" name="Content Placeholder 2">
-            <a:extLst>
-              <a:ext uri="{FF2B5EF4-FFF2-40B4-BE49-F238E27FC236}">
-                <a16:creationId xmlns:a16="http://schemas.microsoft.com/office/drawing/2014/main" id="{FE99D859-29A6-F8E2-4425-656AA97764B4}"/>
-              </a:ext>
-            </a:extLst>
-          </p:cNvPr>
-          <p:cNvSpPr>
-            <a:spLocks noGrp="1"/>
-          </p:cNvSpPr>
-          <p:nvPr>
-            <p:ph idx="1"/>
-          </p:nvPr>
-        </p:nvSpPr>
-        <p:spPr/>
-        <p:txBody>
-          <a:bodyPr/>
-          <a:lstStyle/>
-          <a:p>
-            <a:endParaRPr lang="en-US"/>
-          </a:p>
-        </p:txBody>
-      </p:sp>
-    </p:spTree>
-    <p:extLst>
-      <p:ext uri="{BB962C8B-B14F-4D97-AF65-F5344CB8AC3E}">
-        <p14:creationId xmlns:p14="http://schemas.microsoft.com/office/powerpoint/2010/main" val="4019964248"/>
       </p:ext>
     </p:extLst>
   </p:cSld>

--- a/Predicting product demand.pptx
+++ b/Predicting product demand.pptx
@@ -7605,21 +7605,8 @@
           <a:p>
             <a:r>
               <a:rPr lang="en-US" dirty="0"/>
-              <a:t>To get a sense of demand variation </a:t>
+              <a:t>To understand demand variation across states, we aggregate sales at the state level and merge this data with an external Geographic JavaScript Object Notation. The heatmap shows regions like the State of Mexico, Jalisco, and Veracruz have the highest demand.</a:t>
             </a:r>
-            <a:r>
-              <a:rPr lang="en-US"/>
-              <a:t>across states, </a:t>
-            </a:r>
-            <a:r>
-              <a:rPr lang="en-US" dirty="0"/>
-              <a:t>we aggregate sales at the state level and merge </a:t>
-            </a:r>
-            <a:r>
-              <a:rPr lang="en-US"/>
-              <a:t>this W</a:t>
-            </a:r>
-            <a:endParaRPr lang="en-US" dirty="0"/>
           </a:p>
         </p:txBody>
       </p:sp>
@@ -12804,7 +12791,7 @@
       </p:grpSpPr>
       <p:sp useBgFill="1">
         <p:nvSpPr>
-          <p:cNvPr id="89" name="Rectangle 88">
+          <p:cNvPr id="111" name="Rectangle 110">
             <a:extLst>
               <a:ext uri="{FF2B5EF4-FFF2-40B4-BE49-F238E27FC236}">
                 <a16:creationId xmlns:a16="http://schemas.microsoft.com/office/drawing/2014/main" id="{DBC6133C-0615-4CE4-9132-37E609A9BDFA}"/>
@@ -12891,15 +12878,16 @@
           <a:lstStyle/>
           <a:p>
             <a:r>
-              <a:rPr lang="en-US" sz="3600" dirty="0"/>
+              <a:rPr lang="en-US" sz="3600"/>
               <a:t>Demand Heatmap</a:t>
             </a:r>
+            <a:endParaRPr lang="en-US" sz="3600" dirty="0"/>
           </a:p>
         </p:txBody>
       </p:sp>
       <p:sp>
         <p:nvSpPr>
-          <p:cNvPr id="91" name="Rectangle 90">
+          <p:cNvPr id="112" name="Rectangle 111">
             <a:extLst>
               <a:ext uri="{FF2B5EF4-FFF2-40B4-BE49-F238E27FC236}">
                 <a16:creationId xmlns:a16="http://schemas.microsoft.com/office/drawing/2014/main" id="{169CC832-2974-4E8D-90ED-3E2941BA7336}"/>
@@ -12989,15 +12977,33 @@
           <a:lstStyle/>
           <a:p>
             <a:r>
-              <a:rPr lang="en-US" sz="1800" dirty="0"/>
-              <a:t>Aggregated sales </a:t>
+              <a:rPr lang="en-US" sz="1800"/>
+              <a:t>Aggregated sales at the state level</a:t>
             </a:r>
+          </a:p>
+          <a:p>
+            <a:r>
+              <a:rPr lang="en-US" sz="1800"/>
+              <a:t>Merged with GeoJSON</a:t>
+            </a:r>
+          </a:p>
+          <a:p>
+            <a:endParaRPr lang="en-US" sz="1800"/>
+          </a:p>
+          <a:p>
+            <a:r>
+              <a:rPr lang="en-US" sz="1800"/>
+              <a:t>Significant heterogeneity in demand across states</a:t>
+            </a:r>
+          </a:p>
+          <a:p>
+            <a:endParaRPr lang="en-US" sz="1800" dirty="0"/>
           </a:p>
         </p:txBody>
       </p:sp>
       <p:sp>
         <p:nvSpPr>
-          <p:cNvPr id="93" name="Rectangle 92">
+          <p:cNvPr id="113" name="Rectangle 112">
             <a:extLst>
               <a:ext uri="{FF2B5EF4-FFF2-40B4-BE49-F238E27FC236}">
                 <a16:creationId xmlns:a16="http://schemas.microsoft.com/office/drawing/2014/main" id="{55222F96-971A-4F90-B841-6BAB416C7AC1}"/>
@@ -13060,7 +13066,7 @@
       </p:sp>
       <p:sp>
         <p:nvSpPr>
-          <p:cNvPr id="95" name="Rectangle 94">
+          <p:cNvPr id="114" name="Rectangle 113">
             <a:extLst>
               <a:ext uri="{FF2B5EF4-FFF2-40B4-BE49-F238E27FC236}">
                 <a16:creationId xmlns:a16="http://schemas.microsoft.com/office/drawing/2014/main" id="{08980754-6F4B-43C9-B9BE-127B6BED6586}"/>
@@ -13123,7 +13129,7 @@
       </p:sp>
       <p:sp>
         <p:nvSpPr>
-          <p:cNvPr id="97" name="Rectangle 96">
+          <p:cNvPr id="110" name="Rectangle 109">
             <a:extLst>
               <a:ext uri="{FF2B5EF4-FFF2-40B4-BE49-F238E27FC236}">
                 <a16:creationId xmlns:a16="http://schemas.microsoft.com/office/drawing/2014/main" id="{2C1BBA94-3F40-40AA-8BB9-E69E25E537C1}"/>
@@ -13218,8 +13224,8 @@
         </p:blipFill>
         <p:spPr>
           <a:xfrm>
-            <a:off x="5987738" y="1014608"/>
-            <a:ext cx="6184972" cy="4595914"/>
+            <a:off x="5987738" y="1221517"/>
+            <a:ext cx="5628018" cy="4182096"/>
           </a:xfrm>
           <a:prstGeom prst="rect">
             <a:avLst/>

--- a/Predicting product demand.pptx
+++ b/Predicting product demand.pptx
@@ -5,7 +5,7 @@
     <p:sldMasterId id="2147483648" r:id="rId1"/>
   </p:sldMasterIdLst>
   <p:notesMasterIdLst>
-    <p:notesMasterId r:id="rId12"/>
+    <p:notesMasterId r:id="rId13"/>
   </p:notesMasterIdLst>
   <p:sldIdLst>
     <p:sldId id="256" r:id="rId2"/>
@@ -13,11 +13,12 @@
     <p:sldId id="257" r:id="rId4"/>
     <p:sldId id="268" r:id="rId5"/>
     <p:sldId id="258" r:id="rId6"/>
-    <p:sldId id="261" r:id="rId7"/>
-    <p:sldId id="260" r:id="rId8"/>
-    <p:sldId id="262" r:id="rId9"/>
-    <p:sldId id="263" r:id="rId10"/>
-    <p:sldId id="266" r:id="rId11"/>
+    <p:sldId id="269" r:id="rId7"/>
+    <p:sldId id="261" r:id="rId8"/>
+    <p:sldId id="260" r:id="rId9"/>
+    <p:sldId id="262" r:id="rId10"/>
+    <p:sldId id="263" r:id="rId11"/>
+    <p:sldId id="266" r:id="rId12"/>
   </p:sldIdLst>
   <p:sldSz cx="12192000" cy="6858000"/>
   <p:notesSz cx="6858000" cy="9144000"/>
@@ -118,7 +119,13 @@
   </p:defaultTextStyle>
   <p:extLst>
     <p:ext uri="{EFAFB233-063F-42B5-8137-9DF3F51BA10A}">
-      <p15:sldGuideLst xmlns:p15="http://schemas.microsoft.com/office/powerpoint/2012/main"/>
+      <p15:sldGuideLst xmlns:p15="http://schemas.microsoft.com/office/powerpoint/2012/main">
+        <p15:guide id="1" orient="horz" pos="4128" userDrawn="1">
+          <p15:clr>
+            <a:srgbClr val="A4A3A4"/>
+          </p15:clr>
+        </p15:guide>
+      </p15:sldGuideLst>
     </p:ext>
   </p:extLst>
 </p:presentation>
@@ -7651,7 +7658,13 @@
   <p:cSld>
     <p:spTree>
       <p:nvGrpSpPr>
-        <p:cNvPr id="1" name=""/>
+        <p:cNvPr id="1" name="">
+          <a:extLst>
+            <a:ext uri="{FF2B5EF4-FFF2-40B4-BE49-F238E27FC236}">
+              <a16:creationId xmlns:a16="http://schemas.microsoft.com/office/drawing/2014/main" id="{B4E1D17A-0291-E80F-2B8D-71442BB37614}"/>
+            </a:ext>
+          </a:extLst>
+        </p:cNvPr>
         <p:cNvGrpSpPr/>
         <p:nvPr/>
       </p:nvGrpSpPr>
@@ -7665,7 +7678,13 @@
       </p:grpSpPr>
       <p:sp>
         <p:nvSpPr>
-          <p:cNvPr id="2" name="Slide Image Placeholder 1"/>
+          <p:cNvPr id="2" name="Slide Image Placeholder 1">
+            <a:extLst>
+              <a:ext uri="{FF2B5EF4-FFF2-40B4-BE49-F238E27FC236}">
+                <a16:creationId xmlns:a16="http://schemas.microsoft.com/office/drawing/2014/main" id="{F48F96E0-0B97-E140-DD70-7A3969678935}"/>
+              </a:ext>
+            </a:extLst>
+          </p:cNvPr>
           <p:cNvSpPr>
             <a:spLocks noGrp="1" noRot="1" noChangeAspect="1"/>
           </p:cNvSpPr>
@@ -7677,7 +7696,13 @@
       </p:sp>
       <p:sp>
         <p:nvSpPr>
-          <p:cNvPr id="3" name="Notes Placeholder 2"/>
+          <p:cNvPr id="3" name="Notes Placeholder 2">
+            <a:extLst>
+              <a:ext uri="{FF2B5EF4-FFF2-40B4-BE49-F238E27FC236}">
+                <a16:creationId xmlns:a16="http://schemas.microsoft.com/office/drawing/2014/main" id="{CA1D3169-F016-EBB7-BA89-CD3FA1602DC8}"/>
+              </a:ext>
+            </a:extLst>
+          </p:cNvPr>
           <p:cNvSpPr>
             <a:spLocks noGrp="1"/>
           </p:cNvSpPr>
@@ -7692,41 +7717,20 @@
           <a:p>
             <a:r>
               <a:rPr lang="en-US" dirty="0"/>
-              <a:t>As mentioned before, the training data set has roughly 75 million rows!  There are around 880k unique clients and 2.5k unique products.</a:t>
-            </a:r>
-          </a:p>
-          <a:p>
-            <a:endParaRPr lang="en-US" dirty="0"/>
-          </a:p>
-          <a:p>
-            <a:r>
-              <a:rPr lang="en-US" dirty="0"/>
-              <a:t>Many client/product pairs have missing values.  A common occurrence is ‘client X buys some amount of product Y in weeks 3, 7, and 8’.  There is no data for client X and product Y in weeks 4, 5, 6, 9.  Did client X not purchase any of product Y during those weeks? Or is this data missing? The answer is not provided.</a:t>
-            </a:r>
-          </a:p>
-          <a:p>
-            <a:endParaRPr lang="en-US" dirty="0"/>
-          </a:p>
-          <a:p>
-            <a:r>
-              <a:rPr lang="en-US" dirty="0"/>
-              <a:t>The clients for which we predict demand in weeks 10 and/or 11 may not be present in weeks 3 through 9.  The same issue appears for training models.  If we use weeks 3 – 8 to train a model, there are new clients in week 9.</a:t>
-            </a:r>
-          </a:p>
-          <a:p>
-            <a:endParaRPr lang="en-US" dirty="0"/>
-          </a:p>
-          <a:p>
-            <a:r>
-              <a:rPr lang="en-US" dirty="0"/>
-              <a:t>This is a time series data set with only 7 time entries!</a:t>
+              <a:t>The figure on the left shows the distribution of clients based on their average demand. As you can see, most firms demand less than 10 units per week. The right figure shows the clients' distribution based on the number of unique products they bought. This figure shows that the lion’s share of clients demand various products. Taken together, it seems most clients have demand across a variety of products; however, they demand low quantities of each product.</a:t>
             </a:r>
           </a:p>
         </p:txBody>
       </p:sp>
       <p:sp>
         <p:nvSpPr>
-          <p:cNvPr id="4" name="Slide Number Placeholder 3"/>
+          <p:cNvPr id="4" name="Slide Number Placeholder 3">
+            <a:extLst>
+              <a:ext uri="{FF2B5EF4-FFF2-40B4-BE49-F238E27FC236}">
+                <a16:creationId xmlns:a16="http://schemas.microsoft.com/office/drawing/2014/main" id="{C8B99FAB-2044-15DB-DA20-1A5ADF4B7464}"/>
+              </a:ext>
+            </a:extLst>
+          </p:cNvPr>
           <p:cNvSpPr>
             <a:spLocks noGrp="1"/>
           </p:cNvSpPr>
@@ -7750,7 +7754,7 @@
     </p:spTree>
     <p:extLst>
       <p:ext uri="{BB962C8B-B14F-4D97-AF65-F5344CB8AC3E}">
-        <p14:creationId xmlns:p14="http://schemas.microsoft.com/office/powerpoint/2010/main" val="752841090"/>
+        <p14:creationId xmlns:p14="http://schemas.microsoft.com/office/powerpoint/2010/main" val="3394963561"/>
       </p:ext>
     </p:extLst>
   </p:cSld>
@@ -7804,6 +7808,137 @@
           <a:bodyPr/>
           <a:lstStyle/>
           <a:p>
+            <a:pPr marL="0" marR="0" lvl="0" indent="0" algn="l" defTabSz="914400" rtl="0" eaLnBrk="1" fontAlgn="auto" latinLnBrk="0" hangingPunct="1">
+              <a:lnSpc>
+                <a:spcPct val="100000"/>
+              </a:lnSpc>
+              <a:spcBef>
+                <a:spcPts val="0"/>
+              </a:spcBef>
+              <a:spcAft>
+                <a:spcPts val="0"/>
+              </a:spcAft>
+              <a:buClrTx/>
+              <a:buSzTx/>
+              <a:buFontTx/>
+              <a:buNone/>
+              <a:tabLst/>
+              <a:defRPr/>
+            </a:pPr>
+            <a:r>
+              <a:rPr lang="en-US" dirty="0"/>
+              <a:t>This is a panel data set with only 7 periods.</a:t>
+            </a:r>
+          </a:p>
+          <a:p>
+            <a:endParaRPr lang="en-US" dirty="0"/>
+          </a:p>
+          <a:p>
+            <a:r>
+              <a:rPr lang="en-US" dirty="0"/>
+              <a:t>As mentioned before, the training data set has roughly 75 million rows!  There are around 880k unique clients and 2.5k unique products.</a:t>
+            </a:r>
+          </a:p>
+          <a:p>
+            <a:endParaRPr lang="en-US" dirty="0"/>
+          </a:p>
+          <a:p>
+            <a:r>
+              <a:rPr lang="en-US" dirty="0"/>
+              <a:t>Many client/product pairs have missing values.  A common occurrence is ‘client X buys some amount of product Y in weeks 3, 7, and 8’.  There is no data for client X and product Y in weeks 4, 5, 6, 9.  Did client X not purchase any of product Y during those weeks? Or is this data missing? The answer is not provided.</a:t>
+            </a:r>
+          </a:p>
+          <a:p>
+            <a:endParaRPr lang="en-US" dirty="0"/>
+          </a:p>
+          <a:p>
+            <a:r>
+              <a:rPr lang="en-US" dirty="0"/>
+              <a:t>The clients for which we predict demand in weeks 10 and/or 11 may not be present in weeks 3 through 9.  The same issue appears for training models.  If we use weeks 3 – 8 observations to train a model, there are new clients in week 9.</a:t>
+            </a:r>
+          </a:p>
+        </p:txBody>
+      </p:sp>
+      <p:sp>
+        <p:nvSpPr>
+          <p:cNvPr id="4" name="Slide Number Placeholder 3"/>
+          <p:cNvSpPr>
+            <a:spLocks noGrp="1"/>
+          </p:cNvSpPr>
+          <p:nvPr>
+            <p:ph type="sldNum" sz="quarter" idx="5"/>
+          </p:nvPr>
+        </p:nvSpPr>
+        <p:spPr/>
+        <p:txBody>
+          <a:bodyPr/>
+          <a:lstStyle/>
+          <a:p>
+            <a:fld id="{9881FB53-477E-47AB-9C04-CE32FC40BF5A}" type="slidenum">
+              <a:rPr lang="en-US" smtClean="0"/>
+              <a:t>7</a:t>
+            </a:fld>
+            <a:endParaRPr lang="en-US"/>
+          </a:p>
+        </p:txBody>
+      </p:sp>
+    </p:spTree>
+    <p:extLst>
+      <p:ext uri="{BB962C8B-B14F-4D97-AF65-F5344CB8AC3E}">
+        <p14:creationId xmlns:p14="http://schemas.microsoft.com/office/powerpoint/2010/main" val="752841090"/>
+      </p:ext>
+    </p:extLst>
+  </p:cSld>
+  <p:clrMapOvr>
+    <a:masterClrMapping/>
+  </p:clrMapOvr>
+</p:notes>
+</file>
+
+<file path=ppt/notesSlides/notesSlide7.xml><?xml version="1.0" encoding="utf-8"?>
+<p:notes xmlns:a="http://schemas.openxmlformats.org/drawingml/2006/main" xmlns:r="http://schemas.openxmlformats.org/officeDocument/2006/relationships" xmlns:p="http://schemas.openxmlformats.org/presentationml/2006/main">
+  <p:cSld>
+    <p:spTree>
+      <p:nvGrpSpPr>
+        <p:cNvPr id="1" name=""/>
+        <p:cNvGrpSpPr/>
+        <p:nvPr/>
+      </p:nvGrpSpPr>
+      <p:grpSpPr>
+        <a:xfrm>
+          <a:off x="0" y="0"/>
+          <a:ext cx="0" cy="0"/>
+          <a:chOff x="0" y="0"/>
+          <a:chExt cx="0" cy="0"/>
+        </a:xfrm>
+      </p:grpSpPr>
+      <p:sp>
+        <p:nvSpPr>
+          <p:cNvPr id="2" name="Slide Image Placeholder 1"/>
+          <p:cNvSpPr>
+            <a:spLocks noGrp="1" noRot="1" noChangeAspect="1"/>
+          </p:cNvSpPr>
+          <p:nvPr>
+            <p:ph type="sldImg"/>
+          </p:nvPr>
+        </p:nvSpPr>
+        <p:spPr/>
+      </p:sp>
+      <p:sp>
+        <p:nvSpPr>
+          <p:cNvPr id="3" name="Notes Placeholder 2"/>
+          <p:cNvSpPr>
+            <a:spLocks noGrp="1"/>
+          </p:cNvSpPr>
+          <p:nvPr>
+            <p:ph type="body" idx="1"/>
+          </p:nvPr>
+        </p:nvSpPr>
+        <p:spPr/>
+        <p:txBody>
+          <a:bodyPr/>
+          <a:lstStyle/>
+          <a:p>
             <a:r>
               <a:rPr lang="en-US" dirty="0"/>
               <a:t>Our best performing model is a </a:t>
@@ -7844,7 +7979,7 @@
           <a:p>
             <a:fld id="{9881FB53-477E-47AB-9C04-CE32FC40BF5A}" type="slidenum">
               <a:rPr lang="en-US" smtClean="0"/>
-              <a:t>9</a:t>
+              <a:t>10</a:t>
             </a:fld>
             <a:endParaRPr lang="en-US"/>
           </a:p>
@@ -11623,6 +11758,118 @@
           <p:cNvPr id="2" name="Title 1">
             <a:extLst>
               <a:ext uri="{FF2B5EF4-FFF2-40B4-BE49-F238E27FC236}">
+                <a16:creationId xmlns:a16="http://schemas.microsoft.com/office/drawing/2014/main" id="{FE9E90A2-174E-5B20-640F-5D4DD79EC5C9}"/>
+              </a:ext>
+            </a:extLst>
+          </p:cNvPr>
+          <p:cNvSpPr>
+            <a:spLocks noGrp="1"/>
+          </p:cNvSpPr>
+          <p:nvPr>
+            <p:ph type="title"/>
+          </p:nvPr>
+        </p:nvSpPr>
+        <p:spPr/>
+        <p:txBody>
+          <a:bodyPr/>
+          <a:lstStyle/>
+          <a:p>
+            <a:r>
+              <a:rPr lang="en-US" dirty="0" err="1"/>
+              <a:t>xgboost</a:t>
+            </a:r>
+            <a:r>
+              <a:rPr lang="en-US" dirty="0"/>
+              <a:t> model</a:t>
+            </a:r>
+          </a:p>
+        </p:txBody>
+      </p:sp>
+      <p:sp>
+        <p:nvSpPr>
+          <p:cNvPr id="3" name="Content Placeholder 2">
+            <a:extLst>
+              <a:ext uri="{FF2B5EF4-FFF2-40B4-BE49-F238E27FC236}">
+                <a16:creationId xmlns:a16="http://schemas.microsoft.com/office/drawing/2014/main" id="{D8515897-033D-B200-2EC8-376CF4FBA309}"/>
+              </a:ext>
+            </a:extLst>
+          </p:cNvPr>
+          <p:cNvSpPr>
+            <a:spLocks noGrp="1"/>
+          </p:cNvSpPr>
+          <p:nvPr>
+            <p:ph idx="1"/>
+          </p:nvPr>
+        </p:nvSpPr>
+        <p:spPr/>
+        <p:txBody>
+          <a:bodyPr/>
+          <a:lstStyle/>
+          <a:p>
+            <a:r>
+              <a:rPr lang="en-US" dirty="0" err="1"/>
+              <a:t>GridSearch</a:t>
+            </a:r>
+            <a:r>
+              <a:rPr lang="en-US" dirty="0"/>
+              <a:t> cross validation</a:t>
+            </a:r>
+          </a:p>
+          <a:p>
+            <a:r>
+              <a:rPr lang="en-US" dirty="0"/>
+              <a:t>Features: adjusted demand of the previous 3 weeks, client ID, client mean/median/min/max, product ID, product mean/median</a:t>
+            </a:r>
+          </a:p>
+          <a:p>
+            <a:r>
+              <a:rPr lang="en-US" dirty="0"/>
+              <a:t>Root mean squared log error of 0.493</a:t>
+            </a:r>
+          </a:p>
+          <a:p>
+            <a:r>
+              <a:rPr lang="en-US" dirty="0"/>
+              <a:t>Top Kaggle score is 0.442</a:t>
+            </a:r>
+          </a:p>
+        </p:txBody>
+      </p:sp>
+    </p:spTree>
+    <p:extLst>
+      <p:ext uri="{BB962C8B-B14F-4D97-AF65-F5344CB8AC3E}">
+        <p14:creationId xmlns:p14="http://schemas.microsoft.com/office/powerpoint/2010/main" val="1019809051"/>
+      </p:ext>
+    </p:extLst>
+  </p:cSld>
+  <p:clrMapOvr>
+    <a:masterClrMapping/>
+  </p:clrMapOvr>
+</p:sld>
+</file>
+
+<file path=ppt/slides/slide11.xml><?xml version="1.0" encoding="utf-8"?>
+<p:sld xmlns:a="http://schemas.openxmlformats.org/drawingml/2006/main" xmlns:r="http://schemas.openxmlformats.org/officeDocument/2006/relationships" xmlns:p="http://schemas.openxmlformats.org/presentationml/2006/main">
+  <p:cSld>
+    <p:spTree>
+      <p:nvGrpSpPr>
+        <p:cNvPr id="1" name=""/>
+        <p:cNvGrpSpPr/>
+        <p:nvPr/>
+      </p:nvGrpSpPr>
+      <p:grpSpPr>
+        <a:xfrm>
+          <a:off x="0" y="0"/>
+          <a:ext cx="0" cy="0"/>
+          <a:chOff x="0" y="0"/>
+          <a:chExt cx="0" cy="0"/>
+        </a:xfrm>
+      </p:grpSpPr>
+      <p:sp>
+        <p:nvSpPr>
+          <p:cNvPr id="2" name="Title 1">
+            <a:extLst>
+              <a:ext uri="{FF2B5EF4-FFF2-40B4-BE49-F238E27FC236}">
                 <a16:creationId xmlns:a16="http://schemas.microsoft.com/office/drawing/2014/main" id="{A70C10F9-D432-8FE9-2264-B24324819E68}"/>
               </a:ext>
             </a:extLst>
@@ -13248,6 +13495,615 @@
 <file path=ppt/slides/slide6.xml><?xml version="1.0" encoding="utf-8"?>
 <p:sld xmlns:a="http://schemas.openxmlformats.org/drawingml/2006/main" xmlns:r="http://schemas.openxmlformats.org/officeDocument/2006/relationships" xmlns:p="http://schemas.openxmlformats.org/presentationml/2006/main">
   <p:cSld>
+    <p:bg>
+      <p:bgPr>
+        <a:solidFill>
+          <a:schemeClr val="bg1"/>
+        </a:solidFill>
+        <a:effectLst/>
+      </p:bgPr>
+    </p:bg>
+    <p:spTree>
+      <p:nvGrpSpPr>
+        <p:cNvPr id="1" name="">
+          <a:extLst>
+            <a:ext uri="{FF2B5EF4-FFF2-40B4-BE49-F238E27FC236}">
+              <a16:creationId xmlns:a16="http://schemas.microsoft.com/office/drawing/2014/main" id="{F7D70B45-6983-0ED6-4C39-BC9724B7F43E}"/>
+            </a:ext>
+          </a:extLst>
+        </p:cNvPr>
+        <p:cNvGrpSpPr/>
+        <p:nvPr/>
+      </p:nvGrpSpPr>
+      <p:grpSpPr>
+        <a:xfrm>
+          <a:off x="0" y="0"/>
+          <a:ext cx="0" cy="0"/>
+          <a:chOff x="0" y="0"/>
+          <a:chExt cx="0" cy="0"/>
+        </a:xfrm>
+      </p:grpSpPr>
+      <p:sp useBgFill="1">
+        <p:nvSpPr>
+          <p:cNvPr id="85" name="Rectangle 84">
+            <a:extLst>
+              <a:ext uri="{FF2B5EF4-FFF2-40B4-BE49-F238E27FC236}">
+                <a16:creationId xmlns:a16="http://schemas.microsoft.com/office/drawing/2014/main" id="{D55CA618-78A6-47F6-B865-E9315164FB49}"/>
+              </a:ext>
+              <a:ext uri="{C183D7F6-B498-43B3-948B-1728B52AA6E4}">
+                <adec:decorative xmlns:adec="http://schemas.microsoft.com/office/drawing/2017/decorative" val="1"/>
+              </a:ext>
+            </a:extLst>
+          </p:cNvPr>
+          <p:cNvSpPr>
+            <a:spLocks noGrp="1" noRot="1" noChangeAspect="1" noMove="1" noResize="1" noEditPoints="1" noAdjustHandles="1" noChangeArrowheads="1" noChangeShapeType="1" noTextEdit="1"/>
+          </p:cNvSpPr>
+          <p:nvPr>
+            <p:extLst>
+              <p:ext uri="{386F3935-93C4-4BCD-93E2-E3B085C9AB24}">
+                <p16:designElem xmlns:p16="http://schemas.microsoft.com/office/powerpoint/2015/main" val="1"/>
+              </p:ext>
+            </p:extLst>
+          </p:nvPr>
+        </p:nvSpPr>
+        <p:spPr>
+          <a:xfrm>
+            <a:off x="0" y="0"/>
+            <a:ext cx="12191999" cy="6857365"/>
+          </a:xfrm>
+          <a:prstGeom prst="rect">
+            <a:avLst/>
+          </a:prstGeom>
+          <a:ln>
+            <a:noFill/>
+          </a:ln>
+        </p:spPr>
+        <p:style>
+          <a:lnRef idx="2">
+            <a:schemeClr val="accent1">
+              <a:shade val="50000"/>
+            </a:schemeClr>
+          </a:lnRef>
+          <a:fillRef idx="1">
+            <a:schemeClr val="accent1"/>
+          </a:fillRef>
+          <a:effectRef idx="0">
+            <a:schemeClr val="accent1"/>
+          </a:effectRef>
+          <a:fontRef idx="minor">
+            <a:schemeClr val="lt1"/>
+          </a:fontRef>
+        </p:style>
+        <p:txBody>
+          <a:bodyPr rtlCol="0" anchor="ctr"/>
+          <a:lstStyle/>
+          <a:p>
+            <a:pPr algn="ctr"/>
+            <a:endParaRPr lang="en-US"/>
+          </a:p>
+        </p:txBody>
+      </p:sp>
+      <p:grpSp>
+        <p:nvGrpSpPr>
+          <p:cNvPr id="87" name="Group 86">
+            <a:extLst>
+              <a:ext uri="{FF2B5EF4-FFF2-40B4-BE49-F238E27FC236}">
+                <a16:creationId xmlns:a16="http://schemas.microsoft.com/office/drawing/2014/main" id="{B83D307E-DF68-43F8-97CE-0AAE950A7129}"/>
+              </a:ext>
+              <a:ext uri="{C183D7F6-B498-43B3-948B-1728B52AA6E4}">
+                <adec:decorative xmlns:adec="http://schemas.microsoft.com/office/drawing/2017/decorative" val="1"/>
+              </a:ext>
+            </a:extLst>
+          </p:cNvPr>
+          <p:cNvGrpSpPr>
+            <a:grpSpLocks noGrp="1" noUngrp="1" noRot="1" noChangeAspect="1" noMove="1" noResize="1"/>
+          </p:cNvGrpSpPr>
+          <p:nvPr>
+            <p:extLst>
+              <p:ext uri="{386F3935-93C4-4BCD-93E2-E3B085C9AB24}">
+                <p16:designElem xmlns:p16="http://schemas.microsoft.com/office/powerpoint/2015/main" val="1"/>
+              </p:ext>
+            </p:extLst>
+          </p:nvPr>
+        </p:nvGrpSpPr>
+        <p:grpSpPr>
+          <a:xfrm>
+            <a:off x="2271255" y="-1"/>
+            <a:ext cx="7649490" cy="5728133"/>
+            <a:chOff x="329184" y="1"/>
+            <a:chExt cx="524256" cy="5728133"/>
+          </a:xfrm>
+        </p:grpSpPr>
+        <p:cxnSp>
+          <p:nvCxnSpPr>
+            <p:cNvPr id="88" name="Straight Connector 87">
+              <a:extLst>
+                <a:ext uri="{FF2B5EF4-FFF2-40B4-BE49-F238E27FC236}">
+                  <a16:creationId xmlns:a16="http://schemas.microsoft.com/office/drawing/2014/main" id="{5546E3D2-37BF-4528-9851-2B2F628234A2}"/>
+                </a:ext>
+                <a:ext uri="{C183D7F6-B498-43B3-948B-1728B52AA6E4}">
+                  <adec:decorative xmlns:adec="http://schemas.microsoft.com/office/drawing/2017/decorative" val="1"/>
+                </a:ext>
+              </a:extLst>
+            </p:cNvPr>
+            <p:cNvCxnSpPr>
+              <a:cxnSpLocks/>
+            </p:cNvCxnSpPr>
+            <p:nvPr>
+              <p:extLst>
+                <p:ext uri="{386F3935-93C4-4BCD-93E2-E3B085C9AB24}">
+                  <p16:designElem xmlns:p16="http://schemas.microsoft.com/office/powerpoint/2015/main" val="1"/>
+                </p:ext>
+              </p:extLst>
+            </p:nvPr>
+          </p:nvCxnSpPr>
+          <p:spPr>
+            <a:xfrm flipH="1">
+              <a:off x="329184" y="5728134"/>
+              <a:ext cx="523824" cy="0"/>
+            </a:xfrm>
+            <a:prstGeom prst="line">
+              <a:avLst/>
+            </a:prstGeom>
+            <a:ln w="152400">
+              <a:solidFill>
+                <a:schemeClr val="accent4"/>
+              </a:solidFill>
+            </a:ln>
+          </p:spPr>
+          <p:style>
+            <a:lnRef idx="1">
+              <a:schemeClr val="accent1"/>
+            </a:lnRef>
+            <a:fillRef idx="0">
+              <a:schemeClr val="accent1"/>
+            </a:fillRef>
+            <a:effectRef idx="0">
+              <a:schemeClr val="accent1"/>
+            </a:effectRef>
+            <a:fontRef idx="minor">
+              <a:schemeClr val="tx1"/>
+            </a:fontRef>
+          </p:style>
+        </p:cxnSp>
+        <p:sp>
+          <p:nvSpPr>
+            <p:cNvPr id="89" name="Rectangle 88">
+              <a:extLst>
+                <a:ext uri="{FF2B5EF4-FFF2-40B4-BE49-F238E27FC236}">
+                  <a16:creationId xmlns:a16="http://schemas.microsoft.com/office/drawing/2014/main" id="{752A0C69-DC4E-4FC0-843C-BAA27B3A5621}"/>
+                </a:ext>
+                <a:ext uri="{C183D7F6-B498-43B3-948B-1728B52AA6E4}">
+                  <adec:decorative xmlns:adec="http://schemas.microsoft.com/office/drawing/2017/decorative" val="1"/>
+                </a:ext>
+              </a:extLst>
+            </p:cNvPr>
+            <p:cNvSpPr/>
+            <p:nvPr>
+              <p:extLst>
+                <p:ext uri="{386F3935-93C4-4BCD-93E2-E3B085C9AB24}">
+                  <p16:designElem xmlns:p16="http://schemas.microsoft.com/office/powerpoint/2015/main" val="1"/>
+                </p:ext>
+              </p:extLst>
+            </p:nvPr>
+          </p:nvSpPr>
+          <p:spPr>
+            <a:xfrm>
+              <a:off x="329184" y="1"/>
+              <a:ext cx="524256" cy="5532119"/>
+            </a:xfrm>
+            <a:prstGeom prst="rect">
+              <a:avLst/>
+            </a:prstGeom>
+            <a:solidFill>
+              <a:schemeClr val="accent4"/>
+            </a:solidFill>
+            <a:ln>
+              <a:noFill/>
+            </a:ln>
+          </p:spPr>
+          <p:style>
+            <a:lnRef idx="2">
+              <a:schemeClr val="accent1">
+                <a:shade val="50000"/>
+              </a:schemeClr>
+            </a:lnRef>
+            <a:fillRef idx="1">
+              <a:schemeClr val="accent1"/>
+            </a:fillRef>
+            <a:effectRef idx="0">
+              <a:schemeClr val="accent1"/>
+            </a:effectRef>
+            <a:fontRef idx="minor">
+              <a:schemeClr val="lt1"/>
+            </a:fontRef>
+          </p:style>
+          <p:txBody>
+            <a:bodyPr rtlCol="0" anchor="ctr"/>
+            <a:lstStyle/>
+            <a:p>
+              <a:pPr algn="ctr"/>
+              <a:endParaRPr lang="en-US" dirty="0"/>
+            </a:p>
+          </p:txBody>
+        </p:sp>
+      </p:grpSp>
+      <p:sp>
+        <p:nvSpPr>
+          <p:cNvPr id="91" name="Rectangle 90">
+            <a:extLst>
+              <a:ext uri="{FF2B5EF4-FFF2-40B4-BE49-F238E27FC236}">
+                <a16:creationId xmlns:a16="http://schemas.microsoft.com/office/drawing/2014/main" id="{8ED94938-268E-4C0A-A08A-B3980C78BAEB}"/>
+              </a:ext>
+              <a:ext uri="{C183D7F6-B498-43B3-948B-1728B52AA6E4}">
+                <adec:decorative xmlns:adec="http://schemas.microsoft.com/office/drawing/2017/decorative" val="1"/>
+              </a:ext>
+            </a:extLst>
+          </p:cNvPr>
+          <p:cNvSpPr>
+            <a:spLocks noGrp="1" noRot="1" noChangeAspect="1" noMove="1" noResize="1" noEditPoints="1" noAdjustHandles="1" noChangeArrowheads="1" noChangeShapeType="1" noTextEdit="1"/>
+          </p:cNvSpPr>
+          <p:nvPr>
+            <p:extLst>
+              <p:ext uri="{386F3935-93C4-4BCD-93E2-E3B085C9AB24}">
+                <p16:designElem xmlns:p16="http://schemas.microsoft.com/office/powerpoint/2015/main" val="1"/>
+              </p:ext>
+            </p:extLst>
+          </p:nvPr>
+        </p:nvSpPr>
+        <p:spPr>
+          <a:xfrm>
+            <a:off x="596464" y="318045"/>
+            <a:ext cx="10999072" cy="5325139"/>
+          </a:xfrm>
+          <a:prstGeom prst="rect">
+            <a:avLst/>
+          </a:prstGeom>
+          <a:solidFill>
+            <a:schemeClr val="bg1"/>
+          </a:solidFill>
+          <a:ln>
+            <a:noFill/>
+          </a:ln>
+          <a:effectLst>
+            <a:outerShdw blurRad="139700" dist="127000" dir="5400000" algn="t" rotWithShape="0">
+              <a:prstClr val="black">
+                <a:alpha val="15000"/>
+              </a:prstClr>
+            </a:outerShdw>
+          </a:effectLst>
+        </p:spPr>
+        <p:style>
+          <a:lnRef idx="2">
+            <a:schemeClr val="accent1">
+              <a:shade val="50000"/>
+            </a:schemeClr>
+          </a:lnRef>
+          <a:fillRef idx="1">
+            <a:schemeClr val="accent1"/>
+          </a:fillRef>
+          <a:effectRef idx="0">
+            <a:schemeClr val="accent1"/>
+          </a:effectRef>
+          <a:fontRef idx="minor">
+            <a:schemeClr val="lt1"/>
+          </a:fontRef>
+        </p:style>
+        <p:txBody>
+          <a:bodyPr rtlCol="0" anchor="ctr"/>
+          <a:lstStyle/>
+          <a:p>
+            <a:pPr algn="ctr"/>
+            <a:endParaRPr lang="en-US"/>
+          </a:p>
+        </p:txBody>
+      </p:sp>
+      <p:sp>
+        <p:nvSpPr>
+          <p:cNvPr id="31" name="Text Placeholder 11">
+            <a:extLst>
+              <a:ext uri="{FF2B5EF4-FFF2-40B4-BE49-F238E27FC236}">
+                <a16:creationId xmlns:a16="http://schemas.microsoft.com/office/drawing/2014/main" id="{82270B4D-7F51-F043-0B41-A5F32A1CFC06}"/>
+              </a:ext>
+            </a:extLst>
+          </p:cNvPr>
+          <p:cNvSpPr txBox="1">
+            <a:spLocks/>
+          </p:cNvSpPr>
+          <p:nvPr/>
+        </p:nvSpPr>
+        <p:spPr>
+          <a:xfrm>
+            <a:off x="899365" y="664992"/>
+            <a:ext cx="10071536" cy="929750"/>
+          </a:xfrm>
+          <a:prstGeom prst="rect">
+            <a:avLst/>
+          </a:prstGeom>
+        </p:spPr>
+        <p:txBody>
+          <a:bodyPr vert="horz" lIns="91440" tIns="45720" rIns="91440" bIns="45720" rtlCol="0" anchor="b">
+            <a:normAutofit/>
+          </a:bodyPr>
+          <a:lstStyle>
+            <a:lvl1pPr marL="228600" indent="-228600" algn="l" defTabSz="914400" rtl="0" eaLnBrk="1" latinLnBrk="0" hangingPunct="1">
+              <a:lnSpc>
+                <a:spcPct val="90000"/>
+              </a:lnSpc>
+              <a:spcBef>
+                <a:spcPts val="1000"/>
+              </a:spcBef>
+              <a:buFont typeface="Arial" panose="020B0604020202020204" pitchFamily="34" charset="0"/>
+              <a:buChar char="•"/>
+              <a:defRPr sz="2800" kern="1200">
+                <a:solidFill>
+                  <a:schemeClr val="tx1"/>
+                </a:solidFill>
+                <a:latin typeface="+mn-lt"/>
+                <a:ea typeface="+mn-ea"/>
+                <a:cs typeface="+mn-cs"/>
+              </a:defRPr>
+            </a:lvl1pPr>
+            <a:lvl2pPr marL="685800" indent="-228600" algn="l" defTabSz="914400" rtl="0" eaLnBrk="1" latinLnBrk="0" hangingPunct="1">
+              <a:lnSpc>
+                <a:spcPct val="90000"/>
+              </a:lnSpc>
+              <a:spcBef>
+                <a:spcPts val="500"/>
+              </a:spcBef>
+              <a:buFont typeface="Arial" panose="020B0604020202020204" pitchFamily="34" charset="0"/>
+              <a:buChar char="•"/>
+              <a:defRPr sz="2400" kern="1200">
+                <a:solidFill>
+                  <a:schemeClr val="tx1"/>
+                </a:solidFill>
+                <a:latin typeface="+mn-lt"/>
+                <a:ea typeface="+mn-ea"/>
+                <a:cs typeface="+mn-cs"/>
+              </a:defRPr>
+            </a:lvl2pPr>
+            <a:lvl3pPr marL="1143000" indent="-228600" algn="l" defTabSz="914400" rtl="0" eaLnBrk="1" latinLnBrk="0" hangingPunct="1">
+              <a:lnSpc>
+                <a:spcPct val="90000"/>
+              </a:lnSpc>
+              <a:spcBef>
+                <a:spcPts val="500"/>
+              </a:spcBef>
+              <a:buFont typeface="Arial" panose="020B0604020202020204" pitchFamily="34" charset="0"/>
+              <a:buChar char="•"/>
+              <a:defRPr sz="2000" kern="1200">
+                <a:solidFill>
+                  <a:schemeClr val="tx1"/>
+                </a:solidFill>
+                <a:latin typeface="+mn-lt"/>
+                <a:ea typeface="+mn-ea"/>
+                <a:cs typeface="+mn-cs"/>
+              </a:defRPr>
+            </a:lvl3pPr>
+            <a:lvl4pPr marL="1600200" indent="-228600" algn="l" defTabSz="914400" rtl="0" eaLnBrk="1" latinLnBrk="0" hangingPunct="1">
+              <a:lnSpc>
+                <a:spcPct val="90000"/>
+              </a:lnSpc>
+              <a:spcBef>
+                <a:spcPts val="500"/>
+              </a:spcBef>
+              <a:buFont typeface="Arial" panose="020B0604020202020204" pitchFamily="34" charset="0"/>
+              <a:buChar char="•"/>
+              <a:defRPr sz="1800" kern="1200">
+                <a:solidFill>
+                  <a:schemeClr val="tx1"/>
+                </a:solidFill>
+                <a:latin typeface="+mn-lt"/>
+                <a:ea typeface="+mn-ea"/>
+                <a:cs typeface="+mn-cs"/>
+              </a:defRPr>
+            </a:lvl4pPr>
+            <a:lvl5pPr marL="2057400" indent="-228600" algn="l" defTabSz="914400" rtl="0" eaLnBrk="1" latinLnBrk="0" hangingPunct="1">
+              <a:lnSpc>
+                <a:spcPct val="90000"/>
+              </a:lnSpc>
+              <a:spcBef>
+                <a:spcPts val="500"/>
+              </a:spcBef>
+              <a:buFont typeface="Arial" panose="020B0604020202020204" pitchFamily="34" charset="0"/>
+              <a:buChar char="•"/>
+              <a:defRPr sz="1800" kern="1200">
+                <a:solidFill>
+                  <a:schemeClr val="tx1"/>
+                </a:solidFill>
+                <a:latin typeface="+mn-lt"/>
+                <a:ea typeface="+mn-ea"/>
+                <a:cs typeface="+mn-cs"/>
+              </a:defRPr>
+            </a:lvl5pPr>
+            <a:lvl6pPr marL="2514600" indent="-228600" algn="l" defTabSz="914400" rtl="0" eaLnBrk="1" latinLnBrk="0" hangingPunct="1">
+              <a:lnSpc>
+                <a:spcPct val="90000"/>
+              </a:lnSpc>
+              <a:spcBef>
+                <a:spcPts val="500"/>
+              </a:spcBef>
+              <a:buFont typeface="Arial" panose="020B0604020202020204" pitchFamily="34" charset="0"/>
+              <a:buChar char="•"/>
+              <a:defRPr sz="1800" kern="1200">
+                <a:solidFill>
+                  <a:schemeClr val="tx1"/>
+                </a:solidFill>
+                <a:latin typeface="+mn-lt"/>
+                <a:ea typeface="+mn-ea"/>
+                <a:cs typeface="+mn-cs"/>
+              </a:defRPr>
+            </a:lvl6pPr>
+            <a:lvl7pPr marL="2971800" indent="-228600" algn="l" defTabSz="914400" rtl="0" eaLnBrk="1" latinLnBrk="0" hangingPunct="1">
+              <a:lnSpc>
+                <a:spcPct val="90000"/>
+              </a:lnSpc>
+              <a:spcBef>
+                <a:spcPts val="500"/>
+              </a:spcBef>
+              <a:buFont typeface="Arial" panose="020B0604020202020204" pitchFamily="34" charset="0"/>
+              <a:buChar char="•"/>
+              <a:defRPr sz="1800" kern="1200">
+                <a:solidFill>
+                  <a:schemeClr val="tx1"/>
+                </a:solidFill>
+                <a:latin typeface="+mn-lt"/>
+                <a:ea typeface="+mn-ea"/>
+                <a:cs typeface="+mn-cs"/>
+              </a:defRPr>
+            </a:lvl7pPr>
+            <a:lvl8pPr marL="3429000" indent="-228600" algn="l" defTabSz="914400" rtl="0" eaLnBrk="1" latinLnBrk="0" hangingPunct="1">
+              <a:lnSpc>
+                <a:spcPct val="90000"/>
+              </a:lnSpc>
+              <a:spcBef>
+                <a:spcPts val="500"/>
+              </a:spcBef>
+              <a:buFont typeface="Arial" panose="020B0604020202020204" pitchFamily="34" charset="0"/>
+              <a:buChar char="•"/>
+              <a:defRPr sz="1800" kern="1200">
+                <a:solidFill>
+                  <a:schemeClr val="tx1"/>
+                </a:solidFill>
+                <a:latin typeface="+mn-lt"/>
+                <a:ea typeface="+mn-ea"/>
+                <a:cs typeface="+mn-cs"/>
+              </a:defRPr>
+            </a:lvl8pPr>
+            <a:lvl9pPr marL="3886200" indent="-228600" algn="l" defTabSz="914400" rtl="0" eaLnBrk="1" latinLnBrk="0" hangingPunct="1">
+              <a:lnSpc>
+                <a:spcPct val="90000"/>
+              </a:lnSpc>
+              <a:spcBef>
+                <a:spcPts val="500"/>
+              </a:spcBef>
+              <a:buFont typeface="Arial" panose="020B0604020202020204" pitchFamily="34" charset="0"/>
+              <a:buChar char="•"/>
+              <a:defRPr sz="1800" kern="1200">
+                <a:solidFill>
+                  <a:schemeClr val="tx1"/>
+                </a:solidFill>
+                <a:latin typeface="+mn-lt"/>
+                <a:ea typeface="+mn-ea"/>
+                <a:cs typeface="+mn-cs"/>
+              </a:defRPr>
+            </a:lvl9pPr>
+          </a:lstStyle>
+          <a:p>
+            <a:pPr algn="ctr">
+              <a:spcBef>
+                <a:spcPct val="0"/>
+              </a:spcBef>
+              <a:spcAft>
+                <a:spcPts val="600"/>
+              </a:spcAft>
+              <a:buNone/>
+            </a:pPr>
+            <a:r>
+              <a:rPr lang="en-US" sz="5200" dirty="0">
+                <a:latin typeface="+mj-lt"/>
+                <a:ea typeface="+mj-ea"/>
+                <a:cs typeface="+mj-cs"/>
+              </a:rPr>
+              <a:t>Distribution clients</a:t>
+            </a:r>
+          </a:p>
+        </p:txBody>
+      </p:sp>
+      <p:pic>
+        <p:nvPicPr>
+          <p:cNvPr id="37" name="Picture 36" descr="A graph of a graph&#10;&#10;AI-generated content may be incorrect.">
+            <a:extLst>
+              <a:ext uri="{FF2B5EF4-FFF2-40B4-BE49-F238E27FC236}">
+                <a16:creationId xmlns:a16="http://schemas.microsoft.com/office/drawing/2014/main" id="{BC922A2E-822A-7BF8-663F-05D21A17B2C1}"/>
+              </a:ext>
+            </a:extLst>
+          </p:cNvPr>
+          <p:cNvPicPr>
+            <a:picLocks noChangeAspect="1"/>
+          </p:cNvPicPr>
+          <p:nvPr/>
+        </p:nvPicPr>
+        <p:blipFill>
+          <a:blip r:embed="rId3">
+            <a:extLst>
+              <a:ext uri="{28A0092B-C50C-407E-A947-70E740481C1C}">
+                <a14:useLocalDpi xmlns:a14="http://schemas.microsoft.com/office/drawing/2010/main" val="0"/>
+              </a:ext>
+            </a:extLst>
+          </a:blip>
+          <a:srcRect b="49991"/>
+          <a:stretch/>
+        </p:blipFill>
+        <p:spPr>
+          <a:xfrm>
+            <a:off x="681494" y="1766898"/>
+            <a:ext cx="5303520" cy="3788909"/>
+          </a:xfrm>
+          <a:prstGeom prst="rect">
+            <a:avLst/>
+          </a:prstGeom>
+        </p:spPr>
+      </p:pic>
+      <p:pic>
+        <p:nvPicPr>
+          <p:cNvPr id="38" name="Picture 37">
+            <a:extLst>
+              <a:ext uri="{FF2B5EF4-FFF2-40B4-BE49-F238E27FC236}">
+                <a16:creationId xmlns:a16="http://schemas.microsoft.com/office/drawing/2014/main" id="{E4C55D7C-017E-1F0D-1357-3CA7E2DBD9DB}"/>
+              </a:ext>
+            </a:extLst>
+          </p:cNvPr>
+          <p:cNvPicPr>
+            <a:picLocks noChangeAspect="1"/>
+          </p:cNvPicPr>
+          <p:nvPr/>
+        </p:nvPicPr>
+        <p:blipFill>
+          <a:blip r:embed="rId3">
+            <a:extLst>
+              <a:ext uri="{28A0092B-C50C-407E-A947-70E740481C1C}">
+                <a14:useLocalDpi xmlns:a14="http://schemas.microsoft.com/office/drawing/2010/main" val="0"/>
+              </a:ext>
+            </a:extLst>
+          </a:blip>
+          <a:srcRect t="50864" b="-2295"/>
+          <a:stretch/>
+        </p:blipFill>
+        <p:spPr>
+          <a:xfrm>
+            <a:off x="6068415" y="1766898"/>
+            <a:ext cx="5303520" cy="3896649"/>
+          </a:xfrm>
+          <a:prstGeom prst="rect">
+            <a:avLst/>
+          </a:prstGeom>
+        </p:spPr>
+      </p:pic>
+    </p:spTree>
+    <p:extLst>
+      <p:ext uri="{BB962C8B-B14F-4D97-AF65-F5344CB8AC3E}">
+        <p14:creationId xmlns:p14="http://schemas.microsoft.com/office/powerpoint/2010/main" val="3215774816"/>
+      </p:ext>
+    </p:extLst>
+  </p:cSld>
+  <p:clrMapOvr>
+    <a:masterClrMapping/>
+  </p:clrMapOvr>
+</p:sld>
+</file>
+
+<file path=ppt/slides/slide7.xml><?xml version="1.0" encoding="utf-8"?>
+<p:sld xmlns:a="http://schemas.openxmlformats.org/drawingml/2006/main" xmlns:r="http://schemas.openxmlformats.org/officeDocument/2006/relationships" xmlns:p="http://schemas.openxmlformats.org/presentationml/2006/main">
+  <p:cSld>
+    <p:bg>
+      <p:bgPr>
+        <a:solidFill>
+          <a:schemeClr val="bg1"/>
+        </a:solidFill>
+        <a:effectLst/>
+      </p:bgPr>
+    </p:bg>
     <p:spTree>
       <p:nvGrpSpPr>
         <p:cNvPr id="1" name=""/>
@@ -13262,6 +14118,66 @@
           <a:chExt cx="0" cy="0"/>
         </a:xfrm>
       </p:grpSpPr>
+      <p:sp useBgFill="1">
+        <p:nvSpPr>
+          <p:cNvPr id="22" name="Rectangle 21">
+            <a:extLst>
+              <a:ext uri="{FF2B5EF4-FFF2-40B4-BE49-F238E27FC236}">
+                <a16:creationId xmlns:a16="http://schemas.microsoft.com/office/drawing/2014/main" id="{DBF61EA3-B236-439E-9C0B-340980D56BEE}"/>
+              </a:ext>
+              <a:ext uri="{C183D7F6-B498-43B3-948B-1728B52AA6E4}">
+                <adec:decorative xmlns:adec="http://schemas.microsoft.com/office/drawing/2017/decorative" val="1"/>
+              </a:ext>
+            </a:extLst>
+          </p:cNvPr>
+          <p:cNvSpPr>
+            <a:spLocks noGrp="1" noRot="1" noChangeAspect="1" noMove="1" noResize="1" noEditPoints="1" noAdjustHandles="1" noChangeArrowheads="1" noChangeShapeType="1" noTextEdit="1"/>
+          </p:cNvSpPr>
+          <p:nvPr>
+            <p:extLst>
+              <p:ext uri="{386F3935-93C4-4BCD-93E2-E3B085C9AB24}">
+                <p16:designElem xmlns:p16="http://schemas.microsoft.com/office/powerpoint/2015/main" val="1"/>
+              </p:ext>
+            </p:extLst>
+          </p:nvPr>
+        </p:nvSpPr>
+        <p:spPr>
+          <a:xfrm>
+            <a:off x="0" y="0"/>
+            <a:ext cx="12191999" cy="6857365"/>
+          </a:xfrm>
+          <a:prstGeom prst="rect">
+            <a:avLst/>
+          </a:prstGeom>
+          <a:ln>
+            <a:noFill/>
+          </a:ln>
+        </p:spPr>
+        <p:style>
+          <a:lnRef idx="2">
+            <a:schemeClr val="accent1">
+              <a:shade val="50000"/>
+            </a:schemeClr>
+          </a:lnRef>
+          <a:fillRef idx="1">
+            <a:schemeClr val="accent1"/>
+          </a:fillRef>
+          <a:effectRef idx="0">
+            <a:schemeClr val="accent1"/>
+          </a:effectRef>
+          <a:fontRef idx="minor">
+            <a:schemeClr val="lt1"/>
+          </a:fontRef>
+        </p:style>
+        <p:txBody>
+          <a:bodyPr rtlCol="0" anchor="ctr"/>
+          <a:lstStyle/>
+          <a:p>
+            <a:pPr algn="ctr"/>
+            <a:endParaRPr lang="en-US"/>
+          </a:p>
+        </p:txBody>
+      </p:sp>
       <p:sp>
         <p:nvSpPr>
           <p:cNvPr id="2" name="Title 1">
@@ -13278,15 +14194,246 @@
             <p:ph type="title"/>
           </p:nvPr>
         </p:nvSpPr>
-        <p:spPr/>
+        <p:spPr>
+          <a:xfrm>
+            <a:off x="808638" y="386930"/>
+            <a:ext cx="9236700" cy="1188950"/>
+          </a:xfrm>
+        </p:spPr>
         <p:txBody>
-          <a:bodyPr/>
+          <a:bodyPr anchor="b">
+            <a:normAutofit/>
+          </a:bodyPr>
           <a:lstStyle/>
           <a:p>
             <a:r>
-              <a:rPr lang="en-US" dirty="0"/>
+              <a:rPr lang="en-US" sz="5400"/>
               <a:t>Challenges</a:t>
             </a:r>
+          </a:p>
+        </p:txBody>
+      </p:sp>
+      <p:grpSp>
+        <p:nvGrpSpPr>
+          <p:cNvPr id="24" name="Group 23">
+            <a:extLst>
+              <a:ext uri="{FF2B5EF4-FFF2-40B4-BE49-F238E27FC236}">
+                <a16:creationId xmlns:a16="http://schemas.microsoft.com/office/drawing/2014/main" id="{28FAF094-D087-493F-8DF9-A486C2D6BBAA}"/>
+              </a:ext>
+              <a:ext uri="{C183D7F6-B498-43B3-948B-1728B52AA6E4}">
+                <adec:decorative xmlns:adec="http://schemas.microsoft.com/office/drawing/2017/decorative" val="1"/>
+              </a:ext>
+            </a:extLst>
+          </p:cNvPr>
+          <p:cNvGrpSpPr>
+            <a:grpSpLocks noGrp="1" noUngrp="1" noRot="1" noChangeAspect="1" noMove="1" noResize="1"/>
+          </p:cNvGrpSpPr>
+          <p:nvPr>
+            <p:extLst>
+              <p:ext uri="{386F3935-93C4-4BCD-93E2-E3B085C9AB24}">
+                <p16:designElem xmlns:p16="http://schemas.microsoft.com/office/powerpoint/2015/main" val="1"/>
+              </p:ext>
+            </p:extLst>
+          </p:nvPr>
+        </p:nvGrpSpPr>
+        <p:grpSpPr>
+          <a:xfrm>
+            <a:off x="-2" y="1998368"/>
+            <a:ext cx="11695083" cy="782176"/>
+            <a:chOff x="-2" y="1998368"/>
+            <a:chExt cx="11695083" cy="782176"/>
+          </a:xfrm>
+        </p:grpSpPr>
+        <p:sp>
+          <p:nvSpPr>
+            <p:cNvPr id="25" name="Rectangle 24">
+              <a:extLst>
+                <a:ext uri="{FF2B5EF4-FFF2-40B4-BE49-F238E27FC236}">
+                  <a16:creationId xmlns:a16="http://schemas.microsoft.com/office/drawing/2014/main" id="{8D7C88D8-5509-4514-925A-9CE148E5CBD6}"/>
+                </a:ext>
+                <a:ext uri="{C183D7F6-B498-43B3-948B-1728B52AA6E4}">
+                  <adec:decorative xmlns:adec="http://schemas.microsoft.com/office/drawing/2017/decorative" val="1"/>
+                </a:ext>
+              </a:extLst>
+            </p:cNvPr>
+            <p:cNvSpPr/>
+            <p:nvPr>
+              <p:extLst>
+                <p:ext uri="{386F3935-93C4-4BCD-93E2-E3B085C9AB24}">
+                  <p16:designElem xmlns:p16="http://schemas.microsoft.com/office/powerpoint/2015/main" val="1"/>
+                </p:ext>
+              </p:extLst>
+            </p:nvPr>
+          </p:nvSpPr>
+          <p:spPr>
+            <a:xfrm rot="5400000">
+              <a:off x="11228040" y="2313027"/>
+              <a:ext cx="781700" cy="152382"/>
+            </a:xfrm>
+            <a:prstGeom prst="rect">
+              <a:avLst/>
+            </a:prstGeom>
+            <a:solidFill>
+              <a:schemeClr val="accent4"/>
+            </a:solidFill>
+            <a:ln>
+              <a:noFill/>
+            </a:ln>
+          </p:spPr>
+          <p:style>
+            <a:lnRef idx="2">
+              <a:schemeClr val="accent1">
+                <a:shade val="50000"/>
+              </a:schemeClr>
+            </a:lnRef>
+            <a:fillRef idx="1">
+              <a:schemeClr val="accent1"/>
+            </a:fillRef>
+            <a:effectRef idx="0">
+              <a:schemeClr val="accent1"/>
+            </a:effectRef>
+            <a:fontRef idx="minor">
+              <a:schemeClr val="lt1"/>
+            </a:fontRef>
+          </p:style>
+          <p:txBody>
+            <a:bodyPr rtlCol="0" anchor="ctr"/>
+            <a:lstStyle/>
+            <a:p>
+              <a:pPr algn="ctr"/>
+              <a:endParaRPr lang="en-US"/>
+            </a:p>
+          </p:txBody>
+        </p:sp>
+        <p:sp>
+          <p:nvSpPr>
+            <p:cNvPr id="26" name="Rectangle 25">
+              <a:extLst>
+                <a:ext uri="{FF2B5EF4-FFF2-40B4-BE49-F238E27FC236}">
+                  <a16:creationId xmlns:a16="http://schemas.microsoft.com/office/drawing/2014/main" id="{7275593D-F75E-4426-AE3E-2CDEFD228D25}"/>
+                </a:ext>
+                <a:ext uri="{C183D7F6-B498-43B3-948B-1728B52AA6E4}">
+                  <adec:decorative xmlns:adec="http://schemas.microsoft.com/office/drawing/2017/decorative" val="1"/>
+                </a:ext>
+              </a:extLst>
+            </p:cNvPr>
+            <p:cNvSpPr/>
+            <p:nvPr>
+              <p:extLst>
+                <p:ext uri="{386F3935-93C4-4BCD-93E2-E3B085C9AB24}">
+                  <p16:designElem xmlns:p16="http://schemas.microsoft.com/office/powerpoint/2015/main" val="1"/>
+                </p:ext>
+              </p:extLst>
+            </p:nvPr>
+          </p:nvSpPr>
+          <p:spPr>
+            <a:xfrm flipH="1" flipV="1">
+              <a:off x="-2" y="1998845"/>
+              <a:ext cx="11454595" cy="781699"/>
+            </a:xfrm>
+            <a:prstGeom prst="rect">
+              <a:avLst/>
+            </a:prstGeom>
+            <a:solidFill>
+              <a:schemeClr val="accent4"/>
+            </a:solidFill>
+            <a:ln>
+              <a:noFill/>
+            </a:ln>
+          </p:spPr>
+          <p:style>
+            <a:lnRef idx="2">
+              <a:schemeClr val="accent1">
+                <a:shade val="50000"/>
+              </a:schemeClr>
+            </a:lnRef>
+            <a:fillRef idx="1">
+              <a:schemeClr val="accent1"/>
+            </a:fillRef>
+            <a:effectRef idx="0">
+              <a:schemeClr val="accent1"/>
+            </a:effectRef>
+            <a:fontRef idx="minor">
+              <a:schemeClr val="lt1"/>
+            </a:fontRef>
+          </p:style>
+          <p:txBody>
+            <a:bodyPr rtlCol="0" anchor="ctr"/>
+            <a:lstStyle/>
+            <a:p>
+              <a:pPr algn="ctr"/>
+              <a:endParaRPr lang="en-US"/>
+            </a:p>
+          </p:txBody>
+        </p:sp>
+      </p:grpSp>
+      <p:sp>
+        <p:nvSpPr>
+          <p:cNvPr id="28" name="Rectangle 27">
+            <a:extLst>
+              <a:ext uri="{FF2B5EF4-FFF2-40B4-BE49-F238E27FC236}">
+                <a16:creationId xmlns:a16="http://schemas.microsoft.com/office/drawing/2014/main" id="{E659831F-0D9A-4C63-9EBB-8435B85A440F}"/>
+              </a:ext>
+              <a:ext uri="{C183D7F6-B498-43B3-948B-1728B52AA6E4}">
+                <adec:decorative xmlns:adec="http://schemas.microsoft.com/office/drawing/2017/decorative" val="1"/>
+              </a:ext>
+            </a:extLst>
+          </p:cNvPr>
+          <p:cNvSpPr>
+            <a:spLocks noGrp="1" noRot="1" noChangeAspect="1" noMove="1" noResize="1" noEditPoints="1" noAdjustHandles="1" noChangeArrowheads="1" noChangeShapeType="1" noTextEdit="1"/>
+          </p:cNvSpPr>
+          <p:nvPr>
+            <p:extLst>
+              <p:ext uri="{386F3935-93C4-4BCD-93E2-E3B085C9AB24}">
+                <p16:designElem xmlns:p16="http://schemas.microsoft.com/office/powerpoint/2015/main" val="1"/>
+              </p:ext>
+            </p:extLst>
+          </p:nvPr>
+        </p:nvSpPr>
+        <p:spPr>
+          <a:xfrm>
+            <a:off x="0" y="2203079"/>
+            <a:ext cx="11383362" cy="4147845"/>
+          </a:xfrm>
+          <a:prstGeom prst="rect">
+            <a:avLst/>
+          </a:prstGeom>
+          <a:solidFill>
+            <a:schemeClr val="bg1"/>
+          </a:solidFill>
+          <a:ln>
+            <a:noFill/>
+          </a:ln>
+          <a:effectLst>
+            <a:outerShdw blurRad="139700" dist="127000" dir="5400000" algn="t" rotWithShape="0">
+              <a:prstClr val="black">
+                <a:alpha val="15000"/>
+              </a:prstClr>
+            </a:outerShdw>
+          </a:effectLst>
+        </p:spPr>
+        <p:style>
+          <a:lnRef idx="2">
+            <a:schemeClr val="accent1">
+              <a:shade val="50000"/>
+            </a:schemeClr>
+          </a:lnRef>
+          <a:fillRef idx="1">
+            <a:schemeClr val="accent1"/>
+          </a:fillRef>
+          <a:effectRef idx="0">
+            <a:schemeClr val="accent1"/>
+          </a:effectRef>
+          <a:fontRef idx="minor">
+            <a:schemeClr val="lt1"/>
+          </a:fontRef>
+        </p:style>
+        <p:txBody>
+          <a:bodyPr rtlCol="0" anchor="ctr"/>
+          <a:lstStyle/>
+          <a:p>
+            <a:pPr algn="ctr"/>
+            <a:endParaRPr lang="en-US"/>
           </a:p>
         </p:txBody>
       </p:sp>
@@ -13306,32 +14453,39 @@
             <p:ph idx="1"/>
           </p:nvPr>
         </p:nvSpPr>
-        <p:spPr/>
+        <p:spPr>
+          <a:xfrm>
+            <a:off x="793660" y="2599509"/>
+            <a:ext cx="10143668" cy="3435531"/>
+          </a:xfrm>
+        </p:spPr>
         <p:txBody>
-          <a:bodyPr/>
+          <a:bodyPr anchor="ctr">
+            <a:normAutofit/>
+          </a:bodyPr>
           <a:lstStyle/>
           <a:p>
             <a:r>
-              <a:rPr lang="en-US" dirty="0"/>
-              <a:t>Size of data set</a:t>
+              <a:rPr lang="en-US" sz="2400" dirty="0"/>
+              <a:t>Panel data with only 7 periods</a:t>
             </a:r>
           </a:p>
           <a:p>
             <a:r>
-              <a:rPr lang="en-US" dirty="0"/>
+              <a:rPr lang="en-US" sz="2400" dirty="0"/>
               <a:t>Missing values or no sales?</a:t>
             </a:r>
           </a:p>
           <a:p>
             <a:r>
-              <a:rPr lang="en-US" dirty="0"/>
+              <a:rPr lang="en-US" sz="2400" dirty="0"/>
               <a:t>New clients and new products</a:t>
             </a:r>
           </a:p>
           <a:p>
             <a:r>
-              <a:rPr lang="en-US" dirty="0"/>
-              <a:t>Time series data with only 7 events</a:t>
+              <a:rPr lang="en-US" sz="2400" dirty="0"/>
+              <a:t>Size of data set</a:t>
             </a:r>
           </a:p>
         </p:txBody>
@@ -13349,7 +14503,7 @@
 </p:sld>
 </file>
 
-<file path=ppt/slides/slide7.xml><?xml version="1.0" encoding="utf-8"?>
+<file path=ppt/slides/slide8.xml><?xml version="1.0" encoding="utf-8"?>
 <p:sld xmlns:a="http://schemas.openxmlformats.org/drawingml/2006/main" xmlns:r="http://schemas.openxmlformats.org/officeDocument/2006/relationships" xmlns:p="http://schemas.openxmlformats.org/presentationml/2006/main">
   <p:cSld>
     <p:spTree>
@@ -13453,7 +14607,7 @@
 </p:sld>
 </file>
 
-<file path=ppt/slides/slide8.xml><?xml version="1.0" encoding="utf-8"?>
+<file path=ppt/slides/slide9.xml><?xml version="1.0" encoding="utf-8"?>
 <p:sld xmlns:a="http://schemas.openxmlformats.org/drawingml/2006/main" xmlns:r="http://schemas.openxmlformats.org/officeDocument/2006/relationships" xmlns:p="http://schemas.openxmlformats.org/presentationml/2006/main">
   <p:cSld>
     <p:spTree>
@@ -13854,118 +15008,6 @@
     <p:extLst>
       <p:ext uri="{BB962C8B-B14F-4D97-AF65-F5344CB8AC3E}">
         <p14:creationId xmlns:p14="http://schemas.microsoft.com/office/powerpoint/2010/main" val="4035612856"/>
-      </p:ext>
-    </p:extLst>
-  </p:cSld>
-  <p:clrMapOvr>
-    <a:masterClrMapping/>
-  </p:clrMapOvr>
-</p:sld>
-</file>
-
-<file path=ppt/slides/slide9.xml><?xml version="1.0" encoding="utf-8"?>
-<p:sld xmlns:a="http://schemas.openxmlformats.org/drawingml/2006/main" xmlns:r="http://schemas.openxmlformats.org/officeDocument/2006/relationships" xmlns:p="http://schemas.openxmlformats.org/presentationml/2006/main">
-  <p:cSld>
-    <p:spTree>
-      <p:nvGrpSpPr>
-        <p:cNvPr id="1" name=""/>
-        <p:cNvGrpSpPr/>
-        <p:nvPr/>
-      </p:nvGrpSpPr>
-      <p:grpSpPr>
-        <a:xfrm>
-          <a:off x="0" y="0"/>
-          <a:ext cx="0" cy="0"/>
-          <a:chOff x="0" y="0"/>
-          <a:chExt cx="0" cy="0"/>
-        </a:xfrm>
-      </p:grpSpPr>
-      <p:sp>
-        <p:nvSpPr>
-          <p:cNvPr id="2" name="Title 1">
-            <a:extLst>
-              <a:ext uri="{FF2B5EF4-FFF2-40B4-BE49-F238E27FC236}">
-                <a16:creationId xmlns:a16="http://schemas.microsoft.com/office/drawing/2014/main" id="{FE9E90A2-174E-5B20-640F-5D4DD79EC5C9}"/>
-              </a:ext>
-            </a:extLst>
-          </p:cNvPr>
-          <p:cNvSpPr>
-            <a:spLocks noGrp="1"/>
-          </p:cNvSpPr>
-          <p:nvPr>
-            <p:ph type="title"/>
-          </p:nvPr>
-        </p:nvSpPr>
-        <p:spPr/>
-        <p:txBody>
-          <a:bodyPr/>
-          <a:lstStyle/>
-          <a:p>
-            <a:r>
-              <a:rPr lang="en-US" dirty="0" err="1"/>
-              <a:t>xgboost</a:t>
-            </a:r>
-            <a:r>
-              <a:rPr lang="en-US" dirty="0"/>
-              <a:t> model</a:t>
-            </a:r>
-          </a:p>
-        </p:txBody>
-      </p:sp>
-      <p:sp>
-        <p:nvSpPr>
-          <p:cNvPr id="3" name="Content Placeholder 2">
-            <a:extLst>
-              <a:ext uri="{FF2B5EF4-FFF2-40B4-BE49-F238E27FC236}">
-                <a16:creationId xmlns:a16="http://schemas.microsoft.com/office/drawing/2014/main" id="{D8515897-033D-B200-2EC8-376CF4FBA309}"/>
-              </a:ext>
-            </a:extLst>
-          </p:cNvPr>
-          <p:cNvSpPr>
-            <a:spLocks noGrp="1"/>
-          </p:cNvSpPr>
-          <p:nvPr>
-            <p:ph idx="1"/>
-          </p:nvPr>
-        </p:nvSpPr>
-        <p:spPr/>
-        <p:txBody>
-          <a:bodyPr/>
-          <a:lstStyle/>
-          <a:p>
-            <a:r>
-              <a:rPr lang="en-US" dirty="0" err="1"/>
-              <a:t>Gridseach</a:t>
-            </a:r>
-            <a:r>
-              <a:rPr lang="en-US" dirty="0"/>
-              <a:t> cross validation</a:t>
-            </a:r>
-          </a:p>
-          <a:p>
-            <a:r>
-              <a:rPr lang="en-US" dirty="0"/>
-              <a:t>Features: adjusted demand of the previous 3 weeks, client ID, client mean/median/min/max, product ID, product mean/median</a:t>
-            </a:r>
-          </a:p>
-          <a:p>
-            <a:r>
-              <a:rPr lang="en-US" dirty="0"/>
-              <a:t>Root mean squared log error of 0.493</a:t>
-            </a:r>
-          </a:p>
-          <a:p>
-            <a:r>
-              <a:rPr lang="en-US" dirty="0"/>
-              <a:t>Top Kaggle score is 0.442</a:t>
-            </a:r>
-          </a:p>
-        </p:txBody>
-      </p:sp>
-    </p:spTree>
-    <p:extLst>
-      <p:ext uri="{BB962C8B-B14F-4D97-AF65-F5344CB8AC3E}">
-        <p14:creationId xmlns:p14="http://schemas.microsoft.com/office/powerpoint/2010/main" val="1019809051"/>
       </p:ext>
     </p:extLst>
   </p:cSld>
@@ -14603,4 +15645,24 @@
     </a:ext>
   </a:extLst>
 </a:theme>
+</file>
+
+<file path=ppt/webextensions/taskpanes.xml><?xml version="1.0" encoding="utf-8"?>
+<wetp:taskpanes xmlns:wetp="http://schemas.microsoft.com/office/webextensions/taskpanes/2010/11">
+  <wetp:taskpane dockstate="right" visibility="0" width="525" row="3">
+    <wetp:webextensionref xmlns:r="http://schemas.openxmlformats.org/officeDocument/2006/relationships" r:id="rId1"/>
+  </wetp:taskpane>
+</wetp:taskpanes>
+</file>
+
+<file path=ppt/webextensions/webextension1.xml><?xml version="1.0" encoding="utf-8"?>
+<we:webextension xmlns:we="http://schemas.microsoft.com/office/webextensions/webextension/2010/11" id="{DF1162D5-7134-4C1B-A712-81BFBF4C9365}">
+  <we:reference id="wa200005566" version="3.0.0.3" store="en-US" storeType="OMEX"/>
+  <we:alternateReferences>
+    <we:reference id="wa200005566" version="3.0.0.3" store="wa200005566" storeType="OMEX"/>
+  </we:alternateReferences>
+  <we:properties/>
+  <we:bindings/>
+  <we:snapshot xmlns:r="http://schemas.openxmlformats.org/officeDocument/2006/relationships"/>
+</we:webextension>
 </file>